--- a/prezentáció.pptx
+++ b/prezentáció.pptx
@@ -5,10 +5,10 @@
     <p:sldMasterId id="2147483864" r:id="rId4"/>
   </p:sldMasterIdLst>
   <p:notesMasterIdLst>
-    <p:notesMasterId r:id="rId14"/>
+    <p:notesMasterId r:id="rId15"/>
   </p:notesMasterIdLst>
   <p:handoutMasterIdLst>
-    <p:handoutMasterId r:id="rId15"/>
+    <p:handoutMasterId r:id="rId16"/>
   </p:handoutMasterIdLst>
   <p:sldIdLst>
     <p:sldId id="256" r:id="rId5"/>
@@ -19,7 +19,8 @@
     <p:sldId id="265" r:id="rId10"/>
     <p:sldId id="267" r:id="rId11"/>
     <p:sldId id="268" r:id="rId12"/>
-    <p:sldId id="261" r:id="rId13"/>
+    <p:sldId id="269" r:id="rId13"/>
+    <p:sldId id="261" r:id="rId14"/>
   </p:sldIdLst>
   <p:sldSz cx="12192000" cy="6858000"/>
   <p:notesSz cx="6858000" cy="9144000"/>
@@ -3047,7 +3048,7 @@
           <a:p>
             <a:fld id="{739FB2FC-BB9E-49C2-8CC7-6A726ED86D84}" type="datetimeFigureOut">
               <a:rPr lang="hu-HU" smtClean="0"/>
-              <a:t>2025. 03. 27.</a:t>
+              <a:t>2025. 04. 03.</a:t>
             </a:fld>
             <a:endParaRPr lang="hu-HU"/>
           </a:p>
@@ -3225,7 +3226,7 @@
           <a:p>
             <a:fld id="{B9CCC56D-1999-49F7-9BE2-3A3019848181}" type="datetimeFigureOut">
               <a:rPr lang="hu-HU" noProof="0" smtClean="0"/>
-              <a:t>2025. 03. 27.</a:t>
+              <a:t>2025. 04. 03.</a:t>
             </a:fld>
             <a:endParaRPr lang="hu-HU" noProof="0"/>
           </a:p>
@@ -3726,7 +3727,7 @@
           <a:p>
             <a:fld id="{ABEC351E-E5A4-4D7B-A000-61564A7BE4F6}" type="slidenum">
               <a:rPr lang="hu-HU" noProof="0" smtClean="0"/>
-              <a:t>9</a:t>
+              <a:t>10</a:t>
             </a:fld>
             <a:endParaRPr lang="hu-HU" noProof="0"/>
           </a:p>
@@ -3986,7 +3987,7 @@
             <a:pPr rtl="0"/>
             <a:fld id="{95CA01AC-FE48-43E8-9541-14BE6D4B6216}" type="datetime1">
               <a:rPr lang="hu-HU" smtClean="0"/>
-              <a:t>2025. 03. 27.</a:t>
+              <a:t>2025. 04. 03.</a:t>
             </a:fld>
             <a:endParaRPr lang="hu-HU" dirty="0"/>
           </a:p>
@@ -4161,7 +4162,7 @@
             <a:pPr rtl="0"/>
             <a:fld id="{BA132BAD-A41C-435C-BDF1-B40F5FDD6CBB}" type="datetime1">
               <a:rPr lang="hu-HU" smtClean="0"/>
-              <a:t>2025. 03. 27.</a:t>
+              <a:t>2025. 04. 03.</a:t>
             </a:fld>
             <a:endParaRPr lang="hu-HU" dirty="0"/>
           </a:p>
@@ -4346,7 +4347,7 @@
             <a:pPr rtl="0"/>
             <a:fld id="{511901B3-A2B9-4D78-B569-739B455CDF92}" type="datetime1">
               <a:rPr lang="hu-HU" smtClean="0"/>
-              <a:t>2025. 03. 27.</a:t>
+              <a:t>2025. 04. 03.</a:t>
             </a:fld>
             <a:endParaRPr lang="hu-HU" dirty="0"/>
           </a:p>
@@ -4521,7 +4522,7 @@
             <a:pPr rtl="0"/>
             <a:fld id="{3851FB85-B948-4ACD-8B79-12856967A932}" type="datetime1">
               <a:rPr lang="hu-HU" smtClean="0"/>
-              <a:t>2025. 03. 27.</a:t>
+              <a:t>2025. 04. 03.</a:t>
             </a:fld>
             <a:endParaRPr lang="hu-HU" dirty="0"/>
           </a:p>
@@ -4780,7 +4781,7 @@
             <a:pPr rtl="0"/>
             <a:fld id="{02DEE940-EEB9-4D88-B665-1DF05D9BAE13}" type="datetime1">
               <a:rPr lang="hu-HU" smtClean="0"/>
-              <a:t>2025. 03. 27.</a:t>
+              <a:t>2025. 04. 03.</a:t>
             </a:fld>
             <a:endParaRPr lang="hu-HU" dirty="0"/>
           </a:p>
@@ -5073,7 +5074,7 @@
             <a:pPr rtl="0"/>
             <a:fld id="{A1DCEE0E-6970-4EFC-81F5-D470F37408DE}" type="datetime1">
               <a:rPr lang="hu-HU" smtClean="0"/>
-              <a:t>2025. 03. 27.</a:t>
+              <a:t>2025. 04. 03.</a:t>
             </a:fld>
             <a:endParaRPr lang="hu-HU" dirty="0"/>
           </a:p>
@@ -5520,7 +5521,7 @@
             <a:pPr rtl="0"/>
             <a:fld id="{5722FE6C-7199-4AEC-9102-6BCA289AF93C}" type="datetime1">
               <a:rPr lang="hu-HU" smtClean="0"/>
-              <a:t>2025. 03. 27.</a:t>
+              <a:t>2025. 04. 03.</a:t>
             </a:fld>
             <a:endParaRPr lang="hu-HU" dirty="0"/>
           </a:p>
@@ -5643,7 +5644,7 @@
             <a:pPr rtl="0"/>
             <a:fld id="{03D29D9B-97B7-4810-8AA3-861B7C07DF7C}" type="datetime1">
               <a:rPr lang="hu-HU" smtClean="0"/>
-              <a:t>2025. 03. 27.</a:t>
+              <a:t>2025. 04. 03.</a:t>
             </a:fld>
             <a:endParaRPr lang="hu-HU" dirty="0"/>
           </a:p>
@@ -5742,7 +5743,7 @@
             <a:pPr rtl="0"/>
             <a:fld id="{E0B8E3E5-F330-44D0-86BC-D7273766CF24}" type="datetime1">
               <a:rPr lang="hu-HU" smtClean="0"/>
-              <a:t>2025. 03. 27.</a:t>
+              <a:t>2025. 04. 03.</a:t>
             </a:fld>
             <a:endParaRPr lang="hu-HU" dirty="0"/>
           </a:p>
@@ -6035,7 +6036,7 @@
             <a:pPr rtl="0"/>
             <a:fld id="{03B9D2F3-D2FB-4079-8358-26B647FEDD45}" type="datetime1">
               <a:rPr lang="hu-HU" smtClean="0"/>
-              <a:t>2025. 03. 27.</a:t>
+              <a:t>2025. 04. 03.</a:t>
             </a:fld>
             <a:endParaRPr lang="hu-HU" dirty="0"/>
           </a:p>
@@ -6613,7 +6614,7 @@
             <a:pPr rtl="0"/>
             <a:fld id="{BF34A502-BF6B-45AF-A469-BC8939D6A3FE}" type="datetime1">
               <a:rPr lang="hu-HU" smtClean="0"/>
-              <a:t>2025. 03. 27.</a:t>
+              <a:t>2025. 04. 03.</a:t>
             </a:fld>
             <a:endParaRPr lang="hu-HU" dirty="0"/>
           </a:p>
@@ -6927,7 +6928,7 @@
             <a:pPr rtl="0"/>
             <a:fld id="{D951BFFD-2CCD-4914-9DBD-1533C1ADC8FA}" type="datetime1">
               <a:rPr lang="hu-HU" noProof="0" smtClean="0"/>
-              <a:t>2025. 03. 27.</a:t>
+              <a:t>2025. 04. 03.</a:t>
             </a:fld>
             <a:endParaRPr lang="hu-HU" noProof="0"/>
           </a:p>
@@ -7757,6 +7758,303 @@
 </p:sld>
 </file>
 
+<file path=ppt/slides/slide10.xml><?xml version="1.0" encoding="utf-8"?>
+<p:sld xmlns:a="http://schemas.openxmlformats.org/drawingml/2006/main" xmlns:r="http://schemas.openxmlformats.org/officeDocument/2006/relationships" xmlns:p="http://schemas.openxmlformats.org/presentationml/2006/main">
+  <p:cSld>
+    <p:bg>
+      <p:bgPr>
+        <a:solidFill>
+          <a:schemeClr val="bg1"/>
+        </a:solidFill>
+        <a:effectLst/>
+      </p:bgPr>
+    </p:bg>
+    <p:spTree>
+      <p:nvGrpSpPr>
+        <p:cNvPr id="1" name=""/>
+        <p:cNvGrpSpPr/>
+        <p:nvPr/>
+      </p:nvGrpSpPr>
+      <p:grpSpPr>
+        <a:xfrm>
+          <a:off x="0" y="0"/>
+          <a:ext cx="0" cy="0"/>
+          <a:chOff x="0" y="0"/>
+          <a:chExt cx="0" cy="0"/>
+        </a:xfrm>
+      </p:grpSpPr>
+      <p:sp useBgFill="1">
+        <p:nvSpPr>
+          <p:cNvPr id="10" name="Téglalap 9">
+            <a:extLst>
+              <a:ext uri="{FF2B5EF4-FFF2-40B4-BE49-F238E27FC236}">
+                <a16:creationId xmlns:a16="http://schemas.microsoft.com/office/drawing/2014/main" id="{474A7FC5-56F0-4FE3-8383-04EE92963F2A}"/>
+              </a:ext>
+              <a:ext uri="{C183D7F6-B498-43B3-948B-1728B52AA6E4}">
+                <adec:decorative xmlns:adec="http://schemas.microsoft.com/office/drawing/2017/decorative" val="1"/>
+              </a:ext>
+            </a:extLst>
+          </p:cNvPr>
+          <p:cNvSpPr>
+            <a:spLocks noGrp="1" noRot="1" noChangeAspect="1" noMove="1" noResize="1" noEditPoints="1" noAdjustHandles="1" noChangeArrowheads="1" noChangeShapeType="1" noTextEdit="1"/>
+          </p:cNvSpPr>
+          <p:nvPr>
+            <p:extLst>
+              <p:ext uri="{386F3935-93C4-4BCD-93E2-E3B085C9AB24}">
+                <p16:designElem xmlns:p16="http://schemas.microsoft.com/office/powerpoint/2015/main" val="1"/>
+              </p:ext>
+            </p:extLst>
+          </p:nvPr>
+        </p:nvSpPr>
+        <p:spPr>
+          <a:xfrm>
+            <a:off x="0" y="0"/>
+            <a:ext cx="12191999" cy="6858000"/>
+          </a:xfrm>
+          <a:prstGeom prst="rect">
+            <a:avLst/>
+          </a:prstGeom>
+          <a:ln>
+            <a:noFill/>
+          </a:ln>
+        </p:spPr>
+        <p:style>
+          <a:lnRef idx="2">
+            <a:schemeClr val="accent1">
+              <a:shade val="50000"/>
+            </a:schemeClr>
+          </a:lnRef>
+          <a:fillRef idx="1">
+            <a:schemeClr val="accent1"/>
+          </a:fillRef>
+          <a:effectRef idx="0">
+            <a:schemeClr val="accent1"/>
+          </a:effectRef>
+          <a:fontRef idx="minor">
+            <a:schemeClr val="lt1"/>
+          </a:fontRef>
+        </p:style>
+        <p:txBody>
+          <a:bodyPr rtlCol="0" anchor="ctr"/>
+          <a:lstStyle/>
+          <a:p>
+            <a:pPr algn="ctr" rtl="0"/>
+            <a:endParaRPr lang="hu-HU"/>
+          </a:p>
+        </p:txBody>
+      </p:sp>
+      <p:pic>
+        <p:nvPicPr>
+          <p:cNvPr id="5" name="Kép 4" descr="A munka">
+            <a:extLst>
+              <a:ext uri="{FF2B5EF4-FFF2-40B4-BE49-F238E27FC236}">
+                <a16:creationId xmlns:a16="http://schemas.microsoft.com/office/drawing/2014/main" id="{BC829010-59E7-4B6E-AE76-EEE7D0ED0D81}"/>
+              </a:ext>
+            </a:extLst>
+          </p:cNvPr>
+          <p:cNvPicPr>
+            <a:picLocks noChangeAspect="1"/>
+          </p:cNvPicPr>
+          <p:nvPr/>
+        </p:nvPicPr>
+        <p:blipFill rotWithShape="1">
+          <a:blip r:embed="rId3" cstate="screen">
+            <a:extLst>
+              <a:ext uri="{28A0092B-C50C-407E-A947-70E740481C1C}">
+                <a14:useLocalDpi xmlns:a14="http://schemas.microsoft.com/office/drawing/2010/main"/>
+              </a:ext>
+            </a:extLst>
+          </a:blip>
+          <a:srcRect/>
+          <a:stretch/>
+        </p:blipFill>
+        <p:spPr>
+          <a:xfrm>
+            <a:off x="20" y="-1"/>
+            <a:ext cx="12188932" cy="6858000"/>
+          </a:xfrm>
+          <a:prstGeom prst="rect">
+            <a:avLst/>
+          </a:prstGeom>
+        </p:spPr>
+      </p:pic>
+      <p:sp>
+        <p:nvSpPr>
+          <p:cNvPr id="12" name="Téglalap 11">
+            <a:extLst>
+              <a:ext uri="{FF2B5EF4-FFF2-40B4-BE49-F238E27FC236}">
+                <a16:creationId xmlns:a16="http://schemas.microsoft.com/office/drawing/2014/main" id="{DE6BEBC3-6A99-4A53-9835-9875E08415A6}"/>
+              </a:ext>
+              <a:ext uri="{C183D7F6-B498-43B3-948B-1728B52AA6E4}">
+                <adec:decorative xmlns:adec="http://schemas.microsoft.com/office/drawing/2017/decorative" val="1"/>
+              </a:ext>
+            </a:extLst>
+          </p:cNvPr>
+          <p:cNvSpPr>
+            <a:spLocks noGrp="1" noRot="1" noChangeAspect="1" noMove="1" noResize="1" noEditPoints="1" noAdjustHandles="1" noChangeArrowheads="1" noChangeShapeType="1" noTextEdit="1"/>
+          </p:cNvSpPr>
+          <p:nvPr>
+            <p:extLst>
+              <p:ext uri="{386F3935-93C4-4BCD-93E2-E3B085C9AB24}">
+                <p16:designElem xmlns:p16="http://schemas.microsoft.com/office/powerpoint/2015/main" val="1"/>
+              </p:ext>
+            </p:extLst>
+          </p:nvPr>
+        </p:nvSpPr>
+        <p:spPr>
+          <a:xfrm>
+            <a:off x="0" y="761999"/>
+            <a:ext cx="9141619" cy="5334001"/>
+          </a:xfrm>
+          <a:prstGeom prst="rect">
+            <a:avLst/>
+          </a:prstGeom>
+          <a:solidFill>
+            <a:schemeClr val="accent1">
+              <a:alpha val="91000"/>
+            </a:schemeClr>
+          </a:solidFill>
+          <a:ln>
+            <a:noFill/>
+          </a:ln>
+        </p:spPr>
+        <p:style>
+          <a:lnRef idx="2">
+            <a:schemeClr val="accent1">
+              <a:shade val="50000"/>
+            </a:schemeClr>
+          </a:lnRef>
+          <a:fillRef idx="1">
+            <a:schemeClr val="accent1"/>
+          </a:fillRef>
+          <a:effectRef idx="0">
+            <a:schemeClr val="accent1"/>
+          </a:effectRef>
+          <a:fontRef idx="minor">
+            <a:schemeClr val="lt1"/>
+          </a:fontRef>
+        </p:style>
+        <p:txBody>
+          <a:bodyPr/>
+          <a:lstStyle/>
+          <a:p>
+            <a:endParaRPr lang="hu-HU"/>
+          </a:p>
+        </p:txBody>
+      </p:sp>
+      <p:sp>
+        <p:nvSpPr>
+          <p:cNvPr id="2" name="Cím 1">
+            <a:extLst>
+              <a:ext uri="{FF2B5EF4-FFF2-40B4-BE49-F238E27FC236}">
+                <a16:creationId xmlns:a16="http://schemas.microsoft.com/office/drawing/2014/main" id="{F993299F-3E8A-4BF7-9C3D-B9F22CF94C4E}"/>
+              </a:ext>
+            </a:extLst>
+          </p:cNvPr>
+          <p:cNvSpPr>
+            <a:spLocks noGrp="1"/>
+          </p:cNvSpPr>
+          <p:nvPr>
+            <p:ph type="ctrTitle"/>
+          </p:nvPr>
+        </p:nvSpPr>
+        <p:spPr>
+          <a:xfrm>
+            <a:off x="1069848" y="1298448"/>
+            <a:ext cx="7315200" cy="2130552"/>
+          </a:xfrm>
+        </p:spPr>
+        <p:txBody>
+          <a:bodyPr rtlCol="0">
+            <a:normAutofit/>
+          </a:bodyPr>
+          <a:lstStyle/>
+          <a:p>
+            <a:pPr rtl="0"/>
+            <a:r>
+              <a:rPr lang="hu-HU" dirty="0"/>
+              <a:t>Köszönjük a figyelmet!</a:t>
+            </a:r>
+          </a:p>
+        </p:txBody>
+      </p:sp>
+      <p:sp>
+        <p:nvSpPr>
+          <p:cNvPr id="14" name="Téglalap 13">
+            <a:extLst>
+              <a:ext uri="{FF2B5EF4-FFF2-40B4-BE49-F238E27FC236}">
+                <a16:creationId xmlns:a16="http://schemas.microsoft.com/office/drawing/2014/main" id="{D1006911-EDB8-4CDF-AEAA-A3FA060851F3}"/>
+              </a:ext>
+              <a:ext uri="{C183D7F6-B498-43B3-948B-1728B52AA6E4}">
+                <adec:decorative xmlns:adec="http://schemas.microsoft.com/office/drawing/2017/decorative" val="1"/>
+              </a:ext>
+            </a:extLst>
+          </p:cNvPr>
+          <p:cNvSpPr>
+            <a:spLocks noGrp="1" noRot="1" noChangeAspect="1" noMove="1" noResize="1" noEditPoints="1" noAdjustHandles="1" noChangeArrowheads="1" noChangeShapeType="1" noTextEdit="1"/>
+          </p:cNvSpPr>
+          <p:nvPr>
+            <p:extLst>
+              <p:ext uri="{386F3935-93C4-4BCD-93E2-E3B085C9AB24}">
+                <p16:designElem xmlns:p16="http://schemas.microsoft.com/office/powerpoint/2015/main" val="1"/>
+              </p:ext>
+            </p:extLst>
+          </p:nvPr>
+        </p:nvSpPr>
+        <p:spPr>
+          <a:xfrm>
+            <a:off x="9270263" y="761999"/>
+            <a:ext cx="2925318" cy="5334001"/>
+          </a:xfrm>
+          <a:prstGeom prst="rect">
+            <a:avLst/>
+          </a:prstGeom>
+          <a:solidFill>
+            <a:srgbClr val="C8C8C8">
+              <a:alpha val="49804"/>
+            </a:srgbClr>
+          </a:solidFill>
+          <a:ln>
+            <a:noFill/>
+          </a:ln>
+        </p:spPr>
+        <p:style>
+          <a:lnRef idx="2">
+            <a:schemeClr val="accent1">
+              <a:shade val="50000"/>
+            </a:schemeClr>
+          </a:lnRef>
+          <a:fillRef idx="1">
+            <a:schemeClr val="accent1"/>
+          </a:fillRef>
+          <a:effectRef idx="0">
+            <a:schemeClr val="accent1"/>
+          </a:effectRef>
+          <a:fontRef idx="minor">
+            <a:schemeClr val="lt1"/>
+          </a:fontRef>
+        </p:style>
+        <p:txBody>
+          <a:bodyPr/>
+          <a:lstStyle/>
+          <a:p>
+            <a:endParaRPr lang="hu-HU"/>
+          </a:p>
+        </p:txBody>
+      </p:sp>
+    </p:spTree>
+    <p:extLst>
+      <p:ext uri="{BB962C8B-B14F-4D97-AF65-F5344CB8AC3E}">
+        <p14:creationId xmlns:p14="http://schemas.microsoft.com/office/powerpoint/2010/main" val="295816944"/>
+      </p:ext>
+    </p:extLst>
+  </p:cSld>
+  <p:clrMapOvr>
+    <a:masterClrMapping/>
+  </p:clrMapOvr>
+</p:sld>
+</file>
+
 <file path=ppt/slides/slide2.xml><?xml version="1.0" encoding="utf-8"?>
 <p:sld xmlns:a="http://schemas.openxmlformats.org/drawingml/2006/main" xmlns:r="http://schemas.openxmlformats.org/officeDocument/2006/relationships" xmlns:p="http://schemas.openxmlformats.org/presentationml/2006/main">
   <p:cSld>
@@ -9101,14 +9399,6 @@
 <file path=ppt/slides/slide9.xml><?xml version="1.0" encoding="utf-8"?>
 <p:sld xmlns:a="http://schemas.openxmlformats.org/drawingml/2006/main" xmlns:r="http://schemas.openxmlformats.org/officeDocument/2006/relationships" xmlns:p="http://schemas.openxmlformats.org/presentationml/2006/main">
   <p:cSld>
-    <p:bg>
-      <p:bgPr>
-        <a:solidFill>
-          <a:schemeClr val="bg1"/>
-        </a:solidFill>
-        <a:effectLst/>
-      </p:bgPr>
-    </p:bg>
     <p:spTree>
       <p:nvGrpSpPr>
         <p:cNvPr id="1" name=""/>
@@ -9123,269 +9413,71 @@
           <a:chExt cx="0" cy="0"/>
         </a:xfrm>
       </p:grpSpPr>
-      <p:sp useBgFill="1">
-        <p:nvSpPr>
-          <p:cNvPr id="10" name="Téglalap 9">
+      <p:sp>
+        <p:nvSpPr>
+          <p:cNvPr id="2" name="Cím 1">
             <a:extLst>
               <a:ext uri="{FF2B5EF4-FFF2-40B4-BE49-F238E27FC236}">
-                <a16:creationId xmlns:a16="http://schemas.microsoft.com/office/drawing/2014/main" id="{474A7FC5-56F0-4FE3-8383-04EE92963F2A}"/>
-              </a:ext>
-              <a:ext uri="{C183D7F6-B498-43B3-948B-1728B52AA6E4}">
-                <adec:decorative xmlns:adec="http://schemas.microsoft.com/office/drawing/2017/decorative" val="1"/>
+                <a16:creationId xmlns:a16="http://schemas.microsoft.com/office/drawing/2014/main" id="{E479C656-882F-4E6F-B8B1-683754F98D58}"/>
               </a:ext>
             </a:extLst>
           </p:cNvPr>
           <p:cNvSpPr>
-            <a:spLocks noGrp="1" noRot="1" noChangeAspect="1" noMove="1" noResize="1" noEditPoints="1" noAdjustHandles="1" noChangeArrowheads="1" noChangeShapeType="1" noTextEdit="1"/>
-          </p:cNvSpPr>
-          <p:nvPr>
-            <p:extLst>
-              <p:ext uri="{386F3935-93C4-4BCD-93E2-E3B085C9AB24}">
-                <p16:designElem xmlns:p16="http://schemas.microsoft.com/office/powerpoint/2015/main" val="1"/>
-              </p:ext>
-            </p:extLst>
-          </p:nvPr>
-        </p:nvSpPr>
-        <p:spPr>
-          <a:xfrm>
-            <a:off x="0" y="0"/>
-            <a:ext cx="12191999" cy="6858000"/>
-          </a:xfrm>
-          <a:prstGeom prst="rect">
-            <a:avLst/>
-          </a:prstGeom>
-          <a:ln>
-            <a:noFill/>
-          </a:ln>
-        </p:spPr>
-        <p:style>
-          <a:lnRef idx="2">
-            <a:schemeClr val="accent1">
-              <a:shade val="50000"/>
-            </a:schemeClr>
-          </a:lnRef>
-          <a:fillRef idx="1">
-            <a:schemeClr val="accent1"/>
-          </a:fillRef>
-          <a:effectRef idx="0">
-            <a:schemeClr val="accent1"/>
-          </a:effectRef>
-          <a:fontRef idx="minor">
-            <a:schemeClr val="lt1"/>
-          </a:fontRef>
-        </p:style>
-        <p:txBody>
-          <a:bodyPr rtlCol="0" anchor="ctr"/>
+            <a:spLocks noGrp="1"/>
+          </p:cNvSpPr>
+          <p:nvPr>
+            <p:ph type="title"/>
+          </p:nvPr>
+        </p:nvSpPr>
+        <p:spPr/>
+        <p:txBody>
+          <a:bodyPr/>
           <a:lstStyle/>
           <a:p>
-            <a:pPr algn="ctr" rtl="0"/>
-            <a:endParaRPr lang="hu-HU"/>
-          </a:p>
-        </p:txBody>
-      </p:sp>
-      <p:pic>
-        <p:nvPicPr>
-          <p:cNvPr id="5" name="Kép 4" descr="A munka">
+            <a:r>
+              <a:rPr lang="hu-HU" dirty="0"/>
+              <a:t>További munkák</a:t>
+            </a:r>
+          </a:p>
+        </p:txBody>
+      </p:sp>
+      <p:sp>
+        <p:nvSpPr>
+          <p:cNvPr id="3" name="Tartalom helye 2">
             <a:extLst>
               <a:ext uri="{FF2B5EF4-FFF2-40B4-BE49-F238E27FC236}">
-                <a16:creationId xmlns:a16="http://schemas.microsoft.com/office/drawing/2014/main" id="{BC829010-59E7-4B6E-AE76-EEE7D0ED0D81}"/>
+                <a16:creationId xmlns:a16="http://schemas.microsoft.com/office/drawing/2014/main" id="{7A82D7E5-95E3-45FD-8DED-0D47C5FA76D7}"/>
               </a:ext>
             </a:extLst>
           </p:cNvPr>
-          <p:cNvPicPr>
-            <a:picLocks noChangeAspect="1"/>
-          </p:cNvPicPr>
-          <p:nvPr/>
-        </p:nvPicPr>
-        <p:blipFill rotWithShape="1">
-          <a:blip r:embed="rId3" cstate="screen">
-            <a:extLst>
-              <a:ext uri="{28A0092B-C50C-407E-A947-70E740481C1C}">
-                <a14:useLocalDpi xmlns:a14="http://schemas.microsoft.com/office/drawing/2010/main"/>
-              </a:ext>
-            </a:extLst>
-          </a:blip>
-          <a:srcRect/>
-          <a:stretch/>
-        </p:blipFill>
-        <p:spPr>
-          <a:xfrm>
-            <a:off x="20" y="-1"/>
-            <a:ext cx="12188932" cy="6858000"/>
-          </a:xfrm>
-          <a:prstGeom prst="rect">
-            <a:avLst/>
-          </a:prstGeom>
-        </p:spPr>
-      </p:pic>
-      <p:sp>
-        <p:nvSpPr>
-          <p:cNvPr id="12" name="Téglalap 11">
-            <a:extLst>
-              <a:ext uri="{FF2B5EF4-FFF2-40B4-BE49-F238E27FC236}">
-                <a16:creationId xmlns:a16="http://schemas.microsoft.com/office/drawing/2014/main" id="{DE6BEBC3-6A99-4A53-9835-9875E08415A6}"/>
-              </a:ext>
-              <a:ext uri="{C183D7F6-B498-43B3-948B-1728B52AA6E4}">
-                <adec:decorative xmlns:adec="http://schemas.microsoft.com/office/drawing/2017/decorative" val="1"/>
-              </a:ext>
-            </a:extLst>
-          </p:cNvPr>
-          <p:cNvSpPr>
-            <a:spLocks noGrp="1" noRot="1" noChangeAspect="1" noMove="1" noResize="1" noEditPoints="1" noAdjustHandles="1" noChangeArrowheads="1" noChangeShapeType="1" noTextEdit="1"/>
-          </p:cNvSpPr>
-          <p:nvPr>
-            <p:extLst>
-              <p:ext uri="{386F3935-93C4-4BCD-93E2-E3B085C9AB24}">
-                <p16:designElem xmlns:p16="http://schemas.microsoft.com/office/powerpoint/2015/main" val="1"/>
-              </p:ext>
-            </p:extLst>
-          </p:nvPr>
-        </p:nvSpPr>
-        <p:spPr>
-          <a:xfrm>
-            <a:off x="0" y="761999"/>
-            <a:ext cx="9141619" cy="5334001"/>
-          </a:xfrm>
-          <a:prstGeom prst="rect">
-            <a:avLst/>
-          </a:prstGeom>
-          <a:solidFill>
-            <a:schemeClr val="accent1">
-              <a:alpha val="91000"/>
-            </a:schemeClr>
-          </a:solidFill>
-          <a:ln>
-            <a:noFill/>
-          </a:ln>
-        </p:spPr>
-        <p:style>
-          <a:lnRef idx="2">
-            <a:schemeClr val="accent1">
-              <a:shade val="50000"/>
-            </a:schemeClr>
-          </a:lnRef>
-          <a:fillRef idx="1">
-            <a:schemeClr val="accent1"/>
-          </a:fillRef>
-          <a:effectRef idx="0">
-            <a:schemeClr val="accent1"/>
-          </a:effectRef>
-          <a:fontRef idx="minor">
-            <a:schemeClr val="lt1"/>
-          </a:fontRef>
-        </p:style>
+          <p:cNvSpPr>
+            <a:spLocks noGrp="1"/>
+          </p:cNvSpPr>
+          <p:nvPr>
+            <p:ph idx="1"/>
+          </p:nvPr>
+        </p:nvSpPr>
+        <p:spPr/>
         <p:txBody>
           <a:bodyPr/>
           <a:lstStyle/>
           <a:p>
-            <a:endParaRPr lang="hu-HU"/>
-          </a:p>
-        </p:txBody>
-      </p:sp>
-      <p:sp>
-        <p:nvSpPr>
-          <p:cNvPr id="2" name="Cím 1">
-            <a:extLst>
-              <a:ext uri="{FF2B5EF4-FFF2-40B4-BE49-F238E27FC236}">
-                <a16:creationId xmlns:a16="http://schemas.microsoft.com/office/drawing/2014/main" id="{F993299F-3E8A-4BF7-9C3D-B9F22CF94C4E}"/>
-              </a:ext>
-            </a:extLst>
-          </p:cNvPr>
-          <p:cNvSpPr>
-            <a:spLocks noGrp="1"/>
-          </p:cNvSpPr>
-          <p:nvPr>
-            <p:ph type="ctrTitle"/>
-          </p:nvPr>
-        </p:nvSpPr>
-        <p:spPr>
-          <a:xfrm>
-            <a:off x="1069848" y="1298448"/>
-            <a:ext cx="7315200" cy="2130552"/>
-          </a:xfrm>
-        </p:spPr>
-        <p:txBody>
-          <a:bodyPr rtlCol="0">
-            <a:normAutofit/>
-          </a:bodyPr>
-          <a:lstStyle/>
-          <a:p>
-            <a:pPr rtl="0"/>
             <a:r>
               <a:rPr lang="hu-HU" dirty="0"/>
-              <a:t>Köszönjük a figyelmet!</a:t>
-            </a:r>
-          </a:p>
-        </p:txBody>
-      </p:sp>
-      <p:sp>
-        <p:nvSpPr>
-          <p:cNvPr id="14" name="Téglalap 13">
-            <a:extLst>
-              <a:ext uri="{FF2B5EF4-FFF2-40B4-BE49-F238E27FC236}">
-                <a16:creationId xmlns:a16="http://schemas.microsoft.com/office/drawing/2014/main" id="{D1006911-EDB8-4CDF-AEAA-A3FA060851F3}"/>
-              </a:ext>
-              <a:ext uri="{C183D7F6-B498-43B3-948B-1728B52AA6E4}">
-                <adec:decorative xmlns:adec="http://schemas.microsoft.com/office/drawing/2017/decorative" val="1"/>
-              </a:ext>
-            </a:extLst>
-          </p:cNvPr>
-          <p:cNvSpPr>
-            <a:spLocks noGrp="1" noRot="1" noChangeAspect="1" noMove="1" noResize="1" noEditPoints="1" noAdjustHandles="1" noChangeArrowheads="1" noChangeShapeType="1" noTextEdit="1"/>
-          </p:cNvSpPr>
-          <p:nvPr>
-            <p:extLst>
-              <p:ext uri="{386F3935-93C4-4BCD-93E2-E3B085C9AB24}">
-                <p16:designElem xmlns:p16="http://schemas.microsoft.com/office/powerpoint/2015/main" val="1"/>
-              </p:ext>
-            </p:extLst>
-          </p:nvPr>
-        </p:nvSpPr>
-        <p:spPr>
-          <a:xfrm>
-            <a:off x="9270263" y="761999"/>
-            <a:ext cx="2925318" cy="5334001"/>
-          </a:xfrm>
-          <a:prstGeom prst="rect">
-            <a:avLst/>
-          </a:prstGeom>
-          <a:solidFill>
-            <a:srgbClr val="C8C8C8">
-              <a:alpha val="49804"/>
-            </a:srgbClr>
-          </a:solidFill>
-          <a:ln>
-            <a:noFill/>
-          </a:ln>
-        </p:spPr>
-        <p:style>
-          <a:lnRef idx="2">
-            <a:schemeClr val="accent1">
-              <a:shade val="50000"/>
-            </a:schemeClr>
-          </a:lnRef>
-          <a:fillRef idx="1">
-            <a:schemeClr val="accent1"/>
-          </a:fillRef>
-          <a:effectRef idx="0">
-            <a:schemeClr val="accent1"/>
-          </a:effectRef>
-          <a:fontRef idx="minor">
-            <a:schemeClr val="lt1"/>
-          </a:fontRef>
-        </p:style>
-        <p:txBody>
-          <a:bodyPr/>
-          <a:lstStyle/>
-          <a:p>
-            <a:endParaRPr lang="hu-HU"/>
+              <a:t>Mivel már nincs időnk a leadásig, ezért már új dologba nem kezdünk, már csak finomítunk az oldalon amíg </a:t>
+            </a:r>
+            <a:r>
+              <a:rPr lang="hu-HU"/>
+              <a:t>szerintünk tökéletes nem lesz.</a:t>
+            </a:r>
+            <a:endParaRPr lang="hu-HU" dirty="0"/>
           </a:p>
         </p:txBody>
       </p:sp>
     </p:spTree>
     <p:extLst>
       <p:ext uri="{BB962C8B-B14F-4D97-AF65-F5344CB8AC3E}">
-        <p14:creationId xmlns:p14="http://schemas.microsoft.com/office/powerpoint/2010/main" val="295816944"/>
+        <p14:creationId xmlns:p14="http://schemas.microsoft.com/office/powerpoint/2010/main" val="543351373"/>
       </p:ext>
     </p:extLst>
   </p:cSld>
@@ -10226,14 +10318,6 @@
 </file>
 
 <file path=customXml/item2.xml><?xml version="1.0" encoding="utf-8"?>
-<p:properties xmlns:p="http://schemas.microsoft.com/office/2006/metadata/properties" xmlns:xsi="http://www.w3.org/2001/XMLSchema-instance" xmlns:pc="http://schemas.microsoft.com/office/infopath/2007/PartnerControls">
-  <documentManagement>
-    <MediaServiceKeyPoints xmlns="71af3243-3dd4-4a8d-8c0d-dd76da1f02a5" xsi:nil="true"/>
-  </documentManagement>
-</p:properties>
-</file>
-
-<file path=customXml/item3.xml><?xml version="1.0" encoding="utf-8"?>
 <ct:contentTypeSchema xmlns:ct="http://schemas.microsoft.com/office/2006/metadata/contentType" xmlns:ma="http://schemas.microsoft.com/office/2006/metadata/properties/metaAttributes" ct:_="" ma:_="" ma:contentTypeName="Document" ma:contentTypeID="0x01010079F111ED35F8CC479449609E8A0923A6" ma:contentTypeVersion="11" ma:contentTypeDescription="Create a new document." ma:contentTypeScope="" ma:versionID="1c2eb7a32e66fb6e4260f3771546a5e2">
   <xsd:schema xmlns:xsd="http://www.w3.org/2001/XMLSchema" xmlns:xs="http://www.w3.org/2001/XMLSchema" xmlns:p="http://schemas.microsoft.com/office/2006/metadata/properties" xmlns:ns2="71af3243-3dd4-4a8d-8c0d-dd76da1f02a5" xmlns:ns3="16c05727-aa75-4e4a-9b5f-8a80a1165891" targetNamespace="http://schemas.microsoft.com/office/2006/metadata/properties" ma:root="true" ma:fieldsID="04e1f6479c48b08974ba73b5ca973489" ns2:_="" ns3:_="">
     <xsd:import namespace="71af3243-3dd4-4a8d-8c0d-dd76da1f02a5"/>
@@ -10444,6 +10528,14 @@
 </ct:contentTypeSchema>
 </file>
 
+<file path=customXml/item3.xml><?xml version="1.0" encoding="utf-8"?>
+<p:properties xmlns:p="http://schemas.microsoft.com/office/2006/metadata/properties" xmlns:xsi="http://www.w3.org/2001/XMLSchema-instance" xmlns:pc="http://schemas.microsoft.com/office/infopath/2007/PartnerControls">
+  <documentManagement>
+    <MediaServiceKeyPoints xmlns="71af3243-3dd4-4a8d-8c0d-dd76da1f02a5" xsi:nil="true"/>
+  </documentManagement>
+</p:properties>
+</file>
+
 <file path=customXml/itemProps1.xml><?xml version="1.0" encoding="utf-8"?>
 <ds:datastoreItem xmlns:ds="http://schemas.openxmlformats.org/officeDocument/2006/customXml" ds:itemID="{DFB9BFA2-1FA5-44A1-B975-10D6BF58ECD0}">
   <ds:schemaRefs>
@@ -10453,23 +10545,6 @@
 </file>
 
 <file path=customXml/itemProps2.xml><?xml version="1.0" encoding="utf-8"?>
-<ds:datastoreItem xmlns:ds="http://schemas.openxmlformats.org/officeDocument/2006/customXml" ds:itemID="{30541854-87B3-4953-A183-EF3BD285377B}">
-  <ds:schemaRefs>
-    <ds:schemaRef ds:uri="http://schemas.openxmlformats.org/package/2006/metadata/core-properties"/>
-    <ds:schemaRef ds:uri="http://schemas.microsoft.com/office/2006/metadata/properties"/>
-    <ds:schemaRef ds:uri="71af3243-3dd4-4a8d-8c0d-dd76da1f02a5"/>
-    <ds:schemaRef ds:uri="http://purl.org/dc/dcmitype/"/>
-    <ds:schemaRef ds:uri="http://schemas.microsoft.com/office/2006/documentManagement/types"/>
-    <ds:schemaRef ds:uri="http://purl.org/dc/terms/"/>
-    <ds:schemaRef ds:uri="http://purl.org/dc/elements/1.1/"/>
-    <ds:schemaRef ds:uri="http://schemas.microsoft.com/office/infopath/2007/PartnerControls"/>
-    <ds:schemaRef ds:uri="16c05727-aa75-4e4a-9b5f-8a80a1165891"/>
-    <ds:schemaRef ds:uri="http://www.w3.org/XML/1998/namespace"/>
-  </ds:schemaRefs>
-</ds:datastoreItem>
-</file>
-
-<file path=customXml/itemProps3.xml><?xml version="1.0" encoding="utf-8"?>
 <ds:datastoreItem xmlns:ds="http://schemas.openxmlformats.org/officeDocument/2006/customXml" ds:itemID="{E577E783-5AB8-45E6-9E56-AE40075231B2}">
   <ds:schemaRefs>
     <ds:schemaRef ds:uri="http://schemas.microsoft.com/office/2006/metadata/contentType"/>
@@ -10486,4 +10561,21 @@
     <ds:schemaRef ds:uri="http://schemas.microsoft.com/internal/obd"/>
   </ds:schemaRefs>
 </ds:datastoreItem>
+</file>
+
+<file path=customXml/itemProps3.xml><?xml version="1.0" encoding="utf-8"?>
+<ds:datastoreItem xmlns:ds="http://schemas.openxmlformats.org/officeDocument/2006/customXml" ds:itemID="{30541854-87B3-4953-A183-EF3BD285377B}">
+  <ds:schemaRefs>
+    <ds:schemaRef ds:uri="http://schemas.microsoft.com/office/2006/documentManagement/types"/>
+    <ds:schemaRef ds:uri="http://www.w3.org/XML/1998/namespace"/>
+    <ds:schemaRef ds:uri="http://purl.org/dc/terms/"/>
+    <ds:schemaRef ds:uri="http://schemas.microsoft.com/office/2006/metadata/properties"/>
+    <ds:schemaRef ds:uri="http://schemas.microsoft.com/office/infopath/2007/PartnerControls"/>
+    <ds:schemaRef ds:uri="http://purl.org/dc/elements/1.1/"/>
+    <ds:schemaRef ds:uri="16c05727-aa75-4e4a-9b5f-8a80a1165891"/>
+    <ds:schemaRef ds:uri="http://schemas.openxmlformats.org/package/2006/metadata/core-properties"/>
+    <ds:schemaRef ds:uri="71af3243-3dd4-4a8d-8c0d-dd76da1f02a5"/>
+    <ds:schemaRef ds:uri="http://purl.org/dc/dcmitype/"/>
+  </ds:schemaRefs>
+</ds:datastoreItem>
 </file>
--- a/prezentáció.pptx
+++ b/prezentáció.pptx
@@ -5,22 +5,26 @@
     <p:sldMasterId id="2147483864" r:id="rId4"/>
   </p:sldMasterIdLst>
   <p:notesMasterIdLst>
-    <p:notesMasterId r:id="rId15"/>
+    <p:notesMasterId r:id="rId19"/>
   </p:notesMasterIdLst>
   <p:handoutMasterIdLst>
-    <p:handoutMasterId r:id="rId16"/>
+    <p:handoutMasterId r:id="rId20"/>
   </p:handoutMasterIdLst>
   <p:sldIdLst>
     <p:sldId id="256" r:id="rId5"/>
     <p:sldId id="262" r:id="rId6"/>
-    <p:sldId id="266" r:id="rId7"/>
-    <p:sldId id="263" r:id="rId8"/>
-    <p:sldId id="264" r:id="rId9"/>
-    <p:sldId id="265" r:id="rId10"/>
-    <p:sldId id="267" r:id="rId11"/>
-    <p:sldId id="268" r:id="rId12"/>
-    <p:sldId id="269" r:id="rId13"/>
-    <p:sldId id="261" r:id="rId14"/>
+    <p:sldId id="270" r:id="rId7"/>
+    <p:sldId id="275" r:id="rId8"/>
+    <p:sldId id="273" r:id="rId9"/>
+    <p:sldId id="272" r:id="rId10"/>
+    <p:sldId id="274" r:id="rId11"/>
+    <p:sldId id="263" r:id="rId12"/>
+    <p:sldId id="264" r:id="rId13"/>
+    <p:sldId id="265" r:id="rId14"/>
+    <p:sldId id="267" r:id="rId15"/>
+    <p:sldId id="268" r:id="rId16"/>
+    <p:sldId id="269" r:id="rId17"/>
+    <p:sldId id="261" r:id="rId18"/>
   </p:sldIdLst>
   <p:sldSz cx="12192000" cy="6858000"/>
   <p:notesSz cx="6858000" cy="9144000"/>
@@ -130,9 +134,15 @@
 </p:presentation>
 </file>
 
+<file path=ppt/authors.xml><?xml version="1.0" encoding="utf-8"?>
+<p188:authorLst xmlns:a="http://schemas.openxmlformats.org/drawingml/2006/main" xmlns:r="http://schemas.openxmlformats.org/officeDocument/2006/relationships" xmlns:p188="http://schemas.microsoft.com/office/powerpoint/2018/8/main">
+  <p188:author id="{00000000-0000-0000-0000-000000000000}" name="Author" initials="A" userId="Author" providerId="AD"/>
+</p188:authorLst>
+</file>
+
 <file path=ppt/commentAuthors.xml><?xml version="1.0" encoding="utf-8"?>
 <p:cmAuthorLst xmlns:a="http://schemas.openxmlformats.org/drawingml/2006/main" xmlns:r="http://schemas.openxmlformats.org/officeDocument/2006/relationships" xmlns:p="http://schemas.openxmlformats.org/presentationml/2006/main">
-  <p:cmAuthor id="2" name="Szerző" initials="S" lastIdx="0" clrIdx="1"/>
+  <p:cmAuthor id="3" name="Author" initials="A" lastIdx="0" clrIdx="2"/>
 </p:cmAuthorLst>
 </file>
 
@@ -899,7 +909,7 @@
         <a:bodyPr rtlCol="0"/>
         <a:lstStyle/>
         <a:p>
-          <a:pPr rtl="0">
+          <a:pPr algn="ctr" rtl="0">
             <a:lnSpc>
               <a:spcPct val="100000"/>
             </a:lnSpc>
@@ -907,7 +917,48 @@
           </a:pPr>
           <a:r>
             <a:rPr lang="hu-HU" noProof="0" dirty="0"/>
-            <a:t>Megálmodás</a:t>
+            <a:t>A probléma:</a:t>
+          </a:r>
+        </a:p>
+        <a:p>
+          <a:pPr algn="ctr" rtl="0">
+            <a:lnSpc>
+              <a:spcPct val="100000"/>
+            </a:lnSpc>
+            <a:defRPr b="1"/>
+          </a:pPr>
+          <a:endParaRPr lang="hu-HU" noProof="0" dirty="0"/>
+        </a:p>
+        <a:p>
+          <a:pPr algn="l" rtl="0">
+            <a:lnSpc>
+              <a:spcPct val="100000"/>
+            </a:lnSpc>
+            <a:defRPr b="1"/>
+          </a:pPr>
+          <a:r>
+            <a:rPr lang="hu-HU" noProof="0" dirty="0"/>
+            <a:t>Minden munkás máshogy hirdeti magát</a:t>
+          </a:r>
+          <a:br>
+            <a:rPr lang="hu-HU" noProof="0" dirty="0"/>
+          </a:br>
+          <a:br>
+            <a:rPr lang="hu-HU" noProof="0" dirty="0"/>
+          </a:br>
+          <a:r>
+            <a:rPr lang="hu-HU" noProof="0" dirty="0"/>
+            <a:t>Mindenki folyton elfoglalt</a:t>
+          </a:r>
+          <a:br>
+            <a:rPr lang="hu-HU" noProof="0" dirty="0"/>
+          </a:br>
+          <a:br>
+            <a:rPr lang="hu-HU" noProof="0" dirty="0"/>
+          </a:br>
+          <a:r>
+            <a:rPr lang="hu-HU" noProof="0" dirty="0"/>
+            <a:t>Komplikált kapcsolatfelvétel</a:t>
           </a:r>
         </a:p>
       </dgm:t>
@@ -943,7 +994,7 @@
         <a:bodyPr rtlCol="0"/>
         <a:lstStyle/>
         <a:p>
-          <a:pPr rtl="0">
+          <a:pPr algn="ctr" rtl="0">
             <a:lnSpc>
               <a:spcPct val="100000"/>
             </a:lnSpc>
@@ -951,8 +1002,58 @@
           </a:pPr>
           <a:r>
             <a:rPr lang="hu-HU" noProof="0" dirty="0"/>
-            <a:t>Megtervezés</a:t>
+            <a:t>Tervezés:</a:t>
           </a:r>
+        </a:p>
+        <a:p>
+          <a:pPr algn="l" rtl="0">
+            <a:lnSpc>
+              <a:spcPct val="100000"/>
+            </a:lnSpc>
+            <a:defRPr b="1"/>
+          </a:pPr>
+          <a:endParaRPr lang="hu-HU" noProof="0" dirty="0"/>
+        </a:p>
+        <a:p>
+          <a:pPr algn="l" rtl="0">
+            <a:lnSpc>
+              <a:spcPct val="100000"/>
+            </a:lnSpc>
+            <a:defRPr b="1"/>
+          </a:pPr>
+          <a:r>
+            <a:rPr lang="hu-HU" noProof="0" dirty="0"/>
+            <a:t>Egységes platform</a:t>
+          </a:r>
+          <a:br>
+            <a:rPr lang="hu-HU" noProof="0" dirty="0"/>
+          </a:br>
+          <a:br>
+            <a:rPr lang="hu-HU" noProof="0" dirty="0"/>
+          </a:br>
+          <a:r>
+            <a:rPr lang="hu-HU" noProof="0" dirty="0"/>
+            <a:t>Csak olyanok akik gyorsan vállalják</a:t>
+          </a:r>
+          <a:br>
+            <a:rPr lang="hu-HU" noProof="0" dirty="0"/>
+          </a:br>
+          <a:br>
+            <a:rPr lang="hu-HU" noProof="0" dirty="0"/>
+          </a:br>
+          <a:r>
+            <a:rPr lang="hu-HU" noProof="0" dirty="0"/>
+            <a:t>Egyszerű és gyors kapcsolatfelvétel</a:t>
+          </a:r>
+        </a:p>
+        <a:p>
+          <a:pPr algn="ctr" rtl="0">
+            <a:lnSpc>
+              <a:spcPct val="100000"/>
+            </a:lnSpc>
+            <a:defRPr b="1"/>
+          </a:pPr>
+          <a:endParaRPr lang="hu-HU" noProof="0" dirty="0"/>
         </a:p>
       </dgm:t>
     </dgm:pt>
@@ -987,7 +1088,7 @@
         <a:bodyPr rtlCol="0"/>
         <a:lstStyle/>
         <a:p>
-          <a:pPr rtl="0">
+          <a:pPr algn="ctr" rtl="0">
             <a:lnSpc>
               <a:spcPct val="100000"/>
             </a:lnSpc>
@@ -995,7 +1096,48 @@
           </a:pPr>
           <a:r>
             <a:rPr lang="hu-HU" noProof="0" dirty="0"/>
-            <a:t>Kivitelezés</a:t>
+            <a:t>Megoldás:</a:t>
+          </a:r>
+        </a:p>
+        <a:p>
+          <a:pPr algn="l" rtl="0">
+            <a:lnSpc>
+              <a:spcPct val="100000"/>
+            </a:lnSpc>
+            <a:defRPr b="1"/>
+          </a:pPr>
+          <a:endParaRPr lang="hu-HU" noProof="0" dirty="0"/>
+        </a:p>
+        <a:p>
+          <a:pPr algn="l" rtl="0">
+            <a:lnSpc>
+              <a:spcPct val="100000"/>
+            </a:lnSpc>
+            <a:defRPr b="1"/>
+          </a:pPr>
+          <a:r>
+            <a:rPr lang="hu-HU" noProof="0" dirty="0"/>
+            <a:t>Posztok tetszés szerinti szűrése</a:t>
+          </a:r>
+          <a:br>
+            <a:rPr lang="hu-HU" noProof="0" dirty="0"/>
+          </a:br>
+          <a:br>
+            <a:rPr lang="hu-HU" noProof="0" dirty="0"/>
+          </a:br>
+          <a:r>
+            <a:rPr lang="hu-HU" noProof="0" dirty="0"/>
+            <a:t>Aktivitásjelző és dátumbeállítás a posztra</a:t>
+          </a:r>
+          <a:br>
+            <a:rPr lang="hu-HU" noProof="0" dirty="0"/>
+          </a:br>
+          <a:br>
+            <a:rPr lang="hu-HU" noProof="0" dirty="0"/>
+          </a:br>
+          <a:r>
+            <a:rPr lang="hu-HU" noProof="0" dirty="0"/>
+            <a:t>Chat felület és időpont foglalás</a:t>
           </a:r>
         </a:p>
       </dgm:t>
@@ -1038,7 +1180,7 @@
       <dgm:spPr/>
     </dgm:pt>
     <dgm:pt modelId="{B5457E74-8057-48DE-912E-464E4AAA827D}" type="pres">
-      <dgm:prSet presAssocID="{5D3F0ED0-2EB6-453D-BE4B-4BBCD8987238}" presName="iconRect" presStyleLbl="node1" presStyleIdx="0" presStyleCnt="3"/>
+      <dgm:prSet presAssocID="{5D3F0ED0-2EB6-453D-BE4B-4BBCD8987238}" presName="iconRect" presStyleLbl="node1" presStyleIdx="0" presStyleCnt="3" custLinFactNeighborX="21286" custLinFactNeighborY="1190"/>
       <dgm:spPr>
         <a:blipFill>
           <a:blip xmlns:r="http://schemas.openxmlformats.org/officeDocument/2006/relationships" r:embed="rId1">
@@ -1065,7 +1207,7 @@
       <dgm:spPr/>
     </dgm:pt>
     <dgm:pt modelId="{60C74A3A-AE69-40BC-BA07-811BAF4B0959}" type="pres">
-      <dgm:prSet presAssocID="{5D3F0ED0-2EB6-453D-BE4B-4BBCD8987238}" presName="parTx" presStyleLbl="revTx" presStyleIdx="0" presStyleCnt="6">
+      <dgm:prSet presAssocID="{5D3F0ED0-2EB6-453D-BE4B-4BBCD8987238}" presName="parTx" presStyleLbl="revTx" presStyleIdx="0" presStyleCnt="6" custScaleX="110045" custScaleY="141288" custLinFactNeighborX="5616" custLinFactNeighborY="21236">
         <dgm:presLayoutVars>
           <dgm:chMax val="0"/>
           <dgm:chPref val="0"/>
@@ -1092,7 +1234,7 @@
       <dgm:spPr/>
     </dgm:pt>
     <dgm:pt modelId="{397C89C4-F6D6-47B8-A77B-785B366EEC7E}" type="pres">
-      <dgm:prSet presAssocID="{00C4C7D7-43FB-4C62-B653-0BAA02E17855}" presName="iconRect" presStyleLbl="node1" presStyleIdx="1" presStyleCnt="3"/>
+      <dgm:prSet presAssocID="{00C4C7D7-43FB-4C62-B653-0BAA02E17855}" presName="iconRect" presStyleLbl="node1" presStyleIdx="1" presStyleCnt="3" custLinFactNeighborX="8474" custLinFactNeighborY="-1333"/>
       <dgm:spPr>
         <a:blipFill>
           <a:blip xmlns:r="http://schemas.openxmlformats.org/officeDocument/2006/relationships" r:embed="rId3">
@@ -1122,7 +1264,7 @@
       <dgm:spPr/>
     </dgm:pt>
     <dgm:pt modelId="{1A23E20E-5A34-4BFA-8F11-557C972039FC}" type="pres">
-      <dgm:prSet presAssocID="{00C4C7D7-43FB-4C62-B653-0BAA02E17855}" presName="parTx" presStyleLbl="revTx" presStyleIdx="2" presStyleCnt="6">
+      <dgm:prSet presAssocID="{00C4C7D7-43FB-4C62-B653-0BAA02E17855}" presName="parTx" presStyleLbl="revTx" presStyleIdx="2" presStyleCnt="6" custScaleY="132551" custLinFactNeighborX="2966" custLinFactNeighborY="15048">
         <dgm:presLayoutVars>
           <dgm:chMax val="0"/>
           <dgm:chPref val="0"/>
@@ -1149,7 +1291,7 @@
       <dgm:spPr/>
     </dgm:pt>
     <dgm:pt modelId="{931DD085-43D8-4282-AAE3-2630C80E65B4}" type="pres">
-      <dgm:prSet presAssocID="{BE3AF4B6-F5EC-44DF-9BDC-CB79D95FB3F4}" presName="iconRect" presStyleLbl="node1" presStyleIdx="2" presStyleCnt="3"/>
+      <dgm:prSet presAssocID="{BE3AF4B6-F5EC-44DF-9BDC-CB79D95FB3F4}" presName="iconRect" presStyleLbl="node1" presStyleIdx="2" presStyleCnt="3" custLinFactNeighborX="-14631" custLinFactNeighborY="1333"/>
       <dgm:spPr>
         <a:blipFill>
           <a:blip xmlns:r="http://schemas.openxmlformats.org/officeDocument/2006/relationships" r:embed="rId5">
@@ -1179,7 +1321,7 @@
       <dgm:spPr/>
     </dgm:pt>
     <dgm:pt modelId="{D49FDA3F-E96A-48EC-8DA1-56251192BFED}" type="pres">
-      <dgm:prSet presAssocID="{BE3AF4B6-F5EC-44DF-9BDC-CB79D95FB3F4}" presName="parTx" presStyleLbl="revTx" presStyleIdx="4" presStyleCnt="6">
+      <dgm:prSet presAssocID="{BE3AF4B6-F5EC-44DF-9BDC-CB79D95FB3F4}" presName="parTx" presStyleLbl="revTx" presStyleIdx="4" presStyleCnt="6" custScaleX="115977" custScaleY="127541" custLinFactNeighborX="-2752" custLinFactNeighborY="11442">
         <dgm:presLayoutVars>
           <dgm:chMax val="0"/>
           <dgm:chPref val="0"/>
@@ -1252,8 +1394,8 @@
       </dsp:nvSpPr>
       <dsp:spPr>
         <a:xfrm>
-          <a:off x="713123" y="1348032"/>
-          <a:ext cx="763382" cy="763382"/>
+          <a:off x="912947" y="592448"/>
+          <a:ext cx="708750" cy="707244"/>
         </a:xfrm>
         <a:prstGeom prst="rect">
           <a:avLst/>
@@ -1305,8 +1447,8 @@
       </dsp:nvSpPr>
       <dsp:spPr>
         <a:xfrm>
-          <a:off x="4267" y="2206268"/>
-          <a:ext cx="2181093" cy="327164"/>
+          <a:off x="115976" y="1424965"/>
+          <a:ext cx="2228411" cy="3404671"/>
         </a:xfrm>
         <a:prstGeom prst="rect">
           <a:avLst/>
@@ -1335,7 +1477,7 @@
         </a:bodyPr>
         <a:lstStyle/>
         <a:p>
-          <a:pPr marL="0" lvl="0" indent="0" algn="ctr" defTabSz="933450" rtl="0">
+          <a:pPr marL="0" lvl="0" indent="0" algn="ctr" defTabSz="622300" rtl="0">
             <a:lnSpc>
               <a:spcPct val="100000"/>
             </a:lnSpc>
@@ -1349,14 +1491,69 @@
             <a:defRPr b="1"/>
           </a:pPr>
           <a:r>
-            <a:rPr lang="hu-HU" sz="2100" kern="1200" noProof="0" dirty="0"/>
-            <a:t>Megálmodás</a:t>
+            <a:rPr lang="hu-HU" sz="1400" kern="1200" noProof="0" dirty="0"/>
+            <a:t>A probléma:</a:t>
+          </a:r>
+        </a:p>
+        <a:p>
+          <a:pPr marL="0" lvl="0" indent="0" algn="ctr" defTabSz="622300" rtl="0">
+            <a:lnSpc>
+              <a:spcPct val="100000"/>
+            </a:lnSpc>
+            <a:spcBef>
+              <a:spcPct val="0"/>
+            </a:spcBef>
+            <a:spcAft>
+              <a:spcPct val="35000"/>
+            </a:spcAft>
+            <a:buNone/>
+            <a:defRPr b="1"/>
+          </a:pPr>
+          <a:endParaRPr lang="hu-HU" sz="1400" kern="1200" noProof="0" dirty="0"/>
+        </a:p>
+        <a:p>
+          <a:pPr marL="0" lvl="0" indent="0" algn="l" defTabSz="622300" rtl="0">
+            <a:lnSpc>
+              <a:spcPct val="100000"/>
+            </a:lnSpc>
+            <a:spcBef>
+              <a:spcPct val="0"/>
+            </a:spcBef>
+            <a:spcAft>
+              <a:spcPct val="35000"/>
+            </a:spcAft>
+            <a:buNone/>
+            <a:defRPr b="1"/>
+          </a:pPr>
+          <a:r>
+            <a:rPr lang="hu-HU" sz="1400" kern="1200" noProof="0" dirty="0"/>
+            <a:t>Minden munkás máshogy hirdeti magát</a:t>
+          </a:r>
+          <a:br>
+            <a:rPr lang="hu-HU" sz="1400" kern="1200" noProof="0" dirty="0"/>
+          </a:br>
+          <a:br>
+            <a:rPr lang="hu-HU" sz="1400" kern="1200" noProof="0" dirty="0"/>
+          </a:br>
+          <a:r>
+            <a:rPr lang="hu-HU" sz="1400" kern="1200" noProof="0" dirty="0"/>
+            <a:t>Mindenki folyton elfoglalt</a:t>
+          </a:r>
+          <a:br>
+            <a:rPr lang="hu-HU" sz="1400" kern="1200" noProof="0" dirty="0"/>
+          </a:br>
+          <a:br>
+            <a:rPr lang="hu-HU" sz="1400" kern="1200" noProof="0" dirty="0"/>
+          </a:br>
+          <a:r>
+            <a:rPr lang="hu-HU" sz="1400" kern="1200" noProof="0" dirty="0"/>
+            <a:t>Komplikált kapcsolatfelvétel</a:t>
           </a:r>
         </a:p>
       </dsp:txBody>
       <dsp:txXfrm>
-        <a:off x="4267" y="2206268"/>
-        <a:ext cx="2181093" cy="327164"/>
+        <a:off x="115976" y="1424965"/>
+        <a:ext cx="2228411" cy="3404671"/>
       </dsp:txXfrm>
     </dsp:sp>
     <dsp:sp modelId="{A4433C94-6E4E-405C-AE9F-26764847360D}">
@@ -1366,8 +1563,8 @@
       </dsp:nvSpPr>
       <dsp:spPr>
         <a:xfrm>
-          <a:off x="4267" y="2577549"/>
-          <a:ext cx="2181093" cy="976355"/>
+          <a:off x="103957" y="3875984"/>
+          <a:ext cx="2025000" cy="414270"/>
         </a:xfrm>
         <a:prstGeom prst="rect">
           <a:avLst/>
@@ -1398,8 +1595,8 @@
       </dsp:nvSpPr>
       <dsp:spPr>
         <a:xfrm>
-          <a:off x="3275908" y="1348032"/>
-          <a:ext cx="763382" cy="763382"/>
+          <a:off x="3303222" y="588430"/>
+          <a:ext cx="708750" cy="707244"/>
         </a:xfrm>
         <a:prstGeom prst="rect">
           <a:avLst/>
@@ -1454,8 +1651,8 @@
       </dsp:nvSpPr>
       <dsp:spPr>
         <a:xfrm>
-          <a:off x="2567053" y="2206268"/>
-          <a:ext cx="2181093" cy="327164"/>
+          <a:off x="2645099" y="1394945"/>
+          <a:ext cx="2025000" cy="3194132"/>
         </a:xfrm>
         <a:prstGeom prst="rect">
           <a:avLst/>
@@ -1484,7 +1681,7 @@
         </a:bodyPr>
         <a:lstStyle/>
         <a:p>
-          <a:pPr marL="0" lvl="0" indent="0" algn="ctr" defTabSz="933450" rtl="0">
+          <a:pPr marL="0" lvl="0" indent="0" algn="ctr" defTabSz="622300" rtl="0">
             <a:lnSpc>
               <a:spcPct val="100000"/>
             </a:lnSpc>
@@ -1498,14 +1695,85 @@
             <a:defRPr b="1"/>
           </a:pPr>
           <a:r>
-            <a:rPr lang="hu-HU" sz="2100" kern="1200" noProof="0" dirty="0"/>
-            <a:t>Megtervezés</a:t>
+            <a:rPr lang="hu-HU" sz="1400" kern="1200" noProof="0" dirty="0"/>
+            <a:t>Tervezés:</a:t>
           </a:r>
+        </a:p>
+        <a:p>
+          <a:pPr marL="0" lvl="0" indent="0" algn="l" defTabSz="622300" rtl="0">
+            <a:lnSpc>
+              <a:spcPct val="100000"/>
+            </a:lnSpc>
+            <a:spcBef>
+              <a:spcPct val="0"/>
+            </a:spcBef>
+            <a:spcAft>
+              <a:spcPct val="35000"/>
+            </a:spcAft>
+            <a:buNone/>
+            <a:defRPr b="1"/>
+          </a:pPr>
+          <a:endParaRPr lang="hu-HU" sz="1400" kern="1200" noProof="0" dirty="0"/>
+        </a:p>
+        <a:p>
+          <a:pPr marL="0" lvl="0" indent="0" algn="l" defTabSz="622300" rtl="0">
+            <a:lnSpc>
+              <a:spcPct val="100000"/>
+            </a:lnSpc>
+            <a:spcBef>
+              <a:spcPct val="0"/>
+            </a:spcBef>
+            <a:spcAft>
+              <a:spcPct val="35000"/>
+            </a:spcAft>
+            <a:buNone/>
+            <a:defRPr b="1"/>
+          </a:pPr>
+          <a:r>
+            <a:rPr lang="hu-HU" sz="1400" kern="1200" noProof="0" dirty="0"/>
+            <a:t>Egységes platform</a:t>
+          </a:r>
+          <a:br>
+            <a:rPr lang="hu-HU" sz="1400" kern="1200" noProof="0" dirty="0"/>
+          </a:br>
+          <a:br>
+            <a:rPr lang="hu-HU" sz="1400" kern="1200" noProof="0" dirty="0"/>
+          </a:br>
+          <a:r>
+            <a:rPr lang="hu-HU" sz="1400" kern="1200" noProof="0" dirty="0"/>
+            <a:t>Csak olyanok akik gyorsan vállalják</a:t>
+          </a:r>
+          <a:br>
+            <a:rPr lang="hu-HU" sz="1400" kern="1200" noProof="0" dirty="0"/>
+          </a:br>
+          <a:br>
+            <a:rPr lang="hu-HU" sz="1400" kern="1200" noProof="0" dirty="0"/>
+          </a:br>
+          <a:r>
+            <a:rPr lang="hu-HU" sz="1400" kern="1200" noProof="0" dirty="0"/>
+            <a:t>Egyszerű és gyors kapcsolatfelvétel</a:t>
+          </a:r>
+        </a:p>
+        <a:p>
+          <a:pPr marL="0" lvl="0" indent="0" algn="ctr" defTabSz="622300" rtl="0">
+            <a:lnSpc>
+              <a:spcPct val="100000"/>
+            </a:lnSpc>
+            <a:spcBef>
+              <a:spcPct val="0"/>
+            </a:spcBef>
+            <a:spcAft>
+              <a:spcPct val="35000"/>
+            </a:spcAft>
+            <a:buNone/>
+            <a:defRPr b="1"/>
+          </a:pPr>
+          <a:endParaRPr lang="hu-HU" sz="1400" kern="1200" noProof="0" dirty="0"/>
         </a:p>
       </dsp:txBody>
       <dsp:txXfrm>
-        <a:off x="2567053" y="2206268"/>
-        <a:ext cx="2181093" cy="327164"/>
+        <a:off x="2645099" y="1394945"/>
+        <a:ext cx="2025000" cy="3194132"/>
       </dsp:txXfrm>
     </dsp:sp>
     <dsp:sp modelId="{AFE843AB-8A0E-49AD-B766-A4FB1BDCD12B}">
@@ -1515,8 +1783,8 @@
       </dsp:nvSpPr>
       <dsp:spPr>
         <a:xfrm>
-          <a:off x="2567053" y="2577549"/>
-          <a:ext cx="2181093" cy="976355"/>
+          <a:off x="2585038" y="3889809"/>
+          <a:ext cx="2025000" cy="414270"/>
         </a:xfrm>
         <a:prstGeom prst="rect">
           <a:avLst/>
@@ -1547,8 +1815,8 @@
       </dsp:nvSpPr>
       <dsp:spPr>
         <a:xfrm>
-          <a:off x="5838693" y="1348032"/>
-          <a:ext cx="763382" cy="763382"/>
+          <a:off x="5680608" y="607285"/>
+          <a:ext cx="708750" cy="707244"/>
         </a:xfrm>
         <a:prstGeom prst="rect">
           <a:avLst/>
@@ -1603,8 +1871,8 @@
       </dsp:nvSpPr>
       <dsp:spPr>
         <a:xfrm>
-          <a:off x="5129838" y="2206268"/>
-          <a:ext cx="2181093" cy="327164"/>
+          <a:off x="4908685" y="1368414"/>
+          <a:ext cx="2348534" cy="3073404"/>
         </a:xfrm>
         <a:prstGeom prst="rect">
           <a:avLst/>
@@ -1633,7 +1901,7 @@
         </a:bodyPr>
         <a:lstStyle/>
         <a:p>
-          <a:pPr marL="0" lvl="0" indent="0" algn="ctr" defTabSz="933450" rtl="0">
+          <a:pPr marL="0" lvl="0" indent="0" algn="ctr" defTabSz="622300" rtl="0">
             <a:lnSpc>
               <a:spcPct val="100000"/>
             </a:lnSpc>
@@ -1647,14 +1915,69 @@
             <a:defRPr b="1"/>
           </a:pPr>
           <a:r>
-            <a:rPr lang="hu-HU" sz="2100" kern="1200" noProof="0" dirty="0"/>
-            <a:t>Kivitelezés</a:t>
+            <a:rPr lang="hu-HU" sz="1400" kern="1200" noProof="0" dirty="0"/>
+            <a:t>Megoldás:</a:t>
+          </a:r>
+        </a:p>
+        <a:p>
+          <a:pPr marL="0" lvl="0" indent="0" algn="l" defTabSz="622300" rtl="0">
+            <a:lnSpc>
+              <a:spcPct val="100000"/>
+            </a:lnSpc>
+            <a:spcBef>
+              <a:spcPct val="0"/>
+            </a:spcBef>
+            <a:spcAft>
+              <a:spcPct val="35000"/>
+            </a:spcAft>
+            <a:buNone/>
+            <a:defRPr b="1"/>
+          </a:pPr>
+          <a:endParaRPr lang="hu-HU" sz="1400" kern="1200" noProof="0" dirty="0"/>
+        </a:p>
+        <a:p>
+          <a:pPr marL="0" lvl="0" indent="0" algn="l" defTabSz="622300" rtl="0">
+            <a:lnSpc>
+              <a:spcPct val="100000"/>
+            </a:lnSpc>
+            <a:spcBef>
+              <a:spcPct val="0"/>
+            </a:spcBef>
+            <a:spcAft>
+              <a:spcPct val="35000"/>
+            </a:spcAft>
+            <a:buNone/>
+            <a:defRPr b="1"/>
+          </a:pPr>
+          <a:r>
+            <a:rPr lang="hu-HU" sz="1400" kern="1200" noProof="0" dirty="0"/>
+            <a:t>Posztok tetszés szerinti szűrése</a:t>
+          </a:r>
+          <a:br>
+            <a:rPr lang="hu-HU" sz="1400" kern="1200" noProof="0" dirty="0"/>
+          </a:br>
+          <a:br>
+            <a:rPr lang="hu-HU" sz="1400" kern="1200" noProof="0" dirty="0"/>
+          </a:br>
+          <a:r>
+            <a:rPr lang="hu-HU" sz="1400" kern="1200" noProof="0" dirty="0"/>
+            <a:t>Aktivitásjelző és dátumbeállítás a posztra</a:t>
+          </a:r>
+          <a:br>
+            <a:rPr lang="hu-HU" sz="1400" kern="1200" noProof="0" dirty="0"/>
+          </a:br>
+          <a:br>
+            <a:rPr lang="hu-HU" sz="1400" kern="1200" noProof="0" dirty="0"/>
+          </a:br>
+          <a:r>
+            <a:rPr lang="hu-HU" sz="1400" kern="1200" noProof="0" dirty="0"/>
+            <a:t>Chat felület és időpont foglalás</a:t>
           </a:r>
         </a:p>
       </dsp:txBody>
       <dsp:txXfrm>
-        <a:off x="5129838" y="2206268"/>
-        <a:ext cx="2181093" cy="327164"/>
+        <a:off x="4908685" y="1368414"/>
+        <a:ext cx="2348534" cy="3073404"/>
       </dsp:txXfrm>
     </dsp:sp>
     <dsp:sp modelId="{AD62B4A4-872C-4759-A4CF-C368039ADF17}">
@@ -1664,8 +1987,8 @@
       </dsp:nvSpPr>
       <dsp:spPr>
         <a:xfrm>
-          <a:off x="5129838" y="2577549"/>
-          <a:ext cx="2181093" cy="976355"/>
+          <a:off x="5126180" y="3889809"/>
+          <a:ext cx="2025000" cy="414270"/>
         </a:xfrm>
         <a:prstGeom prst="rect">
           <a:avLst/>
@@ -3048,7 +3371,7 @@
           <a:p>
             <a:fld id="{739FB2FC-BB9E-49C2-8CC7-6A726ED86D84}" type="datetimeFigureOut">
               <a:rPr lang="hu-HU" smtClean="0"/>
-              <a:t>2025. 04. 03.</a:t>
+              <a:t>2025. 04. 16.</a:t>
             </a:fld>
             <a:endParaRPr lang="hu-HU"/>
           </a:p>
@@ -3226,7 +3549,7 @@
           <a:p>
             <a:fld id="{B9CCC56D-1999-49F7-9BE2-3A3019848181}" type="datetimeFigureOut">
               <a:rPr lang="hu-HU" noProof="0" smtClean="0"/>
-              <a:t>2025. 04. 03.</a:t>
+              <a:t>2025. 04. 16.</a:t>
             </a:fld>
             <a:endParaRPr lang="hu-HU" noProof="0"/>
           </a:p>
@@ -3622,7 +3945,31 @@
           <a:bodyPr/>
           <a:lstStyle/>
           <a:p>
-            <a:endParaRPr lang="hu-HU"/>
+            <a:r>
+              <a:rPr lang="hu-HU" sz="1800" dirty="0">
+                <a:effectLst/>
+                <a:latin typeface="Segoe UI" panose="020B0502040204020203" pitchFamily="34" charset="0"/>
+              </a:rPr>
+              <a:t>Minden szakmunkásnak vagy vállalkozónak más módszere van hogyan hirdeti magát és más platformon kell velük felvenni a kapcsolatot. Ezen kívül csak kapcsolatfelvétel után derül ki hogy az adott munkás tudná-e vállalni. </a:t>
+            </a:r>
+          </a:p>
+          <a:p>
+            <a:endParaRPr lang="hu-HU" sz="1800" dirty="0">
+              <a:effectLst/>
+              <a:latin typeface="Segoe UI" panose="020B0502040204020203" pitchFamily="34" charset="0"/>
+            </a:endParaRPr>
+          </a:p>
+          <a:p>
+            <a:r>
+              <a:rPr lang="hu-HU" sz="1800" dirty="0">
+                <a:effectLst/>
+                <a:latin typeface="Segoe UI" panose="020B0502040204020203" pitchFamily="34" charset="0"/>
+              </a:rPr>
+              <a:t>Az S.O.S. munka egy gyors, egyszerű szakmunkás hirdető és kereső weboldal. A weboldal célja a munkavállaló gyors megtalálása és kapcsolatteremtése</a:t>
+            </a:r>
+          </a:p>
+          <a:p>
+            <a:endParaRPr lang="hu-HU" dirty="0"/>
           </a:p>
         </p:txBody>
       </p:sp>
@@ -3681,7 +4028,7 @@
       </p:grpSpPr>
       <p:sp>
         <p:nvSpPr>
-          <p:cNvPr id="2" name="Diakép helye 1"/>
+          <p:cNvPr id="2" name="Slide Image Placeholder 1"/>
           <p:cNvSpPr>
             <a:spLocks noGrp="1" noRot="1" noChangeAspect="1"/>
           </p:cNvSpPr>
@@ -3693,7 +4040,7 @@
       </p:sp>
       <p:sp>
         <p:nvSpPr>
-          <p:cNvPr id="3" name="Jegyzetek helye 2"/>
+          <p:cNvPr id="3" name="Notes Placeholder 2"/>
           <p:cNvSpPr>
             <a:spLocks noGrp="1"/>
           </p:cNvSpPr>
@@ -3706,13 +4053,40 @@
           <a:bodyPr/>
           <a:lstStyle/>
           <a:p>
-            <a:endParaRPr lang="hu-HU"/>
-          </a:p>
-        </p:txBody>
-      </p:sp>
-      <p:sp>
-        <p:nvSpPr>
-          <p:cNvPr id="4" name="Dia számának helye 3"/>
+            <a:pPr marL="0" marR="0" lvl="0" indent="0" algn="l" defTabSz="914400" rtl="0" eaLnBrk="1" fontAlgn="auto" latinLnBrk="0" hangingPunct="1">
+              <a:lnSpc>
+                <a:spcPct val="100000"/>
+              </a:lnSpc>
+              <a:spcBef>
+                <a:spcPts val="0"/>
+              </a:spcBef>
+              <a:spcAft>
+                <a:spcPts val="0"/>
+              </a:spcAft>
+              <a:buClrTx/>
+              <a:buSzTx/>
+              <a:buFontTx/>
+              <a:buNone/>
+              <a:tabLst/>
+              <a:defRPr/>
+            </a:pPr>
+            <a:r>
+              <a:rPr lang="hu-HU" sz="1800" dirty="0">
+                <a:effectLst/>
+                <a:latin typeface="Segoe UI" panose="020B0502040204020203" pitchFamily="34" charset="0"/>
+              </a:rPr>
+              <a:t>A regisztrációnál két féle fiók közül választhatunk. A szakmunkást és a vendéget. A szakmunkás fiók sajátossága, hogy egyedi posztot tud létrehozni valamint törölni. Minden felhasználó tud a posztok között böngészni, azokra időpontkéréssel jelentkezni, vagy üzenetet írni.</a:t>
+            </a:r>
+            <a:endParaRPr lang="hu-HU" sz="1800" dirty="0">
+              <a:effectLst/>
+              <a:latin typeface="Arial" panose="020B0604020202020204" pitchFamily="34" charset="0"/>
+            </a:endParaRPr>
+          </a:p>
+        </p:txBody>
+      </p:sp>
+      <p:sp>
+        <p:nvSpPr>
+          <p:cNvPr id="4" name="Slide Number Placeholder 3"/>
           <p:cNvSpPr>
             <a:spLocks noGrp="1"/>
           </p:cNvSpPr>
@@ -3727,7 +4101,555 @@
           <a:p>
             <a:fld id="{ABEC351E-E5A4-4D7B-A000-61564A7BE4F6}" type="slidenum">
               <a:rPr lang="hu-HU" noProof="0" smtClean="0"/>
-              <a:t>10</a:t>
+              <a:t>3</a:t>
+            </a:fld>
+            <a:endParaRPr lang="hu-HU" noProof="0"/>
+          </a:p>
+        </p:txBody>
+      </p:sp>
+    </p:spTree>
+    <p:extLst>
+      <p:ext uri="{BB962C8B-B14F-4D97-AF65-F5344CB8AC3E}">
+        <p14:creationId xmlns:p14="http://schemas.microsoft.com/office/powerpoint/2010/main" val="2977309393"/>
+      </p:ext>
+    </p:extLst>
+  </p:cSld>
+  <p:clrMapOvr>
+    <a:masterClrMapping/>
+  </p:clrMapOvr>
+</p:notes>
+</file>
+
+<file path=ppt/notesSlides/notesSlide4.xml><?xml version="1.0" encoding="utf-8"?>
+<p:notes xmlns:a="http://schemas.openxmlformats.org/drawingml/2006/main" xmlns:r="http://schemas.openxmlformats.org/officeDocument/2006/relationships" xmlns:p="http://schemas.openxmlformats.org/presentationml/2006/main">
+  <p:cSld>
+    <p:spTree>
+      <p:nvGrpSpPr>
+        <p:cNvPr id="1" name="">
+          <a:extLst>
+            <a:ext uri="{FF2B5EF4-FFF2-40B4-BE49-F238E27FC236}">
+              <a16:creationId xmlns:a16="http://schemas.microsoft.com/office/drawing/2014/main" id="{72EA4C9B-9C1F-B518-AD67-9E0F38A426B9}"/>
+            </a:ext>
+          </a:extLst>
+        </p:cNvPr>
+        <p:cNvGrpSpPr/>
+        <p:nvPr/>
+      </p:nvGrpSpPr>
+      <p:grpSpPr>
+        <a:xfrm>
+          <a:off x="0" y="0"/>
+          <a:ext cx="0" cy="0"/>
+          <a:chOff x="0" y="0"/>
+          <a:chExt cx="0" cy="0"/>
+        </a:xfrm>
+      </p:grpSpPr>
+      <p:sp>
+        <p:nvSpPr>
+          <p:cNvPr id="2" name="Slide Image Placeholder 1">
+            <a:extLst>
+              <a:ext uri="{FF2B5EF4-FFF2-40B4-BE49-F238E27FC236}">
+                <a16:creationId xmlns:a16="http://schemas.microsoft.com/office/drawing/2014/main" id="{CDE74161-23F6-1483-2E2D-034B77508AE4}"/>
+              </a:ext>
+            </a:extLst>
+          </p:cNvPr>
+          <p:cNvSpPr>
+            <a:spLocks noGrp="1" noRot="1" noChangeAspect="1"/>
+          </p:cNvSpPr>
+          <p:nvPr>
+            <p:ph type="sldImg"/>
+          </p:nvPr>
+        </p:nvSpPr>
+        <p:spPr/>
+      </p:sp>
+      <p:sp>
+        <p:nvSpPr>
+          <p:cNvPr id="3" name="Notes Placeholder 2">
+            <a:extLst>
+              <a:ext uri="{FF2B5EF4-FFF2-40B4-BE49-F238E27FC236}">
+                <a16:creationId xmlns:a16="http://schemas.microsoft.com/office/drawing/2014/main" id="{CE1B5BFF-6398-1ED0-C95E-0922E387D87C}"/>
+              </a:ext>
+            </a:extLst>
+          </p:cNvPr>
+          <p:cNvSpPr>
+            <a:spLocks noGrp="1"/>
+          </p:cNvSpPr>
+          <p:nvPr>
+            <p:ph type="body" idx="1"/>
+          </p:nvPr>
+        </p:nvSpPr>
+        <p:spPr/>
+        <p:txBody>
+          <a:bodyPr/>
+          <a:lstStyle/>
+          <a:p>
+            <a:pPr marL="0" marR="0" lvl="0" indent="0" algn="l" defTabSz="914400" rtl="0" eaLnBrk="1" fontAlgn="auto" latinLnBrk="0" hangingPunct="1">
+              <a:lnSpc>
+                <a:spcPct val="100000"/>
+              </a:lnSpc>
+              <a:spcBef>
+                <a:spcPts val="0"/>
+              </a:spcBef>
+              <a:spcAft>
+                <a:spcPts val="0"/>
+              </a:spcAft>
+              <a:buClrTx/>
+              <a:buSzTx/>
+              <a:buFontTx/>
+              <a:buNone/>
+              <a:tabLst/>
+              <a:defRPr/>
+            </a:pPr>
+            <a:r>
+              <a:rPr lang="hu-HU" sz="1800" dirty="0">
+                <a:effectLst/>
+                <a:latin typeface="Arial" panose="020B0604020202020204" pitchFamily="34" charset="0"/>
+              </a:rPr>
+              <a:t>A backendhez </a:t>
+            </a:r>
+            <a:r>
+              <a:rPr lang="hu-HU" sz="1800" dirty="0" err="1">
+                <a:effectLst/>
+                <a:latin typeface="Arial" panose="020B0604020202020204" pitchFamily="34" charset="0"/>
+              </a:rPr>
+              <a:t>NodeJS</a:t>
+            </a:r>
+            <a:r>
+              <a:rPr lang="hu-HU" sz="1800" dirty="0">
+                <a:effectLst/>
+                <a:latin typeface="Arial" panose="020B0604020202020204" pitchFamily="34" charset="0"/>
+              </a:rPr>
+              <a:t> keretrendszert </a:t>
+            </a:r>
+          </a:p>
+        </p:txBody>
+      </p:sp>
+      <p:sp>
+        <p:nvSpPr>
+          <p:cNvPr id="4" name="Slide Number Placeholder 3">
+            <a:extLst>
+              <a:ext uri="{FF2B5EF4-FFF2-40B4-BE49-F238E27FC236}">
+                <a16:creationId xmlns:a16="http://schemas.microsoft.com/office/drawing/2014/main" id="{AA9EAF9E-E03B-D79F-315F-2EE6D791389C}"/>
+              </a:ext>
+            </a:extLst>
+          </p:cNvPr>
+          <p:cNvSpPr>
+            <a:spLocks noGrp="1"/>
+          </p:cNvSpPr>
+          <p:nvPr>
+            <p:ph type="sldNum" sz="quarter" idx="5"/>
+          </p:nvPr>
+        </p:nvSpPr>
+        <p:spPr/>
+        <p:txBody>
+          <a:bodyPr/>
+          <a:lstStyle/>
+          <a:p>
+            <a:fld id="{ABEC351E-E5A4-4D7B-A000-61564A7BE4F6}" type="slidenum">
+              <a:rPr lang="hu-HU" noProof="0" smtClean="0"/>
+              <a:t>4</a:t>
+            </a:fld>
+            <a:endParaRPr lang="hu-HU" noProof="0"/>
+          </a:p>
+        </p:txBody>
+      </p:sp>
+    </p:spTree>
+    <p:extLst>
+      <p:ext uri="{BB962C8B-B14F-4D97-AF65-F5344CB8AC3E}">
+        <p14:creationId xmlns:p14="http://schemas.microsoft.com/office/powerpoint/2010/main" val="2929218562"/>
+      </p:ext>
+    </p:extLst>
+  </p:cSld>
+  <p:clrMapOvr>
+    <a:masterClrMapping/>
+  </p:clrMapOvr>
+</p:notes>
+</file>
+
+<file path=ppt/notesSlides/notesSlide5.xml><?xml version="1.0" encoding="utf-8"?>
+<p:notes xmlns:a="http://schemas.openxmlformats.org/drawingml/2006/main" xmlns:r="http://schemas.openxmlformats.org/officeDocument/2006/relationships" xmlns:p="http://schemas.openxmlformats.org/presentationml/2006/main">
+  <p:cSld>
+    <p:spTree>
+      <p:nvGrpSpPr>
+        <p:cNvPr id="1" name="">
+          <a:extLst>
+            <a:ext uri="{FF2B5EF4-FFF2-40B4-BE49-F238E27FC236}">
+              <a16:creationId xmlns:a16="http://schemas.microsoft.com/office/drawing/2014/main" id="{46A4E4FC-C595-AFC9-1680-640573F4C57A}"/>
+            </a:ext>
+          </a:extLst>
+        </p:cNvPr>
+        <p:cNvGrpSpPr/>
+        <p:nvPr/>
+      </p:nvGrpSpPr>
+      <p:grpSpPr>
+        <a:xfrm>
+          <a:off x="0" y="0"/>
+          <a:ext cx="0" cy="0"/>
+          <a:chOff x="0" y="0"/>
+          <a:chExt cx="0" cy="0"/>
+        </a:xfrm>
+      </p:grpSpPr>
+      <p:sp>
+        <p:nvSpPr>
+          <p:cNvPr id="2" name="Slide Image Placeholder 1">
+            <a:extLst>
+              <a:ext uri="{FF2B5EF4-FFF2-40B4-BE49-F238E27FC236}">
+                <a16:creationId xmlns:a16="http://schemas.microsoft.com/office/drawing/2014/main" id="{D4CC87E7-6A38-4D83-71A4-036963CA6B28}"/>
+              </a:ext>
+            </a:extLst>
+          </p:cNvPr>
+          <p:cNvSpPr>
+            <a:spLocks noGrp="1" noRot="1" noChangeAspect="1"/>
+          </p:cNvSpPr>
+          <p:nvPr>
+            <p:ph type="sldImg"/>
+          </p:nvPr>
+        </p:nvSpPr>
+        <p:spPr/>
+      </p:sp>
+      <p:sp>
+        <p:nvSpPr>
+          <p:cNvPr id="3" name="Notes Placeholder 2">
+            <a:extLst>
+              <a:ext uri="{FF2B5EF4-FFF2-40B4-BE49-F238E27FC236}">
+                <a16:creationId xmlns:a16="http://schemas.microsoft.com/office/drawing/2014/main" id="{F13094C2-7CA9-67C1-55AA-29EAD325A19A}"/>
+              </a:ext>
+            </a:extLst>
+          </p:cNvPr>
+          <p:cNvSpPr>
+            <a:spLocks noGrp="1"/>
+          </p:cNvSpPr>
+          <p:nvPr>
+            <p:ph type="body" idx="1"/>
+          </p:nvPr>
+        </p:nvSpPr>
+        <p:spPr/>
+        <p:txBody>
+          <a:bodyPr/>
+          <a:lstStyle/>
+          <a:p>
+            <a:r>
+              <a:rPr lang="hu-HU" dirty="0"/>
+              <a:t>A backendhez telepített segédmodulokat a </a:t>
+            </a:r>
+            <a:r>
+              <a:rPr lang="hu-HU" dirty="0" err="1"/>
+              <a:t>package.json</a:t>
+            </a:r>
+            <a:r>
+              <a:rPr lang="hu-HU" dirty="0"/>
+              <a:t> fájlban a </a:t>
+            </a:r>
+            <a:r>
+              <a:rPr lang="hu-HU" dirty="0" err="1"/>
+              <a:t>dependencies</a:t>
+            </a:r>
+            <a:r>
+              <a:rPr lang="hu-HU" dirty="0"/>
+              <a:t> alatt láthatjuk</a:t>
+            </a:r>
+          </a:p>
+        </p:txBody>
+      </p:sp>
+      <p:sp>
+        <p:nvSpPr>
+          <p:cNvPr id="4" name="Slide Number Placeholder 3">
+            <a:extLst>
+              <a:ext uri="{FF2B5EF4-FFF2-40B4-BE49-F238E27FC236}">
+                <a16:creationId xmlns:a16="http://schemas.microsoft.com/office/drawing/2014/main" id="{3734C981-47EC-5324-5493-05EA07EC961B}"/>
+              </a:ext>
+            </a:extLst>
+          </p:cNvPr>
+          <p:cNvSpPr>
+            <a:spLocks noGrp="1"/>
+          </p:cNvSpPr>
+          <p:nvPr>
+            <p:ph type="sldNum" sz="quarter" idx="5"/>
+          </p:nvPr>
+        </p:nvSpPr>
+        <p:spPr/>
+        <p:txBody>
+          <a:bodyPr/>
+          <a:lstStyle/>
+          <a:p>
+            <a:fld id="{ABEC351E-E5A4-4D7B-A000-61564A7BE4F6}" type="slidenum">
+              <a:rPr lang="hu-HU" noProof="0" smtClean="0"/>
+              <a:t>5</a:t>
+            </a:fld>
+            <a:endParaRPr lang="hu-HU" noProof="0"/>
+          </a:p>
+        </p:txBody>
+      </p:sp>
+    </p:spTree>
+    <p:extLst>
+      <p:ext uri="{BB962C8B-B14F-4D97-AF65-F5344CB8AC3E}">
+        <p14:creationId xmlns:p14="http://schemas.microsoft.com/office/powerpoint/2010/main" val="2562221451"/>
+      </p:ext>
+    </p:extLst>
+  </p:cSld>
+  <p:clrMapOvr>
+    <a:masterClrMapping/>
+  </p:clrMapOvr>
+</p:notes>
+</file>
+
+<file path=ppt/notesSlides/notesSlide6.xml><?xml version="1.0" encoding="utf-8"?>
+<p:notes xmlns:a="http://schemas.openxmlformats.org/drawingml/2006/main" xmlns:r="http://schemas.openxmlformats.org/officeDocument/2006/relationships" xmlns:p="http://schemas.openxmlformats.org/presentationml/2006/main">
+  <p:cSld>
+    <p:spTree>
+      <p:nvGrpSpPr>
+        <p:cNvPr id="1" name=""/>
+        <p:cNvGrpSpPr/>
+        <p:nvPr/>
+      </p:nvGrpSpPr>
+      <p:grpSpPr>
+        <a:xfrm>
+          <a:off x="0" y="0"/>
+          <a:ext cx="0" cy="0"/>
+          <a:chOff x="0" y="0"/>
+          <a:chExt cx="0" cy="0"/>
+        </a:xfrm>
+      </p:grpSpPr>
+      <p:sp>
+        <p:nvSpPr>
+          <p:cNvPr id="2" name="Slide Image Placeholder 1"/>
+          <p:cNvSpPr>
+            <a:spLocks noGrp="1" noRot="1" noChangeAspect="1"/>
+          </p:cNvSpPr>
+          <p:nvPr>
+            <p:ph type="sldImg"/>
+          </p:nvPr>
+        </p:nvSpPr>
+        <p:spPr/>
+      </p:sp>
+      <p:sp>
+        <p:nvSpPr>
+          <p:cNvPr id="3" name="Notes Placeholder 2"/>
+          <p:cNvSpPr>
+            <a:spLocks noGrp="1"/>
+          </p:cNvSpPr>
+          <p:nvPr>
+            <p:ph type="body" idx="1"/>
+          </p:nvPr>
+        </p:nvSpPr>
+        <p:spPr/>
+        <p:txBody>
+          <a:bodyPr/>
+          <a:lstStyle/>
+          <a:p>
+            <a:endParaRPr lang="hu-HU" dirty="0"/>
+          </a:p>
+        </p:txBody>
+      </p:sp>
+      <p:sp>
+        <p:nvSpPr>
+          <p:cNvPr id="4" name="Slide Number Placeholder 3"/>
+          <p:cNvSpPr>
+            <a:spLocks noGrp="1"/>
+          </p:cNvSpPr>
+          <p:nvPr>
+            <p:ph type="sldNum" sz="quarter" idx="5"/>
+          </p:nvPr>
+        </p:nvSpPr>
+        <p:spPr/>
+        <p:txBody>
+          <a:bodyPr/>
+          <a:lstStyle/>
+          <a:p>
+            <a:fld id="{ABEC351E-E5A4-4D7B-A000-61564A7BE4F6}" type="slidenum">
+              <a:rPr lang="hu-HU" noProof="0" smtClean="0"/>
+              <a:t>6</a:t>
+            </a:fld>
+            <a:endParaRPr lang="hu-HU" noProof="0"/>
+          </a:p>
+        </p:txBody>
+      </p:sp>
+    </p:spTree>
+    <p:extLst>
+      <p:ext uri="{BB962C8B-B14F-4D97-AF65-F5344CB8AC3E}">
+        <p14:creationId xmlns:p14="http://schemas.microsoft.com/office/powerpoint/2010/main" val="2710755579"/>
+      </p:ext>
+    </p:extLst>
+  </p:cSld>
+  <p:clrMapOvr>
+    <a:masterClrMapping/>
+  </p:clrMapOvr>
+</p:notes>
+</file>
+
+<file path=ppt/notesSlides/notesSlide7.xml><?xml version="1.0" encoding="utf-8"?>
+<p:notes xmlns:a="http://schemas.openxmlformats.org/drawingml/2006/main" xmlns:r="http://schemas.openxmlformats.org/officeDocument/2006/relationships" xmlns:p="http://schemas.openxmlformats.org/presentationml/2006/main">
+  <p:cSld>
+    <p:spTree>
+      <p:nvGrpSpPr>
+        <p:cNvPr id="1" name="">
+          <a:extLst>
+            <a:ext uri="{FF2B5EF4-FFF2-40B4-BE49-F238E27FC236}">
+              <a16:creationId xmlns:a16="http://schemas.microsoft.com/office/drawing/2014/main" id="{71CA5490-0A88-00FD-6C89-B80B6115A86A}"/>
+            </a:ext>
+          </a:extLst>
+        </p:cNvPr>
+        <p:cNvGrpSpPr/>
+        <p:nvPr/>
+      </p:nvGrpSpPr>
+      <p:grpSpPr>
+        <a:xfrm>
+          <a:off x="0" y="0"/>
+          <a:ext cx="0" cy="0"/>
+          <a:chOff x="0" y="0"/>
+          <a:chExt cx="0" cy="0"/>
+        </a:xfrm>
+      </p:grpSpPr>
+      <p:sp>
+        <p:nvSpPr>
+          <p:cNvPr id="2" name="Slide Image Placeholder 1">
+            <a:extLst>
+              <a:ext uri="{FF2B5EF4-FFF2-40B4-BE49-F238E27FC236}">
+                <a16:creationId xmlns:a16="http://schemas.microsoft.com/office/drawing/2014/main" id="{41E1EE03-2887-11F0-CD39-03E6790589D7}"/>
+              </a:ext>
+            </a:extLst>
+          </p:cNvPr>
+          <p:cNvSpPr>
+            <a:spLocks noGrp="1" noRot="1" noChangeAspect="1"/>
+          </p:cNvSpPr>
+          <p:nvPr>
+            <p:ph type="sldImg"/>
+          </p:nvPr>
+        </p:nvSpPr>
+        <p:spPr/>
+      </p:sp>
+      <p:sp>
+        <p:nvSpPr>
+          <p:cNvPr id="3" name="Notes Placeholder 2">
+            <a:extLst>
+              <a:ext uri="{FF2B5EF4-FFF2-40B4-BE49-F238E27FC236}">
+                <a16:creationId xmlns:a16="http://schemas.microsoft.com/office/drawing/2014/main" id="{EB2123EC-CECD-480D-6EB4-9A57D376C061}"/>
+              </a:ext>
+            </a:extLst>
+          </p:cNvPr>
+          <p:cNvSpPr>
+            <a:spLocks noGrp="1"/>
+          </p:cNvSpPr>
+          <p:nvPr>
+            <p:ph type="body" idx="1"/>
+          </p:nvPr>
+        </p:nvSpPr>
+        <p:spPr/>
+        <p:txBody>
+          <a:bodyPr/>
+          <a:lstStyle/>
+          <a:p>
+            <a:endParaRPr lang="hu-HU" dirty="0"/>
+          </a:p>
+        </p:txBody>
+      </p:sp>
+      <p:sp>
+        <p:nvSpPr>
+          <p:cNvPr id="4" name="Slide Number Placeholder 3">
+            <a:extLst>
+              <a:ext uri="{FF2B5EF4-FFF2-40B4-BE49-F238E27FC236}">
+                <a16:creationId xmlns:a16="http://schemas.microsoft.com/office/drawing/2014/main" id="{0BB163A7-B820-26FE-C131-696B06DF82BF}"/>
+              </a:ext>
+            </a:extLst>
+          </p:cNvPr>
+          <p:cNvSpPr>
+            <a:spLocks noGrp="1"/>
+          </p:cNvSpPr>
+          <p:nvPr>
+            <p:ph type="sldNum" sz="quarter" idx="5"/>
+          </p:nvPr>
+        </p:nvSpPr>
+        <p:spPr/>
+        <p:txBody>
+          <a:bodyPr/>
+          <a:lstStyle/>
+          <a:p>
+            <a:fld id="{ABEC351E-E5A4-4D7B-A000-61564A7BE4F6}" type="slidenum">
+              <a:rPr lang="hu-HU" noProof="0" smtClean="0"/>
+              <a:t>7</a:t>
+            </a:fld>
+            <a:endParaRPr lang="hu-HU" noProof="0"/>
+          </a:p>
+        </p:txBody>
+      </p:sp>
+    </p:spTree>
+    <p:extLst>
+      <p:ext uri="{BB962C8B-B14F-4D97-AF65-F5344CB8AC3E}">
+        <p14:creationId xmlns:p14="http://schemas.microsoft.com/office/powerpoint/2010/main" val="3256021491"/>
+      </p:ext>
+    </p:extLst>
+  </p:cSld>
+  <p:clrMapOvr>
+    <a:masterClrMapping/>
+  </p:clrMapOvr>
+</p:notes>
+</file>
+
+<file path=ppt/notesSlides/notesSlide8.xml><?xml version="1.0" encoding="utf-8"?>
+<p:notes xmlns:a="http://schemas.openxmlformats.org/drawingml/2006/main" xmlns:r="http://schemas.openxmlformats.org/officeDocument/2006/relationships" xmlns:p="http://schemas.openxmlformats.org/presentationml/2006/main">
+  <p:cSld>
+    <p:spTree>
+      <p:nvGrpSpPr>
+        <p:cNvPr id="1" name=""/>
+        <p:cNvGrpSpPr/>
+        <p:nvPr/>
+      </p:nvGrpSpPr>
+      <p:grpSpPr>
+        <a:xfrm>
+          <a:off x="0" y="0"/>
+          <a:ext cx="0" cy="0"/>
+          <a:chOff x="0" y="0"/>
+          <a:chExt cx="0" cy="0"/>
+        </a:xfrm>
+      </p:grpSpPr>
+      <p:sp>
+        <p:nvSpPr>
+          <p:cNvPr id="2" name="Diakép helye 1"/>
+          <p:cNvSpPr>
+            <a:spLocks noGrp="1" noRot="1" noChangeAspect="1"/>
+          </p:cNvSpPr>
+          <p:nvPr>
+            <p:ph type="sldImg"/>
+          </p:nvPr>
+        </p:nvSpPr>
+        <p:spPr/>
+      </p:sp>
+      <p:sp>
+        <p:nvSpPr>
+          <p:cNvPr id="3" name="Jegyzetek helye 2"/>
+          <p:cNvSpPr>
+            <a:spLocks noGrp="1"/>
+          </p:cNvSpPr>
+          <p:nvPr>
+            <p:ph type="body" idx="1"/>
+          </p:nvPr>
+        </p:nvSpPr>
+        <p:spPr/>
+        <p:txBody>
+          <a:bodyPr/>
+          <a:lstStyle/>
+          <a:p>
+            <a:endParaRPr lang="hu-HU"/>
+          </a:p>
+        </p:txBody>
+      </p:sp>
+      <p:sp>
+        <p:nvSpPr>
+          <p:cNvPr id="4" name="Dia számának helye 3"/>
+          <p:cNvSpPr>
+            <a:spLocks noGrp="1"/>
+          </p:cNvSpPr>
+          <p:nvPr>
+            <p:ph type="sldNum" sz="quarter" idx="5"/>
+          </p:nvPr>
+        </p:nvSpPr>
+        <p:spPr/>
+        <p:txBody>
+          <a:bodyPr/>
+          <a:lstStyle/>
+          <a:p>
+            <a:fld id="{ABEC351E-E5A4-4D7B-A000-61564A7BE4F6}" type="slidenum">
+              <a:rPr lang="hu-HU" noProof="0" smtClean="0"/>
+              <a:t>14</a:t>
             </a:fld>
             <a:endParaRPr lang="hu-HU" noProof="0"/>
           </a:p>
@@ -3987,7 +4909,7 @@
             <a:pPr rtl="0"/>
             <a:fld id="{95CA01AC-FE48-43E8-9541-14BE6D4B6216}" type="datetime1">
               <a:rPr lang="hu-HU" smtClean="0"/>
-              <a:t>2025. 04. 03.</a:t>
+              <a:t>2025. 04. 16.</a:t>
             </a:fld>
             <a:endParaRPr lang="hu-HU" dirty="0"/>
           </a:p>
@@ -4162,7 +5084,7 @@
             <a:pPr rtl="0"/>
             <a:fld id="{BA132BAD-A41C-435C-BDF1-B40F5FDD6CBB}" type="datetime1">
               <a:rPr lang="hu-HU" smtClean="0"/>
-              <a:t>2025. 04. 03.</a:t>
+              <a:t>2025. 04. 16.</a:t>
             </a:fld>
             <a:endParaRPr lang="hu-HU" dirty="0"/>
           </a:p>
@@ -4347,7 +5269,7 @@
             <a:pPr rtl="0"/>
             <a:fld id="{511901B3-A2B9-4D78-B569-739B455CDF92}" type="datetime1">
               <a:rPr lang="hu-HU" smtClean="0"/>
-              <a:t>2025. 04. 03.</a:t>
+              <a:t>2025. 04. 16.</a:t>
             </a:fld>
             <a:endParaRPr lang="hu-HU" dirty="0"/>
           </a:p>
@@ -4522,7 +5444,7 @@
             <a:pPr rtl="0"/>
             <a:fld id="{3851FB85-B948-4ACD-8B79-12856967A932}" type="datetime1">
               <a:rPr lang="hu-HU" smtClean="0"/>
-              <a:t>2025. 04. 03.</a:t>
+              <a:t>2025. 04. 16.</a:t>
             </a:fld>
             <a:endParaRPr lang="hu-HU" dirty="0"/>
           </a:p>
@@ -4781,7 +5703,7 @@
             <a:pPr rtl="0"/>
             <a:fld id="{02DEE940-EEB9-4D88-B665-1DF05D9BAE13}" type="datetime1">
               <a:rPr lang="hu-HU" smtClean="0"/>
-              <a:t>2025. 04. 03.</a:t>
+              <a:t>2025. 04. 16.</a:t>
             </a:fld>
             <a:endParaRPr lang="hu-HU" dirty="0"/>
           </a:p>
@@ -5074,7 +5996,7 @@
             <a:pPr rtl="0"/>
             <a:fld id="{A1DCEE0E-6970-4EFC-81F5-D470F37408DE}" type="datetime1">
               <a:rPr lang="hu-HU" smtClean="0"/>
-              <a:t>2025. 04. 03.</a:t>
+              <a:t>2025. 04. 16.</a:t>
             </a:fld>
             <a:endParaRPr lang="hu-HU" dirty="0"/>
           </a:p>
@@ -5521,7 +6443,7 @@
             <a:pPr rtl="0"/>
             <a:fld id="{5722FE6C-7199-4AEC-9102-6BCA289AF93C}" type="datetime1">
               <a:rPr lang="hu-HU" smtClean="0"/>
-              <a:t>2025. 04. 03.</a:t>
+              <a:t>2025. 04. 16.</a:t>
             </a:fld>
             <a:endParaRPr lang="hu-HU" dirty="0"/>
           </a:p>
@@ -5644,7 +6566,7 @@
             <a:pPr rtl="0"/>
             <a:fld id="{03D29D9B-97B7-4810-8AA3-861B7C07DF7C}" type="datetime1">
               <a:rPr lang="hu-HU" smtClean="0"/>
-              <a:t>2025. 04. 03.</a:t>
+              <a:t>2025. 04. 16.</a:t>
             </a:fld>
             <a:endParaRPr lang="hu-HU" dirty="0"/>
           </a:p>
@@ -5743,7 +6665,7 @@
             <a:pPr rtl="0"/>
             <a:fld id="{E0B8E3E5-F330-44D0-86BC-D7273766CF24}" type="datetime1">
               <a:rPr lang="hu-HU" smtClean="0"/>
-              <a:t>2025. 04. 03.</a:t>
+              <a:t>2025. 04. 16.</a:t>
             </a:fld>
             <a:endParaRPr lang="hu-HU" dirty="0"/>
           </a:p>
@@ -6036,7 +6958,7 @@
             <a:pPr rtl="0"/>
             <a:fld id="{03B9D2F3-D2FB-4079-8358-26B647FEDD45}" type="datetime1">
               <a:rPr lang="hu-HU" smtClean="0"/>
-              <a:t>2025. 04. 03.</a:t>
+              <a:t>2025. 04. 16.</a:t>
             </a:fld>
             <a:endParaRPr lang="hu-HU" dirty="0"/>
           </a:p>
@@ -6614,7 +7536,7 @@
             <a:pPr rtl="0"/>
             <a:fld id="{BF34A502-BF6B-45AF-A469-BC8939D6A3FE}" type="datetime1">
               <a:rPr lang="hu-HU" smtClean="0"/>
-              <a:t>2025. 04. 03.</a:t>
+              <a:t>2025. 04. 16.</a:t>
             </a:fld>
             <a:endParaRPr lang="hu-HU" dirty="0"/>
           </a:p>
@@ -6928,7 +7850,7 @@
             <a:pPr rtl="0"/>
             <a:fld id="{D951BFFD-2CCD-4914-9DBD-1533C1ADC8FA}" type="datetime1">
               <a:rPr lang="hu-HU" noProof="0" smtClean="0"/>
-              <a:t>2025. 04. 03.</a:t>
+              <a:t>2025. 04. 16.</a:t>
             </a:fld>
             <a:endParaRPr lang="hu-HU" noProof="0"/>
           </a:p>
@@ -7763,6 +8685,661 @@
   <p:cSld>
     <p:bg>
       <p:bgPr>
+        <a:gradFill>
+          <a:gsLst>
+            <a:gs pos="0">
+              <a:schemeClr val="accent1">
+                <a:lumMod val="5000"/>
+                <a:lumOff val="95000"/>
+              </a:schemeClr>
+            </a:gs>
+            <a:gs pos="74000">
+              <a:schemeClr val="accent1">
+                <a:lumMod val="45000"/>
+                <a:lumOff val="55000"/>
+              </a:schemeClr>
+            </a:gs>
+            <a:gs pos="83000">
+              <a:schemeClr val="accent1">
+                <a:lumMod val="45000"/>
+                <a:lumOff val="55000"/>
+              </a:schemeClr>
+            </a:gs>
+            <a:gs pos="100000">
+              <a:schemeClr val="accent1">
+                <a:lumMod val="30000"/>
+                <a:lumOff val="70000"/>
+              </a:schemeClr>
+            </a:gs>
+          </a:gsLst>
+          <a:lin ang="5400000" scaled="1"/>
+        </a:gradFill>
+        <a:effectLst/>
+      </p:bgPr>
+    </p:bg>
+    <p:spTree>
+      <p:nvGrpSpPr>
+        <p:cNvPr id="1" name=""/>
+        <p:cNvGrpSpPr/>
+        <p:nvPr/>
+      </p:nvGrpSpPr>
+      <p:grpSpPr>
+        <a:xfrm>
+          <a:off x="0" y="0"/>
+          <a:ext cx="0" cy="0"/>
+          <a:chOff x="0" y="0"/>
+          <a:chExt cx="0" cy="0"/>
+        </a:xfrm>
+      </p:grpSpPr>
+      <p:sp>
+        <p:nvSpPr>
+          <p:cNvPr id="2" name="Cím 1">
+            <a:extLst>
+              <a:ext uri="{FF2B5EF4-FFF2-40B4-BE49-F238E27FC236}">
+                <a16:creationId xmlns:a16="http://schemas.microsoft.com/office/drawing/2014/main" id="{A52CBAFF-020C-4F2F-99AC-3148A3DDEEAD}"/>
+              </a:ext>
+            </a:extLst>
+          </p:cNvPr>
+          <p:cNvSpPr>
+            <a:spLocks noGrp="1"/>
+          </p:cNvSpPr>
+          <p:nvPr>
+            <p:ph type="title"/>
+          </p:nvPr>
+        </p:nvSpPr>
+        <p:spPr/>
+        <p:txBody>
+          <a:bodyPr/>
+          <a:lstStyle/>
+          <a:p>
+            <a:r>
+              <a:rPr lang="hu-HU" dirty="0"/>
+              <a:t>Gergő része a programban</a:t>
+            </a:r>
+          </a:p>
+        </p:txBody>
+      </p:sp>
+      <p:sp>
+        <p:nvSpPr>
+          <p:cNvPr id="3" name="Tartalom helye 2">
+            <a:extLst>
+              <a:ext uri="{FF2B5EF4-FFF2-40B4-BE49-F238E27FC236}">
+                <a16:creationId xmlns:a16="http://schemas.microsoft.com/office/drawing/2014/main" id="{62B0FF1A-916F-4B7F-BC5A-8B6096E72C4C}"/>
+              </a:ext>
+            </a:extLst>
+          </p:cNvPr>
+          <p:cNvSpPr>
+            <a:spLocks noGrp="1"/>
+          </p:cNvSpPr>
+          <p:nvPr>
+            <p:ph idx="1"/>
+          </p:nvPr>
+        </p:nvSpPr>
+        <p:spPr/>
+        <p:txBody>
+          <a:bodyPr>
+            <a:normAutofit/>
+          </a:bodyPr>
+          <a:lstStyle/>
+          <a:p>
+            <a:r>
+              <a:rPr lang="hu-HU" sz="3600" b="1" u="sng" dirty="0"/>
+              <a:t>Frontend</a:t>
+            </a:r>
+            <a:r>
+              <a:rPr lang="hu-HU" sz="3600" dirty="0"/>
+              <a:t>: Regisztráció, Bejelentkezés, Időpontfoglalás, Üzenetek, Jelszó, Profilkép, Képek, Posztok.</a:t>
+            </a:r>
+          </a:p>
+          <a:p>
+            <a:r>
+              <a:rPr lang="hu-HU" sz="3600" b="1" u="sng" dirty="0"/>
+              <a:t>Backend</a:t>
+            </a:r>
+            <a:r>
+              <a:rPr lang="hu-HU" sz="3600" dirty="0"/>
+              <a:t>: ezekhez az oldalakhoz  a lekérdezések és a server.js</a:t>
+            </a:r>
+          </a:p>
+        </p:txBody>
+      </p:sp>
+    </p:spTree>
+    <p:extLst>
+      <p:ext uri="{BB962C8B-B14F-4D97-AF65-F5344CB8AC3E}">
+        <p14:creationId xmlns:p14="http://schemas.microsoft.com/office/powerpoint/2010/main" val="2229165521"/>
+      </p:ext>
+    </p:extLst>
+  </p:cSld>
+  <p:clrMapOvr>
+    <a:masterClrMapping/>
+  </p:clrMapOvr>
+</p:sld>
+</file>
+
+<file path=ppt/slides/slide11.xml><?xml version="1.0" encoding="utf-8"?>
+<p:sld xmlns:a="http://schemas.openxmlformats.org/drawingml/2006/main" xmlns:r="http://schemas.openxmlformats.org/officeDocument/2006/relationships" xmlns:p="http://schemas.openxmlformats.org/presentationml/2006/main">
+  <p:cSld>
+    <p:spTree>
+      <p:nvGrpSpPr>
+        <p:cNvPr id="1" name=""/>
+        <p:cNvGrpSpPr/>
+        <p:nvPr/>
+      </p:nvGrpSpPr>
+      <p:grpSpPr>
+        <a:xfrm>
+          <a:off x="0" y="0"/>
+          <a:ext cx="0" cy="0"/>
+          <a:chOff x="0" y="0"/>
+          <a:chExt cx="0" cy="0"/>
+        </a:xfrm>
+      </p:grpSpPr>
+      <p:sp>
+        <p:nvSpPr>
+          <p:cNvPr id="2" name="Cím 1">
+            <a:extLst>
+              <a:ext uri="{FF2B5EF4-FFF2-40B4-BE49-F238E27FC236}">
+                <a16:creationId xmlns:a16="http://schemas.microsoft.com/office/drawing/2014/main" id="{39AFD6F5-BAF7-4236-87B8-4CFCFAD1F151}"/>
+              </a:ext>
+            </a:extLst>
+          </p:cNvPr>
+          <p:cNvSpPr>
+            <a:spLocks noGrp="1"/>
+          </p:cNvSpPr>
+          <p:nvPr>
+            <p:ph type="title"/>
+          </p:nvPr>
+        </p:nvSpPr>
+        <p:spPr/>
+        <p:txBody>
+          <a:bodyPr/>
+          <a:lstStyle/>
+          <a:p>
+            <a:r>
+              <a:rPr lang="hu-HU" dirty="0"/>
+              <a:t>Pár illusztráció az oldalról</a:t>
+            </a:r>
+          </a:p>
+        </p:txBody>
+      </p:sp>
+      <p:pic>
+        <p:nvPicPr>
+          <p:cNvPr id="4" name="Tartalom helye 3">
+            <a:extLst>
+              <a:ext uri="{FF2B5EF4-FFF2-40B4-BE49-F238E27FC236}">
+                <a16:creationId xmlns:a16="http://schemas.microsoft.com/office/drawing/2014/main" id="{235D8546-D9AC-4F3E-8408-7FE0461BDA98}"/>
+              </a:ext>
+            </a:extLst>
+          </p:cNvPr>
+          <p:cNvPicPr>
+            <a:picLocks noGrp="1" noChangeAspect="1"/>
+          </p:cNvPicPr>
+          <p:nvPr>
+            <p:ph idx="1"/>
+          </p:nvPr>
+        </p:nvPicPr>
+        <p:blipFill>
+          <a:blip r:embed="rId2"/>
+          <a:stretch>
+            <a:fillRect/>
+          </a:stretch>
+        </p:blipFill>
+        <p:spPr>
+          <a:xfrm>
+            <a:off x="5202706" y="0"/>
+            <a:ext cx="6989294" cy="3354861"/>
+          </a:xfrm>
+          <a:prstGeom prst="rect">
+            <a:avLst/>
+          </a:prstGeom>
+        </p:spPr>
+      </p:pic>
+      <p:pic>
+        <p:nvPicPr>
+          <p:cNvPr id="5" name="Kép 4">
+            <a:extLst>
+              <a:ext uri="{FF2B5EF4-FFF2-40B4-BE49-F238E27FC236}">
+                <a16:creationId xmlns:a16="http://schemas.microsoft.com/office/drawing/2014/main" id="{75310465-F33E-4D9F-8D61-4A62427F326F}"/>
+              </a:ext>
+            </a:extLst>
+          </p:cNvPr>
+          <p:cNvPicPr>
+            <a:picLocks noChangeAspect="1"/>
+          </p:cNvPicPr>
+          <p:nvPr/>
+        </p:nvPicPr>
+        <p:blipFill>
+          <a:blip r:embed="rId3"/>
+          <a:stretch>
+            <a:fillRect/>
+          </a:stretch>
+        </p:blipFill>
+        <p:spPr>
+          <a:xfrm>
+            <a:off x="5202706" y="3593708"/>
+            <a:ext cx="6989294" cy="3278908"/>
+          </a:xfrm>
+          <a:prstGeom prst="rect">
+            <a:avLst/>
+          </a:prstGeom>
+        </p:spPr>
+      </p:pic>
+      <p:sp>
+        <p:nvSpPr>
+          <p:cNvPr id="6" name="Téglalap 5">
+            <a:extLst>
+              <a:ext uri="{FF2B5EF4-FFF2-40B4-BE49-F238E27FC236}">
+                <a16:creationId xmlns:a16="http://schemas.microsoft.com/office/drawing/2014/main" id="{46F5A972-66CD-487D-88DA-159F10EAC553}"/>
+              </a:ext>
+            </a:extLst>
+          </p:cNvPr>
+          <p:cNvSpPr/>
+          <p:nvPr/>
+        </p:nvSpPr>
+        <p:spPr>
+          <a:xfrm>
+            <a:off x="3590600" y="1600948"/>
+            <a:ext cx="1486225" cy="808120"/>
+          </a:xfrm>
+          <a:prstGeom prst="rect">
+            <a:avLst/>
+          </a:prstGeom>
+        </p:spPr>
+        <p:style>
+          <a:lnRef idx="2">
+            <a:schemeClr val="accent6"/>
+          </a:lnRef>
+          <a:fillRef idx="1">
+            <a:schemeClr val="lt1"/>
+          </a:fillRef>
+          <a:effectRef idx="0">
+            <a:schemeClr val="accent6"/>
+          </a:effectRef>
+          <a:fontRef idx="minor">
+            <a:schemeClr val="dk1"/>
+          </a:fontRef>
+        </p:style>
+        <p:txBody>
+          <a:bodyPr rtlCol="0" anchor="ctr"/>
+          <a:lstStyle/>
+          <a:p>
+            <a:pPr algn="ctr"/>
+            <a:r>
+              <a:rPr lang="hu-HU" dirty="0"/>
+              <a:t>Főoldal</a:t>
+            </a:r>
+          </a:p>
+        </p:txBody>
+      </p:sp>
+      <p:sp>
+        <p:nvSpPr>
+          <p:cNvPr id="7" name="Téglalap 6">
+            <a:extLst>
+              <a:ext uri="{FF2B5EF4-FFF2-40B4-BE49-F238E27FC236}">
+                <a16:creationId xmlns:a16="http://schemas.microsoft.com/office/drawing/2014/main" id="{AD573B09-5144-4C2E-83B2-095175303D29}"/>
+              </a:ext>
+            </a:extLst>
+          </p:cNvPr>
+          <p:cNvSpPr/>
+          <p:nvPr/>
+        </p:nvSpPr>
+        <p:spPr>
+          <a:xfrm>
+            <a:off x="3526386" y="4448932"/>
+            <a:ext cx="1550439" cy="808120"/>
+          </a:xfrm>
+          <a:prstGeom prst="rect">
+            <a:avLst/>
+          </a:prstGeom>
+        </p:spPr>
+        <p:style>
+          <a:lnRef idx="2">
+            <a:schemeClr val="accent6"/>
+          </a:lnRef>
+          <a:fillRef idx="1">
+            <a:schemeClr val="lt1"/>
+          </a:fillRef>
+          <a:effectRef idx="0">
+            <a:schemeClr val="accent6"/>
+          </a:effectRef>
+          <a:fontRef idx="minor">
+            <a:schemeClr val="dk1"/>
+          </a:fontRef>
+        </p:style>
+        <p:txBody>
+          <a:bodyPr rtlCol="0" anchor="ctr"/>
+          <a:lstStyle/>
+          <a:p>
+            <a:pPr algn="ctr"/>
+            <a:r>
+              <a:rPr lang="hu-HU" dirty="0"/>
+              <a:t>Posztok</a:t>
+            </a:r>
+          </a:p>
+        </p:txBody>
+      </p:sp>
+    </p:spTree>
+    <p:extLst>
+      <p:ext uri="{BB962C8B-B14F-4D97-AF65-F5344CB8AC3E}">
+        <p14:creationId xmlns:p14="http://schemas.microsoft.com/office/powerpoint/2010/main" val="2994534977"/>
+      </p:ext>
+    </p:extLst>
+  </p:cSld>
+  <p:clrMapOvr>
+    <a:masterClrMapping/>
+  </p:clrMapOvr>
+</p:sld>
+</file>
+
+<file path=ppt/slides/slide12.xml><?xml version="1.0" encoding="utf-8"?>
+<p:sld xmlns:a="http://schemas.openxmlformats.org/drawingml/2006/main" xmlns:r="http://schemas.openxmlformats.org/officeDocument/2006/relationships" xmlns:p="http://schemas.openxmlformats.org/presentationml/2006/main">
+  <p:cSld>
+    <p:spTree>
+      <p:nvGrpSpPr>
+        <p:cNvPr id="1" name=""/>
+        <p:cNvGrpSpPr/>
+        <p:nvPr/>
+      </p:nvGrpSpPr>
+      <p:grpSpPr>
+        <a:xfrm>
+          <a:off x="0" y="0"/>
+          <a:ext cx="0" cy="0"/>
+          <a:chOff x="0" y="0"/>
+          <a:chExt cx="0" cy="0"/>
+        </a:xfrm>
+      </p:grpSpPr>
+      <p:sp>
+        <p:nvSpPr>
+          <p:cNvPr id="2" name="Cím 1">
+            <a:extLst>
+              <a:ext uri="{FF2B5EF4-FFF2-40B4-BE49-F238E27FC236}">
+                <a16:creationId xmlns:a16="http://schemas.microsoft.com/office/drawing/2014/main" id="{00774589-C98E-4D21-8491-60A8C21BF26C}"/>
+              </a:ext>
+            </a:extLst>
+          </p:cNvPr>
+          <p:cNvSpPr>
+            <a:spLocks noGrp="1"/>
+          </p:cNvSpPr>
+          <p:nvPr>
+            <p:ph type="title"/>
+          </p:nvPr>
+        </p:nvSpPr>
+        <p:spPr/>
+        <p:txBody>
+          <a:bodyPr/>
+          <a:lstStyle/>
+          <a:p>
+            <a:r>
+              <a:rPr lang="hu-HU" dirty="0"/>
+              <a:t>Pár illusztráció az oldalról</a:t>
+            </a:r>
+          </a:p>
+        </p:txBody>
+      </p:sp>
+      <p:pic>
+        <p:nvPicPr>
+          <p:cNvPr id="4" name="Tartalom helye 3">
+            <a:extLst>
+              <a:ext uri="{FF2B5EF4-FFF2-40B4-BE49-F238E27FC236}">
+                <a16:creationId xmlns:a16="http://schemas.microsoft.com/office/drawing/2014/main" id="{D858D7EF-EEB0-401C-969B-C0186D232F39}"/>
+              </a:ext>
+            </a:extLst>
+          </p:cNvPr>
+          <p:cNvPicPr>
+            <a:picLocks noGrp="1" noChangeAspect="1"/>
+          </p:cNvPicPr>
+          <p:nvPr>
+            <p:ph idx="1"/>
+          </p:nvPr>
+        </p:nvPicPr>
+        <p:blipFill>
+          <a:blip r:embed="rId2"/>
+          <a:stretch>
+            <a:fillRect/>
+          </a:stretch>
+        </p:blipFill>
+        <p:spPr>
+          <a:xfrm>
+            <a:off x="5442858" y="0"/>
+            <a:ext cx="6749142" cy="3248025"/>
+          </a:xfrm>
+          <a:prstGeom prst="rect">
+            <a:avLst/>
+          </a:prstGeom>
+        </p:spPr>
+      </p:pic>
+      <p:pic>
+        <p:nvPicPr>
+          <p:cNvPr id="5" name="Kép 4">
+            <a:extLst>
+              <a:ext uri="{FF2B5EF4-FFF2-40B4-BE49-F238E27FC236}">
+                <a16:creationId xmlns:a16="http://schemas.microsoft.com/office/drawing/2014/main" id="{EAD9ADF1-7E90-4942-9164-B7F1D033419A}"/>
+              </a:ext>
+            </a:extLst>
+          </p:cNvPr>
+          <p:cNvPicPr>
+            <a:picLocks noChangeAspect="1"/>
+          </p:cNvPicPr>
+          <p:nvPr/>
+        </p:nvPicPr>
+        <p:blipFill>
+          <a:blip r:embed="rId3"/>
+          <a:stretch>
+            <a:fillRect/>
+          </a:stretch>
+        </p:blipFill>
+        <p:spPr>
+          <a:xfrm>
+            <a:off x="5442857" y="3702776"/>
+            <a:ext cx="6749142" cy="3155224"/>
+          </a:xfrm>
+          <a:prstGeom prst="rect">
+            <a:avLst/>
+          </a:prstGeom>
+        </p:spPr>
+      </p:pic>
+      <p:sp>
+        <p:nvSpPr>
+          <p:cNvPr id="6" name="Téglalap 5">
+            <a:extLst>
+              <a:ext uri="{FF2B5EF4-FFF2-40B4-BE49-F238E27FC236}">
+                <a16:creationId xmlns:a16="http://schemas.microsoft.com/office/drawing/2014/main" id="{28FCFF44-9464-45D7-B931-2E8494E98ECE}"/>
+              </a:ext>
+            </a:extLst>
+          </p:cNvPr>
+          <p:cNvSpPr/>
+          <p:nvPr/>
+        </p:nvSpPr>
+        <p:spPr>
+          <a:xfrm>
+            <a:off x="3705224" y="1343025"/>
+            <a:ext cx="1514475" cy="914400"/>
+          </a:xfrm>
+          <a:prstGeom prst="rect">
+            <a:avLst/>
+          </a:prstGeom>
+        </p:spPr>
+        <p:style>
+          <a:lnRef idx="2">
+            <a:schemeClr val="accent6"/>
+          </a:lnRef>
+          <a:fillRef idx="1">
+            <a:schemeClr val="lt1"/>
+          </a:fillRef>
+          <a:effectRef idx="0">
+            <a:schemeClr val="accent6"/>
+          </a:effectRef>
+          <a:fontRef idx="minor">
+            <a:schemeClr val="dk1"/>
+          </a:fontRef>
+        </p:style>
+        <p:txBody>
+          <a:bodyPr rtlCol="0" anchor="ctr"/>
+          <a:lstStyle/>
+          <a:p>
+            <a:pPr algn="ctr"/>
+            <a:r>
+              <a:rPr lang="hu-HU" dirty="0"/>
+              <a:t>Regisztráció</a:t>
+            </a:r>
+          </a:p>
+        </p:txBody>
+      </p:sp>
+      <p:sp>
+        <p:nvSpPr>
+          <p:cNvPr id="7" name="Téglalap 6">
+            <a:extLst>
+              <a:ext uri="{FF2B5EF4-FFF2-40B4-BE49-F238E27FC236}">
+                <a16:creationId xmlns:a16="http://schemas.microsoft.com/office/drawing/2014/main" id="{A032BEB4-5EF0-439A-825C-DB05ED7EFFAC}"/>
+              </a:ext>
+            </a:extLst>
+          </p:cNvPr>
+          <p:cNvSpPr/>
+          <p:nvPr/>
+        </p:nvSpPr>
+        <p:spPr>
+          <a:xfrm>
+            <a:off x="3705224" y="4438650"/>
+            <a:ext cx="1514476" cy="914400"/>
+          </a:xfrm>
+          <a:prstGeom prst="rect">
+            <a:avLst/>
+          </a:prstGeom>
+        </p:spPr>
+        <p:style>
+          <a:lnRef idx="2">
+            <a:schemeClr val="accent6"/>
+          </a:lnRef>
+          <a:fillRef idx="1">
+            <a:schemeClr val="lt1"/>
+          </a:fillRef>
+          <a:effectRef idx="0">
+            <a:schemeClr val="accent6"/>
+          </a:effectRef>
+          <a:fontRef idx="minor">
+            <a:schemeClr val="dk1"/>
+          </a:fontRef>
+        </p:style>
+        <p:txBody>
+          <a:bodyPr rtlCol="0" anchor="ctr"/>
+          <a:lstStyle/>
+          <a:p>
+            <a:pPr algn="ctr"/>
+            <a:r>
+              <a:rPr lang="hu-HU" dirty="0"/>
+              <a:t>Bejelentkezés</a:t>
+            </a:r>
+          </a:p>
+        </p:txBody>
+      </p:sp>
+    </p:spTree>
+    <p:extLst>
+      <p:ext uri="{BB962C8B-B14F-4D97-AF65-F5344CB8AC3E}">
+        <p14:creationId xmlns:p14="http://schemas.microsoft.com/office/powerpoint/2010/main" val="2480248420"/>
+      </p:ext>
+    </p:extLst>
+  </p:cSld>
+  <p:clrMapOvr>
+    <a:masterClrMapping/>
+  </p:clrMapOvr>
+</p:sld>
+</file>
+
+<file path=ppt/slides/slide13.xml><?xml version="1.0" encoding="utf-8"?>
+<p:sld xmlns:a="http://schemas.openxmlformats.org/drawingml/2006/main" xmlns:r="http://schemas.openxmlformats.org/officeDocument/2006/relationships" xmlns:p="http://schemas.openxmlformats.org/presentationml/2006/main">
+  <p:cSld>
+    <p:spTree>
+      <p:nvGrpSpPr>
+        <p:cNvPr id="1" name=""/>
+        <p:cNvGrpSpPr/>
+        <p:nvPr/>
+      </p:nvGrpSpPr>
+      <p:grpSpPr>
+        <a:xfrm>
+          <a:off x="0" y="0"/>
+          <a:ext cx="0" cy="0"/>
+          <a:chOff x="0" y="0"/>
+          <a:chExt cx="0" cy="0"/>
+        </a:xfrm>
+      </p:grpSpPr>
+      <p:sp>
+        <p:nvSpPr>
+          <p:cNvPr id="2" name="Cím 1">
+            <a:extLst>
+              <a:ext uri="{FF2B5EF4-FFF2-40B4-BE49-F238E27FC236}">
+                <a16:creationId xmlns:a16="http://schemas.microsoft.com/office/drawing/2014/main" id="{E479C656-882F-4E6F-B8B1-683754F98D58}"/>
+              </a:ext>
+            </a:extLst>
+          </p:cNvPr>
+          <p:cNvSpPr>
+            <a:spLocks noGrp="1"/>
+          </p:cNvSpPr>
+          <p:nvPr>
+            <p:ph type="title"/>
+          </p:nvPr>
+        </p:nvSpPr>
+        <p:spPr/>
+        <p:txBody>
+          <a:bodyPr/>
+          <a:lstStyle/>
+          <a:p>
+            <a:r>
+              <a:rPr lang="hu-HU" dirty="0"/>
+              <a:t>További munkák</a:t>
+            </a:r>
+          </a:p>
+        </p:txBody>
+      </p:sp>
+      <p:sp>
+        <p:nvSpPr>
+          <p:cNvPr id="3" name="Tartalom helye 2">
+            <a:extLst>
+              <a:ext uri="{FF2B5EF4-FFF2-40B4-BE49-F238E27FC236}">
+                <a16:creationId xmlns:a16="http://schemas.microsoft.com/office/drawing/2014/main" id="{7A82D7E5-95E3-45FD-8DED-0D47C5FA76D7}"/>
+              </a:ext>
+            </a:extLst>
+          </p:cNvPr>
+          <p:cNvSpPr>
+            <a:spLocks noGrp="1"/>
+          </p:cNvSpPr>
+          <p:nvPr>
+            <p:ph idx="1"/>
+          </p:nvPr>
+        </p:nvSpPr>
+        <p:spPr/>
+        <p:txBody>
+          <a:bodyPr/>
+          <a:lstStyle/>
+          <a:p>
+            <a:r>
+              <a:rPr lang="hu-HU" dirty="0"/>
+              <a:t>Mivel már nincs időnk a leadásig, ezért már új dologba nem kezdünk, már csak finomítunk az oldalon amíg </a:t>
+            </a:r>
+            <a:r>
+              <a:rPr lang="hu-HU"/>
+              <a:t>szerintünk tökéletes nem lesz.</a:t>
+            </a:r>
+            <a:endParaRPr lang="hu-HU" dirty="0"/>
+          </a:p>
+        </p:txBody>
+      </p:sp>
+    </p:spTree>
+    <p:extLst>
+      <p:ext uri="{BB962C8B-B14F-4D97-AF65-F5344CB8AC3E}">
+        <p14:creationId xmlns:p14="http://schemas.microsoft.com/office/powerpoint/2010/main" val="543351373"/>
+      </p:ext>
+    </p:extLst>
+  </p:cSld>
+  <p:clrMapOvr>
+    <a:masterClrMapping/>
+  </p:clrMapOvr>
+</p:sld>
+</file>
+
+<file path=ppt/slides/slide14.xml><?xml version="1.0" encoding="utf-8"?>
+<p:sld xmlns:a="http://schemas.openxmlformats.org/drawingml/2006/main" xmlns:r="http://schemas.openxmlformats.org/officeDocument/2006/relationships" xmlns:p="http://schemas.openxmlformats.org/presentationml/2006/main">
+  <p:cSld>
+    <p:bg>
+      <p:bgPr>
         <a:solidFill>
           <a:schemeClr val="bg1"/>
         </a:solidFill>
@@ -8249,8 +9826,8 @@
         </p:nvSpPr>
         <p:spPr>
           <a:xfrm>
-            <a:off x="252919" y="1123837"/>
-            <a:ext cx="2947482" cy="4601183"/>
+            <a:off x="1" y="1128408"/>
+            <a:ext cx="3422132" cy="4601183"/>
           </a:xfrm>
         </p:spPr>
         <p:txBody>
@@ -8259,10 +9836,10 @@
           </a:bodyPr>
           <a:lstStyle/>
           <a:p>
-            <a:pPr rtl="0"/>
-            <a:r>
-              <a:rPr lang="hu-HU" dirty="0"/>
-              <a:t>A folyamat megtervezése</a:t>
+            <a:pPr algn="ctr" rtl="0"/>
+            <a:r>
+              <a:rPr lang="hu-HU" sz="4000" dirty="0"/>
+              <a:t>A projektötlet</a:t>
             </a:r>
           </a:p>
         </p:txBody>
@@ -8411,7 +9988,7 @@
             <p:ph idx="1"/>
             <p:extLst>
               <p:ext uri="{D42A27DB-BD31-4B8C-83A1-F6EECF244321}">
-                <p14:modId xmlns:p14="http://schemas.microsoft.com/office/powerpoint/2010/main" val="2227363867"/>
+                <p14:modId xmlns:p14="http://schemas.microsoft.com/office/powerpoint/2010/main" val="1527086171"/>
               </p:ext>
             </p:extLst>
           </p:nvPr>
@@ -8440,6 +10017,853 @@
 </file>
 
 <file path=ppt/slides/slide3.xml><?xml version="1.0" encoding="utf-8"?>
+<p:sld xmlns:a="http://schemas.openxmlformats.org/drawingml/2006/main" xmlns:r="http://schemas.openxmlformats.org/officeDocument/2006/relationships" xmlns:p="http://schemas.openxmlformats.org/presentationml/2006/main">
+  <p:cSld>
+    <p:spTree>
+      <p:nvGrpSpPr>
+        <p:cNvPr id="1" name=""/>
+        <p:cNvGrpSpPr/>
+        <p:nvPr/>
+      </p:nvGrpSpPr>
+      <p:grpSpPr>
+        <a:xfrm>
+          <a:off x="0" y="0"/>
+          <a:ext cx="0" cy="0"/>
+          <a:chOff x="0" y="0"/>
+          <a:chExt cx="0" cy="0"/>
+        </a:xfrm>
+      </p:grpSpPr>
+      <p:sp>
+        <p:nvSpPr>
+          <p:cNvPr id="2" name="Title 1">
+            <a:extLst>
+              <a:ext uri="{FF2B5EF4-FFF2-40B4-BE49-F238E27FC236}">
+                <a16:creationId xmlns:a16="http://schemas.microsoft.com/office/drawing/2014/main" id="{0F01FE92-ED30-42AF-A920-CC360FE36BB7}"/>
+              </a:ext>
+            </a:extLst>
+          </p:cNvPr>
+          <p:cNvSpPr>
+            <a:spLocks noGrp="1"/>
+          </p:cNvSpPr>
+          <p:nvPr>
+            <p:ph type="title"/>
+          </p:nvPr>
+        </p:nvSpPr>
+        <p:spPr/>
+        <p:txBody>
+          <a:bodyPr>
+            <a:normAutofit/>
+          </a:bodyPr>
+          <a:lstStyle/>
+          <a:p>
+            <a:pPr algn="ctr"/>
+            <a:r>
+              <a:rPr lang="hu-HU" sz="4800" dirty="0"/>
+              <a:t>A weboldal funkciói</a:t>
+            </a:r>
+          </a:p>
+        </p:txBody>
+      </p:sp>
+      <p:sp>
+        <p:nvSpPr>
+          <p:cNvPr id="3" name="Content Placeholder 2">
+            <a:extLst>
+              <a:ext uri="{FF2B5EF4-FFF2-40B4-BE49-F238E27FC236}">
+                <a16:creationId xmlns:a16="http://schemas.microsoft.com/office/drawing/2014/main" id="{5B6B4C41-0EB3-BFC5-B724-FB7E921BC579}"/>
+              </a:ext>
+            </a:extLst>
+          </p:cNvPr>
+          <p:cNvSpPr>
+            <a:spLocks noGrp="1"/>
+          </p:cNvSpPr>
+          <p:nvPr>
+            <p:ph idx="1"/>
+          </p:nvPr>
+        </p:nvSpPr>
+        <p:spPr/>
+        <p:txBody>
+          <a:bodyPr/>
+          <a:lstStyle/>
+          <a:p>
+            <a:r>
+              <a:rPr lang="hu-HU" dirty="0"/>
+              <a:t>Regisztráció</a:t>
+            </a:r>
+          </a:p>
+          <a:p>
+            <a:r>
+              <a:rPr lang="hu-HU" dirty="0"/>
+              <a:t>Bejelentkezés</a:t>
+            </a:r>
+          </a:p>
+          <a:p>
+            <a:r>
+              <a:rPr lang="hu-HU" dirty="0"/>
+              <a:t>Poszt létrehozása</a:t>
+            </a:r>
+          </a:p>
+          <a:p>
+            <a:r>
+              <a:rPr lang="hu-HU" dirty="0"/>
+              <a:t>Poszt törlése</a:t>
+            </a:r>
+          </a:p>
+          <a:p>
+            <a:r>
+              <a:rPr lang="hu-HU" dirty="0"/>
+              <a:t>Poszt értékelése, véleményírás</a:t>
+            </a:r>
+          </a:p>
+          <a:p>
+            <a:r>
+              <a:rPr lang="hu-HU" dirty="0"/>
+              <a:t>Keresés, szűrés</a:t>
+            </a:r>
+          </a:p>
+          <a:p>
+            <a:r>
+              <a:rPr lang="hu-HU" dirty="0"/>
+              <a:t>Közvetlen üzenetküldés</a:t>
+            </a:r>
+          </a:p>
+          <a:p>
+            <a:r>
+              <a:rPr lang="hu-HU" dirty="0"/>
+              <a:t>Időpont foglalás, elfogadás, lemondás</a:t>
+            </a:r>
+          </a:p>
+          <a:p>
+            <a:r>
+              <a:rPr lang="hu-HU" dirty="0"/>
+              <a:t>Személyes adatok módosítása</a:t>
+            </a:r>
+          </a:p>
+          <a:p>
+            <a:endParaRPr lang="hu-HU" dirty="0"/>
+          </a:p>
+        </p:txBody>
+      </p:sp>
+    </p:spTree>
+    <p:extLst>
+      <p:ext uri="{BB962C8B-B14F-4D97-AF65-F5344CB8AC3E}">
+        <p14:creationId xmlns:p14="http://schemas.microsoft.com/office/powerpoint/2010/main" val="2632719627"/>
+      </p:ext>
+    </p:extLst>
+  </p:cSld>
+  <p:clrMapOvr>
+    <a:masterClrMapping/>
+  </p:clrMapOvr>
+</p:sld>
+</file>
+
+<file path=ppt/slides/slide4.xml><?xml version="1.0" encoding="utf-8"?>
+<p:sld xmlns:a="http://schemas.openxmlformats.org/drawingml/2006/main" xmlns:r="http://schemas.openxmlformats.org/officeDocument/2006/relationships" xmlns:p="http://schemas.openxmlformats.org/presentationml/2006/main">
+  <p:cSld>
+    <p:spTree>
+      <p:nvGrpSpPr>
+        <p:cNvPr id="1" name="">
+          <a:extLst>
+            <a:ext uri="{FF2B5EF4-FFF2-40B4-BE49-F238E27FC236}">
+              <a16:creationId xmlns:a16="http://schemas.microsoft.com/office/drawing/2014/main" id="{66C416F4-2714-B51D-F692-31B3C97F162B}"/>
+            </a:ext>
+          </a:extLst>
+        </p:cNvPr>
+        <p:cNvGrpSpPr/>
+        <p:nvPr/>
+      </p:nvGrpSpPr>
+      <p:grpSpPr>
+        <a:xfrm>
+          <a:off x="0" y="0"/>
+          <a:ext cx="0" cy="0"/>
+          <a:chOff x="0" y="0"/>
+          <a:chExt cx="0" cy="0"/>
+        </a:xfrm>
+      </p:grpSpPr>
+      <p:sp>
+        <p:nvSpPr>
+          <p:cNvPr id="2" name="Title 1">
+            <a:extLst>
+              <a:ext uri="{FF2B5EF4-FFF2-40B4-BE49-F238E27FC236}">
+                <a16:creationId xmlns:a16="http://schemas.microsoft.com/office/drawing/2014/main" id="{6CF9E112-1F66-7070-EED0-E1B0655B20F2}"/>
+              </a:ext>
+            </a:extLst>
+          </p:cNvPr>
+          <p:cNvSpPr>
+            <a:spLocks noGrp="1"/>
+          </p:cNvSpPr>
+          <p:nvPr>
+            <p:ph type="title"/>
+          </p:nvPr>
+        </p:nvSpPr>
+        <p:spPr/>
+        <p:txBody>
+          <a:bodyPr>
+            <a:normAutofit/>
+          </a:bodyPr>
+          <a:lstStyle/>
+          <a:p>
+            <a:pPr algn="ctr"/>
+            <a:r>
+              <a:rPr lang="hu-HU" sz="4800" dirty="0"/>
+              <a:t>A weboldal felosztása</a:t>
+            </a:r>
+          </a:p>
+        </p:txBody>
+      </p:sp>
+      <p:sp>
+        <p:nvSpPr>
+          <p:cNvPr id="3" name="Content Placeholder 2">
+            <a:extLst>
+              <a:ext uri="{FF2B5EF4-FFF2-40B4-BE49-F238E27FC236}">
+                <a16:creationId xmlns:a16="http://schemas.microsoft.com/office/drawing/2014/main" id="{0C1F9714-D70B-A122-0712-030E25B70FEA}"/>
+              </a:ext>
+            </a:extLst>
+          </p:cNvPr>
+          <p:cNvSpPr>
+            <a:spLocks noGrp="1"/>
+          </p:cNvSpPr>
+          <p:nvPr>
+            <p:ph idx="1"/>
+          </p:nvPr>
+        </p:nvSpPr>
+        <p:spPr>
+          <a:xfrm>
+            <a:off x="6648450" y="1695450"/>
+            <a:ext cx="5105400" cy="4029570"/>
+          </a:xfrm>
+        </p:spPr>
+        <p:txBody>
+          <a:bodyPr/>
+          <a:lstStyle/>
+          <a:p>
+            <a:r>
+              <a:rPr lang="hu-HU" dirty="0"/>
+              <a:t>Backend -  </a:t>
+            </a:r>
+            <a:r>
+              <a:rPr lang="hu-HU" dirty="0" err="1"/>
+              <a:t>NodeJS</a:t>
+            </a:r>
+            <a:br>
+              <a:rPr lang="hu-HU" dirty="0"/>
+            </a:br>
+            <a:r>
+              <a:rPr lang="hu-HU" dirty="0"/>
+              <a:t>	</a:t>
+            </a:r>
+            <a:r>
+              <a:rPr lang="hu-HU" dirty="0" err="1"/>
+              <a:t>Axios</a:t>
+            </a:r>
+            <a:br>
+              <a:rPr lang="hu-HU" dirty="0"/>
+            </a:br>
+            <a:r>
+              <a:rPr lang="hu-HU" dirty="0"/>
+              <a:t>	</a:t>
+            </a:r>
+            <a:r>
+              <a:rPr lang="hu-HU" dirty="0" err="1"/>
+              <a:t>bcrypt</a:t>
+            </a:r>
+            <a:br>
+              <a:rPr lang="hu-HU" dirty="0"/>
+            </a:br>
+            <a:r>
+              <a:rPr lang="hu-HU" dirty="0"/>
+              <a:t>	</a:t>
+            </a:r>
+            <a:r>
+              <a:rPr lang="hu-HU" dirty="0" err="1"/>
+              <a:t>Nodemon</a:t>
+            </a:r>
+            <a:br>
+              <a:rPr lang="hu-HU" dirty="0"/>
+            </a:br>
+            <a:r>
+              <a:rPr lang="hu-HU" dirty="0"/>
+              <a:t>	JWT / JSON Web </a:t>
+            </a:r>
+            <a:r>
+              <a:rPr lang="hu-HU" dirty="0" err="1"/>
+              <a:t>Token</a:t>
+            </a:r>
+            <a:endParaRPr lang="hu-HU" dirty="0"/>
+          </a:p>
+          <a:p>
+            <a:endParaRPr lang="hu-HU" dirty="0"/>
+          </a:p>
+          <a:p>
+            <a:endParaRPr lang="hu-HU" dirty="0"/>
+          </a:p>
+          <a:p>
+            <a:endParaRPr lang="hu-HU" dirty="0"/>
+          </a:p>
+          <a:p>
+            <a:r>
+              <a:rPr lang="hu-HU" dirty="0"/>
+              <a:t>Frontend - </a:t>
+            </a:r>
+            <a:r>
+              <a:rPr lang="hu-HU" dirty="0" err="1"/>
+              <a:t>React</a:t>
+            </a:r>
+            <a:br>
+              <a:rPr lang="hu-HU" dirty="0"/>
+            </a:br>
+            <a:r>
+              <a:rPr lang="hu-HU" dirty="0"/>
+              <a:t>	</a:t>
+            </a:r>
+            <a:r>
+              <a:rPr lang="hu-HU" dirty="0" err="1"/>
+              <a:t>Bootstrap</a:t>
+            </a:r>
+            <a:br>
+              <a:rPr lang="hu-HU" dirty="0"/>
+            </a:br>
+            <a:r>
+              <a:rPr lang="hu-HU" dirty="0"/>
+              <a:t>	 </a:t>
+            </a:r>
+          </a:p>
+          <a:p>
+            <a:endParaRPr lang="hu-HU" dirty="0"/>
+          </a:p>
+        </p:txBody>
+      </p:sp>
+      <p:pic>
+        <p:nvPicPr>
+          <p:cNvPr id="1028" name="Picture 4" descr="Node.js - Wikipedia">
+            <a:extLst>
+              <a:ext uri="{FF2B5EF4-FFF2-40B4-BE49-F238E27FC236}">
+                <a16:creationId xmlns:a16="http://schemas.microsoft.com/office/drawing/2014/main" id="{A3C8DFAA-E5F0-2DEC-15C9-F40EA0819232}"/>
+              </a:ext>
+            </a:extLst>
+          </p:cNvPr>
+          <p:cNvPicPr>
+            <a:picLocks noChangeAspect="1" noChangeArrowheads="1"/>
+          </p:cNvPicPr>
+          <p:nvPr/>
+        </p:nvPicPr>
+        <p:blipFill>
+          <a:blip r:embed="rId3">
+            <a:extLst>
+              <a:ext uri="{28A0092B-C50C-407E-A947-70E740481C1C}">
+                <a14:useLocalDpi xmlns:a14="http://schemas.microsoft.com/office/drawing/2010/main" val="0"/>
+              </a:ext>
+            </a:extLst>
+          </a:blip>
+          <a:srcRect/>
+          <a:stretch>
+            <a:fillRect/>
+          </a:stretch>
+        </p:blipFill>
+        <p:spPr bwMode="auto">
+          <a:xfrm>
+            <a:off x="3991655" y="1581037"/>
+            <a:ext cx="2104345" cy="1288923"/>
+          </a:xfrm>
+          <a:prstGeom prst="rect">
+            <a:avLst/>
+          </a:prstGeom>
+          <a:noFill/>
+          <a:extLst>
+            <a:ext uri="{909E8E84-426E-40DD-AFC4-6F175D3DCCD1}">
+              <a14:hiddenFill xmlns:a14="http://schemas.microsoft.com/office/drawing/2010/main">
+                <a:solidFill>
+                  <a:srgbClr val="FFFFFF"/>
+                </a:solidFill>
+              </a14:hiddenFill>
+            </a:ext>
+          </a:extLst>
+        </p:spPr>
+      </p:pic>
+      <p:pic>
+        <p:nvPicPr>
+          <p:cNvPr id="1032" name="Picture 8" descr="react original wordmark&quot; Icon - Download for free – Iconduck">
+            <a:extLst>
+              <a:ext uri="{FF2B5EF4-FFF2-40B4-BE49-F238E27FC236}">
+                <a16:creationId xmlns:a16="http://schemas.microsoft.com/office/drawing/2014/main" id="{248E6FBC-D96F-A132-34C5-9FEF5FCB362B}"/>
+              </a:ext>
+            </a:extLst>
+          </p:cNvPr>
+          <p:cNvPicPr>
+            <a:picLocks noChangeAspect="1" noChangeArrowheads="1"/>
+          </p:cNvPicPr>
+          <p:nvPr/>
+        </p:nvPicPr>
+        <p:blipFill>
+          <a:blip r:embed="rId4">
+            <a:extLst>
+              <a:ext uri="{28A0092B-C50C-407E-A947-70E740481C1C}">
+                <a14:useLocalDpi xmlns:a14="http://schemas.microsoft.com/office/drawing/2010/main" val="0"/>
+              </a:ext>
+            </a:extLst>
+          </a:blip>
+          <a:srcRect/>
+          <a:stretch>
+            <a:fillRect/>
+          </a:stretch>
+        </p:blipFill>
+        <p:spPr bwMode="auto">
+          <a:xfrm>
+            <a:off x="4554954" y="4086663"/>
+            <a:ext cx="1255964" cy="1530972"/>
+          </a:xfrm>
+          <a:prstGeom prst="rect">
+            <a:avLst/>
+          </a:prstGeom>
+          <a:noFill/>
+          <a:extLst>
+            <a:ext uri="{909E8E84-426E-40DD-AFC4-6F175D3DCCD1}">
+              <a14:hiddenFill xmlns:a14="http://schemas.microsoft.com/office/drawing/2010/main">
+                <a:solidFill>
+                  <a:srgbClr val="FFFFFF"/>
+                </a:solidFill>
+              </a14:hiddenFill>
+            </a:ext>
+          </a:extLst>
+        </p:spPr>
+      </p:pic>
+    </p:spTree>
+    <p:extLst>
+      <p:ext uri="{BB962C8B-B14F-4D97-AF65-F5344CB8AC3E}">
+        <p14:creationId xmlns:p14="http://schemas.microsoft.com/office/powerpoint/2010/main" val="2081556516"/>
+      </p:ext>
+    </p:extLst>
+  </p:cSld>
+  <p:clrMapOvr>
+    <a:masterClrMapping/>
+  </p:clrMapOvr>
+</p:sld>
+</file>
+
+<file path=ppt/slides/slide5.xml><?xml version="1.0" encoding="utf-8"?>
+<p:sld xmlns:a="http://schemas.openxmlformats.org/drawingml/2006/main" xmlns:r="http://schemas.openxmlformats.org/officeDocument/2006/relationships" xmlns:p="http://schemas.openxmlformats.org/presentationml/2006/main">
+  <p:cSld>
+    <p:spTree>
+      <p:nvGrpSpPr>
+        <p:cNvPr id="1" name="">
+          <a:extLst>
+            <a:ext uri="{FF2B5EF4-FFF2-40B4-BE49-F238E27FC236}">
+              <a16:creationId xmlns:a16="http://schemas.microsoft.com/office/drawing/2014/main" id="{AD8F302E-4BF9-67D2-5709-44B854E3F5AF}"/>
+            </a:ext>
+          </a:extLst>
+        </p:cNvPr>
+        <p:cNvGrpSpPr/>
+        <p:nvPr/>
+      </p:nvGrpSpPr>
+      <p:grpSpPr>
+        <a:xfrm>
+          <a:off x="0" y="0"/>
+          <a:ext cx="0" cy="0"/>
+          <a:chOff x="0" y="0"/>
+          <a:chExt cx="0" cy="0"/>
+        </a:xfrm>
+      </p:grpSpPr>
+      <p:sp>
+        <p:nvSpPr>
+          <p:cNvPr id="2" name="Title 1">
+            <a:extLst>
+              <a:ext uri="{FF2B5EF4-FFF2-40B4-BE49-F238E27FC236}">
+                <a16:creationId xmlns:a16="http://schemas.microsoft.com/office/drawing/2014/main" id="{9C2C6E91-0B0F-46A1-D465-7E2671BF3C2D}"/>
+              </a:ext>
+            </a:extLst>
+          </p:cNvPr>
+          <p:cNvSpPr>
+            <a:spLocks noGrp="1"/>
+          </p:cNvSpPr>
+          <p:nvPr>
+            <p:ph type="title"/>
+          </p:nvPr>
+        </p:nvSpPr>
+        <p:spPr/>
+        <p:txBody>
+          <a:bodyPr/>
+          <a:lstStyle/>
+          <a:p>
+            <a:r>
+              <a:rPr lang="hu-HU"/>
+              <a:t>Backend</a:t>
+            </a:r>
+            <a:endParaRPr lang="hu-HU" dirty="0"/>
+          </a:p>
+        </p:txBody>
+      </p:sp>
+      <p:sp>
+        <p:nvSpPr>
+          <p:cNvPr id="13" name="Content Placeholder 12">
+            <a:extLst>
+              <a:ext uri="{FF2B5EF4-FFF2-40B4-BE49-F238E27FC236}">
+                <a16:creationId xmlns:a16="http://schemas.microsoft.com/office/drawing/2014/main" id="{12CEA4EA-6406-9226-41AF-5D923F4DBCF5}"/>
+              </a:ext>
+            </a:extLst>
+          </p:cNvPr>
+          <p:cNvSpPr>
+            <a:spLocks noGrp="1"/>
+          </p:cNvSpPr>
+          <p:nvPr>
+            <p:ph idx="1"/>
+          </p:nvPr>
+        </p:nvSpPr>
+        <p:spPr>
+          <a:xfrm>
+            <a:off x="3869268" y="2150408"/>
+            <a:ext cx="7315200" cy="3834339"/>
+          </a:xfrm>
+        </p:spPr>
+        <p:txBody>
+          <a:bodyPr/>
+          <a:lstStyle/>
+          <a:p>
+            <a:r>
+              <a:rPr lang="hu-HU" dirty="0" err="1"/>
+              <a:t>Axios</a:t>
+            </a:r>
+            <a:endParaRPr lang="hu-HU" dirty="0"/>
+          </a:p>
+          <a:p>
+            <a:r>
+              <a:rPr lang="hu-HU" dirty="0" err="1"/>
+              <a:t>Bcrypt</a:t>
+            </a:r>
+            <a:endParaRPr lang="hu-HU" dirty="0"/>
+          </a:p>
+          <a:p>
+            <a:r>
+              <a:rPr lang="hu-HU" dirty="0"/>
+              <a:t>JWT</a:t>
+            </a:r>
+          </a:p>
+          <a:p>
+            <a:r>
+              <a:rPr lang="hu-HU" dirty="0" err="1"/>
+              <a:t>Nodemon</a:t>
+            </a:r>
+            <a:endParaRPr lang="hu-HU" dirty="0"/>
+          </a:p>
+        </p:txBody>
+      </p:sp>
+      <p:pic>
+        <p:nvPicPr>
+          <p:cNvPr id="15" name="Picture 14">
+            <a:extLst>
+              <a:ext uri="{FF2B5EF4-FFF2-40B4-BE49-F238E27FC236}">
+                <a16:creationId xmlns:a16="http://schemas.microsoft.com/office/drawing/2014/main" id="{7FEAAAEF-342D-89E7-5D32-DD290F0B8F36}"/>
+              </a:ext>
+            </a:extLst>
+          </p:cNvPr>
+          <p:cNvPicPr>
+            <a:picLocks noChangeAspect="1"/>
+          </p:cNvPicPr>
+          <p:nvPr/>
+        </p:nvPicPr>
+        <p:blipFill>
+          <a:blip r:embed="rId3"/>
+          <a:stretch>
+            <a:fillRect/>
+          </a:stretch>
+        </p:blipFill>
+        <p:spPr>
+          <a:xfrm>
+            <a:off x="7061370" y="1976547"/>
+            <a:ext cx="3324689" cy="4182059"/>
+          </a:xfrm>
+          <a:prstGeom prst="rect">
+            <a:avLst/>
+          </a:prstGeom>
+        </p:spPr>
+      </p:pic>
+      <p:pic>
+        <p:nvPicPr>
+          <p:cNvPr id="11" name="Picture 10">
+            <a:extLst>
+              <a:ext uri="{FF2B5EF4-FFF2-40B4-BE49-F238E27FC236}">
+                <a16:creationId xmlns:a16="http://schemas.microsoft.com/office/drawing/2014/main" id="{4EB9F9FE-2C3E-15D3-5E8A-0C670F26C93A}"/>
+              </a:ext>
+            </a:extLst>
+          </p:cNvPr>
+          <p:cNvPicPr>
+            <a:picLocks noChangeAspect="1"/>
+          </p:cNvPicPr>
+          <p:nvPr/>
+        </p:nvPicPr>
+        <p:blipFill>
+          <a:blip r:embed="rId4"/>
+          <a:stretch>
+            <a:fillRect/>
+          </a:stretch>
+        </p:blipFill>
+        <p:spPr>
+          <a:xfrm>
+            <a:off x="4172648" y="742636"/>
+            <a:ext cx="1848108" cy="1771897"/>
+          </a:xfrm>
+          <a:prstGeom prst="rect">
+            <a:avLst/>
+          </a:prstGeom>
+        </p:spPr>
+      </p:pic>
+    </p:spTree>
+    <p:extLst>
+      <p:ext uri="{BB962C8B-B14F-4D97-AF65-F5344CB8AC3E}">
+        <p14:creationId xmlns:p14="http://schemas.microsoft.com/office/powerpoint/2010/main" val="2078276378"/>
+      </p:ext>
+    </p:extLst>
+  </p:cSld>
+  <p:clrMapOvr>
+    <a:masterClrMapping/>
+  </p:clrMapOvr>
+</p:sld>
+</file>
+
+<file path=ppt/slides/slide6.xml><?xml version="1.0" encoding="utf-8"?>
+<p:sld xmlns:a="http://schemas.openxmlformats.org/drawingml/2006/main" xmlns:r="http://schemas.openxmlformats.org/officeDocument/2006/relationships" xmlns:p="http://schemas.openxmlformats.org/presentationml/2006/main">
+  <p:cSld>
+    <p:spTree>
+      <p:nvGrpSpPr>
+        <p:cNvPr id="1" name=""/>
+        <p:cNvGrpSpPr/>
+        <p:nvPr/>
+      </p:nvGrpSpPr>
+      <p:grpSpPr>
+        <a:xfrm>
+          <a:off x="0" y="0"/>
+          <a:ext cx="0" cy="0"/>
+          <a:chOff x="0" y="0"/>
+          <a:chExt cx="0" cy="0"/>
+        </a:xfrm>
+      </p:grpSpPr>
+      <p:sp>
+        <p:nvSpPr>
+          <p:cNvPr id="2" name="Title 1">
+            <a:extLst>
+              <a:ext uri="{FF2B5EF4-FFF2-40B4-BE49-F238E27FC236}">
+                <a16:creationId xmlns:a16="http://schemas.microsoft.com/office/drawing/2014/main" id="{D1FBB6C8-0A7E-110A-C2D3-BE5B534946D8}"/>
+              </a:ext>
+            </a:extLst>
+          </p:cNvPr>
+          <p:cNvSpPr>
+            <a:spLocks noGrp="1"/>
+          </p:cNvSpPr>
+          <p:nvPr>
+            <p:ph type="title"/>
+          </p:nvPr>
+        </p:nvSpPr>
+        <p:spPr/>
+        <p:txBody>
+          <a:bodyPr/>
+          <a:lstStyle/>
+          <a:p>
+            <a:r>
+              <a:rPr lang="hu-HU"/>
+              <a:t>Frontend</a:t>
+            </a:r>
+            <a:endParaRPr lang="hu-HU" dirty="0"/>
+          </a:p>
+        </p:txBody>
+      </p:sp>
+      <p:pic>
+        <p:nvPicPr>
+          <p:cNvPr id="5" name="Content Placeholder 4">
+            <a:extLst>
+              <a:ext uri="{FF2B5EF4-FFF2-40B4-BE49-F238E27FC236}">
+                <a16:creationId xmlns:a16="http://schemas.microsoft.com/office/drawing/2014/main" id="{D5332EC6-16A0-0DC1-DAC0-14DEA15EE8FC}"/>
+              </a:ext>
+            </a:extLst>
+          </p:cNvPr>
+          <p:cNvPicPr>
+            <a:picLocks noGrp="1" noChangeAspect="1"/>
+          </p:cNvPicPr>
+          <p:nvPr>
+            <p:ph idx="1"/>
+          </p:nvPr>
+        </p:nvPicPr>
+        <p:blipFill>
+          <a:blip r:embed="rId3"/>
+          <a:stretch>
+            <a:fillRect/>
+          </a:stretch>
+        </p:blipFill>
+        <p:spPr>
+          <a:xfrm>
+            <a:off x="3730269" y="863790"/>
+            <a:ext cx="1664414" cy="5121275"/>
+          </a:xfrm>
+        </p:spPr>
+      </p:pic>
+      <p:pic>
+        <p:nvPicPr>
+          <p:cNvPr id="7" name="Picture 6">
+            <a:extLst>
+              <a:ext uri="{FF2B5EF4-FFF2-40B4-BE49-F238E27FC236}">
+                <a16:creationId xmlns:a16="http://schemas.microsoft.com/office/drawing/2014/main" id="{36A7F07D-88B5-0E5A-88F5-726DC1112A87}"/>
+              </a:ext>
+            </a:extLst>
+          </p:cNvPr>
+          <p:cNvPicPr>
+            <a:picLocks noChangeAspect="1"/>
+          </p:cNvPicPr>
+          <p:nvPr/>
+        </p:nvPicPr>
+        <p:blipFill>
+          <a:blip r:embed="rId4"/>
+          <a:stretch>
+            <a:fillRect/>
+          </a:stretch>
+        </p:blipFill>
+        <p:spPr>
+          <a:xfrm>
+            <a:off x="5924551" y="863789"/>
+            <a:ext cx="1933574" cy="3725463"/>
+          </a:xfrm>
+          <a:prstGeom prst="rect">
+            <a:avLst/>
+          </a:prstGeom>
+        </p:spPr>
+      </p:pic>
+      <p:pic>
+        <p:nvPicPr>
+          <p:cNvPr id="9" name="Picture 8">
+            <a:extLst>
+              <a:ext uri="{FF2B5EF4-FFF2-40B4-BE49-F238E27FC236}">
+                <a16:creationId xmlns:a16="http://schemas.microsoft.com/office/drawing/2014/main" id="{C094C7C1-5226-4181-DBD2-C8E61E4C402F}"/>
+              </a:ext>
+            </a:extLst>
+          </p:cNvPr>
+          <p:cNvPicPr>
+            <a:picLocks noChangeAspect="1"/>
+          </p:cNvPicPr>
+          <p:nvPr/>
+        </p:nvPicPr>
+        <p:blipFill>
+          <a:blip r:embed="rId5"/>
+          <a:stretch>
+            <a:fillRect/>
+          </a:stretch>
+        </p:blipFill>
+        <p:spPr>
+          <a:xfrm>
+            <a:off x="8387993" y="863789"/>
+            <a:ext cx="1980732" cy="3725463"/>
+          </a:xfrm>
+          <a:prstGeom prst="rect">
+            <a:avLst/>
+          </a:prstGeom>
+        </p:spPr>
+      </p:pic>
+    </p:spTree>
+    <p:extLst>
+      <p:ext uri="{BB962C8B-B14F-4D97-AF65-F5344CB8AC3E}">
+        <p14:creationId xmlns:p14="http://schemas.microsoft.com/office/powerpoint/2010/main" val="2421009973"/>
+      </p:ext>
+    </p:extLst>
+  </p:cSld>
+  <p:clrMapOvr>
+    <a:masterClrMapping/>
+  </p:clrMapOvr>
+</p:sld>
+</file>
+
+<file path=ppt/slides/slide7.xml><?xml version="1.0" encoding="utf-8"?>
+<p:sld xmlns:a="http://schemas.openxmlformats.org/drawingml/2006/main" xmlns:r="http://schemas.openxmlformats.org/officeDocument/2006/relationships" xmlns:p="http://schemas.openxmlformats.org/presentationml/2006/main">
+  <p:cSld>
+    <p:spTree>
+      <p:nvGrpSpPr>
+        <p:cNvPr id="1" name="">
+          <a:extLst>
+            <a:ext uri="{FF2B5EF4-FFF2-40B4-BE49-F238E27FC236}">
+              <a16:creationId xmlns:a16="http://schemas.microsoft.com/office/drawing/2014/main" id="{45DA5A3F-76F2-3E20-C22B-094E6B5EB525}"/>
+            </a:ext>
+          </a:extLst>
+        </p:cNvPr>
+        <p:cNvGrpSpPr/>
+        <p:nvPr/>
+      </p:nvGrpSpPr>
+      <p:grpSpPr>
+        <a:xfrm>
+          <a:off x="0" y="0"/>
+          <a:ext cx="0" cy="0"/>
+          <a:chOff x="0" y="0"/>
+          <a:chExt cx="0" cy="0"/>
+        </a:xfrm>
+      </p:grpSpPr>
+      <p:sp>
+        <p:nvSpPr>
+          <p:cNvPr id="2" name="Title 1">
+            <a:extLst>
+              <a:ext uri="{FF2B5EF4-FFF2-40B4-BE49-F238E27FC236}">
+                <a16:creationId xmlns:a16="http://schemas.microsoft.com/office/drawing/2014/main" id="{C5F8A56C-6D8F-8B16-BF1C-26F803B38F10}"/>
+              </a:ext>
+            </a:extLst>
+          </p:cNvPr>
+          <p:cNvSpPr>
+            <a:spLocks noGrp="1"/>
+          </p:cNvSpPr>
+          <p:nvPr>
+            <p:ph type="title"/>
+          </p:nvPr>
+        </p:nvSpPr>
+        <p:spPr/>
+        <p:txBody>
+          <a:bodyPr/>
+          <a:lstStyle/>
+          <a:p>
+            <a:r>
+              <a:rPr lang="hu-HU" dirty="0"/>
+              <a:t>Adatbázis</a:t>
+            </a:r>
+          </a:p>
+        </p:txBody>
+      </p:sp>
+      <p:sp>
+        <p:nvSpPr>
+          <p:cNvPr id="6" name="Content Placeholder 5">
+            <a:extLst>
+              <a:ext uri="{FF2B5EF4-FFF2-40B4-BE49-F238E27FC236}">
+                <a16:creationId xmlns:a16="http://schemas.microsoft.com/office/drawing/2014/main" id="{3BB4D261-A23A-2FDA-131F-C177AE930AFD}"/>
+              </a:ext>
+            </a:extLst>
+          </p:cNvPr>
+          <p:cNvSpPr>
+            <a:spLocks noGrp="1"/>
+          </p:cNvSpPr>
+          <p:nvPr>
+            <p:ph idx="1"/>
+          </p:nvPr>
+        </p:nvSpPr>
+        <p:spPr/>
+        <p:txBody>
+          <a:bodyPr/>
+          <a:lstStyle/>
+          <a:p>
+            <a:r>
+              <a:rPr lang="hu-HU" dirty="0" err="1"/>
+              <a:t>MySQL</a:t>
+            </a:r>
+            <a:r>
+              <a:rPr lang="hu-HU"/>
+              <a:t> </a:t>
+            </a:r>
+            <a:endParaRPr lang="hu-HU" dirty="0"/>
+          </a:p>
+        </p:txBody>
+      </p:sp>
+    </p:spTree>
+    <p:extLst>
+      <p:ext uri="{BB962C8B-B14F-4D97-AF65-F5344CB8AC3E}">
+        <p14:creationId xmlns:p14="http://schemas.microsoft.com/office/powerpoint/2010/main" val="2459768439"/>
+      </p:ext>
+    </p:extLst>
+  </p:cSld>
+  <p:clrMapOvr>
+    <a:masterClrMapping/>
+  </p:clrMapOvr>
+</p:sld>
+</file>
+
+<file path=ppt/slides/slide8.xml><?xml version="1.0" encoding="utf-8"?>
 <p:sld xmlns:a="http://schemas.openxmlformats.org/drawingml/2006/main" xmlns:r="http://schemas.openxmlformats.org/officeDocument/2006/relationships" xmlns:p="http://schemas.openxmlformats.org/presentationml/2006/main">
   <p:cSld>
     <p:bg>
@@ -8495,7 +10919,7 @@
           <p:cNvPr id="2" name="Cím 1">
             <a:extLst>
               <a:ext uri="{FF2B5EF4-FFF2-40B4-BE49-F238E27FC236}">
-                <a16:creationId xmlns:a16="http://schemas.microsoft.com/office/drawing/2014/main" id="{3FD7F85E-26ED-436D-B5E4-FD4A135C6319}"/>
+                <a16:creationId xmlns:a16="http://schemas.microsoft.com/office/drawing/2014/main" id="{F9C4EE20-AC11-427B-A294-6CAC2D0B40CC}"/>
               </a:ext>
             </a:extLst>
           </p:cNvPr>
@@ -8507,6 +10931,43 @@
           </p:nvPr>
         </p:nvSpPr>
         <p:spPr/>
+        <p:txBody>
+          <a:bodyPr/>
+          <a:lstStyle/>
+          <a:p>
+            <a:r>
+              <a:rPr lang="hu-HU" dirty="0" err="1"/>
+              <a:t>Zsolti</a:t>
+            </a:r>
+            <a:r>
+              <a:rPr lang="hu-HU" dirty="0"/>
+              <a:t> része a projektben</a:t>
+            </a:r>
+          </a:p>
+        </p:txBody>
+      </p:sp>
+      <p:sp>
+        <p:nvSpPr>
+          <p:cNvPr id="3" name="Tartalom helye 2">
+            <a:extLst>
+              <a:ext uri="{FF2B5EF4-FFF2-40B4-BE49-F238E27FC236}">
+                <a16:creationId xmlns:a16="http://schemas.microsoft.com/office/drawing/2014/main" id="{F7122EFB-A6F8-4D4B-A610-672B42CC4E52}"/>
+              </a:ext>
+            </a:extLst>
+          </p:cNvPr>
+          <p:cNvSpPr>
+            <a:spLocks noGrp="1"/>
+          </p:cNvSpPr>
+          <p:nvPr>
+            <p:ph idx="1"/>
+          </p:nvPr>
+        </p:nvSpPr>
+        <p:spPr>
+          <a:xfrm>
+            <a:off x="3559945" y="763480"/>
+            <a:ext cx="7535746" cy="5255580"/>
+          </a:xfrm>
+        </p:spPr>
         <p:txBody>
           <a:bodyPr>
             <a:normAutofit/>
@@ -8514,50 +10975,28 @@
           <a:lstStyle/>
           <a:p>
             <a:r>
-              <a:rPr lang="hu-HU" sz="2800" dirty="0"/>
-              <a:t>A weboldalunkról</a:t>
-            </a:r>
-          </a:p>
-        </p:txBody>
-      </p:sp>
-      <p:sp>
-        <p:nvSpPr>
-          <p:cNvPr id="3" name="Tartalom helye 2">
-            <a:extLst>
-              <a:ext uri="{FF2B5EF4-FFF2-40B4-BE49-F238E27FC236}">
-                <a16:creationId xmlns:a16="http://schemas.microsoft.com/office/drawing/2014/main" id="{A7C87A7A-07E3-45B2-B05E-366D85A2B870}"/>
-              </a:ext>
-            </a:extLst>
-          </p:cNvPr>
-          <p:cNvSpPr>
-            <a:spLocks noGrp="1"/>
-          </p:cNvSpPr>
-          <p:nvPr>
-            <p:ph idx="1"/>
-          </p:nvPr>
-        </p:nvSpPr>
-        <p:spPr/>
-        <p:txBody>
-          <a:bodyPr>
-            <a:normAutofit/>
-          </a:bodyPr>
-          <a:lstStyle/>
-          <a:p>
+              <a:rPr lang="hu-HU" sz="3600" b="1" u="sng" dirty="0"/>
+              <a:t>Frontend</a:t>
+            </a:r>
             <a:r>
               <a:rPr lang="hu-HU" sz="3600" dirty="0"/>
-              <a:t>Az S.O.S. munka egy gyors, egyszerű szakmunkás hirdető és kereső weboldal.</a:t>
-            </a:r>
-          </a:p>
-          <a:p>
+              <a:t>: Posztok, Sajátposztok, Fiókbeállítás, </a:t>
+            </a:r>
+            <a:r>
+              <a:rPr lang="hu-HU" sz="3600" dirty="0" err="1"/>
+              <a:t>Navbár</a:t>
+            </a:r>
             <a:r>
               <a:rPr lang="hu-HU" sz="3600" dirty="0"/>
-              <a:t> A felhasználók regisztrálnak felbérlőként vagy munkásként, és hirdetések között böngészhetnek.</a:t>
-            </a:r>
-          </a:p>
-          <a:p>
+              <a:t>, </a:t>
+            </a:r>
+            <a:r>
+              <a:rPr lang="hu-HU" sz="3600" dirty="0" err="1"/>
+              <a:t>Időpotfoglalás</a:t>
+            </a:r>
             <a:r>
               <a:rPr lang="hu-HU" sz="3600" dirty="0"/>
-              <a:t> A weboldal célja, hogy a munkavállaló a lehető leghamarabb elvégezhesse a munkát.</a:t>
+              <a:t>, Prémium oldal, Posztot létrehozása, Dokumentáció írása</a:t>
             </a:r>
           </a:p>
         </p:txBody>
@@ -8565,7 +11004,7 @@
     </p:spTree>
     <p:extLst>
       <p:ext uri="{BB962C8B-B14F-4D97-AF65-F5344CB8AC3E}">
-        <p14:creationId xmlns:p14="http://schemas.microsoft.com/office/powerpoint/2010/main" val="2495451108"/>
+        <p14:creationId xmlns:p14="http://schemas.microsoft.com/office/powerpoint/2010/main" val="3009450887"/>
       </p:ext>
     </p:extLst>
   </p:cSld>
@@ -8575,7 +11014,7 @@
 </p:sld>
 </file>
 
-<file path=ppt/slides/slide4.xml><?xml version="1.0" encoding="utf-8"?>
+<file path=ppt/slides/slide9.xml><?xml version="1.0" encoding="utf-8"?>
 <p:sld xmlns:a="http://schemas.openxmlformats.org/drawingml/2006/main" xmlns:r="http://schemas.openxmlformats.org/officeDocument/2006/relationships" xmlns:p="http://schemas.openxmlformats.org/presentationml/2006/main">
   <p:cSld>
     <p:bg>
@@ -8631,137 +11070,6 @@
           <p:cNvPr id="2" name="Cím 1">
             <a:extLst>
               <a:ext uri="{FF2B5EF4-FFF2-40B4-BE49-F238E27FC236}">
-                <a16:creationId xmlns:a16="http://schemas.microsoft.com/office/drawing/2014/main" id="{F9C4EE20-AC11-427B-A294-6CAC2D0B40CC}"/>
-              </a:ext>
-            </a:extLst>
-          </p:cNvPr>
-          <p:cNvSpPr>
-            <a:spLocks noGrp="1"/>
-          </p:cNvSpPr>
-          <p:nvPr>
-            <p:ph type="title"/>
-          </p:nvPr>
-        </p:nvSpPr>
-        <p:spPr/>
-        <p:txBody>
-          <a:bodyPr/>
-          <a:lstStyle/>
-          <a:p>
-            <a:r>
-              <a:rPr lang="hu-HU" dirty="0"/>
-              <a:t>Zsolti része a projektben</a:t>
-            </a:r>
-          </a:p>
-        </p:txBody>
-      </p:sp>
-      <p:sp>
-        <p:nvSpPr>
-          <p:cNvPr id="3" name="Tartalom helye 2">
-            <a:extLst>
-              <a:ext uri="{FF2B5EF4-FFF2-40B4-BE49-F238E27FC236}">
-                <a16:creationId xmlns:a16="http://schemas.microsoft.com/office/drawing/2014/main" id="{F7122EFB-A6F8-4D4B-A610-672B42CC4E52}"/>
-              </a:ext>
-            </a:extLst>
-          </p:cNvPr>
-          <p:cNvSpPr>
-            <a:spLocks noGrp="1"/>
-          </p:cNvSpPr>
-          <p:nvPr>
-            <p:ph idx="1"/>
-          </p:nvPr>
-        </p:nvSpPr>
-        <p:spPr>
-          <a:xfrm>
-            <a:off x="3559945" y="763480"/>
-            <a:ext cx="7535746" cy="5255580"/>
-          </a:xfrm>
-        </p:spPr>
-        <p:txBody>
-          <a:bodyPr>
-            <a:normAutofit/>
-          </a:bodyPr>
-          <a:lstStyle/>
-          <a:p>
-            <a:r>
-              <a:rPr lang="hu-HU" sz="3600" b="1" u="sng" dirty="0"/>
-              <a:t>Frontend</a:t>
-            </a:r>
-            <a:r>
-              <a:rPr lang="hu-HU" sz="3600" dirty="0"/>
-              <a:t>: Posztok, Sajátposztok, Fiókbeállítás, Navbár, Időpotfoglalás, Prémium oldal, Posztot létrehozása, Dokumentáció írása</a:t>
-            </a:r>
-          </a:p>
-        </p:txBody>
-      </p:sp>
-    </p:spTree>
-    <p:extLst>
-      <p:ext uri="{BB962C8B-B14F-4D97-AF65-F5344CB8AC3E}">
-        <p14:creationId xmlns:p14="http://schemas.microsoft.com/office/powerpoint/2010/main" val="3009450887"/>
-      </p:ext>
-    </p:extLst>
-  </p:cSld>
-  <p:clrMapOvr>
-    <a:masterClrMapping/>
-  </p:clrMapOvr>
-</p:sld>
-</file>
-
-<file path=ppt/slides/slide5.xml><?xml version="1.0" encoding="utf-8"?>
-<p:sld xmlns:a="http://schemas.openxmlformats.org/drawingml/2006/main" xmlns:r="http://schemas.openxmlformats.org/officeDocument/2006/relationships" xmlns:p="http://schemas.openxmlformats.org/presentationml/2006/main">
-  <p:cSld>
-    <p:bg>
-      <p:bgPr>
-        <a:gradFill>
-          <a:gsLst>
-            <a:gs pos="0">
-              <a:schemeClr val="accent1">
-                <a:lumMod val="5000"/>
-                <a:lumOff val="95000"/>
-              </a:schemeClr>
-            </a:gs>
-            <a:gs pos="74000">
-              <a:schemeClr val="accent1">
-                <a:lumMod val="45000"/>
-                <a:lumOff val="55000"/>
-              </a:schemeClr>
-            </a:gs>
-            <a:gs pos="83000">
-              <a:schemeClr val="accent1">
-                <a:lumMod val="45000"/>
-                <a:lumOff val="55000"/>
-              </a:schemeClr>
-            </a:gs>
-            <a:gs pos="100000">
-              <a:schemeClr val="accent1">
-                <a:lumMod val="30000"/>
-                <a:lumOff val="70000"/>
-              </a:schemeClr>
-            </a:gs>
-          </a:gsLst>
-          <a:lin ang="5400000" scaled="1"/>
-        </a:gradFill>
-        <a:effectLst/>
-      </p:bgPr>
-    </p:bg>
-    <p:spTree>
-      <p:nvGrpSpPr>
-        <p:cNvPr id="1" name=""/>
-        <p:cNvGrpSpPr/>
-        <p:nvPr/>
-      </p:nvGrpSpPr>
-      <p:grpSpPr>
-        <a:xfrm>
-          <a:off x="0" y="0"/>
-          <a:ext cx="0" cy="0"/>
-          <a:chOff x="0" y="0"/>
-          <a:chExt cx="0" cy="0"/>
-        </a:xfrm>
-      </p:grpSpPr>
-      <p:sp>
-        <p:nvSpPr>
-          <p:cNvPr id="2" name="Cím 1">
-            <a:extLst>
-              <a:ext uri="{FF2B5EF4-FFF2-40B4-BE49-F238E27FC236}">
                 <a16:creationId xmlns:a16="http://schemas.microsoft.com/office/drawing/2014/main" id="{8316B2BF-8803-4A9F-B5D3-84891BB90F24}"/>
               </a:ext>
             </a:extLst>
@@ -8823,661 +11131,6 @@
     <p:extLst>
       <p:ext uri="{BB962C8B-B14F-4D97-AF65-F5344CB8AC3E}">
         <p14:creationId xmlns:p14="http://schemas.microsoft.com/office/powerpoint/2010/main" val="1631206192"/>
-      </p:ext>
-    </p:extLst>
-  </p:cSld>
-  <p:clrMapOvr>
-    <a:masterClrMapping/>
-  </p:clrMapOvr>
-</p:sld>
-</file>
-
-<file path=ppt/slides/slide6.xml><?xml version="1.0" encoding="utf-8"?>
-<p:sld xmlns:a="http://schemas.openxmlformats.org/drawingml/2006/main" xmlns:r="http://schemas.openxmlformats.org/officeDocument/2006/relationships" xmlns:p="http://schemas.openxmlformats.org/presentationml/2006/main">
-  <p:cSld>
-    <p:bg>
-      <p:bgPr>
-        <a:gradFill>
-          <a:gsLst>
-            <a:gs pos="0">
-              <a:schemeClr val="accent1">
-                <a:lumMod val="5000"/>
-                <a:lumOff val="95000"/>
-              </a:schemeClr>
-            </a:gs>
-            <a:gs pos="74000">
-              <a:schemeClr val="accent1">
-                <a:lumMod val="45000"/>
-                <a:lumOff val="55000"/>
-              </a:schemeClr>
-            </a:gs>
-            <a:gs pos="83000">
-              <a:schemeClr val="accent1">
-                <a:lumMod val="45000"/>
-                <a:lumOff val="55000"/>
-              </a:schemeClr>
-            </a:gs>
-            <a:gs pos="100000">
-              <a:schemeClr val="accent1">
-                <a:lumMod val="30000"/>
-                <a:lumOff val="70000"/>
-              </a:schemeClr>
-            </a:gs>
-          </a:gsLst>
-          <a:lin ang="5400000" scaled="1"/>
-        </a:gradFill>
-        <a:effectLst/>
-      </p:bgPr>
-    </p:bg>
-    <p:spTree>
-      <p:nvGrpSpPr>
-        <p:cNvPr id="1" name=""/>
-        <p:cNvGrpSpPr/>
-        <p:nvPr/>
-      </p:nvGrpSpPr>
-      <p:grpSpPr>
-        <a:xfrm>
-          <a:off x="0" y="0"/>
-          <a:ext cx="0" cy="0"/>
-          <a:chOff x="0" y="0"/>
-          <a:chExt cx="0" cy="0"/>
-        </a:xfrm>
-      </p:grpSpPr>
-      <p:sp>
-        <p:nvSpPr>
-          <p:cNvPr id="2" name="Cím 1">
-            <a:extLst>
-              <a:ext uri="{FF2B5EF4-FFF2-40B4-BE49-F238E27FC236}">
-                <a16:creationId xmlns:a16="http://schemas.microsoft.com/office/drawing/2014/main" id="{A52CBAFF-020C-4F2F-99AC-3148A3DDEEAD}"/>
-              </a:ext>
-            </a:extLst>
-          </p:cNvPr>
-          <p:cNvSpPr>
-            <a:spLocks noGrp="1"/>
-          </p:cNvSpPr>
-          <p:nvPr>
-            <p:ph type="title"/>
-          </p:nvPr>
-        </p:nvSpPr>
-        <p:spPr/>
-        <p:txBody>
-          <a:bodyPr/>
-          <a:lstStyle/>
-          <a:p>
-            <a:r>
-              <a:rPr lang="hu-HU" dirty="0"/>
-              <a:t>Gergő része a programban</a:t>
-            </a:r>
-          </a:p>
-        </p:txBody>
-      </p:sp>
-      <p:sp>
-        <p:nvSpPr>
-          <p:cNvPr id="3" name="Tartalom helye 2">
-            <a:extLst>
-              <a:ext uri="{FF2B5EF4-FFF2-40B4-BE49-F238E27FC236}">
-                <a16:creationId xmlns:a16="http://schemas.microsoft.com/office/drawing/2014/main" id="{62B0FF1A-916F-4B7F-BC5A-8B6096E72C4C}"/>
-              </a:ext>
-            </a:extLst>
-          </p:cNvPr>
-          <p:cNvSpPr>
-            <a:spLocks noGrp="1"/>
-          </p:cNvSpPr>
-          <p:nvPr>
-            <p:ph idx="1"/>
-          </p:nvPr>
-        </p:nvSpPr>
-        <p:spPr/>
-        <p:txBody>
-          <a:bodyPr>
-            <a:normAutofit/>
-          </a:bodyPr>
-          <a:lstStyle/>
-          <a:p>
-            <a:r>
-              <a:rPr lang="hu-HU" sz="3600" b="1" u="sng" dirty="0"/>
-              <a:t>Frontend</a:t>
-            </a:r>
-            <a:r>
-              <a:rPr lang="hu-HU" sz="3600" dirty="0"/>
-              <a:t>: Regisztráció, Bejelentkezés, Időpontfoglalás, Üzenetek, Jelszó, Profilkép, Képek, Posztok.</a:t>
-            </a:r>
-          </a:p>
-          <a:p>
-            <a:r>
-              <a:rPr lang="hu-HU" sz="3600" b="1" u="sng" dirty="0"/>
-              <a:t>Backend</a:t>
-            </a:r>
-            <a:r>
-              <a:rPr lang="hu-HU" sz="3600" dirty="0"/>
-              <a:t>: ezekhez az oldalakhoz  a lekérdezések és a server.js</a:t>
-            </a:r>
-          </a:p>
-        </p:txBody>
-      </p:sp>
-    </p:spTree>
-    <p:extLst>
-      <p:ext uri="{BB962C8B-B14F-4D97-AF65-F5344CB8AC3E}">
-        <p14:creationId xmlns:p14="http://schemas.microsoft.com/office/powerpoint/2010/main" val="2229165521"/>
-      </p:ext>
-    </p:extLst>
-  </p:cSld>
-  <p:clrMapOvr>
-    <a:masterClrMapping/>
-  </p:clrMapOvr>
-</p:sld>
-</file>
-
-<file path=ppt/slides/slide7.xml><?xml version="1.0" encoding="utf-8"?>
-<p:sld xmlns:a="http://schemas.openxmlformats.org/drawingml/2006/main" xmlns:r="http://schemas.openxmlformats.org/officeDocument/2006/relationships" xmlns:p="http://schemas.openxmlformats.org/presentationml/2006/main">
-  <p:cSld>
-    <p:spTree>
-      <p:nvGrpSpPr>
-        <p:cNvPr id="1" name=""/>
-        <p:cNvGrpSpPr/>
-        <p:nvPr/>
-      </p:nvGrpSpPr>
-      <p:grpSpPr>
-        <a:xfrm>
-          <a:off x="0" y="0"/>
-          <a:ext cx="0" cy="0"/>
-          <a:chOff x="0" y="0"/>
-          <a:chExt cx="0" cy="0"/>
-        </a:xfrm>
-      </p:grpSpPr>
-      <p:sp>
-        <p:nvSpPr>
-          <p:cNvPr id="2" name="Cím 1">
-            <a:extLst>
-              <a:ext uri="{FF2B5EF4-FFF2-40B4-BE49-F238E27FC236}">
-                <a16:creationId xmlns:a16="http://schemas.microsoft.com/office/drawing/2014/main" id="{39AFD6F5-BAF7-4236-87B8-4CFCFAD1F151}"/>
-              </a:ext>
-            </a:extLst>
-          </p:cNvPr>
-          <p:cNvSpPr>
-            <a:spLocks noGrp="1"/>
-          </p:cNvSpPr>
-          <p:nvPr>
-            <p:ph type="title"/>
-          </p:nvPr>
-        </p:nvSpPr>
-        <p:spPr/>
-        <p:txBody>
-          <a:bodyPr/>
-          <a:lstStyle/>
-          <a:p>
-            <a:r>
-              <a:rPr lang="hu-HU" dirty="0"/>
-              <a:t>Pár illusztráció az oldalról</a:t>
-            </a:r>
-          </a:p>
-        </p:txBody>
-      </p:sp>
-      <p:pic>
-        <p:nvPicPr>
-          <p:cNvPr id="4" name="Tartalom helye 3">
-            <a:extLst>
-              <a:ext uri="{FF2B5EF4-FFF2-40B4-BE49-F238E27FC236}">
-                <a16:creationId xmlns:a16="http://schemas.microsoft.com/office/drawing/2014/main" id="{235D8546-D9AC-4F3E-8408-7FE0461BDA98}"/>
-              </a:ext>
-            </a:extLst>
-          </p:cNvPr>
-          <p:cNvPicPr>
-            <a:picLocks noGrp="1" noChangeAspect="1"/>
-          </p:cNvPicPr>
-          <p:nvPr>
-            <p:ph idx="1"/>
-          </p:nvPr>
-        </p:nvPicPr>
-        <p:blipFill>
-          <a:blip r:embed="rId2"/>
-          <a:stretch>
-            <a:fillRect/>
-          </a:stretch>
-        </p:blipFill>
-        <p:spPr>
-          <a:xfrm>
-            <a:off x="5202706" y="0"/>
-            <a:ext cx="6989294" cy="3354861"/>
-          </a:xfrm>
-          <a:prstGeom prst="rect">
-            <a:avLst/>
-          </a:prstGeom>
-        </p:spPr>
-      </p:pic>
-      <p:pic>
-        <p:nvPicPr>
-          <p:cNvPr id="5" name="Kép 4">
-            <a:extLst>
-              <a:ext uri="{FF2B5EF4-FFF2-40B4-BE49-F238E27FC236}">
-                <a16:creationId xmlns:a16="http://schemas.microsoft.com/office/drawing/2014/main" id="{75310465-F33E-4D9F-8D61-4A62427F326F}"/>
-              </a:ext>
-            </a:extLst>
-          </p:cNvPr>
-          <p:cNvPicPr>
-            <a:picLocks noChangeAspect="1"/>
-          </p:cNvPicPr>
-          <p:nvPr/>
-        </p:nvPicPr>
-        <p:blipFill>
-          <a:blip r:embed="rId3"/>
-          <a:stretch>
-            <a:fillRect/>
-          </a:stretch>
-        </p:blipFill>
-        <p:spPr>
-          <a:xfrm>
-            <a:off x="5202706" y="3593708"/>
-            <a:ext cx="6989294" cy="3278908"/>
-          </a:xfrm>
-          <a:prstGeom prst="rect">
-            <a:avLst/>
-          </a:prstGeom>
-        </p:spPr>
-      </p:pic>
-      <p:sp>
-        <p:nvSpPr>
-          <p:cNvPr id="6" name="Téglalap 5">
-            <a:extLst>
-              <a:ext uri="{FF2B5EF4-FFF2-40B4-BE49-F238E27FC236}">
-                <a16:creationId xmlns:a16="http://schemas.microsoft.com/office/drawing/2014/main" id="{46F5A972-66CD-487D-88DA-159F10EAC553}"/>
-              </a:ext>
-            </a:extLst>
-          </p:cNvPr>
-          <p:cNvSpPr/>
-          <p:nvPr/>
-        </p:nvSpPr>
-        <p:spPr>
-          <a:xfrm>
-            <a:off x="3590600" y="1600948"/>
-            <a:ext cx="1486225" cy="808120"/>
-          </a:xfrm>
-          <a:prstGeom prst="rect">
-            <a:avLst/>
-          </a:prstGeom>
-        </p:spPr>
-        <p:style>
-          <a:lnRef idx="2">
-            <a:schemeClr val="accent6"/>
-          </a:lnRef>
-          <a:fillRef idx="1">
-            <a:schemeClr val="lt1"/>
-          </a:fillRef>
-          <a:effectRef idx="0">
-            <a:schemeClr val="accent6"/>
-          </a:effectRef>
-          <a:fontRef idx="minor">
-            <a:schemeClr val="dk1"/>
-          </a:fontRef>
-        </p:style>
-        <p:txBody>
-          <a:bodyPr rtlCol="0" anchor="ctr"/>
-          <a:lstStyle/>
-          <a:p>
-            <a:pPr algn="ctr"/>
-            <a:r>
-              <a:rPr lang="hu-HU" dirty="0"/>
-              <a:t>Főoldal</a:t>
-            </a:r>
-          </a:p>
-        </p:txBody>
-      </p:sp>
-      <p:sp>
-        <p:nvSpPr>
-          <p:cNvPr id="7" name="Téglalap 6">
-            <a:extLst>
-              <a:ext uri="{FF2B5EF4-FFF2-40B4-BE49-F238E27FC236}">
-                <a16:creationId xmlns:a16="http://schemas.microsoft.com/office/drawing/2014/main" id="{AD573B09-5144-4C2E-83B2-095175303D29}"/>
-              </a:ext>
-            </a:extLst>
-          </p:cNvPr>
-          <p:cNvSpPr/>
-          <p:nvPr/>
-        </p:nvSpPr>
-        <p:spPr>
-          <a:xfrm>
-            <a:off x="3526386" y="4448932"/>
-            <a:ext cx="1550439" cy="808120"/>
-          </a:xfrm>
-          <a:prstGeom prst="rect">
-            <a:avLst/>
-          </a:prstGeom>
-        </p:spPr>
-        <p:style>
-          <a:lnRef idx="2">
-            <a:schemeClr val="accent6"/>
-          </a:lnRef>
-          <a:fillRef idx="1">
-            <a:schemeClr val="lt1"/>
-          </a:fillRef>
-          <a:effectRef idx="0">
-            <a:schemeClr val="accent6"/>
-          </a:effectRef>
-          <a:fontRef idx="minor">
-            <a:schemeClr val="dk1"/>
-          </a:fontRef>
-        </p:style>
-        <p:txBody>
-          <a:bodyPr rtlCol="0" anchor="ctr"/>
-          <a:lstStyle/>
-          <a:p>
-            <a:pPr algn="ctr"/>
-            <a:r>
-              <a:rPr lang="hu-HU" dirty="0"/>
-              <a:t>Posztok</a:t>
-            </a:r>
-          </a:p>
-        </p:txBody>
-      </p:sp>
-    </p:spTree>
-    <p:extLst>
-      <p:ext uri="{BB962C8B-B14F-4D97-AF65-F5344CB8AC3E}">
-        <p14:creationId xmlns:p14="http://schemas.microsoft.com/office/powerpoint/2010/main" val="2994534977"/>
-      </p:ext>
-    </p:extLst>
-  </p:cSld>
-  <p:clrMapOvr>
-    <a:masterClrMapping/>
-  </p:clrMapOvr>
-</p:sld>
-</file>
-
-<file path=ppt/slides/slide8.xml><?xml version="1.0" encoding="utf-8"?>
-<p:sld xmlns:a="http://schemas.openxmlformats.org/drawingml/2006/main" xmlns:r="http://schemas.openxmlformats.org/officeDocument/2006/relationships" xmlns:p="http://schemas.openxmlformats.org/presentationml/2006/main">
-  <p:cSld>
-    <p:spTree>
-      <p:nvGrpSpPr>
-        <p:cNvPr id="1" name=""/>
-        <p:cNvGrpSpPr/>
-        <p:nvPr/>
-      </p:nvGrpSpPr>
-      <p:grpSpPr>
-        <a:xfrm>
-          <a:off x="0" y="0"/>
-          <a:ext cx="0" cy="0"/>
-          <a:chOff x="0" y="0"/>
-          <a:chExt cx="0" cy="0"/>
-        </a:xfrm>
-      </p:grpSpPr>
-      <p:sp>
-        <p:nvSpPr>
-          <p:cNvPr id="2" name="Cím 1">
-            <a:extLst>
-              <a:ext uri="{FF2B5EF4-FFF2-40B4-BE49-F238E27FC236}">
-                <a16:creationId xmlns:a16="http://schemas.microsoft.com/office/drawing/2014/main" id="{00774589-C98E-4D21-8491-60A8C21BF26C}"/>
-              </a:ext>
-            </a:extLst>
-          </p:cNvPr>
-          <p:cNvSpPr>
-            <a:spLocks noGrp="1"/>
-          </p:cNvSpPr>
-          <p:nvPr>
-            <p:ph type="title"/>
-          </p:nvPr>
-        </p:nvSpPr>
-        <p:spPr/>
-        <p:txBody>
-          <a:bodyPr/>
-          <a:lstStyle/>
-          <a:p>
-            <a:r>
-              <a:rPr lang="hu-HU" dirty="0"/>
-              <a:t>Pár illusztráció az oldalról</a:t>
-            </a:r>
-          </a:p>
-        </p:txBody>
-      </p:sp>
-      <p:pic>
-        <p:nvPicPr>
-          <p:cNvPr id="4" name="Tartalom helye 3">
-            <a:extLst>
-              <a:ext uri="{FF2B5EF4-FFF2-40B4-BE49-F238E27FC236}">
-                <a16:creationId xmlns:a16="http://schemas.microsoft.com/office/drawing/2014/main" id="{D858D7EF-EEB0-401C-969B-C0186D232F39}"/>
-              </a:ext>
-            </a:extLst>
-          </p:cNvPr>
-          <p:cNvPicPr>
-            <a:picLocks noGrp="1" noChangeAspect="1"/>
-          </p:cNvPicPr>
-          <p:nvPr>
-            <p:ph idx="1"/>
-          </p:nvPr>
-        </p:nvPicPr>
-        <p:blipFill>
-          <a:blip r:embed="rId2"/>
-          <a:stretch>
-            <a:fillRect/>
-          </a:stretch>
-        </p:blipFill>
-        <p:spPr>
-          <a:xfrm>
-            <a:off x="5442858" y="0"/>
-            <a:ext cx="6749142" cy="3248025"/>
-          </a:xfrm>
-          <a:prstGeom prst="rect">
-            <a:avLst/>
-          </a:prstGeom>
-        </p:spPr>
-      </p:pic>
-      <p:pic>
-        <p:nvPicPr>
-          <p:cNvPr id="5" name="Kép 4">
-            <a:extLst>
-              <a:ext uri="{FF2B5EF4-FFF2-40B4-BE49-F238E27FC236}">
-                <a16:creationId xmlns:a16="http://schemas.microsoft.com/office/drawing/2014/main" id="{EAD9ADF1-7E90-4942-9164-B7F1D033419A}"/>
-              </a:ext>
-            </a:extLst>
-          </p:cNvPr>
-          <p:cNvPicPr>
-            <a:picLocks noChangeAspect="1"/>
-          </p:cNvPicPr>
-          <p:nvPr/>
-        </p:nvPicPr>
-        <p:blipFill>
-          <a:blip r:embed="rId3"/>
-          <a:stretch>
-            <a:fillRect/>
-          </a:stretch>
-        </p:blipFill>
-        <p:spPr>
-          <a:xfrm>
-            <a:off x="5442857" y="3702776"/>
-            <a:ext cx="6749142" cy="3155224"/>
-          </a:xfrm>
-          <a:prstGeom prst="rect">
-            <a:avLst/>
-          </a:prstGeom>
-        </p:spPr>
-      </p:pic>
-      <p:sp>
-        <p:nvSpPr>
-          <p:cNvPr id="6" name="Téglalap 5">
-            <a:extLst>
-              <a:ext uri="{FF2B5EF4-FFF2-40B4-BE49-F238E27FC236}">
-                <a16:creationId xmlns:a16="http://schemas.microsoft.com/office/drawing/2014/main" id="{28FCFF44-9464-45D7-B931-2E8494E98ECE}"/>
-              </a:ext>
-            </a:extLst>
-          </p:cNvPr>
-          <p:cNvSpPr/>
-          <p:nvPr/>
-        </p:nvSpPr>
-        <p:spPr>
-          <a:xfrm>
-            <a:off x="3705224" y="1343025"/>
-            <a:ext cx="1514475" cy="914400"/>
-          </a:xfrm>
-          <a:prstGeom prst="rect">
-            <a:avLst/>
-          </a:prstGeom>
-        </p:spPr>
-        <p:style>
-          <a:lnRef idx="2">
-            <a:schemeClr val="accent6"/>
-          </a:lnRef>
-          <a:fillRef idx="1">
-            <a:schemeClr val="lt1"/>
-          </a:fillRef>
-          <a:effectRef idx="0">
-            <a:schemeClr val="accent6"/>
-          </a:effectRef>
-          <a:fontRef idx="minor">
-            <a:schemeClr val="dk1"/>
-          </a:fontRef>
-        </p:style>
-        <p:txBody>
-          <a:bodyPr rtlCol="0" anchor="ctr"/>
-          <a:lstStyle/>
-          <a:p>
-            <a:pPr algn="ctr"/>
-            <a:r>
-              <a:rPr lang="hu-HU" dirty="0"/>
-              <a:t>Regisztráció</a:t>
-            </a:r>
-          </a:p>
-        </p:txBody>
-      </p:sp>
-      <p:sp>
-        <p:nvSpPr>
-          <p:cNvPr id="7" name="Téglalap 6">
-            <a:extLst>
-              <a:ext uri="{FF2B5EF4-FFF2-40B4-BE49-F238E27FC236}">
-                <a16:creationId xmlns:a16="http://schemas.microsoft.com/office/drawing/2014/main" id="{A032BEB4-5EF0-439A-825C-DB05ED7EFFAC}"/>
-              </a:ext>
-            </a:extLst>
-          </p:cNvPr>
-          <p:cNvSpPr/>
-          <p:nvPr/>
-        </p:nvSpPr>
-        <p:spPr>
-          <a:xfrm>
-            <a:off x="3705224" y="4438650"/>
-            <a:ext cx="1514476" cy="914400"/>
-          </a:xfrm>
-          <a:prstGeom prst="rect">
-            <a:avLst/>
-          </a:prstGeom>
-        </p:spPr>
-        <p:style>
-          <a:lnRef idx="2">
-            <a:schemeClr val="accent6"/>
-          </a:lnRef>
-          <a:fillRef idx="1">
-            <a:schemeClr val="lt1"/>
-          </a:fillRef>
-          <a:effectRef idx="0">
-            <a:schemeClr val="accent6"/>
-          </a:effectRef>
-          <a:fontRef idx="minor">
-            <a:schemeClr val="dk1"/>
-          </a:fontRef>
-        </p:style>
-        <p:txBody>
-          <a:bodyPr rtlCol="0" anchor="ctr"/>
-          <a:lstStyle/>
-          <a:p>
-            <a:pPr algn="ctr"/>
-            <a:r>
-              <a:rPr lang="hu-HU" dirty="0"/>
-              <a:t>Bejelentkezés</a:t>
-            </a:r>
-          </a:p>
-        </p:txBody>
-      </p:sp>
-    </p:spTree>
-    <p:extLst>
-      <p:ext uri="{BB962C8B-B14F-4D97-AF65-F5344CB8AC3E}">
-        <p14:creationId xmlns:p14="http://schemas.microsoft.com/office/powerpoint/2010/main" val="2480248420"/>
-      </p:ext>
-    </p:extLst>
-  </p:cSld>
-  <p:clrMapOvr>
-    <a:masterClrMapping/>
-  </p:clrMapOvr>
-</p:sld>
-</file>
-
-<file path=ppt/slides/slide9.xml><?xml version="1.0" encoding="utf-8"?>
-<p:sld xmlns:a="http://schemas.openxmlformats.org/drawingml/2006/main" xmlns:r="http://schemas.openxmlformats.org/officeDocument/2006/relationships" xmlns:p="http://schemas.openxmlformats.org/presentationml/2006/main">
-  <p:cSld>
-    <p:spTree>
-      <p:nvGrpSpPr>
-        <p:cNvPr id="1" name=""/>
-        <p:cNvGrpSpPr/>
-        <p:nvPr/>
-      </p:nvGrpSpPr>
-      <p:grpSpPr>
-        <a:xfrm>
-          <a:off x="0" y="0"/>
-          <a:ext cx="0" cy="0"/>
-          <a:chOff x="0" y="0"/>
-          <a:chExt cx="0" cy="0"/>
-        </a:xfrm>
-      </p:grpSpPr>
-      <p:sp>
-        <p:nvSpPr>
-          <p:cNvPr id="2" name="Cím 1">
-            <a:extLst>
-              <a:ext uri="{FF2B5EF4-FFF2-40B4-BE49-F238E27FC236}">
-                <a16:creationId xmlns:a16="http://schemas.microsoft.com/office/drawing/2014/main" id="{E479C656-882F-4E6F-B8B1-683754F98D58}"/>
-              </a:ext>
-            </a:extLst>
-          </p:cNvPr>
-          <p:cNvSpPr>
-            <a:spLocks noGrp="1"/>
-          </p:cNvSpPr>
-          <p:nvPr>
-            <p:ph type="title"/>
-          </p:nvPr>
-        </p:nvSpPr>
-        <p:spPr/>
-        <p:txBody>
-          <a:bodyPr/>
-          <a:lstStyle/>
-          <a:p>
-            <a:r>
-              <a:rPr lang="hu-HU" dirty="0"/>
-              <a:t>További munkák</a:t>
-            </a:r>
-          </a:p>
-        </p:txBody>
-      </p:sp>
-      <p:sp>
-        <p:nvSpPr>
-          <p:cNvPr id="3" name="Tartalom helye 2">
-            <a:extLst>
-              <a:ext uri="{FF2B5EF4-FFF2-40B4-BE49-F238E27FC236}">
-                <a16:creationId xmlns:a16="http://schemas.microsoft.com/office/drawing/2014/main" id="{7A82D7E5-95E3-45FD-8DED-0D47C5FA76D7}"/>
-              </a:ext>
-            </a:extLst>
-          </p:cNvPr>
-          <p:cNvSpPr>
-            <a:spLocks noGrp="1"/>
-          </p:cNvSpPr>
-          <p:nvPr>
-            <p:ph idx="1"/>
-          </p:nvPr>
-        </p:nvSpPr>
-        <p:spPr/>
-        <p:txBody>
-          <a:bodyPr/>
-          <a:lstStyle/>
-          <a:p>
-            <a:r>
-              <a:rPr lang="hu-HU" dirty="0"/>
-              <a:t>Mivel már nincs időnk a leadásig, ezért már új dologba nem kezdünk, már csak finomítunk az oldalon amíg </a:t>
-            </a:r>
-            <a:r>
-              <a:rPr lang="hu-HU"/>
-              <a:t>szerintünk tökéletes nem lesz.</a:t>
-            </a:r>
-            <a:endParaRPr lang="hu-HU" dirty="0"/>
-          </a:p>
-        </p:txBody>
-      </p:sp>
-    </p:spTree>
-    <p:extLst>
-      <p:ext uri="{BB962C8B-B14F-4D97-AF65-F5344CB8AC3E}">
-        <p14:creationId xmlns:p14="http://schemas.microsoft.com/office/powerpoint/2010/main" val="543351373"/>
       </p:ext>
     </p:extLst>
   </p:cSld>
@@ -10309,15 +11962,6 @@
 </file>
 
 <file path=customXml/item1.xml><?xml version="1.0" encoding="utf-8"?>
-<?mso-contentType ?>
-<FormTemplates xmlns="http://schemas.microsoft.com/sharepoint/v3/contenttype/forms">
-  <Display>DocumentLibraryForm</Display>
-  <Edit>DocumentLibraryForm</Edit>
-  <New>DocumentLibraryForm</New>
-</FormTemplates>
-</file>
-
-<file path=customXml/item2.xml><?xml version="1.0" encoding="utf-8"?>
 <ct:contentTypeSchema xmlns:ct="http://schemas.microsoft.com/office/2006/metadata/contentType" xmlns:ma="http://schemas.microsoft.com/office/2006/metadata/properties/metaAttributes" ct:_="" ma:_="" ma:contentTypeName="Document" ma:contentTypeID="0x01010079F111ED35F8CC479449609E8A0923A6" ma:contentTypeVersion="11" ma:contentTypeDescription="Create a new document." ma:contentTypeScope="" ma:versionID="1c2eb7a32e66fb6e4260f3771546a5e2">
   <xsd:schema xmlns:xsd="http://www.w3.org/2001/XMLSchema" xmlns:xs="http://www.w3.org/2001/XMLSchema" xmlns:p="http://schemas.microsoft.com/office/2006/metadata/properties" xmlns:ns2="71af3243-3dd4-4a8d-8c0d-dd76da1f02a5" xmlns:ns3="16c05727-aa75-4e4a-9b5f-8a80a1165891" targetNamespace="http://schemas.microsoft.com/office/2006/metadata/properties" ma:root="true" ma:fieldsID="04e1f6479c48b08974ba73b5ca973489" ns2:_="" ns3:_="">
     <xsd:import namespace="71af3243-3dd4-4a8d-8c0d-dd76da1f02a5"/>
@@ -10528,6 +12172,15 @@
 </ct:contentTypeSchema>
 </file>
 
+<file path=customXml/item2.xml><?xml version="1.0" encoding="utf-8"?>
+<?mso-contentType ?>
+<FormTemplates xmlns="http://schemas.microsoft.com/sharepoint/v3/contenttype/forms">
+  <Display>DocumentLibraryForm</Display>
+  <Edit>DocumentLibraryForm</Edit>
+  <New>DocumentLibraryForm</New>
+</FormTemplates>
+</file>
+
 <file path=customXml/item3.xml><?xml version="1.0" encoding="utf-8"?>
 <p:properties xmlns:p="http://schemas.microsoft.com/office/2006/metadata/properties" xmlns:xsi="http://www.w3.org/2001/XMLSchema-instance" xmlns:pc="http://schemas.microsoft.com/office/infopath/2007/PartnerControls">
   <documentManagement>
@@ -10537,14 +12190,6 @@
 </file>
 
 <file path=customXml/itemProps1.xml><?xml version="1.0" encoding="utf-8"?>
-<ds:datastoreItem xmlns:ds="http://schemas.openxmlformats.org/officeDocument/2006/customXml" ds:itemID="{DFB9BFA2-1FA5-44A1-B975-10D6BF58ECD0}">
-  <ds:schemaRefs>
-    <ds:schemaRef ds:uri="http://schemas.microsoft.com/sharepoint/v3/contenttype/forms"/>
-  </ds:schemaRefs>
-</ds:datastoreItem>
-</file>
-
-<file path=customXml/itemProps2.xml><?xml version="1.0" encoding="utf-8"?>
 <ds:datastoreItem xmlns:ds="http://schemas.openxmlformats.org/officeDocument/2006/customXml" ds:itemID="{E577E783-5AB8-45E6-9E56-AE40075231B2}">
   <ds:schemaRefs>
     <ds:schemaRef ds:uri="http://schemas.microsoft.com/office/2006/metadata/contentType"/>
@@ -10559,6 +12204,14 @@
     <ds:schemaRef ds:uri="http://purl.org/dc/elements/1.1/"/>
     <ds:schemaRef ds:uri="http://purl.org/dc/terms/"/>
     <ds:schemaRef ds:uri="http://schemas.microsoft.com/internal/obd"/>
+  </ds:schemaRefs>
+</ds:datastoreItem>
+</file>
+
+<file path=customXml/itemProps2.xml><?xml version="1.0" encoding="utf-8"?>
+<ds:datastoreItem xmlns:ds="http://schemas.openxmlformats.org/officeDocument/2006/customXml" ds:itemID="{DFB9BFA2-1FA5-44A1-B975-10D6BF58ECD0}">
+  <ds:schemaRefs>
+    <ds:schemaRef ds:uri="http://schemas.microsoft.com/sharepoint/v3/contenttype/forms"/>
   </ds:schemaRefs>
 </ds:datastoreItem>
 </file>

--- a/prezentáció.pptx
+++ b/prezentáció.pptx
@@ -5,10 +5,10 @@
     <p:sldMasterId id="2147483864" r:id="rId4"/>
   </p:sldMasterIdLst>
   <p:notesMasterIdLst>
-    <p:notesMasterId r:id="rId19"/>
+    <p:notesMasterId r:id="rId24"/>
   </p:notesMasterIdLst>
   <p:handoutMasterIdLst>
-    <p:handoutMasterId r:id="rId20"/>
+    <p:handoutMasterId r:id="rId25"/>
   </p:handoutMasterIdLst>
   <p:sldIdLst>
     <p:sldId id="256" r:id="rId5"/>
@@ -18,13 +18,18 @@
     <p:sldId id="273" r:id="rId9"/>
     <p:sldId id="272" r:id="rId10"/>
     <p:sldId id="274" r:id="rId11"/>
-    <p:sldId id="263" r:id="rId12"/>
-    <p:sldId id="264" r:id="rId13"/>
-    <p:sldId id="265" r:id="rId14"/>
-    <p:sldId id="267" r:id="rId15"/>
-    <p:sldId id="268" r:id="rId16"/>
-    <p:sldId id="269" r:id="rId17"/>
-    <p:sldId id="261" r:id="rId18"/>
+    <p:sldId id="276" r:id="rId12"/>
+    <p:sldId id="277" r:id="rId13"/>
+    <p:sldId id="278" r:id="rId14"/>
+    <p:sldId id="279" r:id="rId15"/>
+    <p:sldId id="280" r:id="rId16"/>
+    <p:sldId id="263" r:id="rId17"/>
+    <p:sldId id="264" r:id="rId18"/>
+    <p:sldId id="265" r:id="rId19"/>
+    <p:sldId id="267" r:id="rId20"/>
+    <p:sldId id="268" r:id="rId21"/>
+    <p:sldId id="269" r:id="rId22"/>
+    <p:sldId id="261" r:id="rId23"/>
   </p:sldIdLst>
   <p:sldSz cx="12192000" cy="6858000"/>
   <p:notesSz cx="6858000" cy="9144000"/>
@@ -3371,7 +3376,7 @@
           <a:p>
             <a:fld id="{739FB2FC-BB9E-49C2-8CC7-6A726ED86D84}" type="datetimeFigureOut">
               <a:rPr lang="hu-HU" smtClean="0"/>
-              <a:t>2025. 04. 16.</a:t>
+              <a:t>2025. 04. 18.</a:t>
             </a:fld>
             <a:endParaRPr lang="hu-HU"/>
           </a:p>
@@ -3549,7 +3554,7 @@
           <a:p>
             <a:fld id="{B9CCC56D-1999-49F7-9BE2-3A3019848181}" type="datetimeFigureOut">
               <a:rPr lang="hu-HU" noProof="0" smtClean="0"/>
-              <a:t>2025. 04. 16.</a:t>
+              <a:t>2025. 04. 18.</a:t>
             </a:fld>
             <a:endParaRPr lang="hu-HU" noProof="0"/>
           </a:p>
@@ -3901,6 +3906,90 @@
 </p:notes>
 </file>
 
+<file path=ppt/notesSlides/notesSlide10.xml><?xml version="1.0" encoding="utf-8"?>
+<p:notes xmlns:a="http://schemas.openxmlformats.org/drawingml/2006/main" xmlns:r="http://schemas.openxmlformats.org/officeDocument/2006/relationships" xmlns:p="http://schemas.openxmlformats.org/presentationml/2006/main">
+  <p:cSld>
+    <p:spTree>
+      <p:nvGrpSpPr>
+        <p:cNvPr id="1" name=""/>
+        <p:cNvGrpSpPr/>
+        <p:nvPr/>
+      </p:nvGrpSpPr>
+      <p:grpSpPr>
+        <a:xfrm>
+          <a:off x="0" y="0"/>
+          <a:ext cx="0" cy="0"/>
+          <a:chOff x="0" y="0"/>
+          <a:chExt cx="0" cy="0"/>
+        </a:xfrm>
+      </p:grpSpPr>
+      <p:sp>
+        <p:nvSpPr>
+          <p:cNvPr id="2" name="Diakép helye 1"/>
+          <p:cNvSpPr>
+            <a:spLocks noGrp="1" noRot="1" noChangeAspect="1"/>
+          </p:cNvSpPr>
+          <p:nvPr>
+            <p:ph type="sldImg"/>
+          </p:nvPr>
+        </p:nvSpPr>
+        <p:spPr/>
+      </p:sp>
+      <p:sp>
+        <p:nvSpPr>
+          <p:cNvPr id="3" name="Jegyzetek helye 2"/>
+          <p:cNvSpPr>
+            <a:spLocks noGrp="1"/>
+          </p:cNvSpPr>
+          <p:nvPr>
+            <p:ph type="body" idx="1"/>
+          </p:nvPr>
+        </p:nvSpPr>
+        <p:spPr/>
+        <p:txBody>
+          <a:bodyPr/>
+          <a:lstStyle/>
+          <a:p>
+            <a:endParaRPr lang="hu-HU"/>
+          </a:p>
+        </p:txBody>
+      </p:sp>
+      <p:sp>
+        <p:nvSpPr>
+          <p:cNvPr id="4" name="Dia számának helye 3"/>
+          <p:cNvSpPr>
+            <a:spLocks noGrp="1"/>
+          </p:cNvSpPr>
+          <p:nvPr>
+            <p:ph type="sldNum" sz="quarter" idx="5"/>
+          </p:nvPr>
+        </p:nvSpPr>
+        <p:spPr/>
+        <p:txBody>
+          <a:bodyPr/>
+          <a:lstStyle/>
+          <a:p>
+            <a:fld id="{ABEC351E-E5A4-4D7B-A000-61564A7BE4F6}" type="slidenum">
+              <a:rPr lang="hu-HU" noProof="0" smtClean="0"/>
+              <a:t>19</a:t>
+            </a:fld>
+            <a:endParaRPr lang="hu-HU" noProof="0"/>
+          </a:p>
+        </p:txBody>
+      </p:sp>
+    </p:spTree>
+    <p:extLst>
+      <p:ext uri="{BB962C8B-B14F-4D97-AF65-F5344CB8AC3E}">
+        <p14:creationId xmlns:p14="http://schemas.microsoft.com/office/powerpoint/2010/main" val="2745547642"/>
+      </p:ext>
+    </p:extLst>
+  </p:cSld>
+  <p:clrMapOvr>
+    <a:masterClrMapping/>
+  </p:clrMapOvr>
+</p:notes>
+</file>
+
 <file path=ppt/notesSlides/notesSlide2.xml><?xml version="1.0" encoding="utf-8"?>
 <p:notes xmlns:a="http://schemas.openxmlformats.org/drawingml/2006/main" xmlns:r="http://schemas.openxmlformats.org/officeDocument/2006/relationships" xmlns:p="http://schemas.openxmlformats.org/presentationml/2006/main">
   <p:cSld>
@@ -4538,7 +4627,18 @@
           <a:bodyPr/>
           <a:lstStyle/>
           <a:p>
-            <a:endParaRPr lang="hu-HU" dirty="0"/>
+            <a:r>
+              <a:rPr lang="hu-HU" dirty="0"/>
+              <a:t>Az adatbázishoz a </a:t>
+            </a:r>
+            <a:r>
+              <a:rPr lang="hu-HU" dirty="0" err="1"/>
+              <a:t>MySQL</a:t>
+            </a:r>
+            <a:r>
+              <a:rPr lang="hu-HU" dirty="0"/>
+              <a:t> relációs adatbázis kezelő rendszert használtuk.</a:t>
+            </a:r>
           </a:p>
         </p:txBody>
       </p:sp>
@@ -4589,6 +4689,191 @@
   <p:cSld>
     <p:spTree>
       <p:nvGrpSpPr>
+        <p:cNvPr id="1" name="">
+          <a:extLst>
+            <a:ext uri="{FF2B5EF4-FFF2-40B4-BE49-F238E27FC236}">
+              <a16:creationId xmlns:a16="http://schemas.microsoft.com/office/drawing/2014/main" id="{F51CF4E9-46F1-D297-0BE6-9D0447F1855E}"/>
+            </a:ext>
+          </a:extLst>
+        </p:cNvPr>
+        <p:cNvGrpSpPr/>
+        <p:nvPr/>
+      </p:nvGrpSpPr>
+      <p:grpSpPr>
+        <a:xfrm>
+          <a:off x="0" y="0"/>
+          <a:ext cx="0" cy="0"/>
+          <a:chOff x="0" y="0"/>
+          <a:chExt cx="0" cy="0"/>
+        </a:xfrm>
+      </p:grpSpPr>
+      <p:sp>
+        <p:nvSpPr>
+          <p:cNvPr id="2" name="Slide Image Placeholder 1">
+            <a:extLst>
+              <a:ext uri="{FF2B5EF4-FFF2-40B4-BE49-F238E27FC236}">
+                <a16:creationId xmlns:a16="http://schemas.microsoft.com/office/drawing/2014/main" id="{760B5019-C986-0474-532A-10D82C1C1158}"/>
+              </a:ext>
+            </a:extLst>
+          </p:cNvPr>
+          <p:cNvSpPr>
+            <a:spLocks noGrp="1" noRot="1" noChangeAspect="1"/>
+          </p:cNvSpPr>
+          <p:nvPr>
+            <p:ph type="sldImg"/>
+          </p:nvPr>
+        </p:nvSpPr>
+        <p:spPr/>
+      </p:sp>
+      <p:sp>
+        <p:nvSpPr>
+          <p:cNvPr id="3" name="Notes Placeholder 2">
+            <a:extLst>
+              <a:ext uri="{FF2B5EF4-FFF2-40B4-BE49-F238E27FC236}">
+                <a16:creationId xmlns:a16="http://schemas.microsoft.com/office/drawing/2014/main" id="{26F82C13-AF24-6D60-B3AE-1C6464FE36D7}"/>
+              </a:ext>
+            </a:extLst>
+          </p:cNvPr>
+          <p:cNvSpPr>
+            <a:spLocks noGrp="1"/>
+          </p:cNvSpPr>
+          <p:nvPr>
+            <p:ph type="body" idx="1"/>
+          </p:nvPr>
+        </p:nvSpPr>
+        <p:spPr/>
+        <p:txBody>
+          <a:bodyPr/>
+          <a:lstStyle/>
+          <a:p>
+            <a:r>
+              <a:rPr lang="hu-HU" dirty="0"/>
+              <a:t>Felhasználói adatokba tároljuk a regisztrációnál megadott adatokat, valamint néhány háttérbeli egyedi azonosítót amit automatikusan legenerálunk nekik.</a:t>
+            </a:r>
+          </a:p>
+          <a:p>
+            <a:endParaRPr lang="hu-HU" dirty="0"/>
+          </a:p>
+          <a:p>
+            <a:r>
+              <a:rPr lang="hu-HU" dirty="0"/>
+              <a:t>A posztok táblában a sikeresen létrehozott posztokat tároljuk</a:t>
+            </a:r>
+          </a:p>
+          <a:p>
+            <a:endParaRPr lang="hu-HU" dirty="0"/>
+          </a:p>
+          <a:p>
+            <a:r>
+              <a:rPr lang="hu-HU" dirty="0"/>
+              <a:t>A vélemények táblában a posztokra írt szöveges véleményeket tároljuk.</a:t>
+            </a:r>
+          </a:p>
+          <a:p>
+            <a:endParaRPr lang="hu-HU" dirty="0"/>
+          </a:p>
+          <a:p>
+            <a:r>
+              <a:rPr lang="hu-HU" dirty="0"/>
+              <a:t>Az értékelések táblában az 1-5 csillagos skálán megadott értékeléseket tároljuk.</a:t>
+            </a:r>
+          </a:p>
+          <a:p>
+            <a:r>
+              <a:rPr lang="hu-HU" dirty="0"/>
+              <a:t> </a:t>
+            </a:r>
+          </a:p>
+          <a:p>
+            <a:r>
+              <a:rPr lang="hu-HU" dirty="0"/>
+              <a:t>A kedvencek táblában a kedvencként lementett posztokat tároljuk</a:t>
+            </a:r>
+          </a:p>
+          <a:p>
+            <a:endParaRPr lang="hu-HU" dirty="0"/>
+          </a:p>
+          <a:p>
+            <a:r>
+              <a:rPr lang="hu-HU" dirty="0"/>
+              <a:t>A beszélgetések táblában a felhasználók közötti üzeneteket tároljuk</a:t>
+            </a:r>
+          </a:p>
+          <a:p>
+            <a:endParaRPr lang="hu-HU" dirty="0"/>
+          </a:p>
+          <a:p>
+            <a:r>
+              <a:rPr lang="hu-HU" dirty="0"/>
+              <a:t>Az üzenetek táblában pedig a bejövő időpont kérelmeket tároljuk. A tiszta kód elve szerint rosszul van a tábla elnevezve, viszont ezt későn vettük </a:t>
+            </a:r>
+            <a:r>
+              <a:rPr lang="hu-HU" dirty="0" err="1"/>
+              <a:t>észre</a:t>
+            </a:r>
+            <a:r>
+              <a:rPr lang="hu-HU" dirty="0"/>
+              <a:t> és a módosítás sok problémát okozott volna</a:t>
+            </a:r>
+          </a:p>
+          <a:p>
+            <a:endParaRPr lang="hu-HU" dirty="0"/>
+          </a:p>
+          <a:p>
+            <a:r>
+              <a:rPr lang="hu-HU" dirty="0"/>
+              <a:t>A naptár táblában a már lefoglalt időpontokat tároljuk. Ennek az a szerepe hogy az új időpontfoglalásnál megvizsgáljuk hogy mi foglalt, és kiveszi a foglaltat a szabadon választható időpontok közül.</a:t>
+            </a:r>
+          </a:p>
+        </p:txBody>
+      </p:sp>
+      <p:sp>
+        <p:nvSpPr>
+          <p:cNvPr id="4" name="Slide Number Placeholder 3">
+            <a:extLst>
+              <a:ext uri="{FF2B5EF4-FFF2-40B4-BE49-F238E27FC236}">
+                <a16:creationId xmlns:a16="http://schemas.microsoft.com/office/drawing/2014/main" id="{9534E897-F228-1F89-497B-BEB7FD06AAEF}"/>
+              </a:ext>
+            </a:extLst>
+          </p:cNvPr>
+          <p:cNvSpPr>
+            <a:spLocks noGrp="1"/>
+          </p:cNvSpPr>
+          <p:nvPr>
+            <p:ph type="sldNum" sz="quarter" idx="5"/>
+          </p:nvPr>
+        </p:nvSpPr>
+        <p:spPr/>
+        <p:txBody>
+          <a:bodyPr/>
+          <a:lstStyle/>
+          <a:p>
+            <a:fld id="{ABEC351E-E5A4-4D7B-A000-61564A7BE4F6}" type="slidenum">
+              <a:rPr lang="hu-HU" noProof="0" smtClean="0"/>
+              <a:t>8</a:t>
+            </a:fld>
+            <a:endParaRPr lang="hu-HU" noProof="0"/>
+          </a:p>
+        </p:txBody>
+      </p:sp>
+    </p:spTree>
+    <p:extLst>
+      <p:ext uri="{BB962C8B-B14F-4D97-AF65-F5344CB8AC3E}">
+        <p14:creationId xmlns:p14="http://schemas.microsoft.com/office/powerpoint/2010/main" val="4179746977"/>
+      </p:ext>
+    </p:extLst>
+  </p:cSld>
+  <p:clrMapOvr>
+    <a:masterClrMapping/>
+  </p:clrMapOvr>
+</p:notes>
+</file>
+
+<file path=ppt/notesSlides/notesSlide9.xml><?xml version="1.0" encoding="utf-8"?>
+<p:notes xmlns:a="http://schemas.openxmlformats.org/drawingml/2006/main" xmlns:r="http://schemas.openxmlformats.org/officeDocument/2006/relationships" xmlns:p="http://schemas.openxmlformats.org/presentationml/2006/main">
+  <p:cSld>
+    <p:spTree>
+      <p:nvGrpSpPr>
         <p:cNvPr id="1" name=""/>
         <p:cNvGrpSpPr/>
         <p:nvPr/>
@@ -4603,7 +4888,7 @@
       </p:grpSpPr>
       <p:sp>
         <p:nvSpPr>
-          <p:cNvPr id="2" name="Diakép helye 1"/>
+          <p:cNvPr id="2" name="Slide Image Placeholder 1"/>
           <p:cNvSpPr>
             <a:spLocks noGrp="1" noRot="1" noChangeAspect="1"/>
           </p:cNvSpPr>
@@ -4615,7 +4900,7 @@
       </p:sp>
       <p:sp>
         <p:nvSpPr>
-          <p:cNvPr id="3" name="Jegyzetek helye 2"/>
+          <p:cNvPr id="3" name="Notes Placeholder 2"/>
           <p:cNvSpPr>
             <a:spLocks noGrp="1"/>
           </p:cNvSpPr>
@@ -4628,13 +4913,34 @@
           <a:bodyPr/>
           <a:lstStyle/>
           <a:p>
-            <a:endParaRPr lang="hu-HU"/>
-          </a:p>
-        </p:txBody>
-      </p:sp>
-      <p:sp>
-        <p:nvSpPr>
-          <p:cNvPr id="4" name="Dia számának helye 3"/>
+            <a:r>
+              <a:rPr lang="hu-HU" dirty="0"/>
+              <a:t>Tesztjeink alapján minden oldalunkat teszteltük különböző eszközök képernyőméretére.</a:t>
+            </a:r>
+          </a:p>
+          <a:p>
+            <a:endParaRPr lang="hu-HU" dirty="0"/>
+          </a:p>
+          <a:p>
+            <a:r>
+              <a:rPr lang="hu-HU" dirty="0"/>
+              <a:t>Így néz ki a weboldalunk nagy felbontású képernyőn</a:t>
+            </a:r>
+          </a:p>
+          <a:p>
+            <a:endParaRPr lang="hu-HU" dirty="0"/>
+          </a:p>
+          <a:p>
+            <a:r>
+              <a:rPr lang="hu-HU" dirty="0"/>
+              <a:t>És így néz ki keskeny eszközön (például mobil, tablet)</a:t>
+            </a:r>
+          </a:p>
+        </p:txBody>
+      </p:sp>
+      <p:sp>
+        <p:nvSpPr>
+          <p:cNvPr id="4" name="Slide Number Placeholder 3"/>
           <p:cNvSpPr>
             <a:spLocks noGrp="1"/>
           </p:cNvSpPr>
@@ -4649,7 +4955,7 @@
           <a:p>
             <a:fld id="{ABEC351E-E5A4-4D7B-A000-61564A7BE4F6}" type="slidenum">
               <a:rPr lang="hu-HU" noProof="0" smtClean="0"/>
-              <a:t>14</a:t>
+              <a:t>9</a:t>
             </a:fld>
             <a:endParaRPr lang="hu-HU" noProof="0"/>
           </a:p>
@@ -4658,7 +4964,7 @@
     </p:spTree>
     <p:extLst>
       <p:ext uri="{BB962C8B-B14F-4D97-AF65-F5344CB8AC3E}">
-        <p14:creationId xmlns:p14="http://schemas.microsoft.com/office/powerpoint/2010/main" val="2745547642"/>
+        <p14:creationId xmlns:p14="http://schemas.microsoft.com/office/powerpoint/2010/main" val="3007105519"/>
       </p:ext>
     </p:extLst>
   </p:cSld>
@@ -4909,7 +5215,7 @@
             <a:pPr rtl="0"/>
             <a:fld id="{95CA01AC-FE48-43E8-9541-14BE6D4B6216}" type="datetime1">
               <a:rPr lang="hu-HU" smtClean="0"/>
-              <a:t>2025. 04. 16.</a:t>
+              <a:t>2025. 04. 18.</a:t>
             </a:fld>
             <a:endParaRPr lang="hu-HU" dirty="0"/>
           </a:p>
@@ -5084,7 +5390,7 @@
             <a:pPr rtl="0"/>
             <a:fld id="{BA132BAD-A41C-435C-BDF1-B40F5FDD6CBB}" type="datetime1">
               <a:rPr lang="hu-HU" smtClean="0"/>
-              <a:t>2025. 04. 16.</a:t>
+              <a:t>2025. 04. 18.</a:t>
             </a:fld>
             <a:endParaRPr lang="hu-HU" dirty="0"/>
           </a:p>
@@ -5269,7 +5575,7 @@
             <a:pPr rtl="0"/>
             <a:fld id="{511901B3-A2B9-4D78-B569-739B455CDF92}" type="datetime1">
               <a:rPr lang="hu-HU" smtClean="0"/>
-              <a:t>2025. 04. 16.</a:t>
+              <a:t>2025. 04. 18.</a:t>
             </a:fld>
             <a:endParaRPr lang="hu-HU" dirty="0"/>
           </a:p>
@@ -5444,7 +5750,7 @@
             <a:pPr rtl="0"/>
             <a:fld id="{3851FB85-B948-4ACD-8B79-12856967A932}" type="datetime1">
               <a:rPr lang="hu-HU" smtClean="0"/>
-              <a:t>2025. 04. 16.</a:t>
+              <a:t>2025. 04. 18.</a:t>
             </a:fld>
             <a:endParaRPr lang="hu-HU" dirty="0"/>
           </a:p>
@@ -5703,7 +6009,7 @@
             <a:pPr rtl="0"/>
             <a:fld id="{02DEE940-EEB9-4D88-B665-1DF05D9BAE13}" type="datetime1">
               <a:rPr lang="hu-HU" smtClean="0"/>
-              <a:t>2025. 04. 16.</a:t>
+              <a:t>2025. 04. 18.</a:t>
             </a:fld>
             <a:endParaRPr lang="hu-HU" dirty="0"/>
           </a:p>
@@ -5996,7 +6302,7 @@
             <a:pPr rtl="0"/>
             <a:fld id="{A1DCEE0E-6970-4EFC-81F5-D470F37408DE}" type="datetime1">
               <a:rPr lang="hu-HU" smtClean="0"/>
-              <a:t>2025. 04. 16.</a:t>
+              <a:t>2025. 04. 18.</a:t>
             </a:fld>
             <a:endParaRPr lang="hu-HU" dirty="0"/>
           </a:p>
@@ -6443,7 +6749,7 @@
             <a:pPr rtl="0"/>
             <a:fld id="{5722FE6C-7199-4AEC-9102-6BCA289AF93C}" type="datetime1">
               <a:rPr lang="hu-HU" smtClean="0"/>
-              <a:t>2025. 04. 16.</a:t>
+              <a:t>2025. 04. 18.</a:t>
             </a:fld>
             <a:endParaRPr lang="hu-HU" dirty="0"/>
           </a:p>
@@ -6566,7 +6872,7 @@
             <a:pPr rtl="0"/>
             <a:fld id="{03D29D9B-97B7-4810-8AA3-861B7C07DF7C}" type="datetime1">
               <a:rPr lang="hu-HU" smtClean="0"/>
-              <a:t>2025. 04. 16.</a:t>
+              <a:t>2025. 04. 18.</a:t>
             </a:fld>
             <a:endParaRPr lang="hu-HU" dirty="0"/>
           </a:p>
@@ -6665,7 +6971,7 @@
             <a:pPr rtl="0"/>
             <a:fld id="{E0B8E3E5-F330-44D0-86BC-D7273766CF24}" type="datetime1">
               <a:rPr lang="hu-HU" smtClean="0"/>
-              <a:t>2025. 04. 16.</a:t>
+              <a:t>2025. 04. 18.</a:t>
             </a:fld>
             <a:endParaRPr lang="hu-HU" dirty="0"/>
           </a:p>
@@ -6958,7 +7264,7 @@
             <a:pPr rtl="0"/>
             <a:fld id="{03B9D2F3-D2FB-4079-8358-26B647FEDD45}" type="datetime1">
               <a:rPr lang="hu-HU" smtClean="0"/>
-              <a:t>2025. 04. 16.</a:t>
+              <a:t>2025. 04. 18.</a:t>
             </a:fld>
             <a:endParaRPr lang="hu-HU" dirty="0"/>
           </a:p>
@@ -7536,7 +7842,7 @@
             <a:pPr rtl="0"/>
             <a:fld id="{BF34A502-BF6B-45AF-A469-BC8939D6A3FE}" type="datetime1">
               <a:rPr lang="hu-HU" smtClean="0"/>
-              <a:t>2025. 04. 16.</a:t>
+              <a:t>2025. 04. 18.</a:t>
             </a:fld>
             <a:endParaRPr lang="hu-HU" dirty="0"/>
           </a:p>
@@ -7850,7 +8156,7 @@
             <a:pPr rtl="0"/>
             <a:fld id="{D951BFFD-2CCD-4914-9DBD-1533C1ADC8FA}" type="datetime1">
               <a:rPr lang="hu-HU" noProof="0" smtClean="0"/>
-              <a:t>2025. 04. 16.</a:t>
+              <a:t>2025. 04. 18.</a:t>
             </a:fld>
             <a:endParaRPr lang="hu-HU" noProof="0"/>
           </a:p>
@@ -8683,6 +8989,560 @@
 <file path=ppt/slides/slide10.xml><?xml version="1.0" encoding="utf-8"?>
 <p:sld xmlns:a="http://schemas.openxmlformats.org/drawingml/2006/main" xmlns:r="http://schemas.openxmlformats.org/officeDocument/2006/relationships" xmlns:p="http://schemas.openxmlformats.org/presentationml/2006/main">
   <p:cSld>
+    <p:spTree>
+      <p:nvGrpSpPr>
+        <p:cNvPr id="1" name=""/>
+        <p:cNvGrpSpPr/>
+        <p:nvPr/>
+      </p:nvGrpSpPr>
+      <p:grpSpPr>
+        <a:xfrm>
+          <a:off x="0" y="0"/>
+          <a:ext cx="0" cy="0"/>
+          <a:chOff x="0" y="0"/>
+          <a:chExt cx="0" cy="0"/>
+        </a:xfrm>
+      </p:grpSpPr>
+      <p:sp>
+        <p:nvSpPr>
+          <p:cNvPr id="2" name="Title 1">
+            <a:extLst>
+              <a:ext uri="{FF2B5EF4-FFF2-40B4-BE49-F238E27FC236}">
+                <a16:creationId xmlns:a16="http://schemas.microsoft.com/office/drawing/2014/main" id="{1B543FBA-2329-B7ED-FD00-891A0FA30430}"/>
+              </a:ext>
+            </a:extLst>
+          </p:cNvPr>
+          <p:cNvSpPr>
+            <a:spLocks noGrp="1"/>
+          </p:cNvSpPr>
+          <p:nvPr>
+            <p:ph type="title"/>
+          </p:nvPr>
+        </p:nvSpPr>
+        <p:spPr/>
+        <p:txBody>
+          <a:bodyPr/>
+          <a:lstStyle/>
+          <a:p>
+            <a:r>
+              <a:rPr lang="hu-HU" dirty="0"/>
+              <a:t>Tesztek</a:t>
+            </a:r>
+          </a:p>
+        </p:txBody>
+      </p:sp>
+      <p:sp>
+        <p:nvSpPr>
+          <p:cNvPr id="3" name="Text Placeholder 2">
+            <a:extLst>
+              <a:ext uri="{FF2B5EF4-FFF2-40B4-BE49-F238E27FC236}">
+                <a16:creationId xmlns:a16="http://schemas.microsoft.com/office/drawing/2014/main" id="{CFBC3F5C-CDFF-0806-9764-2EAC17266385}"/>
+              </a:ext>
+            </a:extLst>
+          </p:cNvPr>
+          <p:cNvSpPr>
+            <a:spLocks noGrp="1"/>
+          </p:cNvSpPr>
+          <p:nvPr>
+            <p:ph type="body" idx="1"/>
+          </p:nvPr>
+        </p:nvSpPr>
+        <p:spPr/>
+        <p:txBody>
+          <a:bodyPr/>
+          <a:lstStyle/>
+          <a:p>
+            <a:r>
+              <a:rPr lang="hu-HU" dirty="0"/>
+              <a:t>Néhány fénykép milyen teszteket futtattunk</a:t>
+            </a:r>
+          </a:p>
+        </p:txBody>
+      </p:sp>
+      <p:sp>
+        <p:nvSpPr>
+          <p:cNvPr id="4" name="Content Placeholder 3">
+            <a:extLst>
+              <a:ext uri="{FF2B5EF4-FFF2-40B4-BE49-F238E27FC236}">
+                <a16:creationId xmlns:a16="http://schemas.microsoft.com/office/drawing/2014/main" id="{94EE4C6E-2F7D-E25B-00D7-F4FE14A4B037}"/>
+              </a:ext>
+            </a:extLst>
+          </p:cNvPr>
+          <p:cNvSpPr>
+            <a:spLocks noGrp="1"/>
+          </p:cNvSpPr>
+          <p:nvPr>
+            <p:ph sz="half" idx="2"/>
+          </p:nvPr>
+        </p:nvSpPr>
+        <p:spPr/>
+        <p:txBody>
+          <a:bodyPr/>
+          <a:lstStyle/>
+          <a:p>
+            <a:endParaRPr lang="hu-HU"/>
+          </a:p>
+        </p:txBody>
+      </p:sp>
+      <p:sp>
+        <p:nvSpPr>
+          <p:cNvPr id="5" name="Text Placeholder 4">
+            <a:extLst>
+              <a:ext uri="{FF2B5EF4-FFF2-40B4-BE49-F238E27FC236}">
+                <a16:creationId xmlns:a16="http://schemas.microsoft.com/office/drawing/2014/main" id="{37B0A28E-77DA-9579-45F4-4F91082BCA81}"/>
+              </a:ext>
+            </a:extLst>
+          </p:cNvPr>
+          <p:cNvSpPr>
+            <a:spLocks noGrp="1"/>
+          </p:cNvSpPr>
+          <p:nvPr>
+            <p:ph type="body" sz="quarter" idx="3"/>
+          </p:nvPr>
+        </p:nvSpPr>
+        <p:spPr/>
+        <p:txBody>
+          <a:bodyPr/>
+          <a:lstStyle/>
+          <a:p>
+            <a:r>
+              <a:rPr lang="hu-HU" dirty="0"/>
+              <a:t>Sikeres tesztek</a:t>
+            </a:r>
+          </a:p>
+        </p:txBody>
+      </p:sp>
+      <p:sp>
+        <p:nvSpPr>
+          <p:cNvPr id="6" name="Content Placeholder 5">
+            <a:extLst>
+              <a:ext uri="{FF2B5EF4-FFF2-40B4-BE49-F238E27FC236}">
+                <a16:creationId xmlns:a16="http://schemas.microsoft.com/office/drawing/2014/main" id="{C2C7180B-9E28-20B2-5C72-4FE6AAF7D458}"/>
+              </a:ext>
+            </a:extLst>
+          </p:cNvPr>
+          <p:cNvSpPr>
+            <a:spLocks noGrp="1"/>
+          </p:cNvSpPr>
+          <p:nvPr>
+            <p:ph sz="quarter" idx="4"/>
+          </p:nvPr>
+        </p:nvSpPr>
+        <p:spPr/>
+        <p:txBody>
+          <a:bodyPr/>
+          <a:lstStyle/>
+          <a:p>
+            <a:endParaRPr lang="hu-HU"/>
+          </a:p>
+        </p:txBody>
+      </p:sp>
+    </p:spTree>
+    <p:extLst>
+      <p:ext uri="{BB962C8B-B14F-4D97-AF65-F5344CB8AC3E}">
+        <p14:creationId xmlns:p14="http://schemas.microsoft.com/office/powerpoint/2010/main" val="262351769"/>
+      </p:ext>
+    </p:extLst>
+  </p:cSld>
+  <p:clrMapOvr>
+    <a:masterClrMapping/>
+  </p:clrMapOvr>
+</p:sld>
+</file>
+
+<file path=ppt/slides/slide11.xml><?xml version="1.0" encoding="utf-8"?>
+<p:sld xmlns:a="http://schemas.openxmlformats.org/drawingml/2006/main" xmlns:r="http://schemas.openxmlformats.org/officeDocument/2006/relationships" xmlns:p="http://schemas.openxmlformats.org/presentationml/2006/main">
+  <p:cSld>
+    <p:spTree>
+      <p:nvGrpSpPr>
+        <p:cNvPr id="1" name=""/>
+        <p:cNvGrpSpPr/>
+        <p:nvPr/>
+      </p:nvGrpSpPr>
+      <p:grpSpPr>
+        <a:xfrm>
+          <a:off x="0" y="0"/>
+          <a:ext cx="0" cy="0"/>
+          <a:chOff x="0" y="0"/>
+          <a:chExt cx="0" cy="0"/>
+        </a:xfrm>
+      </p:grpSpPr>
+      <p:sp>
+        <p:nvSpPr>
+          <p:cNvPr id="2" name="Title 1">
+            <a:extLst>
+              <a:ext uri="{FF2B5EF4-FFF2-40B4-BE49-F238E27FC236}">
+                <a16:creationId xmlns:a16="http://schemas.microsoft.com/office/drawing/2014/main" id="{2DB99223-709C-B507-B443-D33B14BE2C56}"/>
+              </a:ext>
+            </a:extLst>
+          </p:cNvPr>
+          <p:cNvSpPr>
+            <a:spLocks noGrp="1"/>
+          </p:cNvSpPr>
+          <p:nvPr>
+            <p:ph type="title"/>
+          </p:nvPr>
+        </p:nvSpPr>
+        <p:spPr/>
+        <p:txBody>
+          <a:bodyPr/>
+          <a:lstStyle/>
+          <a:p>
+            <a:r>
+              <a:rPr lang="hu-HU" dirty="0"/>
+              <a:t>Csapatmunka</a:t>
+            </a:r>
+          </a:p>
+        </p:txBody>
+      </p:sp>
+      <p:sp>
+        <p:nvSpPr>
+          <p:cNvPr id="3" name="Content Placeholder 2">
+            <a:extLst>
+              <a:ext uri="{FF2B5EF4-FFF2-40B4-BE49-F238E27FC236}">
+                <a16:creationId xmlns:a16="http://schemas.microsoft.com/office/drawing/2014/main" id="{11A7B292-7EA7-7705-EFF9-795EB72BB374}"/>
+              </a:ext>
+            </a:extLst>
+          </p:cNvPr>
+          <p:cNvSpPr>
+            <a:spLocks noGrp="1"/>
+          </p:cNvSpPr>
+          <p:nvPr>
+            <p:ph sz="half" idx="1"/>
+          </p:nvPr>
+        </p:nvSpPr>
+        <p:spPr/>
+        <p:txBody>
+          <a:bodyPr/>
+          <a:lstStyle/>
+          <a:p>
+            <a:r>
+              <a:rPr lang="hu-HU" dirty="0" err="1"/>
+              <a:t>Github</a:t>
+            </a:r>
+            <a:endParaRPr lang="hu-HU" dirty="0"/>
+          </a:p>
+          <a:p>
+            <a:r>
+              <a:rPr lang="hu-HU" dirty="0" err="1"/>
+              <a:t>Discord</a:t>
+            </a:r>
+            <a:endParaRPr lang="hu-HU" dirty="0"/>
+          </a:p>
+          <a:p>
+            <a:r>
+              <a:rPr lang="hu-HU" dirty="0"/>
+              <a:t>Frontend-backend felosztás</a:t>
+            </a:r>
+          </a:p>
+          <a:p>
+            <a:r>
+              <a:rPr lang="hu-HU" dirty="0" err="1"/>
+              <a:t>Fájlonkénti</a:t>
+            </a:r>
+            <a:r>
+              <a:rPr lang="hu-HU" dirty="0"/>
+              <a:t> felosztás</a:t>
+            </a:r>
+          </a:p>
+          <a:p>
+            <a:r>
+              <a:rPr lang="hu-HU" dirty="0"/>
+              <a:t>Tiszta kód elve</a:t>
+            </a:r>
+          </a:p>
+        </p:txBody>
+      </p:sp>
+      <p:sp>
+        <p:nvSpPr>
+          <p:cNvPr id="4" name="Content Placeholder 3">
+            <a:extLst>
+              <a:ext uri="{FF2B5EF4-FFF2-40B4-BE49-F238E27FC236}">
+                <a16:creationId xmlns:a16="http://schemas.microsoft.com/office/drawing/2014/main" id="{350E5875-7503-2DC1-8DD7-DC6D94D39A1F}"/>
+              </a:ext>
+            </a:extLst>
+          </p:cNvPr>
+          <p:cNvSpPr>
+            <a:spLocks noGrp="1"/>
+          </p:cNvSpPr>
+          <p:nvPr>
+            <p:ph sz="half" idx="2"/>
+          </p:nvPr>
+        </p:nvSpPr>
+        <p:spPr/>
+        <p:txBody>
+          <a:bodyPr/>
+          <a:lstStyle/>
+          <a:p>
+            <a:r>
+              <a:rPr lang="hu-HU" dirty="0"/>
+              <a:t>Kép </a:t>
+            </a:r>
+            <a:r>
+              <a:rPr lang="hu-HU" dirty="0" err="1"/>
+              <a:t>githubról</a:t>
+            </a:r>
+            <a:r>
+              <a:rPr lang="hu-HU" dirty="0"/>
+              <a:t> </a:t>
+            </a:r>
+            <a:r>
+              <a:rPr lang="hu-HU" dirty="0" err="1"/>
+              <a:t>discordrol</a:t>
+            </a:r>
+            <a:endParaRPr lang="hu-HU" dirty="0"/>
+          </a:p>
+        </p:txBody>
+      </p:sp>
+    </p:spTree>
+    <p:extLst>
+      <p:ext uri="{BB962C8B-B14F-4D97-AF65-F5344CB8AC3E}">
+        <p14:creationId xmlns:p14="http://schemas.microsoft.com/office/powerpoint/2010/main" val="3443890999"/>
+      </p:ext>
+    </p:extLst>
+  </p:cSld>
+  <p:clrMapOvr>
+    <a:masterClrMapping/>
+  </p:clrMapOvr>
+</p:sld>
+</file>
+
+<file path=ppt/slides/slide12.xml><?xml version="1.0" encoding="utf-8"?>
+<p:sld xmlns:a="http://schemas.openxmlformats.org/drawingml/2006/main" xmlns:r="http://schemas.openxmlformats.org/officeDocument/2006/relationships" xmlns:p="http://schemas.openxmlformats.org/presentationml/2006/main">
+  <p:cSld>
+    <p:spTree>
+      <p:nvGrpSpPr>
+        <p:cNvPr id="1" name=""/>
+        <p:cNvGrpSpPr/>
+        <p:nvPr/>
+      </p:nvGrpSpPr>
+      <p:grpSpPr>
+        <a:xfrm>
+          <a:off x="0" y="0"/>
+          <a:ext cx="0" cy="0"/>
+          <a:chOff x="0" y="0"/>
+          <a:chExt cx="0" cy="0"/>
+        </a:xfrm>
+      </p:grpSpPr>
+      <p:sp>
+        <p:nvSpPr>
+          <p:cNvPr id="2" name="Title 1">
+            <a:extLst>
+              <a:ext uri="{FF2B5EF4-FFF2-40B4-BE49-F238E27FC236}">
+                <a16:creationId xmlns:a16="http://schemas.microsoft.com/office/drawing/2014/main" id="{A01B138F-B866-B26C-F691-6EDF8BCD37B1}"/>
+              </a:ext>
+            </a:extLst>
+          </p:cNvPr>
+          <p:cNvSpPr>
+            <a:spLocks noGrp="1"/>
+          </p:cNvSpPr>
+          <p:nvPr>
+            <p:ph type="title"/>
+          </p:nvPr>
+        </p:nvSpPr>
+        <p:spPr/>
+        <p:txBody>
+          <a:bodyPr/>
+          <a:lstStyle/>
+          <a:p>
+            <a:r>
+              <a:rPr lang="hu-HU" dirty="0"/>
+              <a:t>Munka </a:t>
+            </a:r>
+          </a:p>
+        </p:txBody>
+      </p:sp>
+      <p:sp>
+        <p:nvSpPr>
+          <p:cNvPr id="3" name="Content Placeholder 2">
+            <a:extLst>
+              <a:ext uri="{FF2B5EF4-FFF2-40B4-BE49-F238E27FC236}">
+                <a16:creationId xmlns:a16="http://schemas.microsoft.com/office/drawing/2014/main" id="{A1C222D6-C5CB-5C02-B9BC-20122F687718}"/>
+              </a:ext>
+            </a:extLst>
+          </p:cNvPr>
+          <p:cNvSpPr>
+            <a:spLocks noGrp="1"/>
+          </p:cNvSpPr>
+          <p:nvPr>
+            <p:ph idx="1"/>
+          </p:nvPr>
+        </p:nvSpPr>
+        <p:spPr/>
+        <p:txBody>
+          <a:bodyPr/>
+          <a:lstStyle/>
+          <a:p>
+            <a:endParaRPr lang="hu-HU"/>
+          </a:p>
+        </p:txBody>
+      </p:sp>
+      <p:sp>
+        <p:nvSpPr>
+          <p:cNvPr id="4" name="Text Placeholder 3">
+            <a:extLst>
+              <a:ext uri="{FF2B5EF4-FFF2-40B4-BE49-F238E27FC236}">
+                <a16:creationId xmlns:a16="http://schemas.microsoft.com/office/drawing/2014/main" id="{48E442B2-EDB3-D352-6081-C5EAB10AAE0E}"/>
+              </a:ext>
+            </a:extLst>
+          </p:cNvPr>
+          <p:cNvSpPr>
+            <a:spLocks noGrp="1"/>
+          </p:cNvSpPr>
+          <p:nvPr>
+            <p:ph type="body" sz="half" idx="2"/>
+          </p:nvPr>
+        </p:nvSpPr>
+        <p:spPr/>
+        <p:txBody>
+          <a:bodyPr/>
+          <a:lstStyle/>
+          <a:p>
+            <a:endParaRPr lang="hu-HU"/>
+          </a:p>
+        </p:txBody>
+      </p:sp>
+      <p:sp>
+        <p:nvSpPr>
+          <p:cNvPr id="5" name="Content Placeholder 4">
+            <a:extLst>
+              <a:ext uri="{FF2B5EF4-FFF2-40B4-BE49-F238E27FC236}">
+                <a16:creationId xmlns:a16="http://schemas.microsoft.com/office/drawing/2014/main" id="{D3ED204F-BF55-4554-FCF5-0C557A3B93E2}"/>
+              </a:ext>
+            </a:extLst>
+          </p:cNvPr>
+          <p:cNvSpPr>
+            <a:spLocks noGrp="1"/>
+          </p:cNvSpPr>
+          <p:nvPr>
+            <p:ph idx="13"/>
+          </p:nvPr>
+        </p:nvSpPr>
+        <p:spPr/>
+        <p:txBody>
+          <a:bodyPr/>
+          <a:lstStyle/>
+          <a:p>
+            <a:endParaRPr lang="hu-HU"/>
+          </a:p>
+        </p:txBody>
+      </p:sp>
+      <p:sp>
+        <p:nvSpPr>
+          <p:cNvPr id="6" name="Content Placeholder 5">
+            <a:extLst>
+              <a:ext uri="{FF2B5EF4-FFF2-40B4-BE49-F238E27FC236}">
+                <a16:creationId xmlns:a16="http://schemas.microsoft.com/office/drawing/2014/main" id="{341896F9-9EA7-B434-B636-D639F797407B}"/>
+              </a:ext>
+            </a:extLst>
+          </p:cNvPr>
+          <p:cNvSpPr>
+            <a:spLocks noGrp="1"/>
+          </p:cNvSpPr>
+          <p:nvPr>
+            <p:ph idx="14"/>
+          </p:nvPr>
+        </p:nvSpPr>
+        <p:spPr/>
+        <p:txBody>
+          <a:bodyPr/>
+          <a:lstStyle/>
+          <a:p>
+            <a:endParaRPr lang="hu-HU"/>
+          </a:p>
+        </p:txBody>
+      </p:sp>
+      <p:sp>
+        <p:nvSpPr>
+          <p:cNvPr id="7" name="Text Placeholder 6">
+            <a:extLst>
+              <a:ext uri="{FF2B5EF4-FFF2-40B4-BE49-F238E27FC236}">
+                <a16:creationId xmlns:a16="http://schemas.microsoft.com/office/drawing/2014/main" id="{14857EF2-CDA6-FF4B-41A0-C3FF10648806}"/>
+              </a:ext>
+            </a:extLst>
+          </p:cNvPr>
+          <p:cNvSpPr>
+            <a:spLocks noGrp="1"/>
+          </p:cNvSpPr>
+          <p:nvPr>
+            <p:ph type="body" sz="quarter" idx="15"/>
+          </p:nvPr>
+        </p:nvSpPr>
+        <p:spPr/>
+        <p:txBody>
+          <a:bodyPr/>
+          <a:lstStyle/>
+          <a:p>
+            <a:endParaRPr lang="hu-HU"/>
+          </a:p>
+        </p:txBody>
+      </p:sp>
+      <p:sp>
+        <p:nvSpPr>
+          <p:cNvPr id="8" name="Text Placeholder 7">
+            <a:extLst>
+              <a:ext uri="{FF2B5EF4-FFF2-40B4-BE49-F238E27FC236}">
+                <a16:creationId xmlns:a16="http://schemas.microsoft.com/office/drawing/2014/main" id="{1843E1BC-048E-EA1D-36BA-1538E0C2751E}"/>
+              </a:ext>
+            </a:extLst>
+          </p:cNvPr>
+          <p:cNvSpPr>
+            <a:spLocks noGrp="1"/>
+          </p:cNvSpPr>
+          <p:nvPr>
+            <p:ph type="body" sz="quarter" idx="16"/>
+          </p:nvPr>
+        </p:nvSpPr>
+        <p:spPr/>
+        <p:txBody>
+          <a:bodyPr/>
+          <a:lstStyle/>
+          <a:p>
+            <a:endParaRPr lang="hu-HU"/>
+          </a:p>
+        </p:txBody>
+      </p:sp>
+      <p:sp>
+        <p:nvSpPr>
+          <p:cNvPr id="9" name="Text Placeholder 8">
+            <a:extLst>
+              <a:ext uri="{FF2B5EF4-FFF2-40B4-BE49-F238E27FC236}">
+                <a16:creationId xmlns:a16="http://schemas.microsoft.com/office/drawing/2014/main" id="{0AEB0C1D-51E0-B0BD-625B-475B55B9981D}"/>
+              </a:ext>
+            </a:extLst>
+          </p:cNvPr>
+          <p:cNvSpPr>
+            <a:spLocks noGrp="1"/>
+          </p:cNvSpPr>
+          <p:nvPr>
+            <p:ph type="body" sz="quarter" idx="17"/>
+          </p:nvPr>
+        </p:nvSpPr>
+        <p:spPr/>
+        <p:txBody>
+          <a:bodyPr/>
+          <a:lstStyle/>
+          <a:p>
+            <a:endParaRPr lang="hu-HU"/>
+          </a:p>
+        </p:txBody>
+      </p:sp>
+    </p:spTree>
+    <p:extLst>
+      <p:ext uri="{BB962C8B-B14F-4D97-AF65-F5344CB8AC3E}">
+        <p14:creationId xmlns:p14="http://schemas.microsoft.com/office/powerpoint/2010/main" val="985097852"/>
+      </p:ext>
+    </p:extLst>
+  </p:cSld>
+  <p:clrMapOvr>
+    <a:masterClrMapping/>
+  </p:clrMapOvr>
+</p:sld>
+</file>
+
+<file path=ppt/slides/slide13.xml><?xml version="1.0" encoding="utf-8"?>
+<p:sld xmlns:a="http://schemas.openxmlformats.org/drawingml/2006/main" xmlns:r="http://schemas.openxmlformats.org/officeDocument/2006/relationships" xmlns:p="http://schemas.openxmlformats.org/presentationml/2006/main">
+  <p:cSld>
     <p:bg>
       <p:bgPr>
         <a:gradFill>
@@ -8736,6 +9596,283 @@
           <p:cNvPr id="2" name="Cím 1">
             <a:extLst>
               <a:ext uri="{FF2B5EF4-FFF2-40B4-BE49-F238E27FC236}">
+                <a16:creationId xmlns:a16="http://schemas.microsoft.com/office/drawing/2014/main" id="{F9C4EE20-AC11-427B-A294-6CAC2D0B40CC}"/>
+              </a:ext>
+            </a:extLst>
+          </p:cNvPr>
+          <p:cNvSpPr>
+            <a:spLocks noGrp="1"/>
+          </p:cNvSpPr>
+          <p:nvPr>
+            <p:ph type="title"/>
+          </p:nvPr>
+        </p:nvSpPr>
+        <p:spPr/>
+        <p:txBody>
+          <a:bodyPr/>
+          <a:lstStyle/>
+          <a:p>
+            <a:r>
+              <a:rPr lang="hu-HU" dirty="0" err="1"/>
+              <a:t>Zsolti</a:t>
+            </a:r>
+            <a:r>
+              <a:rPr lang="hu-HU" dirty="0"/>
+              <a:t> része a projektben</a:t>
+            </a:r>
+          </a:p>
+        </p:txBody>
+      </p:sp>
+      <p:sp>
+        <p:nvSpPr>
+          <p:cNvPr id="3" name="Tartalom helye 2">
+            <a:extLst>
+              <a:ext uri="{FF2B5EF4-FFF2-40B4-BE49-F238E27FC236}">
+                <a16:creationId xmlns:a16="http://schemas.microsoft.com/office/drawing/2014/main" id="{F7122EFB-A6F8-4D4B-A610-672B42CC4E52}"/>
+              </a:ext>
+            </a:extLst>
+          </p:cNvPr>
+          <p:cNvSpPr>
+            <a:spLocks noGrp="1"/>
+          </p:cNvSpPr>
+          <p:nvPr>
+            <p:ph idx="1"/>
+          </p:nvPr>
+        </p:nvSpPr>
+        <p:spPr>
+          <a:xfrm>
+            <a:off x="3559945" y="763480"/>
+            <a:ext cx="7535746" cy="5255580"/>
+          </a:xfrm>
+        </p:spPr>
+        <p:txBody>
+          <a:bodyPr>
+            <a:normAutofit/>
+          </a:bodyPr>
+          <a:lstStyle/>
+          <a:p>
+            <a:r>
+              <a:rPr lang="hu-HU" sz="3600" b="1" u="sng" dirty="0"/>
+              <a:t>Frontend</a:t>
+            </a:r>
+            <a:r>
+              <a:rPr lang="hu-HU" sz="3600" dirty="0"/>
+              <a:t>: Posztok, Sajátposztok, Fiókbeállítás, </a:t>
+            </a:r>
+            <a:r>
+              <a:rPr lang="hu-HU" sz="3600" dirty="0" err="1"/>
+              <a:t>Navbár</a:t>
+            </a:r>
+            <a:r>
+              <a:rPr lang="hu-HU" sz="3600" dirty="0"/>
+              <a:t>, </a:t>
+            </a:r>
+            <a:r>
+              <a:rPr lang="hu-HU" sz="3600" dirty="0" err="1"/>
+              <a:t>Időpotfoglalás</a:t>
+            </a:r>
+            <a:r>
+              <a:rPr lang="hu-HU" sz="3600" dirty="0"/>
+              <a:t>, Prémium oldal, Posztot létrehozása, Dokumentáció írása</a:t>
+            </a:r>
+          </a:p>
+        </p:txBody>
+      </p:sp>
+    </p:spTree>
+    <p:extLst>
+      <p:ext uri="{BB962C8B-B14F-4D97-AF65-F5344CB8AC3E}">
+        <p14:creationId xmlns:p14="http://schemas.microsoft.com/office/powerpoint/2010/main" val="3009450887"/>
+      </p:ext>
+    </p:extLst>
+  </p:cSld>
+  <p:clrMapOvr>
+    <a:masterClrMapping/>
+  </p:clrMapOvr>
+</p:sld>
+</file>
+
+<file path=ppt/slides/slide14.xml><?xml version="1.0" encoding="utf-8"?>
+<p:sld xmlns:a="http://schemas.openxmlformats.org/drawingml/2006/main" xmlns:r="http://schemas.openxmlformats.org/officeDocument/2006/relationships" xmlns:p="http://schemas.openxmlformats.org/presentationml/2006/main">
+  <p:cSld>
+    <p:bg>
+      <p:bgPr>
+        <a:gradFill>
+          <a:gsLst>
+            <a:gs pos="0">
+              <a:schemeClr val="accent1">
+                <a:lumMod val="5000"/>
+                <a:lumOff val="95000"/>
+              </a:schemeClr>
+            </a:gs>
+            <a:gs pos="74000">
+              <a:schemeClr val="accent1">
+                <a:lumMod val="45000"/>
+                <a:lumOff val="55000"/>
+              </a:schemeClr>
+            </a:gs>
+            <a:gs pos="83000">
+              <a:schemeClr val="accent1">
+                <a:lumMod val="45000"/>
+                <a:lumOff val="55000"/>
+              </a:schemeClr>
+            </a:gs>
+            <a:gs pos="100000">
+              <a:schemeClr val="accent1">
+                <a:lumMod val="30000"/>
+                <a:lumOff val="70000"/>
+              </a:schemeClr>
+            </a:gs>
+          </a:gsLst>
+          <a:lin ang="5400000" scaled="1"/>
+        </a:gradFill>
+        <a:effectLst/>
+      </p:bgPr>
+    </p:bg>
+    <p:spTree>
+      <p:nvGrpSpPr>
+        <p:cNvPr id="1" name=""/>
+        <p:cNvGrpSpPr/>
+        <p:nvPr/>
+      </p:nvGrpSpPr>
+      <p:grpSpPr>
+        <a:xfrm>
+          <a:off x="0" y="0"/>
+          <a:ext cx="0" cy="0"/>
+          <a:chOff x="0" y="0"/>
+          <a:chExt cx="0" cy="0"/>
+        </a:xfrm>
+      </p:grpSpPr>
+      <p:sp>
+        <p:nvSpPr>
+          <p:cNvPr id="2" name="Cím 1">
+            <a:extLst>
+              <a:ext uri="{FF2B5EF4-FFF2-40B4-BE49-F238E27FC236}">
+                <a16:creationId xmlns:a16="http://schemas.microsoft.com/office/drawing/2014/main" id="{8316B2BF-8803-4A9F-B5D3-84891BB90F24}"/>
+              </a:ext>
+            </a:extLst>
+          </p:cNvPr>
+          <p:cNvSpPr>
+            <a:spLocks noGrp="1"/>
+          </p:cNvSpPr>
+          <p:nvPr>
+            <p:ph type="title"/>
+          </p:nvPr>
+        </p:nvSpPr>
+        <p:spPr/>
+        <p:txBody>
+          <a:bodyPr/>
+          <a:lstStyle/>
+          <a:p>
+            <a:r>
+              <a:rPr lang="hu-HU" dirty="0"/>
+              <a:t>Jani része a projektben </a:t>
+            </a:r>
+          </a:p>
+        </p:txBody>
+      </p:sp>
+      <p:sp>
+        <p:nvSpPr>
+          <p:cNvPr id="3" name="Tartalom helye 2">
+            <a:extLst>
+              <a:ext uri="{FF2B5EF4-FFF2-40B4-BE49-F238E27FC236}">
+                <a16:creationId xmlns:a16="http://schemas.microsoft.com/office/drawing/2014/main" id="{EC93BA92-B57F-4607-8046-F63B40608413}"/>
+              </a:ext>
+            </a:extLst>
+          </p:cNvPr>
+          <p:cNvSpPr>
+            <a:spLocks noGrp="1"/>
+          </p:cNvSpPr>
+          <p:nvPr>
+            <p:ph idx="1"/>
+          </p:nvPr>
+        </p:nvSpPr>
+        <p:spPr/>
+        <p:txBody>
+          <a:bodyPr>
+            <a:normAutofit/>
+          </a:bodyPr>
+          <a:lstStyle/>
+          <a:p>
+            <a:r>
+              <a:rPr lang="hu-HU" sz="3600" b="1" u="sng" dirty="0"/>
+              <a:t>Frontend</a:t>
+            </a:r>
+            <a:r>
+              <a:rPr lang="hu-HU" sz="3600" dirty="0"/>
+              <a:t>: A főoldal designja, Navbár, Posztok, Regisztráció, Bejelentkezés, Fiókbeállítás,  Időpontfoglalás, Poszt létrehozása,  Dokumentáció írása</a:t>
+            </a:r>
+          </a:p>
+        </p:txBody>
+      </p:sp>
+    </p:spTree>
+    <p:extLst>
+      <p:ext uri="{BB962C8B-B14F-4D97-AF65-F5344CB8AC3E}">
+        <p14:creationId xmlns:p14="http://schemas.microsoft.com/office/powerpoint/2010/main" val="1631206192"/>
+      </p:ext>
+    </p:extLst>
+  </p:cSld>
+  <p:clrMapOvr>
+    <a:masterClrMapping/>
+  </p:clrMapOvr>
+</p:sld>
+</file>
+
+<file path=ppt/slides/slide15.xml><?xml version="1.0" encoding="utf-8"?>
+<p:sld xmlns:a="http://schemas.openxmlformats.org/drawingml/2006/main" xmlns:r="http://schemas.openxmlformats.org/officeDocument/2006/relationships" xmlns:p="http://schemas.openxmlformats.org/presentationml/2006/main">
+  <p:cSld>
+    <p:bg>
+      <p:bgPr>
+        <a:gradFill>
+          <a:gsLst>
+            <a:gs pos="0">
+              <a:schemeClr val="accent1">
+                <a:lumMod val="5000"/>
+                <a:lumOff val="95000"/>
+              </a:schemeClr>
+            </a:gs>
+            <a:gs pos="74000">
+              <a:schemeClr val="accent1">
+                <a:lumMod val="45000"/>
+                <a:lumOff val="55000"/>
+              </a:schemeClr>
+            </a:gs>
+            <a:gs pos="83000">
+              <a:schemeClr val="accent1">
+                <a:lumMod val="45000"/>
+                <a:lumOff val="55000"/>
+              </a:schemeClr>
+            </a:gs>
+            <a:gs pos="100000">
+              <a:schemeClr val="accent1">
+                <a:lumMod val="30000"/>
+                <a:lumOff val="70000"/>
+              </a:schemeClr>
+            </a:gs>
+          </a:gsLst>
+          <a:lin ang="5400000" scaled="1"/>
+        </a:gradFill>
+        <a:effectLst/>
+      </p:bgPr>
+    </p:bg>
+    <p:spTree>
+      <p:nvGrpSpPr>
+        <p:cNvPr id="1" name=""/>
+        <p:cNvGrpSpPr/>
+        <p:nvPr/>
+      </p:nvGrpSpPr>
+      <p:grpSpPr>
+        <a:xfrm>
+          <a:off x="0" y="0"/>
+          <a:ext cx="0" cy="0"/>
+          <a:chOff x="0" y="0"/>
+          <a:chExt cx="0" cy="0"/>
+        </a:xfrm>
+      </p:grpSpPr>
+      <p:sp>
+        <p:nvSpPr>
+          <p:cNvPr id="2" name="Cím 1">
+            <a:extLst>
+              <a:ext uri="{FF2B5EF4-FFF2-40B4-BE49-F238E27FC236}">
                 <a16:creationId xmlns:a16="http://schemas.microsoft.com/office/drawing/2014/main" id="{A52CBAFF-020C-4F2F-99AC-3148A3DDEEAD}"/>
               </a:ext>
             </a:extLst>
@@ -8816,7 +9953,7 @@
 </p:sld>
 </file>
 
-<file path=ppt/slides/slide11.xml><?xml version="1.0" encoding="utf-8"?>
+<file path=ppt/slides/slide16.xml><?xml version="1.0" encoding="utf-8"?>
 <p:sld xmlns:a="http://schemas.openxmlformats.org/drawingml/2006/main" xmlns:r="http://schemas.openxmlformats.org/officeDocument/2006/relationships" xmlns:p="http://schemas.openxmlformats.org/presentationml/2006/main">
   <p:cSld>
     <p:spTree>
@@ -9030,7 +10167,7 @@
 </p:sld>
 </file>
 
-<file path=ppt/slides/slide12.xml><?xml version="1.0" encoding="utf-8"?>
+<file path=ppt/slides/slide17.xml><?xml version="1.0" encoding="utf-8"?>
 <p:sld xmlns:a="http://schemas.openxmlformats.org/drawingml/2006/main" xmlns:r="http://schemas.openxmlformats.org/officeDocument/2006/relationships" xmlns:p="http://schemas.openxmlformats.org/presentationml/2006/main">
   <p:cSld>
     <p:spTree>
@@ -9244,7 +10381,7 @@
 </p:sld>
 </file>
 
-<file path=ppt/slides/slide13.xml><?xml version="1.0" encoding="utf-8"?>
+<file path=ppt/slides/slide18.xml><?xml version="1.0" encoding="utf-8"?>
 <p:sld xmlns:a="http://schemas.openxmlformats.org/drawingml/2006/main" xmlns:r="http://schemas.openxmlformats.org/officeDocument/2006/relationships" xmlns:p="http://schemas.openxmlformats.org/presentationml/2006/main">
   <p:cSld>
     <p:spTree>
@@ -9335,7 +10472,7 @@
 </p:sld>
 </file>
 
-<file path=ppt/slides/slide14.xml><?xml version="1.0" encoding="utf-8"?>
+<file path=ppt/slides/slide19.xml><?xml version="1.0" encoding="utf-8"?>
 <p:sld xmlns:a="http://schemas.openxmlformats.org/drawingml/2006/main" xmlns:r="http://schemas.openxmlformats.org/officeDocument/2006/relationships" xmlns:p="http://schemas.openxmlformats.org/presentationml/2006/main">
   <p:cSld>
     <p:bg>
@@ -10839,17 +11976,71 @@
           <a:lstStyle/>
           <a:p>
             <a:r>
-              <a:rPr lang="hu-HU" dirty="0" err="1"/>
-              <a:t>MySQL</a:t>
-            </a:r>
-            <a:r>
-              <a:rPr lang="hu-HU"/>
-              <a:t> </a:t>
-            </a:r>
-            <a:endParaRPr lang="hu-HU" dirty="0"/>
-          </a:p>
-        </p:txBody>
-      </p:sp>
+              <a:rPr lang="hu-HU" dirty="0"/>
+              <a:t>SQL nyelv</a:t>
+            </a:r>
+          </a:p>
+          <a:p>
+            <a:r>
+              <a:rPr lang="hu-HU" dirty="0"/>
+              <a:t>8 tábla</a:t>
+            </a:r>
+          </a:p>
+          <a:p>
+            <a:r>
+              <a:rPr lang="hu-HU" dirty="0"/>
+              <a:t>Tesztadatokkal feltöltve (felhasználók, posztok)</a:t>
+            </a:r>
+          </a:p>
+        </p:txBody>
+      </p:sp>
+      <p:pic>
+        <p:nvPicPr>
+          <p:cNvPr id="1028" name="Picture 4" descr="MySQL - Download">
+            <a:extLst>
+              <a:ext uri="{FF2B5EF4-FFF2-40B4-BE49-F238E27FC236}">
+                <a16:creationId xmlns:a16="http://schemas.microsoft.com/office/drawing/2014/main" id="{C4D2DB4A-4ACB-4B0B-07C8-CCABBBB2262A}"/>
+              </a:ext>
+            </a:extLst>
+          </p:cNvPr>
+          <p:cNvPicPr>
+            <a:picLocks noChangeAspect="1" noChangeArrowheads="1"/>
+          </p:cNvPicPr>
+          <p:nvPr/>
+        </p:nvPicPr>
+        <p:blipFill>
+          <a:blip r:embed="rId3">
+            <a:extLst>
+              <a:ext uri="{28A0092B-C50C-407E-A947-70E740481C1C}">
+                <a14:useLocalDpi xmlns:a14="http://schemas.microsoft.com/office/drawing/2010/main" val="0"/>
+              </a:ext>
+            </a:extLst>
+          </a:blip>
+          <a:srcRect/>
+          <a:stretch>
+            <a:fillRect/>
+          </a:stretch>
+        </p:blipFill>
+        <p:spPr bwMode="auto">
+          <a:xfrm>
+            <a:off x="6000862" y="1828913"/>
+            <a:ext cx="1390537" cy="1390537"/>
+          </a:xfrm>
+          <a:prstGeom prst="rect">
+            <a:avLst/>
+          </a:prstGeom>
+          <a:noFill/>
+          <a:extLst>
+            <a:ext uri="{909E8E84-426E-40DD-AFC4-6F175D3DCCD1}">
+              <a14:hiddenFill xmlns:a14="http://schemas.microsoft.com/office/drawing/2010/main">
+                <a:solidFill>
+                  <a:srgbClr val="FFFFFF"/>
+                </a:solidFill>
+              </a14:hiddenFill>
+            </a:ext>
+          </a:extLst>
+        </p:spPr>
+      </p:pic>
     </p:spTree>
     <p:extLst>
       <p:ext uri="{BB962C8B-B14F-4D97-AF65-F5344CB8AC3E}">
@@ -10866,40 +12057,203 @@
 <file path=ppt/slides/slide8.xml><?xml version="1.0" encoding="utf-8"?>
 <p:sld xmlns:a="http://schemas.openxmlformats.org/drawingml/2006/main" xmlns:r="http://schemas.openxmlformats.org/officeDocument/2006/relationships" xmlns:p="http://schemas.openxmlformats.org/presentationml/2006/main">
   <p:cSld>
-    <p:bg>
-      <p:bgPr>
-        <a:gradFill>
-          <a:gsLst>
-            <a:gs pos="0">
-              <a:schemeClr val="accent1">
-                <a:lumMod val="5000"/>
-                <a:lumOff val="95000"/>
-              </a:schemeClr>
-            </a:gs>
-            <a:gs pos="74000">
-              <a:schemeClr val="accent1">
-                <a:lumMod val="45000"/>
-                <a:lumOff val="55000"/>
-              </a:schemeClr>
-            </a:gs>
-            <a:gs pos="83000">
-              <a:schemeClr val="accent1">
-                <a:lumMod val="45000"/>
-                <a:lumOff val="55000"/>
-              </a:schemeClr>
-            </a:gs>
-            <a:gs pos="100000">
-              <a:schemeClr val="accent1">
-                <a:lumMod val="30000"/>
-                <a:lumOff val="70000"/>
-              </a:schemeClr>
-            </a:gs>
-          </a:gsLst>
-          <a:lin ang="5400000" scaled="1"/>
-        </a:gradFill>
-        <a:effectLst/>
-      </p:bgPr>
-    </p:bg>
+    <p:spTree>
+      <p:nvGrpSpPr>
+        <p:cNvPr id="1" name="">
+          <a:extLst>
+            <a:ext uri="{FF2B5EF4-FFF2-40B4-BE49-F238E27FC236}">
+              <a16:creationId xmlns:a16="http://schemas.microsoft.com/office/drawing/2014/main" id="{FC102028-198E-D525-3F1C-61F142527FAE}"/>
+            </a:ext>
+          </a:extLst>
+        </p:cNvPr>
+        <p:cNvGrpSpPr/>
+        <p:nvPr/>
+      </p:nvGrpSpPr>
+      <p:grpSpPr>
+        <a:xfrm>
+          <a:off x="0" y="0"/>
+          <a:ext cx="0" cy="0"/>
+          <a:chOff x="0" y="0"/>
+          <a:chExt cx="0" cy="0"/>
+        </a:xfrm>
+      </p:grpSpPr>
+      <p:sp>
+        <p:nvSpPr>
+          <p:cNvPr id="2" name="Title 1">
+            <a:extLst>
+              <a:ext uri="{FF2B5EF4-FFF2-40B4-BE49-F238E27FC236}">
+                <a16:creationId xmlns:a16="http://schemas.microsoft.com/office/drawing/2014/main" id="{23663D38-C90A-51FC-5888-7A70D4883525}"/>
+              </a:ext>
+            </a:extLst>
+          </p:cNvPr>
+          <p:cNvSpPr>
+            <a:spLocks noGrp="1"/>
+          </p:cNvSpPr>
+          <p:nvPr>
+            <p:ph type="title"/>
+          </p:nvPr>
+        </p:nvSpPr>
+        <p:spPr/>
+        <p:txBody>
+          <a:bodyPr/>
+          <a:lstStyle/>
+          <a:p>
+            <a:r>
+              <a:rPr lang="hu-HU" dirty="0"/>
+              <a:t>Adatbázis tábláink</a:t>
+            </a:r>
+          </a:p>
+        </p:txBody>
+      </p:sp>
+      <p:sp>
+        <p:nvSpPr>
+          <p:cNvPr id="6" name="Content Placeholder 5">
+            <a:extLst>
+              <a:ext uri="{FF2B5EF4-FFF2-40B4-BE49-F238E27FC236}">
+                <a16:creationId xmlns:a16="http://schemas.microsoft.com/office/drawing/2014/main" id="{35C58B30-DD86-8922-2A31-BDB7AD327E08}"/>
+              </a:ext>
+            </a:extLst>
+          </p:cNvPr>
+          <p:cNvSpPr>
+            <a:spLocks noGrp="1"/>
+          </p:cNvSpPr>
+          <p:nvPr>
+            <p:ph idx="1"/>
+          </p:nvPr>
+        </p:nvSpPr>
+        <p:spPr/>
+        <p:txBody>
+          <a:bodyPr/>
+          <a:lstStyle/>
+          <a:p>
+            <a:r>
+              <a:rPr lang="hu-HU" dirty="0"/>
+              <a:t>Felhasználói adatok</a:t>
+            </a:r>
+          </a:p>
+          <a:p>
+            <a:r>
+              <a:rPr lang="hu-HU" dirty="0"/>
+              <a:t>Posztok</a:t>
+            </a:r>
+          </a:p>
+          <a:p>
+            <a:r>
+              <a:rPr lang="hu-HU" dirty="0"/>
+              <a:t>Vélemények</a:t>
+            </a:r>
+          </a:p>
+          <a:p>
+            <a:r>
+              <a:rPr lang="hu-HU" dirty="0"/>
+              <a:t>Értékelések</a:t>
+            </a:r>
+          </a:p>
+          <a:p>
+            <a:r>
+              <a:rPr lang="hu-HU" dirty="0"/>
+              <a:t>Kedvencek</a:t>
+            </a:r>
+          </a:p>
+          <a:p>
+            <a:r>
+              <a:rPr lang="hu-HU" dirty="0"/>
+              <a:t>Beszélgetések</a:t>
+            </a:r>
+          </a:p>
+          <a:p>
+            <a:r>
+              <a:rPr lang="hu-HU" dirty="0"/>
+              <a:t>Üzenetek</a:t>
+            </a:r>
+          </a:p>
+          <a:p>
+            <a:r>
+              <a:rPr lang="hu-HU" dirty="0"/>
+              <a:t>Naptár</a:t>
+            </a:r>
+          </a:p>
+          <a:p>
+            <a:endParaRPr lang="hu-HU" dirty="0"/>
+          </a:p>
+        </p:txBody>
+      </p:sp>
+      <p:pic>
+        <p:nvPicPr>
+          <p:cNvPr id="4" name="Picture 3">
+            <a:extLst>
+              <a:ext uri="{FF2B5EF4-FFF2-40B4-BE49-F238E27FC236}">
+                <a16:creationId xmlns:a16="http://schemas.microsoft.com/office/drawing/2014/main" id="{BD347FEB-A969-D0F6-267F-BC31FA6E5E7A}"/>
+              </a:ext>
+            </a:extLst>
+          </p:cNvPr>
+          <p:cNvPicPr>
+            <a:picLocks noChangeAspect="1"/>
+          </p:cNvPicPr>
+          <p:nvPr/>
+        </p:nvPicPr>
+        <p:blipFill>
+          <a:blip r:embed="rId3"/>
+          <a:stretch>
+            <a:fillRect/>
+          </a:stretch>
+        </p:blipFill>
+        <p:spPr>
+          <a:xfrm>
+            <a:off x="3471961" y="4839350"/>
+            <a:ext cx="7859222" cy="619211"/>
+          </a:xfrm>
+          <a:prstGeom prst="rect">
+            <a:avLst/>
+          </a:prstGeom>
+        </p:spPr>
+      </p:pic>
+      <p:pic>
+        <p:nvPicPr>
+          <p:cNvPr id="7" name="Picture 6">
+            <a:extLst>
+              <a:ext uri="{FF2B5EF4-FFF2-40B4-BE49-F238E27FC236}">
+                <a16:creationId xmlns:a16="http://schemas.microsoft.com/office/drawing/2014/main" id="{C67D399E-2E37-77E7-3F53-70FDDE479F7E}"/>
+              </a:ext>
+            </a:extLst>
+          </p:cNvPr>
+          <p:cNvPicPr>
+            <a:picLocks noChangeAspect="1"/>
+          </p:cNvPicPr>
+          <p:nvPr/>
+        </p:nvPicPr>
+        <p:blipFill>
+          <a:blip r:embed="rId4"/>
+          <a:stretch>
+            <a:fillRect/>
+          </a:stretch>
+        </p:blipFill>
+        <p:spPr>
+          <a:xfrm>
+            <a:off x="3722553" y="5580998"/>
+            <a:ext cx="6477904" cy="666843"/>
+          </a:xfrm>
+          <a:prstGeom prst="rect">
+            <a:avLst/>
+          </a:prstGeom>
+        </p:spPr>
+      </p:pic>
+    </p:spTree>
+    <p:extLst>
+      <p:ext uri="{BB962C8B-B14F-4D97-AF65-F5344CB8AC3E}">
+        <p14:creationId xmlns:p14="http://schemas.microsoft.com/office/powerpoint/2010/main" val="3429896395"/>
+      </p:ext>
+    </p:extLst>
+  </p:cSld>
+  <p:clrMapOvr>
+    <a:masterClrMapping/>
+  </p:clrMapOvr>
+</p:sld>
+</file>
+
+<file path=ppt/slides/slide9.xml><?xml version="1.0" encoding="utf-8"?>
+<p:sld xmlns:a="http://schemas.openxmlformats.org/drawingml/2006/main" xmlns:r="http://schemas.openxmlformats.org/officeDocument/2006/relationships" xmlns:p="http://schemas.openxmlformats.org/presentationml/2006/main">
+  <p:cSld>
     <p:spTree>
       <p:nvGrpSpPr>
         <p:cNvPr id="1" name=""/>
@@ -10916,10 +12270,10 @@
       </p:grpSpPr>
       <p:sp>
         <p:nvSpPr>
-          <p:cNvPr id="2" name="Cím 1">
+          <p:cNvPr id="2" name="Title 1">
             <a:extLst>
               <a:ext uri="{FF2B5EF4-FFF2-40B4-BE49-F238E27FC236}">
-                <a16:creationId xmlns:a16="http://schemas.microsoft.com/office/drawing/2014/main" id="{F9C4EE20-AC11-427B-A294-6CAC2D0B40CC}"/>
+                <a16:creationId xmlns:a16="http://schemas.microsoft.com/office/drawing/2014/main" id="{B2900178-44BC-44CB-298A-445A7466F091}"/>
               </a:ext>
             </a:extLst>
           </p:cNvPr>
@@ -10937,21 +12291,18 @@
           <a:p>
             <a:r>
               <a:rPr lang="hu-HU" dirty="0" err="1"/>
-              <a:t>Zsolti</a:t>
-            </a:r>
-            <a:r>
-              <a:rPr lang="hu-HU" dirty="0"/>
-              <a:t> része a projektben</a:t>
-            </a:r>
-          </a:p>
-        </p:txBody>
-      </p:sp>
-      <p:sp>
-        <p:nvSpPr>
-          <p:cNvPr id="3" name="Tartalom helye 2">
+              <a:t>Reszponzivitás</a:t>
+            </a:r>
+            <a:endParaRPr lang="hu-HU" dirty="0"/>
+          </a:p>
+        </p:txBody>
+      </p:sp>
+      <p:sp>
+        <p:nvSpPr>
+          <p:cNvPr id="3" name="Text Placeholder 2">
             <a:extLst>
               <a:ext uri="{FF2B5EF4-FFF2-40B4-BE49-F238E27FC236}">
-                <a16:creationId xmlns:a16="http://schemas.microsoft.com/office/drawing/2014/main" id="{F7122EFB-A6F8-4D4B-A610-672B42CC4E52}"/>
+                <a16:creationId xmlns:a16="http://schemas.microsoft.com/office/drawing/2014/main" id="{0CC111D6-23E5-CDD3-18C4-7EF3D76F32E3}"/>
               </a:ext>
             </a:extLst>
           </p:cNvPr>
@@ -10959,178 +12310,170 @@
             <a:spLocks noGrp="1"/>
           </p:cNvSpPr>
           <p:nvPr>
-            <p:ph idx="1"/>
+            <p:ph type="body" idx="1"/>
           </p:nvPr>
         </p:nvSpPr>
         <p:spPr>
           <a:xfrm>
-            <a:off x="3559945" y="763480"/>
-            <a:ext cx="7535746" cy="5255580"/>
+            <a:off x="3755990" y="544282"/>
+            <a:ext cx="3474720" cy="579555"/>
           </a:xfrm>
         </p:spPr>
         <p:txBody>
-          <a:bodyPr>
-            <a:normAutofit/>
-          </a:bodyPr>
+          <a:bodyPr/>
           <a:lstStyle/>
           <a:p>
             <a:r>
-              <a:rPr lang="hu-HU" sz="3600" b="1" u="sng" dirty="0"/>
-              <a:t>Frontend</a:t>
-            </a:r>
-            <a:r>
-              <a:rPr lang="hu-HU" sz="3600" dirty="0"/>
-              <a:t>: Posztok, Sajátposztok, Fiókbeállítás, </a:t>
-            </a:r>
-            <a:r>
-              <a:rPr lang="hu-HU" sz="3600" dirty="0" err="1"/>
-              <a:t>Navbár</a:t>
-            </a:r>
-            <a:r>
-              <a:rPr lang="hu-HU" sz="3600" dirty="0"/>
-              <a:t>, </a:t>
-            </a:r>
-            <a:r>
-              <a:rPr lang="hu-HU" sz="3600" dirty="0" err="1"/>
-              <a:t>Időpotfoglalás</a:t>
-            </a:r>
-            <a:r>
-              <a:rPr lang="hu-HU" sz="3600" dirty="0"/>
-              <a:t>, Prémium oldal, Posztot létrehozása, Dokumentáció írása</a:t>
-            </a:r>
-          </a:p>
-        </p:txBody>
-      </p:sp>
+              <a:rPr lang="hu-HU" dirty="0"/>
+              <a:t>Mobil eszközökre </a:t>
+            </a:r>
+            <a:r>
+              <a:rPr lang="hu-HU" dirty="0" err="1"/>
+              <a:t>optimizálva</a:t>
+            </a:r>
+            <a:endParaRPr lang="hu-HU" dirty="0"/>
+          </a:p>
+        </p:txBody>
+      </p:sp>
+      <p:sp>
+        <p:nvSpPr>
+          <p:cNvPr id="4" name="Content Placeholder 3">
+            <a:extLst>
+              <a:ext uri="{FF2B5EF4-FFF2-40B4-BE49-F238E27FC236}">
+                <a16:creationId xmlns:a16="http://schemas.microsoft.com/office/drawing/2014/main" id="{B5562775-A5E5-213B-7F7E-57B3E91625E3}"/>
+              </a:ext>
+            </a:extLst>
+          </p:cNvPr>
+          <p:cNvSpPr>
+            <a:spLocks noGrp="1"/>
+          </p:cNvSpPr>
+          <p:nvPr>
+            <p:ph sz="half" idx="2"/>
+          </p:nvPr>
+        </p:nvSpPr>
+        <p:spPr/>
+        <p:txBody>
+          <a:bodyPr/>
+          <a:lstStyle/>
+          <a:p>
+            <a:endParaRPr lang="hu-HU" dirty="0"/>
+          </a:p>
+        </p:txBody>
+      </p:sp>
+      <p:sp>
+        <p:nvSpPr>
+          <p:cNvPr id="5" name="Text Placeholder 4">
+            <a:extLst>
+              <a:ext uri="{FF2B5EF4-FFF2-40B4-BE49-F238E27FC236}">
+                <a16:creationId xmlns:a16="http://schemas.microsoft.com/office/drawing/2014/main" id="{692026CF-F914-B18C-413E-773FFCCF31C8}"/>
+              </a:ext>
+            </a:extLst>
+          </p:cNvPr>
+          <p:cNvSpPr>
+            <a:spLocks noGrp="1"/>
+          </p:cNvSpPr>
+          <p:nvPr>
+            <p:ph type="body" sz="quarter" idx="3"/>
+          </p:nvPr>
+        </p:nvSpPr>
+        <p:spPr/>
+        <p:txBody>
+          <a:bodyPr/>
+          <a:lstStyle/>
+          <a:p>
+            <a:endParaRPr lang="hu-HU"/>
+          </a:p>
+        </p:txBody>
+      </p:sp>
+      <p:sp>
+        <p:nvSpPr>
+          <p:cNvPr id="6" name="Content Placeholder 5">
+            <a:extLst>
+              <a:ext uri="{FF2B5EF4-FFF2-40B4-BE49-F238E27FC236}">
+                <a16:creationId xmlns:a16="http://schemas.microsoft.com/office/drawing/2014/main" id="{4B14DF4E-683A-35B3-67BB-243E68E5575B}"/>
+              </a:ext>
+            </a:extLst>
+          </p:cNvPr>
+          <p:cNvSpPr>
+            <a:spLocks noGrp="1"/>
+          </p:cNvSpPr>
+          <p:nvPr>
+            <p:ph sz="quarter" idx="4"/>
+          </p:nvPr>
+        </p:nvSpPr>
+        <p:spPr/>
+        <p:txBody>
+          <a:bodyPr/>
+          <a:lstStyle/>
+          <a:p>
+            <a:endParaRPr lang="hu-HU"/>
+          </a:p>
+        </p:txBody>
+      </p:sp>
+      <p:pic>
+        <p:nvPicPr>
+          <p:cNvPr id="12" name="Picture 11">
+            <a:extLst>
+              <a:ext uri="{FF2B5EF4-FFF2-40B4-BE49-F238E27FC236}">
+                <a16:creationId xmlns:a16="http://schemas.microsoft.com/office/drawing/2014/main" id="{768F08DF-71E2-8E42-35DE-6C704F597EA3}"/>
+              </a:ext>
+            </a:extLst>
+          </p:cNvPr>
+          <p:cNvPicPr>
+            <a:picLocks noChangeAspect="1"/>
+          </p:cNvPicPr>
+          <p:nvPr/>
+        </p:nvPicPr>
+        <p:blipFill>
+          <a:blip r:embed="rId3"/>
+          <a:stretch>
+            <a:fillRect/>
+          </a:stretch>
+        </p:blipFill>
+        <p:spPr>
+          <a:xfrm>
+            <a:off x="7649542" y="903704"/>
+            <a:ext cx="2684117" cy="5248521"/>
+          </a:xfrm>
+          <a:prstGeom prst="rect">
+            <a:avLst/>
+          </a:prstGeom>
+        </p:spPr>
+      </p:pic>
+      <p:pic>
+        <p:nvPicPr>
+          <p:cNvPr id="14" name="Picture 13">
+            <a:extLst>
+              <a:ext uri="{FF2B5EF4-FFF2-40B4-BE49-F238E27FC236}">
+                <a16:creationId xmlns:a16="http://schemas.microsoft.com/office/drawing/2014/main" id="{6A020D0C-2753-4625-8B94-BF9EE67C963E}"/>
+              </a:ext>
+            </a:extLst>
+          </p:cNvPr>
+          <p:cNvPicPr>
+            <a:picLocks noChangeAspect="1"/>
+          </p:cNvPicPr>
+          <p:nvPr/>
+        </p:nvPicPr>
+        <p:blipFill>
+          <a:blip r:embed="rId4"/>
+          <a:stretch>
+            <a:fillRect/>
+          </a:stretch>
+        </p:blipFill>
+        <p:spPr>
+          <a:xfrm>
+            <a:off x="3867912" y="1216241"/>
+            <a:ext cx="2515955" cy="4913791"/>
+          </a:xfrm>
+          <a:prstGeom prst="rect">
+            <a:avLst/>
+          </a:prstGeom>
+        </p:spPr>
+      </p:pic>
     </p:spTree>
     <p:extLst>
       <p:ext uri="{BB962C8B-B14F-4D97-AF65-F5344CB8AC3E}">
-        <p14:creationId xmlns:p14="http://schemas.microsoft.com/office/powerpoint/2010/main" val="3009450887"/>
-      </p:ext>
-    </p:extLst>
-  </p:cSld>
-  <p:clrMapOvr>
-    <a:masterClrMapping/>
-  </p:clrMapOvr>
-</p:sld>
-</file>
-
-<file path=ppt/slides/slide9.xml><?xml version="1.0" encoding="utf-8"?>
-<p:sld xmlns:a="http://schemas.openxmlformats.org/drawingml/2006/main" xmlns:r="http://schemas.openxmlformats.org/officeDocument/2006/relationships" xmlns:p="http://schemas.openxmlformats.org/presentationml/2006/main">
-  <p:cSld>
-    <p:bg>
-      <p:bgPr>
-        <a:gradFill>
-          <a:gsLst>
-            <a:gs pos="0">
-              <a:schemeClr val="accent1">
-                <a:lumMod val="5000"/>
-                <a:lumOff val="95000"/>
-              </a:schemeClr>
-            </a:gs>
-            <a:gs pos="74000">
-              <a:schemeClr val="accent1">
-                <a:lumMod val="45000"/>
-                <a:lumOff val="55000"/>
-              </a:schemeClr>
-            </a:gs>
-            <a:gs pos="83000">
-              <a:schemeClr val="accent1">
-                <a:lumMod val="45000"/>
-                <a:lumOff val="55000"/>
-              </a:schemeClr>
-            </a:gs>
-            <a:gs pos="100000">
-              <a:schemeClr val="accent1">
-                <a:lumMod val="30000"/>
-                <a:lumOff val="70000"/>
-              </a:schemeClr>
-            </a:gs>
-          </a:gsLst>
-          <a:lin ang="5400000" scaled="1"/>
-        </a:gradFill>
-        <a:effectLst/>
-      </p:bgPr>
-    </p:bg>
-    <p:spTree>
-      <p:nvGrpSpPr>
-        <p:cNvPr id="1" name=""/>
-        <p:cNvGrpSpPr/>
-        <p:nvPr/>
-      </p:nvGrpSpPr>
-      <p:grpSpPr>
-        <a:xfrm>
-          <a:off x="0" y="0"/>
-          <a:ext cx="0" cy="0"/>
-          <a:chOff x="0" y="0"/>
-          <a:chExt cx="0" cy="0"/>
-        </a:xfrm>
-      </p:grpSpPr>
-      <p:sp>
-        <p:nvSpPr>
-          <p:cNvPr id="2" name="Cím 1">
-            <a:extLst>
-              <a:ext uri="{FF2B5EF4-FFF2-40B4-BE49-F238E27FC236}">
-                <a16:creationId xmlns:a16="http://schemas.microsoft.com/office/drawing/2014/main" id="{8316B2BF-8803-4A9F-B5D3-84891BB90F24}"/>
-              </a:ext>
-            </a:extLst>
-          </p:cNvPr>
-          <p:cNvSpPr>
-            <a:spLocks noGrp="1"/>
-          </p:cNvSpPr>
-          <p:nvPr>
-            <p:ph type="title"/>
-          </p:nvPr>
-        </p:nvSpPr>
-        <p:spPr/>
-        <p:txBody>
-          <a:bodyPr/>
-          <a:lstStyle/>
-          <a:p>
-            <a:r>
-              <a:rPr lang="hu-HU" dirty="0"/>
-              <a:t>Jani része a projektben </a:t>
-            </a:r>
-          </a:p>
-        </p:txBody>
-      </p:sp>
-      <p:sp>
-        <p:nvSpPr>
-          <p:cNvPr id="3" name="Tartalom helye 2">
-            <a:extLst>
-              <a:ext uri="{FF2B5EF4-FFF2-40B4-BE49-F238E27FC236}">
-                <a16:creationId xmlns:a16="http://schemas.microsoft.com/office/drawing/2014/main" id="{EC93BA92-B57F-4607-8046-F63B40608413}"/>
-              </a:ext>
-            </a:extLst>
-          </p:cNvPr>
-          <p:cNvSpPr>
-            <a:spLocks noGrp="1"/>
-          </p:cNvSpPr>
-          <p:nvPr>
-            <p:ph idx="1"/>
-          </p:nvPr>
-        </p:nvSpPr>
-        <p:spPr/>
-        <p:txBody>
-          <a:bodyPr>
-            <a:normAutofit/>
-          </a:bodyPr>
-          <a:lstStyle/>
-          <a:p>
-            <a:r>
-              <a:rPr lang="hu-HU" sz="3600" b="1" u="sng" dirty="0"/>
-              <a:t>Frontend</a:t>
-            </a:r>
-            <a:r>
-              <a:rPr lang="hu-HU" sz="3600" dirty="0"/>
-              <a:t>: A főoldal designja, Navbár, Posztok, Regisztráció, Bejelentkezés, Fiókbeállítás,  Időpontfoglalás, Poszt létrehozása,  Dokumentáció írása</a:t>
-            </a:r>
-          </a:p>
-        </p:txBody>
-      </p:sp>
-    </p:spTree>
-    <p:extLst>
-      <p:ext uri="{BB962C8B-B14F-4D97-AF65-F5344CB8AC3E}">
-        <p14:creationId xmlns:p14="http://schemas.microsoft.com/office/powerpoint/2010/main" val="1631206192"/>
+        <p14:creationId xmlns:p14="http://schemas.microsoft.com/office/powerpoint/2010/main" val="461344599"/>
       </p:ext>
     </p:extLst>
   </p:cSld>
@@ -11962,6 +13305,15 @@
 </file>
 
 <file path=customXml/item1.xml><?xml version="1.0" encoding="utf-8"?>
+<?mso-contentType ?>
+<FormTemplates xmlns="http://schemas.microsoft.com/sharepoint/v3/contenttype/forms">
+  <Display>DocumentLibraryForm</Display>
+  <Edit>DocumentLibraryForm</Edit>
+  <New>DocumentLibraryForm</New>
+</FormTemplates>
+</file>
+
+<file path=customXml/item2.xml><?xml version="1.0" encoding="utf-8"?>
 <ct:contentTypeSchema xmlns:ct="http://schemas.microsoft.com/office/2006/metadata/contentType" xmlns:ma="http://schemas.microsoft.com/office/2006/metadata/properties/metaAttributes" ct:_="" ma:_="" ma:contentTypeName="Document" ma:contentTypeID="0x01010079F111ED35F8CC479449609E8A0923A6" ma:contentTypeVersion="11" ma:contentTypeDescription="Create a new document." ma:contentTypeScope="" ma:versionID="1c2eb7a32e66fb6e4260f3771546a5e2">
   <xsd:schema xmlns:xsd="http://www.w3.org/2001/XMLSchema" xmlns:xs="http://www.w3.org/2001/XMLSchema" xmlns:p="http://schemas.microsoft.com/office/2006/metadata/properties" xmlns:ns2="71af3243-3dd4-4a8d-8c0d-dd76da1f02a5" xmlns:ns3="16c05727-aa75-4e4a-9b5f-8a80a1165891" targetNamespace="http://schemas.microsoft.com/office/2006/metadata/properties" ma:root="true" ma:fieldsID="04e1f6479c48b08974ba73b5ca973489" ns2:_="" ns3:_="">
     <xsd:import namespace="71af3243-3dd4-4a8d-8c0d-dd76da1f02a5"/>
@@ -12172,15 +13524,6 @@
 </ct:contentTypeSchema>
 </file>
 
-<file path=customXml/item2.xml><?xml version="1.0" encoding="utf-8"?>
-<?mso-contentType ?>
-<FormTemplates xmlns="http://schemas.microsoft.com/sharepoint/v3/contenttype/forms">
-  <Display>DocumentLibraryForm</Display>
-  <Edit>DocumentLibraryForm</Edit>
-  <New>DocumentLibraryForm</New>
-</FormTemplates>
-</file>
-
 <file path=customXml/item3.xml><?xml version="1.0" encoding="utf-8"?>
 <p:properties xmlns:p="http://schemas.microsoft.com/office/2006/metadata/properties" xmlns:xsi="http://www.w3.org/2001/XMLSchema-instance" xmlns:pc="http://schemas.microsoft.com/office/infopath/2007/PartnerControls">
   <documentManagement>
@@ -12190,6 +13533,14 @@
 </file>
 
 <file path=customXml/itemProps1.xml><?xml version="1.0" encoding="utf-8"?>
+<ds:datastoreItem xmlns:ds="http://schemas.openxmlformats.org/officeDocument/2006/customXml" ds:itemID="{DFB9BFA2-1FA5-44A1-B975-10D6BF58ECD0}">
+  <ds:schemaRefs>
+    <ds:schemaRef ds:uri="http://schemas.microsoft.com/sharepoint/v3/contenttype/forms"/>
+  </ds:schemaRefs>
+</ds:datastoreItem>
+</file>
+
+<file path=customXml/itemProps2.xml><?xml version="1.0" encoding="utf-8"?>
 <ds:datastoreItem xmlns:ds="http://schemas.openxmlformats.org/officeDocument/2006/customXml" ds:itemID="{E577E783-5AB8-45E6-9E56-AE40075231B2}">
   <ds:schemaRefs>
     <ds:schemaRef ds:uri="http://schemas.microsoft.com/office/2006/metadata/contentType"/>
@@ -12204,14 +13555,6 @@
     <ds:schemaRef ds:uri="http://purl.org/dc/elements/1.1/"/>
     <ds:schemaRef ds:uri="http://purl.org/dc/terms/"/>
     <ds:schemaRef ds:uri="http://schemas.microsoft.com/internal/obd"/>
-  </ds:schemaRefs>
-</ds:datastoreItem>
-</file>
-
-<file path=customXml/itemProps2.xml><?xml version="1.0" encoding="utf-8"?>
-<ds:datastoreItem xmlns:ds="http://schemas.openxmlformats.org/officeDocument/2006/customXml" ds:itemID="{DFB9BFA2-1FA5-44A1-B975-10D6BF58ECD0}">
-  <ds:schemaRefs>
-    <ds:schemaRef ds:uri="http://schemas.microsoft.com/sharepoint/v3/contenttype/forms"/>
   </ds:schemaRefs>
 </ds:datastoreItem>
 </file>

--- a/prezentáció.pptx
+++ b/prezentáció.pptx
@@ -5,10 +5,10 @@
     <p:sldMasterId id="2147483864" r:id="rId4"/>
   </p:sldMasterIdLst>
   <p:notesMasterIdLst>
-    <p:notesMasterId r:id="rId24"/>
+    <p:notesMasterId r:id="rId20"/>
   </p:notesMasterIdLst>
   <p:handoutMasterIdLst>
-    <p:handoutMasterId r:id="rId25"/>
+    <p:handoutMasterId r:id="rId21"/>
   </p:handoutMasterIdLst>
   <p:sldIdLst>
     <p:sldId id="256" r:id="rId5"/>
@@ -23,13 +23,9 @@
     <p:sldId id="278" r:id="rId14"/>
     <p:sldId id="279" r:id="rId15"/>
     <p:sldId id="280" r:id="rId16"/>
-    <p:sldId id="263" r:id="rId17"/>
-    <p:sldId id="264" r:id="rId18"/>
-    <p:sldId id="265" r:id="rId19"/>
-    <p:sldId id="267" r:id="rId20"/>
-    <p:sldId id="268" r:id="rId21"/>
-    <p:sldId id="269" r:id="rId22"/>
-    <p:sldId id="261" r:id="rId23"/>
+    <p:sldId id="281" r:id="rId17"/>
+    <p:sldId id="282" r:id="rId18"/>
+    <p:sldId id="261" r:id="rId19"/>
   </p:sldIdLst>
   <p:sldSz cx="12192000" cy="6858000"/>
   <p:notesSz cx="6858000" cy="9144000"/>
@@ -1038,7 +1034,7 @@
           </a:br>
           <a:r>
             <a:rPr lang="hu-HU" noProof="0" dirty="0"/>
-            <a:t>Csak olyanok akik gyorsan vállalják</a:t>
+            <a:t>Posztok egyszerű létrehozása, böngészése</a:t>
           </a:r>
           <a:br>
             <a:rPr lang="hu-HU" noProof="0" dirty="0"/>
@@ -1746,7 +1742,7 @@
           </a:br>
           <a:r>
             <a:rPr lang="hu-HU" sz="1400" kern="1200" noProof="0" dirty="0"/>
-            <a:t>Csak olyanok akik gyorsan vállalják</a:t>
+            <a:t>Posztok egyszerű létrehozása, böngészése</a:t>
           </a:r>
           <a:br>
             <a:rPr lang="hu-HU" sz="1400" kern="1200" noProof="0" dirty="0"/>
@@ -3376,7 +3372,7 @@
           <a:p>
             <a:fld id="{739FB2FC-BB9E-49C2-8CC7-6A726ED86D84}" type="datetimeFigureOut">
               <a:rPr lang="hu-HU" smtClean="0"/>
-              <a:t>2025. 04. 18.</a:t>
+              <a:t>2025. 04. 19.</a:t>
             </a:fld>
             <a:endParaRPr lang="hu-HU"/>
           </a:p>
@@ -3554,7 +3550,7 @@
           <a:p>
             <a:fld id="{B9CCC56D-1999-49F7-9BE2-3A3019848181}" type="datetimeFigureOut">
               <a:rPr lang="hu-HU" noProof="0" smtClean="0"/>
-              <a:t>2025. 04. 18.</a:t>
+              <a:t>2025. 04. 19.</a:t>
             </a:fld>
             <a:endParaRPr lang="hu-HU" noProof="0"/>
           </a:p>
@@ -3925,7 +3921,7 @@
       </p:grpSpPr>
       <p:sp>
         <p:nvSpPr>
-          <p:cNvPr id="2" name="Diakép helye 1"/>
+          <p:cNvPr id="2" name="Slide Image Placeholder 1"/>
           <p:cNvSpPr>
             <a:spLocks noGrp="1" noRot="1" noChangeAspect="1"/>
           </p:cNvSpPr>
@@ -3937,7 +3933,7 @@
       </p:sp>
       <p:sp>
         <p:nvSpPr>
-          <p:cNvPr id="3" name="Jegyzetek helye 2"/>
+          <p:cNvPr id="3" name="Notes Placeholder 2"/>
           <p:cNvSpPr>
             <a:spLocks noGrp="1"/>
           </p:cNvSpPr>
@@ -3950,13 +3946,43 @@
           <a:bodyPr/>
           <a:lstStyle/>
           <a:p>
-            <a:endParaRPr lang="hu-HU"/>
-          </a:p>
-        </p:txBody>
-      </p:sp>
-      <p:sp>
-        <p:nvSpPr>
-          <p:cNvPr id="4" name="Dia számának helye 3"/>
+            <a:r>
+              <a:rPr lang="hu-HU" dirty="0"/>
+              <a:t>Minden lekérdezésnél, adatfeltöltésnél, indításnál konzolablakos üzenetekkel segítettük munkánkat. Így könnyebb volt ellenőrizni a sikeres / sikertelen tesztlépéseket és könnyebb volt megtalálni a hiba forrását.</a:t>
+            </a:r>
+          </a:p>
+          <a:p>
+            <a:endParaRPr lang="hu-HU" dirty="0"/>
+          </a:p>
+          <a:p>
+            <a:r>
+              <a:rPr lang="hu-HU" dirty="0"/>
+              <a:t>A felső képen a böngésző konzolablakán látható regisztráció utáni üzenet, majd bejelentkező, és kijelentkező üzenet látható</a:t>
+            </a:r>
+          </a:p>
+          <a:p>
+            <a:endParaRPr lang="hu-HU" dirty="0"/>
+          </a:p>
+          <a:p>
+            <a:r>
+              <a:rPr lang="hu-HU" dirty="0"/>
+              <a:t>Középső képen a backend server indítása</a:t>
+            </a:r>
+          </a:p>
+          <a:p>
+            <a:endParaRPr lang="hu-HU" dirty="0"/>
+          </a:p>
+          <a:p>
+            <a:r>
+              <a:rPr lang="hu-HU" dirty="0"/>
+              <a:t>Az alsó képen az adatbázist létrehozó script futtatása</a:t>
+            </a:r>
+          </a:p>
+        </p:txBody>
+      </p:sp>
+      <p:sp>
+        <p:nvSpPr>
+          <p:cNvPr id="4" name="Slide Number Placeholder 3"/>
           <p:cNvSpPr>
             <a:spLocks noGrp="1"/>
           </p:cNvSpPr>
@@ -3971,7 +3997,1477 @@
           <a:p>
             <a:fld id="{ABEC351E-E5A4-4D7B-A000-61564A7BE4F6}" type="slidenum">
               <a:rPr lang="hu-HU" noProof="0" smtClean="0"/>
-              <a:t>19</a:t>
+              <a:t>10</a:t>
+            </a:fld>
+            <a:endParaRPr lang="hu-HU" noProof="0"/>
+          </a:p>
+        </p:txBody>
+      </p:sp>
+    </p:spTree>
+    <p:extLst>
+      <p:ext uri="{BB962C8B-B14F-4D97-AF65-F5344CB8AC3E}">
+        <p14:creationId xmlns:p14="http://schemas.microsoft.com/office/powerpoint/2010/main" val="627775767"/>
+      </p:ext>
+    </p:extLst>
+  </p:cSld>
+  <p:clrMapOvr>
+    <a:masterClrMapping/>
+  </p:clrMapOvr>
+</p:notes>
+</file>
+
+<file path=ppt/notesSlides/notesSlide11.xml><?xml version="1.0" encoding="utf-8"?>
+<p:notes xmlns:a="http://schemas.openxmlformats.org/drawingml/2006/main" xmlns:r="http://schemas.openxmlformats.org/officeDocument/2006/relationships" xmlns:p="http://schemas.openxmlformats.org/presentationml/2006/main">
+  <p:cSld>
+    <p:spTree>
+      <p:nvGrpSpPr>
+        <p:cNvPr id="1" name=""/>
+        <p:cNvGrpSpPr/>
+        <p:nvPr/>
+      </p:nvGrpSpPr>
+      <p:grpSpPr>
+        <a:xfrm>
+          <a:off x="0" y="0"/>
+          <a:ext cx="0" cy="0"/>
+          <a:chOff x="0" y="0"/>
+          <a:chExt cx="0" cy="0"/>
+        </a:xfrm>
+      </p:grpSpPr>
+      <p:sp>
+        <p:nvSpPr>
+          <p:cNvPr id="2" name="Slide Image Placeholder 1"/>
+          <p:cNvSpPr>
+            <a:spLocks noGrp="1" noRot="1" noChangeAspect="1"/>
+          </p:cNvSpPr>
+          <p:nvPr>
+            <p:ph type="sldImg"/>
+          </p:nvPr>
+        </p:nvSpPr>
+        <p:spPr/>
+      </p:sp>
+      <p:sp>
+        <p:nvSpPr>
+          <p:cNvPr id="3" name="Notes Placeholder 2"/>
+          <p:cNvSpPr>
+            <a:spLocks noGrp="1"/>
+          </p:cNvSpPr>
+          <p:nvPr>
+            <p:ph type="body" idx="1"/>
+          </p:nvPr>
+        </p:nvSpPr>
+        <p:spPr/>
+        <p:txBody>
+          <a:bodyPr/>
+          <a:lstStyle/>
+          <a:p>
+            <a:r>
+              <a:rPr lang="en-US" b="0" i="0" dirty="0">
+                <a:solidFill>
+                  <a:srgbClr val="E8EAED"/>
+                </a:solidFill>
+                <a:effectLst/>
+                <a:latin typeface="Arial" panose="020B0604020202020204" pitchFamily="34" charset="0"/>
+              </a:rPr>
+              <a:t>We mainly used GitHub for teamwork. With GitHub Desktop, we could easily clone the latest changes and implement version control.</a:t>
+            </a:r>
+            <a:endParaRPr lang="hu-HU" b="0" i="0" dirty="0">
+              <a:solidFill>
+                <a:srgbClr val="E8EAED"/>
+              </a:solidFill>
+              <a:effectLst/>
+              <a:latin typeface="Arial" panose="020B0604020202020204" pitchFamily="34" charset="0"/>
+            </a:endParaRPr>
+          </a:p>
+          <a:p>
+            <a:endParaRPr lang="hu-HU" b="0" i="0" dirty="0">
+              <a:solidFill>
+                <a:srgbClr val="E8EAED"/>
+              </a:solidFill>
+              <a:effectLst/>
+              <a:latin typeface="Arial" panose="020B0604020202020204" pitchFamily="34" charset="0"/>
+            </a:endParaRPr>
+          </a:p>
+          <a:p>
+            <a:r>
+              <a:rPr lang="en-US" b="0" i="0" dirty="0">
+                <a:solidFill>
+                  <a:srgbClr val="E8EAED"/>
+                </a:solidFill>
+                <a:effectLst/>
+                <a:latin typeface="Arial" panose="020B0604020202020204" pitchFamily="34" charset="0"/>
+              </a:rPr>
+              <a:t>At home, we could </a:t>
+            </a:r>
+            <a:r>
+              <a:rPr lang="hu-HU" b="0" i="0" dirty="0" err="1">
+                <a:solidFill>
+                  <a:srgbClr val="E8EAED"/>
+                </a:solidFill>
+                <a:effectLst/>
+                <a:latin typeface="Arial" panose="020B0604020202020204" pitchFamily="34" charset="0"/>
+              </a:rPr>
+              <a:t>continue</a:t>
+            </a:r>
+            <a:r>
+              <a:rPr lang="hu-HU" b="0" i="0" dirty="0">
+                <a:solidFill>
+                  <a:srgbClr val="E8EAED"/>
+                </a:solidFill>
+                <a:effectLst/>
+                <a:latin typeface="Arial" panose="020B0604020202020204" pitchFamily="34" charset="0"/>
+              </a:rPr>
+              <a:t> </a:t>
+            </a:r>
+            <a:r>
+              <a:rPr lang="hu-HU" b="0" i="0" dirty="0" err="1">
+                <a:solidFill>
+                  <a:srgbClr val="E8EAED"/>
+                </a:solidFill>
+                <a:effectLst/>
+                <a:latin typeface="Arial" panose="020B0604020202020204" pitchFamily="34" charset="0"/>
+              </a:rPr>
+              <a:t>working</a:t>
+            </a:r>
+            <a:r>
+              <a:rPr lang="hu-HU" b="0" i="0" dirty="0">
+                <a:solidFill>
+                  <a:srgbClr val="E8EAED"/>
+                </a:solidFill>
+                <a:effectLst/>
+                <a:latin typeface="Arial" panose="020B0604020202020204" pitchFamily="34" charset="0"/>
+              </a:rPr>
+              <a:t> </a:t>
+            </a:r>
+            <a:r>
+              <a:rPr lang="hu-HU" b="0" i="0" dirty="0" err="1">
+                <a:solidFill>
+                  <a:srgbClr val="E8EAED"/>
+                </a:solidFill>
+                <a:effectLst/>
+                <a:latin typeface="Arial" panose="020B0604020202020204" pitchFamily="34" charset="0"/>
+              </a:rPr>
+              <a:t>with</a:t>
+            </a:r>
+            <a:r>
+              <a:rPr lang="en-US" b="0" i="0" dirty="0">
+                <a:solidFill>
+                  <a:srgbClr val="E8EAED"/>
+                </a:solidFill>
+                <a:effectLst/>
+                <a:latin typeface="Arial" panose="020B0604020202020204" pitchFamily="34" charset="0"/>
+              </a:rPr>
+              <a:t> </a:t>
+            </a:r>
+            <a:r>
+              <a:rPr lang="hu-HU" b="0" i="0" dirty="0" err="1">
+                <a:solidFill>
+                  <a:srgbClr val="E8EAED"/>
+                </a:solidFill>
+                <a:effectLst/>
+                <a:latin typeface="Arial" panose="020B0604020202020204" pitchFamily="34" charset="0"/>
+              </a:rPr>
+              <a:t>Discord</a:t>
+            </a:r>
+            <a:r>
+              <a:rPr lang="hu-HU" b="0" i="0" dirty="0">
+                <a:solidFill>
+                  <a:srgbClr val="E8EAED"/>
+                </a:solidFill>
+                <a:effectLst/>
+                <a:latin typeface="Arial" panose="020B0604020202020204" pitchFamily="34" charset="0"/>
+              </a:rPr>
+              <a:t> </a:t>
+            </a:r>
+            <a:r>
+              <a:rPr lang="hu-HU" b="0" i="0" dirty="0" err="1">
+                <a:solidFill>
+                  <a:srgbClr val="E8EAED"/>
+                </a:solidFill>
+                <a:effectLst/>
+                <a:latin typeface="Arial" panose="020B0604020202020204" pitchFamily="34" charset="0"/>
+              </a:rPr>
+              <a:t>screen</a:t>
+            </a:r>
+            <a:r>
+              <a:rPr lang="hu-HU" b="0" i="0" dirty="0">
+                <a:solidFill>
+                  <a:srgbClr val="E8EAED"/>
+                </a:solidFill>
+                <a:effectLst/>
+                <a:latin typeface="Arial" panose="020B0604020202020204" pitchFamily="34" charset="0"/>
+              </a:rPr>
+              <a:t> </a:t>
+            </a:r>
+            <a:r>
+              <a:rPr lang="hu-HU" b="0" i="0" dirty="0" err="1">
+                <a:solidFill>
+                  <a:srgbClr val="E8EAED"/>
+                </a:solidFill>
+                <a:effectLst/>
+                <a:latin typeface="Arial" panose="020B0604020202020204" pitchFamily="34" charset="0"/>
+              </a:rPr>
+              <a:t>sharing</a:t>
+            </a:r>
+            <a:r>
+              <a:rPr lang="hu-HU" b="0" i="0" dirty="0">
+                <a:solidFill>
+                  <a:srgbClr val="E8EAED"/>
+                </a:solidFill>
+                <a:effectLst/>
+                <a:latin typeface="Arial" panose="020B0604020202020204" pitchFamily="34" charset="0"/>
+              </a:rPr>
+              <a:t>.</a:t>
+            </a:r>
+          </a:p>
+          <a:p>
+            <a:endParaRPr lang="hu-HU" b="0" i="0" dirty="0">
+              <a:solidFill>
+                <a:srgbClr val="E8EAED"/>
+              </a:solidFill>
+              <a:effectLst/>
+              <a:latin typeface="Arial" panose="020B0604020202020204" pitchFamily="34" charset="0"/>
+            </a:endParaRPr>
+          </a:p>
+          <a:p>
+            <a:r>
+              <a:rPr lang="en-US" b="0" i="0" dirty="0">
+                <a:solidFill>
+                  <a:srgbClr val="E8EAED"/>
+                </a:solidFill>
+                <a:effectLst/>
+                <a:latin typeface="Arial" panose="020B0604020202020204" pitchFamily="34" charset="0"/>
+              </a:rPr>
+              <a:t>We divided the frontend and backend tasks based on knowledge.</a:t>
+            </a:r>
+            <a:endParaRPr lang="hu-HU" b="0" i="0" dirty="0">
+              <a:solidFill>
+                <a:srgbClr val="E8EAED"/>
+              </a:solidFill>
+              <a:effectLst/>
+              <a:latin typeface="Arial" panose="020B0604020202020204" pitchFamily="34" charset="0"/>
+            </a:endParaRPr>
+          </a:p>
+        </p:txBody>
+      </p:sp>
+      <p:sp>
+        <p:nvSpPr>
+          <p:cNvPr id="4" name="Slide Number Placeholder 3"/>
+          <p:cNvSpPr>
+            <a:spLocks noGrp="1"/>
+          </p:cNvSpPr>
+          <p:nvPr>
+            <p:ph type="sldNum" sz="quarter" idx="5"/>
+          </p:nvPr>
+        </p:nvSpPr>
+        <p:spPr/>
+        <p:txBody>
+          <a:bodyPr/>
+          <a:lstStyle/>
+          <a:p>
+            <a:fld id="{ABEC351E-E5A4-4D7B-A000-61564A7BE4F6}" type="slidenum">
+              <a:rPr lang="hu-HU" noProof="0" smtClean="0"/>
+              <a:t>11</a:t>
+            </a:fld>
+            <a:endParaRPr lang="hu-HU" noProof="0"/>
+          </a:p>
+        </p:txBody>
+      </p:sp>
+    </p:spTree>
+    <p:extLst>
+      <p:ext uri="{BB962C8B-B14F-4D97-AF65-F5344CB8AC3E}">
+        <p14:creationId xmlns:p14="http://schemas.microsoft.com/office/powerpoint/2010/main" val="2857674397"/>
+      </p:ext>
+    </p:extLst>
+  </p:cSld>
+  <p:clrMapOvr>
+    <a:masterClrMapping/>
+  </p:clrMapOvr>
+</p:notes>
+</file>
+
+<file path=ppt/notesSlides/notesSlide12.xml><?xml version="1.0" encoding="utf-8"?>
+<p:notes xmlns:a="http://schemas.openxmlformats.org/drawingml/2006/main" xmlns:r="http://schemas.openxmlformats.org/officeDocument/2006/relationships" xmlns:p="http://schemas.openxmlformats.org/presentationml/2006/main">
+  <p:cSld>
+    <p:spTree>
+      <p:nvGrpSpPr>
+        <p:cNvPr id="1" name=""/>
+        <p:cNvGrpSpPr/>
+        <p:nvPr/>
+      </p:nvGrpSpPr>
+      <p:grpSpPr>
+        <a:xfrm>
+          <a:off x="0" y="0"/>
+          <a:ext cx="0" cy="0"/>
+          <a:chOff x="0" y="0"/>
+          <a:chExt cx="0" cy="0"/>
+        </a:xfrm>
+      </p:grpSpPr>
+      <p:sp>
+        <p:nvSpPr>
+          <p:cNvPr id="2" name="Slide Image Placeholder 1"/>
+          <p:cNvSpPr>
+            <a:spLocks noGrp="1" noRot="1" noChangeAspect="1"/>
+          </p:cNvSpPr>
+          <p:nvPr>
+            <p:ph type="sldImg"/>
+          </p:nvPr>
+        </p:nvSpPr>
+        <p:spPr/>
+      </p:sp>
+      <p:sp>
+        <p:nvSpPr>
+          <p:cNvPr id="3" name="Notes Placeholder 2"/>
+          <p:cNvSpPr>
+            <a:spLocks noGrp="1"/>
+          </p:cNvSpPr>
+          <p:nvPr>
+            <p:ph type="body" idx="1"/>
+          </p:nvPr>
+        </p:nvSpPr>
+        <p:spPr/>
+        <p:txBody>
+          <a:bodyPr/>
+          <a:lstStyle/>
+          <a:p>
+            <a:r>
+              <a:rPr lang="en-US" dirty="0"/>
+              <a:t>The picture shows </a:t>
+            </a:r>
+            <a:r>
+              <a:rPr lang="hu-HU" dirty="0" err="1"/>
+              <a:t>how</a:t>
+            </a:r>
+            <a:r>
+              <a:rPr lang="hu-HU" dirty="0"/>
+              <a:t> </a:t>
+            </a:r>
+            <a:r>
+              <a:rPr lang="hu-HU" dirty="0" err="1"/>
+              <a:t>we</a:t>
+            </a:r>
+            <a:r>
+              <a:rPr lang="hu-HU" dirty="0"/>
+              <a:t> </a:t>
+            </a:r>
+            <a:r>
+              <a:rPr lang="hu-HU" dirty="0" err="1"/>
+              <a:t>divided</a:t>
+            </a:r>
+            <a:r>
+              <a:rPr lang="hu-HU" dirty="0"/>
+              <a:t> </a:t>
+            </a:r>
+            <a:r>
+              <a:rPr lang="hu-HU" dirty="0" err="1"/>
+              <a:t>the</a:t>
+            </a:r>
+            <a:r>
+              <a:rPr lang="hu-HU" dirty="0"/>
+              <a:t> </a:t>
+            </a:r>
+            <a:r>
+              <a:rPr lang="hu-HU" dirty="0" err="1"/>
+              <a:t>tasks</a:t>
+            </a:r>
+            <a:r>
+              <a:rPr lang="en-US" dirty="0"/>
+              <a:t>. This was not defined at the beginning of the project, as we worked on the website, the roles developed.</a:t>
+            </a:r>
+            <a:endParaRPr lang="hu-HU" dirty="0"/>
+          </a:p>
+          <a:p>
+            <a:endParaRPr lang="hu-HU" dirty="0"/>
+          </a:p>
+          <a:p>
+            <a:r>
+              <a:rPr lang="en-US" dirty="0"/>
+              <a:t>Gergő: </a:t>
+            </a:r>
+            <a:r>
+              <a:rPr lang="hu-HU" dirty="0"/>
+              <a:t>I </a:t>
+            </a:r>
+            <a:r>
+              <a:rPr lang="hu-HU" dirty="0" err="1"/>
+              <a:t>wrote</a:t>
+            </a:r>
+            <a:r>
+              <a:rPr lang="en-US" dirty="0"/>
+              <a:t> the Axios requests for most pages, created the database tables and columns, and uploaded data when creating posts</a:t>
+            </a:r>
+            <a:endParaRPr lang="hu-HU" dirty="0"/>
+          </a:p>
+          <a:p>
+            <a:endParaRPr lang="hu-HU" dirty="0"/>
+          </a:p>
+          <a:p>
+            <a:r>
+              <a:rPr lang="en-US" dirty="0"/>
+              <a:t>János:</a:t>
+            </a:r>
+            <a:r>
+              <a:rPr lang="hu-HU" dirty="0"/>
+              <a:t> I</a:t>
+            </a:r>
+            <a:r>
+              <a:rPr lang="en-US" dirty="0"/>
+              <a:t> wrote and designed the frontend pages, and also helped with the documentation</a:t>
+            </a:r>
+            <a:endParaRPr lang="hu-HU" dirty="0"/>
+          </a:p>
+          <a:p>
+            <a:endParaRPr lang="hu-HU" dirty="0"/>
+          </a:p>
+          <a:p>
+            <a:r>
+              <a:rPr lang="en-US" dirty="0"/>
+              <a:t>Zsolt:</a:t>
+            </a:r>
+            <a:r>
+              <a:rPr lang="hu-HU" dirty="0"/>
+              <a:t> I</a:t>
+            </a:r>
+            <a:r>
+              <a:rPr lang="en-US" dirty="0"/>
+              <a:t> wrote the </a:t>
+            </a:r>
+            <a:r>
+              <a:rPr lang="en-US" dirty="0" err="1"/>
+              <a:t>jsx</a:t>
+            </a:r>
+            <a:r>
+              <a:rPr lang="en-US" dirty="0"/>
+              <a:t> code and </a:t>
+            </a:r>
+            <a:r>
+              <a:rPr lang="en-US" dirty="0" err="1"/>
+              <a:t>css</a:t>
+            </a:r>
+            <a:r>
+              <a:rPr lang="en-US" dirty="0"/>
+              <a:t> style </a:t>
+            </a:r>
+            <a:r>
+              <a:rPr lang="hu-HU" dirty="0" err="1"/>
+              <a:t>for</a:t>
+            </a:r>
+            <a:r>
+              <a:rPr lang="hu-HU" dirty="0"/>
+              <a:t> </a:t>
+            </a:r>
+            <a:r>
+              <a:rPr lang="hu-HU" dirty="0" err="1"/>
+              <a:t>the</a:t>
+            </a:r>
+            <a:r>
+              <a:rPr lang="hu-HU" dirty="0"/>
+              <a:t> </a:t>
+            </a:r>
+            <a:r>
+              <a:rPr lang="hu-HU" dirty="0" err="1"/>
+              <a:t>remaining</a:t>
+            </a:r>
+            <a:r>
+              <a:rPr lang="en-US" dirty="0"/>
+              <a:t> pages,</a:t>
+            </a:r>
+            <a:r>
+              <a:rPr lang="hu-HU" dirty="0"/>
+              <a:t> </a:t>
+            </a:r>
+            <a:r>
+              <a:rPr lang="en-US" dirty="0"/>
+              <a:t> and wrote test cases in the documentation</a:t>
+            </a:r>
+            <a:endParaRPr lang="hu-HU" dirty="0"/>
+          </a:p>
+        </p:txBody>
+      </p:sp>
+      <p:sp>
+        <p:nvSpPr>
+          <p:cNvPr id="4" name="Slide Number Placeholder 3"/>
+          <p:cNvSpPr>
+            <a:spLocks noGrp="1"/>
+          </p:cNvSpPr>
+          <p:nvPr>
+            <p:ph type="sldNum" sz="quarter" idx="5"/>
+          </p:nvPr>
+        </p:nvSpPr>
+        <p:spPr/>
+        <p:txBody>
+          <a:bodyPr/>
+          <a:lstStyle/>
+          <a:p>
+            <a:fld id="{ABEC351E-E5A4-4D7B-A000-61564A7BE4F6}" type="slidenum">
+              <a:rPr lang="hu-HU" noProof="0" smtClean="0"/>
+              <a:t>12</a:t>
+            </a:fld>
+            <a:endParaRPr lang="hu-HU" noProof="0"/>
+          </a:p>
+        </p:txBody>
+      </p:sp>
+    </p:spTree>
+    <p:extLst>
+      <p:ext uri="{BB962C8B-B14F-4D97-AF65-F5344CB8AC3E}">
+        <p14:creationId xmlns:p14="http://schemas.microsoft.com/office/powerpoint/2010/main" val="1536801901"/>
+      </p:ext>
+    </p:extLst>
+  </p:cSld>
+  <p:clrMapOvr>
+    <a:masterClrMapping/>
+  </p:clrMapOvr>
+</p:notes>
+</file>
+
+<file path=ppt/notesSlides/notesSlide13.xml><?xml version="1.0" encoding="utf-8"?>
+<p:notes xmlns:a="http://schemas.openxmlformats.org/drawingml/2006/main" xmlns:r="http://schemas.openxmlformats.org/officeDocument/2006/relationships" xmlns:p="http://schemas.openxmlformats.org/presentationml/2006/main">
+  <p:cSld>
+    <p:spTree>
+      <p:nvGrpSpPr>
+        <p:cNvPr id="1" name=""/>
+        <p:cNvGrpSpPr/>
+        <p:nvPr/>
+      </p:nvGrpSpPr>
+      <p:grpSpPr>
+        <a:xfrm>
+          <a:off x="0" y="0"/>
+          <a:ext cx="0" cy="0"/>
+          <a:chOff x="0" y="0"/>
+          <a:chExt cx="0" cy="0"/>
+        </a:xfrm>
+      </p:grpSpPr>
+      <p:sp>
+        <p:nvSpPr>
+          <p:cNvPr id="2" name="Slide Image Placeholder 1"/>
+          <p:cNvSpPr>
+            <a:spLocks noGrp="1" noRot="1" noChangeAspect="1"/>
+          </p:cNvSpPr>
+          <p:nvPr>
+            <p:ph type="sldImg"/>
+          </p:nvPr>
+        </p:nvSpPr>
+        <p:spPr/>
+      </p:sp>
+      <p:sp>
+        <p:nvSpPr>
+          <p:cNvPr id="3" name="Notes Placeholder 2"/>
+          <p:cNvSpPr>
+            <a:spLocks noGrp="1"/>
+          </p:cNvSpPr>
+          <p:nvPr>
+            <p:ph type="body" idx="1"/>
+          </p:nvPr>
+        </p:nvSpPr>
+        <p:spPr/>
+        <p:txBody>
+          <a:bodyPr/>
+          <a:lstStyle/>
+          <a:p>
+            <a:r>
+              <a:rPr lang="hu-HU" dirty="0" err="1"/>
+              <a:t>What</a:t>
+            </a:r>
+            <a:r>
+              <a:rPr lang="hu-HU" dirty="0"/>
+              <a:t> </a:t>
+            </a:r>
+            <a:r>
+              <a:rPr lang="hu-HU" dirty="0" err="1"/>
+              <a:t>are</a:t>
+            </a:r>
+            <a:r>
+              <a:rPr lang="hu-HU" dirty="0"/>
+              <a:t> </a:t>
+            </a:r>
+            <a:r>
+              <a:rPr lang="hu-HU" dirty="0" err="1"/>
+              <a:t>our</a:t>
+            </a:r>
+            <a:r>
+              <a:rPr lang="hu-HU" dirty="0"/>
+              <a:t> </a:t>
+            </a:r>
+            <a:r>
+              <a:rPr lang="hu-HU" dirty="0" err="1"/>
+              <a:t>future</a:t>
+            </a:r>
+            <a:r>
+              <a:rPr lang="hu-HU" dirty="0"/>
+              <a:t> </a:t>
+            </a:r>
+            <a:r>
+              <a:rPr lang="hu-HU" dirty="0" err="1"/>
+              <a:t>plans</a:t>
+            </a:r>
+            <a:r>
+              <a:rPr lang="hu-HU" dirty="0"/>
+              <a:t>?</a:t>
+            </a:r>
+          </a:p>
+          <a:p>
+            <a:endParaRPr lang="hu-HU" dirty="0"/>
+          </a:p>
+          <a:p>
+            <a:r>
+              <a:rPr lang="hu-HU" dirty="0"/>
+              <a:t>The </a:t>
+            </a:r>
+            <a:r>
+              <a:rPr lang="hu-HU" dirty="0" err="1"/>
+              <a:t>premium</a:t>
+            </a:r>
+            <a:r>
+              <a:rPr lang="hu-HU" dirty="0"/>
+              <a:t> </a:t>
+            </a:r>
+            <a:r>
+              <a:rPr lang="hu-HU" dirty="0" err="1"/>
+              <a:t>subscription</a:t>
+            </a:r>
+            <a:r>
+              <a:rPr lang="hu-HU" dirty="0"/>
+              <a:t> </a:t>
+            </a:r>
+            <a:r>
+              <a:rPr lang="hu-HU" dirty="0" err="1"/>
+              <a:t>will</a:t>
+            </a:r>
+            <a:r>
+              <a:rPr lang="hu-HU" dirty="0"/>
+              <a:t> </a:t>
+            </a:r>
+            <a:r>
+              <a:rPr lang="hu-HU" dirty="0" err="1"/>
+              <a:t>allow</a:t>
+            </a:r>
+            <a:r>
+              <a:rPr lang="hu-HU" dirty="0"/>
+              <a:t> </a:t>
+            </a:r>
+            <a:r>
+              <a:rPr lang="hu-HU" dirty="0" err="1"/>
+              <a:t>the</a:t>
+            </a:r>
+            <a:r>
+              <a:rPr lang="hu-HU" dirty="0"/>
+              <a:t> </a:t>
+            </a:r>
+            <a:r>
+              <a:rPr lang="hu-HU" dirty="0" err="1"/>
+              <a:t>user</a:t>
+            </a:r>
+            <a:r>
+              <a:rPr lang="hu-HU" dirty="0"/>
+              <a:t> </a:t>
+            </a:r>
+            <a:r>
+              <a:rPr lang="hu-HU" dirty="0" err="1"/>
+              <a:t>to</a:t>
+            </a:r>
+            <a:r>
+              <a:rPr lang="hu-HU" dirty="0"/>
+              <a:t> </a:t>
+            </a:r>
+            <a:r>
+              <a:rPr lang="hu-HU" dirty="0" err="1"/>
+              <a:t>upload</a:t>
+            </a:r>
+            <a:r>
+              <a:rPr lang="hu-HU" dirty="0"/>
+              <a:t> more </a:t>
+            </a:r>
+            <a:r>
+              <a:rPr lang="hu-HU" dirty="0" err="1"/>
+              <a:t>posts</a:t>
+            </a:r>
+            <a:r>
+              <a:rPr lang="hu-HU" dirty="0"/>
+              <a:t>, </a:t>
+            </a:r>
+            <a:r>
+              <a:rPr lang="hu-HU" dirty="0" err="1"/>
+              <a:t>upload</a:t>
+            </a:r>
+            <a:r>
+              <a:rPr lang="hu-HU" dirty="0"/>
+              <a:t> more </a:t>
+            </a:r>
+            <a:r>
+              <a:rPr lang="hu-HU" dirty="0" err="1"/>
+              <a:t>pictures</a:t>
+            </a:r>
+            <a:r>
+              <a:rPr lang="hu-HU" dirty="0"/>
+              <a:t> </a:t>
+            </a:r>
+            <a:r>
+              <a:rPr lang="hu-HU" dirty="0" err="1"/>
+              <a:t>to</a:t>
+            </a:r>
+            <a:r>
+              <a:rPr lang="hu-HU" dirty="0"/>
+              <a:t> a post, and </a:t>
+            </a:r>
+            <a:r>
+              <a:rPr lang="hu-HU" dirty="0" err="1"/>
+              <a:t>highlight</a:t>
+            </a:r>
+            <a:r>
+              <a:rPr lang="hu-HU" dirty="0"/>
+              <a:t> </a:t>
+            </a:r>
+            <a:r>
+              <a:rPr lang="en-US" b="0" i="0" dirty="0">
+                <a:solidFill>
+                  <a:srgbClr val="E8EAED"/>
+                </a:solidFill>
+                <a:effectLst/>
+                <a:latin typeface="Arial" panose="020B0604020202020204" pitchFamily="34" charset="0"/>
+              </a:rPr>
+              <a:t>your post </a:t>
+            </a:r>
+            <a:r>
+              <a:rPr lang="hu-HU" b="0" i="0" dirty="0" err="1">
+                <a:solidFill>
+                  <a:srgbClr val="E8EAED"/>
+                </a:solidFill>
+                <a:effectLst/>
+                <a:latin typeface="Arial" panose="020B0604020202020204" pitchFamily="34" charset="0"/>
+              </a:rPr>
+              <a:t>to</a:t>
+            </a:r>
+            <a:r>
+              <a:rPr lang="hu-HU" b="0" i="0" dirty="0">
+                <a:solidFill>
+                  <a:srgbClr val="E8EAED"/>
+                </a:solidFill>
+                <a:effectLst/>
+                <a:latin typeface="Arial" panose="020B0604020202020204" pitchFamily="34" charset="0"/>
+              </a:rPr>
+              <a:t> </a:t>
+            </a:r>
+            <a:r>
+              <a:rPr lang="en-US" b="0" i="0" dirty="0">
+                <a:solidFill>
+                  <a:srgbClr val="E8EAED"/>
+                </a:solidFill>
+                <a:effectLst/>
+                <a:latin typeface="Arial" panose="020B0604020202020204" pitchFamily="34" charset="0"/>
+              </a:rPr>
+              <a:t>stand out from others' posts</a:t>
+            </a:r>
+            <a:r>
+              <a:rPr lang="hu-HU" b="0" i="0" dirty="0">
+                <a:solidFill>
+                  <a:srgbClr val="E8EAED"/>
+                </a:solidFill>
+                <a:effectLst/>
+                <a:latin typeface="Arial" panose="020B0604020202020204" pitchFamily="34" charset="0"/>
+              </a:rPr>
+              <a:t>.</a:t>
+            </a:r>
+          </a:p>
+          <a:p>
+            <a:endParaRPr lang="hu-HU" b="0" i="0" dirty="0">
+              <a:solidFill>
+                <a:srgbClr val="E8EAED"/>
+              </a:solidFill>
+              <a:effectLst/>
+              <a:latin typeface="Arial" panose="020B0604020202020204" pitchFamily="34" charset="0"/>
+            </a:endParaRPr>
+          </a:p>
+          <a:p>
+            <a:r>
+              <a:rPr lang="hu-HU" b="0" i="0" dirty="0" err="1">
+                <a:solidFill>
+                  <a:srgbClr val="E8EAED"/>
+                </a:solidFill>
+                <a:effectLst/>
+                <a:latin typeface="Arial" panose="020B0604020202020204" pitchFamily="34" charset="0"/>
+              </a:rPr>
+              <a:t>Although</a:t>
+            </a:r>
+            <a:r>
+              <a:rPr lang="hu-HU" b="0" i="0" dirty="0">
+                <a:solidFill>
+                  <a:srgbClr val="E8EAED"/>
+                </a:solidFill>
+                <a:effectLst/>
+                <a:latin typeface="Arial" panose="020B0604020202020204" pitchFamily="34" charset="0"/>
+              </a:rPr>
+              <a:t> </a:t>
+            </a:r>
+            <a:r>
+              <a:rPr lang="hu-HU" b="0" i="0" dirty="0" err="1">
+                <a:solidFill>
+                  <a:srgbClr val="E8EAED"/>
+                </a:solidFill>
+                <a:effectLst/>
+                <a:latin typeface="Arial" panose="020B0604020202020204" pitchFamily="34" charset="0"/>
+              </a:rPr>
+              <a:t>our</a:t>
+            </a:r>
+            <a:r>
+              <a:rPr lang="hu-HU" b="0" i="0" dirty="0">
+                <a:solidFill>
+                  <a:srgbClr val="E8EAED"/>
+                </a:solidFill>
+                <a:effectLst/>
+                <a:latin typeface="Arial" panose="020B0604020202020204" pitchFamily="34" charset="0"/>
+              </a:rPr>
+              <a:t> website is </a:t>
+            </a:r>
+            <a:r>
+              <a:rPr lang="hu-HU" b="0" i="0" dirty="0" err="1">
+                <a:solidFill>
+                  <a:srgbClr val="E8EAED"/>
+                </a:solidFill>
+                <a:effectLst/>
+                <a:latin typeface="Arial" panose="020B0604020202020204" pitchFamily="34" charset="0"/>
+              </a:rPr>
+              <a:t>fully</a:t>
+            </a:r>
+            <a:r>
+              <a:rPr lang="hu-HU" b="0" i="0" dirty="0">
+                <a:solidFill>
+                  <a:srgbClr val="E8EAED"/>
+                </a:solidFill>
+                <a:effectLst/>
+                <a:latin typeface="Arial" panose="020B0604020202020204" pitchFamily="34" charset="0"/>
+              </a:rPr>
+              <a:t> </a:t>
+            </a:r>
+            <a:r>
+              <a:rPr lang="hu-HU" b="0" i="0" dirty="0" err="1">
+                <a:solidFill>
+                  <a:srgbClr val="E8EAED"/>
+                </a:solidFill>
+                <a:effectLst/>
+                <a:latin typeface="Arial" panose="020B0604020202020204" pitchFamily="34" charset="0"/>
+              </a:rPr>
+              <a:t>responsive</a:t>
+            </a:r>
+            <a:r>
+              <a:rPr lang="hu-HU" b="0" i="0" dirty="0">
+                <a:solidFill>
+                  <a:srgbClr val="E8EAED"/>
+                </a:solidFill>
+                <a:effectLst/>
+                <a:latin typeface="Arial" panose="020B0604020202020204" pitchFamily="34" charset="0"/>
+              </a:rPr>
+              <a:t>, </a:t>
+            </a:r>
+            <a:r>
+              <a:rPr lang="hu-HU" b="0" i="0" dirty="0" err="1">
+                <a:solidFill>
+                  <a:srgbClr val="E8EAED"/>
+                </a:solidFill>
+                <a:effectLst/>
+                <a:latin typeface="Arial" panose="020B0604020202020204" pitchFamily="34" charset="0"/>
+              </a:rPr>
+              <a:t>we</a:t>
+            </a:r>
+            <a:r>
+              <a:rPr lang="hu-HU" b="0" i="0" dirty="0">
+                <a:solidFill>
+                  <a:srgbClr val="E8EAED"/>
+                </a:solidFill>
+                <a:effectLst/>
+                <a:latin typeface="Arial" panose="020B0604020202020204" pitchFamily="34" charset="0"/>
+              </a:rPr>
+              <a:t> </a:t>
+            </a:r>
+            <a:r>
+              <a:rPr lang="hu-HU" b="0" i="0" dirty="0" err="1">
+                <a:solidFill>
+                  <a:srgbClr val="E8EAED"/>
+                </a:solidFill>
+                <a:effectLst/>
+                <a:latin typeface="Arial" panose="020B0604020202020204" pitchFamily="34" charset="0"/>
+              </a:rPr>
+              <a:t>would</a:t>
+            </a:r>
+            <a:r>
+              <a:rPr lang="hu-HU" b="0" i="0" dirty="0">
+                <a:solidFill>
+                  <a:srgbClr val="E8EAED"/>
+                </a:solidFill>
+                <a:effectLst/>
+                <a:latin typeface="Arial" panose="020B0604020202020204" pitchFamily="34" charset="0"/>
+              </a:rPr>
+              <a:t> </a:t>
+            </a:r>
+            <a:r>
+              <a:rPr lang="hu-HU" b="0" i="0" dirty="0" err="1">
+                <a:solidFill>
+                  <a:srgbClr val="E8EAED"/>
+                </a:solidFill>
+                <a:effectLst/>
+                <a:latin typeface="Arial" panose="020B0604020202020204" pitchFamily="34" charset="0"/>
+              </a:rPr>
+              <a:t>also</a:t>
+            </a:r>
+            <a:r>
+              <a:rPr lang="hu-HU" b="0" i="0" dirty="0">
+                <a:solidFill>
+                  <a:srgbClr val="E8EAED"/>
+                </a:solidFill>
+                <a:effectLst/>
+                <a:latin typeface="Arial" panose="020B0604020202020204" pitchFamily="34" charset="0"/>
+              </a:rPr>
+              <a:t> like </a:t>
+            </a:r>
+            <a:r>
+              <a:rPr lang="hu-HU" b="0" i="0" dirty="0" err="1">
+                <a:solidFill>
+                  <a:srgbClr val="E8EAED"/>
+                </a:solidFill>
+                <a:effectLst/>
+                <a:latin typeface="Arial" panose="020B0604020202020204" pitchFamily="34" charset="0"/>
+              </a:rPr>
+              <a:t>to</a:t>
+            </a:r>
+            <a:r>
+              <a:rPr lang="hu-HU" b="0" i="0" dirty="0">
+                <a:solidFill>
+                  <a:srgbClr val="E8EAED"/>
+                </a:solidFill>
+                <a:effectLst/>
+                <a:latin typeface="Arial" panose="020B0604020202020204" pitchFamily="34" charset="0"/>
+              </a:rPr>
+              <a:t> </a:t>
+            </a:r>
+            <a:r>
+              <a:rPr lang="hu-HU" b="0" i="0" dirty="0" err="1">
+                <a:solidFill>
+                  <a:srgbClr val="E8EAED"/>
+                </a:solidFill>
+                <a:effectLst/>
+                <a:latin typeface="Arial" panose="020B0604020202020204" pitchFamily="34" charset="0"/>
+              </a:rPr>
+              <a:t>make</a:t>
+            </a:r>
+            <a:r>
+              <a:rPr lang="hu-HU" b="0" i="0" dirty="0">
+                <a:solidFill>
+                  <a:srgbClr val="E8EAED"/>
+                </a:solidFill>
+                <a:effectLst/>
+                <a:latin typeface="Arial" panose="020B0604020202020204" pitchFamily="34" charset="0"/>
+              </a:rPr>
+              <a:t> </a:t>
+            </a:r>
+            <a:r>
+              <a:rPr lang="hu-HU" b="0" i="0" dirty="0" err="1">
+                <a:solidFill>
+                  <a:srgbClr val="E8EAED"/>
+                </a:solidFill>
+                <a:effectLst/>
+                <a:latin typeface="Arial" panose="020B0604020202020204" pitchFamily="34" charset="0"/>
+              </a:rPr>
+              <a:t>it</a:t>
+            </a:r>
+            <a:r>
+              <a:rPr lang="hu-HU" b="0" i="0" dirty="0">
+                <a:solidFill>
+                  <a:srgbClr val="E8EAED"/>
+                </a:solidFill>
+                <a:effectLst/>
+                <a:latin typeface="Arial" panose="020B0604020202020204" pitchFamily="34" charset="0"/>
+              </a:rPr>
+              <a:t> a mobile </a:t>
+            </a:r>
+            <a:r>
+              <a:rPr lang="hu-HU" b="0" i="0" dirty="0" err="1">
+                <a:solidFill>
+                  <a:srgbClr val="E8EAED"/>
+                </a:solidFill>
+                <a:effectLst/>
+                <a:latin typeface="Arial" panose="020B0604020202020204" pitchFamily="34" charset="0"/>
+              </a:rPr>
+              <a:t>application</a:t>
+            </a:r>
+            <a:endParaRPr lang="hu-HU" b="0" i="0" dirty="0">
+              <a:solidFill>
+                <a:srgbClr val="E8EAED"/>
+              </a:solidFill>
+              <a:effectLst/>
+              <a:latin typeface="Arial" panose="020B0604020202020204" pitchFamily="34" charset="0"/>
+            </a:endParaRPr>
+          </a:p>
+          <a:p>
+            <a:endParaRPr lang="hu-HU" b="0" i="0" dirty="0">
+              <a:solidFill>
+                <a:srgbClr val="E8EAED"/>
+              </a:solidFill>
+              <a:effectLst/>
+              <a:latin typeface="Arial" panose="020B0604020202020204" pitchFamily="34" charset="0"/>
+            </a:endParaRPr>
+          </a:p>
+          <a:p>
+            <a:r>
+              <a:rPr lang="hu-HU" b="0" i="0" dirty="0" err="1">
+                <a:solidFill>
+                  <a:srgbClr val="E8EAED"/>
+                </a:solidFill>
+                <a:effectLst/>
+                <a:latin typeface="Arial" panose="020B0604020202020204" pitchFamily="34" charset="0"/>
+              </a:rPr>
+              <a:t>We</a:t>
+            </a:r>
+            <a:r>
+              <a:rPr lang="hu-HU" b="0" i="0" dirty="0">
+                <a:solidFill>
+                  <a:srgbClr val="E8EAED"/>
+                </a:solidFill>
+                <a:effectLst/>
+                <a:latin typeface="Arial" panose="020B0604020202020204" pitchFamily="34" charset="0"/>
+              </a:rPr>
+              <a:t> </a:t>
+            </a:r>
+            <a:r>
+              <a:rPr lang="hu-HU" b="0" i="0" dirty="0" err="1">
+                <a:solidFill>
+                  <a:srgbClr val="E8EAED"/>
+                </a:solidFill>
+                <a:effectLst/>
+                <a:latin typeface="Arial" panose="020B0604020202020204" pitchFamily="34" charset="0"/>
+              </a:rPr>
+              <a:t>also</a:t>
+            </a:r>
+            <a:r>
+              <a:rPr lang="hu-HU" b="0" i="0" dirty="0">
+                <a:solidFill>
+                  <a:srgbClr val="E8EAED"/>
+                </a:solidFill>
+                <a:effectLst/>
+                <a:latin typeface="Arial" panose="020B0604020202020204" pitchFamily="34" charset="0"/>
+              </a:rPr>
+              <a:t> </a:t>
+            </a:r>
+            <a:r>
+              <a:rPr lang="hu-HU" b="0" i="0" dirty="0" err="1">
+                <a:solidFill>
+                  <a:srgbClr val="E8EAED"/>
+                </a:solidFill>
+                <a:effectLst/>
+                <a:latin typeface="Arial" panose="020B0604020202020204" pitchFamily="34" charset="0"/>
+              </a:rPr>
+              <a:t>plan</a:t>
+            </a:r>
+            <a:r>
+              <a:rPr lang="hu-HU" b="0" i="0" dirty="0">
+                <a:solidFill>
+                  <a:srgbClr val="E8EAED"/>
+                </a:solidFill>
+                <a:effectLst/>
+                <a:latin typeface="Arial" panose="020B0604020202020204" pitchFamily="34" charset="0"/>
+              </a:rPr>
+              <a:t> </a:t>
+            </a:r>
+            <a:r>
+              <a:rPr lang="hu-HU" b="0" i="0" dirty="0" err="1">
+                <a:solidFill>
+                  <a:srgbClr val="E8EAED"/>
+                </a:solidFill>
+                <a:effectLst/>
+                <a:latin typeface="Arial" panose="020B0604020202020204" pitchFamily="34" charset="0"/>
+              </a:rPr>
+              <a:t>on</a:t>
+            </a:r>
+            <a:r>
+              <a:rPr lang="hu-HU" b="0" i="0" dirty="0">
+                <a:solidFill>
+                  <a:srgbClr val="E8EAED"/>
+                </a:solidFill>
+                <a:effectLst/>
+                <a:latin typeface="Arial" panose="020B0604020202020204" pitchFamily="34" charset="0"/>
+              </a:rPr>
+              <a:t> </a:t>
+            </a:r>
+            <a:r>
+              <a:rPr lang="hu-HU" b="0" i="0" dirty="0" err="1">
+                <a:solidFill>
+                  <a:srgbClr val="E8EAED"/>
+                </a:solidFill>
+                <a:effectLst/>
+                <a:latin typeface="Arial" panose="020B0604020202020204" pitchFamily="34" charset="0"/>
+              </a:rPr>
+              <a:t>making</a:t>
+            </a:r>
+            <a:r>
+              <a:rPr lang="hu-HU" b="0" i="0" dirty="0">
+                <a:solidFill>
+                  <a:srgbClr val="E8EAED"/>
+                </a:solidFill>
+                <a:effectLst/>
+                <a:latin typeface="Arial" panose="020B0604020202020204" pitchFamily="34" charset="0"/>
+              </a:rPr>
+              <a:t> </a:t>
+            </a:r>
+            <a:r>
+              <a:rPr lang="hu-HU" b="0" i="0" dirty="0" err="1">
+                <a:solidFill>
+                  <a:srgbClr val="E8EAED"/>
+                </a:solidFill>
+                <a:effectLst/>
+                <a:latin typeface="Arial" panose="020B0604020202020204" pitchFamily="34" charset="0"/>
+              </a:rPr>
+              <a:t>the</a:t>
+            </a:r>
+            <a:r>
+              <a:rPr lang="hu-HU" b="0" i="0" dirty="0">
+                <a:solidFill>
+                  <a:srgbClr val="E8EAED"/>
+                </a:solidFill>
+                <a:effectLst/>
+                <a:latin typeface="Arial" panose="020B0604020202020204" pitchFamily="34" charset="0"/>
+              </a:rPr>
+              <a:t> website more </a:t>
+            </a:r>
+            <a:r>
+              <a:rPr lang="hu-HU" b="0" i="0" dirty="0" err="1">
+                <a:solidFill>
+                  <a:srgbClr val="E8EAED"/>
+                </a:solidFill>
+                <a:effectLst/>
+                <a:latin typeface="Arial" panose="020B0604020202020204" pitchFamily="34" charset="0"/>
+              </a:rPr>
+              <a:t>user</a:t>
+            </a:r>
+            <a:r>
+              <a:rPr lang="hu-HU" b="0" i="0" dirty="0">
+                <a:solidFill>
+                  <a:srgbClr val="E8EAED"/>
+                </a:solidFill>
+                <a:effectLst/>
+                <a:latin typeface="Arial" panose="020B0604020202020204" pitchFamily="34" charset="0"/>
+              </a:rPr>
+              <a:t> </a:t>
+            </a:r>
+            <a:r>
+              <a:rPr lang="hu-HU" b="0" i="0" dirty="0" err="1">
+                <a:solidFill>
+                  <a:srgbClr val="E8EAED"/>
+                </a:solidFill>
+                <a:effectLst/>
+                <a:latin typeface="Arial" panose="020B0604020202020204" pitchFamily="34" charset="0"/>
+              </a:rPr>
+              <a:t>friendly</a:t>
+            </a:r>
+            <a:r>
+              <a:rPr lang="hu-HU" b="0" i="0" dirty="0">
+                <a:solidFill>
+                  <a:srgbClr val="E8EAED"/>
+                </a:solidFill>
+                <a:effectLst/>
+                <a:latin typeface="Arial" panose="020B0604020202020204" pitchFamily="34" charset="0"/>
+              </a:rPr>
+              <a:t> and </a:t>
+            </a:r>
+            <a:r>
+              <a:rPr lang="hu-HU" b="0" i="0" dirty="0" err="1">
+                <a:solidFill>
+                  <a:srgbClr val="E8EAED"/>
+                </a:solidFill>
+                <a:effectLst/>
+                <a:latin typeface="Arial" panose="020B0604020202020204" pitchFamily="34" charset="0"/>
+              </a:rPr>
+              <a:t>create</a:t>
+            </a:r>
+            <a:r>
+              <a:rPr lang="hu-HU" b="0" i="0" dirty="0">
+                <a:solidFill>
+                  <a:srgbClr val="E8EAED"/>
+                </a:solidFill>
+                <a:effectLst/>
+                <a:latin typeface="Arial" panose="020B0604020202020204" pitchFamily="34" charset="0"/>
+              </a:rPr>
+              <a:t> a </a:t>
+            </a:r>
+            <a:r>
+              <a:rPr lang="hu-HU" b="0" i="0" dirty="0" err="1">
+                <a:solidFill>
+                  <a:srgbClr val="E8EAED"/>
+                </a:solidFill>
+                <a:effectLst/>
+                <a:latin typeface="Arial" panose="020B0604020202020204" pitchFamily="34" charset="0"/>
+              </a:rPr>
+              <a:t>positive</a:t>
+            </a:r>
+            <a:r>
+              <a:rPr lang="hu-HU" b="0" i="0" dirty="0">
+                <a:solidFill>
+                  <a:srgbClr val="E8EAED"/>
+                </a:solidFill>
+                <a:effectLst/>
+                <a:latin typeface="Arial" panose="020B0604020202020204" pitchFamily="34" charset="0"/>
+              </a:rPr>
+              <a:t> </a:t>
+            </a:r>
+            <a:r>
+              <a:rPr lang="hu-HU" b="0" i="0" dirty="0" err="1">
+                <a:solidFill>
+                  <a:srgbClr val="E8EAED"/>
+                </a:solidFill>
+                <a:effectLst/>
+                <a:latin typeface="Arial" panose="020B0604020202020204" pitchFamily="34" charset="0"/>
+              </a:rPr>
+              <a:t>experience</a:t>
+            </a:r>
+            <a:r>
+              <a:rPr lang="hu-HU" b="0" i="0" dirty="0">
+                <a:solidFill>
+                  <a:srgbClr val="E8EAED"/>
+                </a:solidFill>
+                <a:effectLst/>
+                <a:latin typeface="Arial" panose="020B0604020202020204" pitchFamily="34" charset="0"/>
+              </a:rPr>
+              <a:t> </a:t>
+            </a:r>
+            <a:r>
+              <a:rPr lang="hu-HU" b="0" i="0" dirty="0" err="1">
+                <a:solidFill>
+                  <a:srgbClr val="E8EAED"/>
+                </a:solidFill>
+                <a:effectLst/>
+                <a:latin typeface="Arial" panose="020B0604020202020204" pitchFamily="34" charset="0"/>
+              </a:rPr>
+              <a:t>for</a:t>
+            </a:r>
+            <a:r>
+              <a:rPr lang="hu-HU" b="0" i="0" dirty="0">
+                <a:solidFill>
+                  <a:srgbClr val="E8EAED"/>
+                </a:solidFill>
+                <a:effectLst/>
+                <a:latin typeface="Arial" panose="020B0604020202020204" pitchFamily="34" charset="0"/>
+              </a:rPr>
+              <a:t> </a:t>
+            </a:r>
+            <a:r>
+              <a:rPr lang="hu-HU" b="0" i="0" dirty="0" err="1">
+                <a:solidFill>
+                  <a:srgbClr val="E8EAED"/>
+                </a:solidFill>
+                <a:effectLst/>
+                <a:latin typeface="Arial" panose="020B0604020202020204" pitchFamily="34" charset="0"/>
+              </a:rPr>
+              <a:t>any</a:t>
+            </a:r>
+            <a:r>
+              <a:rPr lang="hu-HU" b="0" i="0" dirty="0">
+                <a:solidFill>
+                  <a:srgbClr val="E8EAED"/>
+                </a:solidFill>
+                <a:effectLst/>
+                <a:latin typeface="Arial" panose="020B0604020202020204" pitchFamily="34" charset="0"/>
+              </a:rPr>
+              <a:t> </a:t>
+            </a:r>
+            <a:r>
+              <a:rPr lang="hu-HU" b="0" i="0" dirty="0" err="1">
+                <a:solidFill>
+                  <a:srgbClr val="E8EAED"/>
+                </a:solidFill>
+                <a:effectLst/>
+                <a:latin typeface="Arial" panose="020B0604020202020204" pitchFamily="34" charset="0"/>
+              </a:rPr>
+              <a:t>user</a:t>
+            </a:r>
+            <a:endParaRPr lang="hu-HU" dirty="0"/>
+          </a:p>
+        </p:txBody>
+      </p:sp>
+      <p:sp>
+        <p:nvSpPr>
+          <p:cNvPr id="4" name="Slide Number Placeholder 3"/>
+          <p:cNvSpPr>
+            <a:spLocks noGrp="1"/>
+          </p:cNvSpPr>
+          <p:nvPr>
+            <p:ph type="sldNum" sz="quarter" idx="5"/>
+          </p:nvPr>
+        </p:nvSpPr>
+        <p:spPr/>
+        <p:txBody>
+          <a:bodyPr/>
+          <a:lstStyle/>
+          <a:p>
+            <a:fld id="{ABEC351E-E5A4-4D7B-A000-61564A7BE4F6}" type="slidenum">
+              <a:rPr lang="hu-HU" noProof="0" smtClean="0"/>
+              <a:t>13</a:t>
+            </a:fld>
+            <a:endParaRPr lang="hu-HU" noProof="0"/>
+          </a:p>
+        </p:txBody>
+      </p:sp>
+    </p:spTree>
+    <p:extLst>
+      <p:ext uri="{BB962C8B-B14F-4D97-AF65-F5344CB8AC3E}">
+        <p14:creationId xmlns:p14="http://schemas.microsoft.com/office/powerpoint/2010/main" val="2091938329"/>
+      </p:ext>
+    </p:extLst>
+  </p:cSld>
+  <p:clrMapOvr>
+    <a:masterClrMapping/>
+  </p:clrMapOvr>
+</p:notes>
+</file>
+
+<file path=ppt/notesSlides/notesSlide14.xml><?xml version="1.0" encoding="utf-8"?>
+<p:notes xmlns:a="http://schemas.openxmlformats.org/drawingml/2006/main" xmlns:r="http://schemas.openxmlformats.org/officeDocument/2006/relationships" xmlns:p="http://schemas.openxmlformats.org/presentationml/2006/main">
+  <p:cSld>
+    <p:spTree>
+      <p:nvGrpSpPr>
+        <p:cNvPr id="1" name=""/>
+        <p:cNvGrpSpPr/>
+        <p:nvPr/>
+      </p:nvGrpSpPr>
+      <p:grpSpPr>
+        <a:xfrm>
+          <a:off x="0" y="0"/>
+          <a:ext cx="0" cy="0"/>
+          <a:chOff x="0" y="0"/>
+          <a:chExt cx="0" cy="0"/>
+        </a:xfrm>
+      </p:grpSpPr>
+      <p:sp>
+        <p:nvSpPr>
+          <p:cNvPr id="2" name="Slide Image Placeholder 1"/>
+          <p:cNvSpPr>
+            <a:spLocks noGrp="1" noRot="1" noChangeAspect="1"/>
+          </p:cNvSpPr>
+          <p:nvPr>
+            <p:ph type="sldImg"/>
+          </p:nvPr>
+        </p:nvSpPr>
+        <p:spPr/>
+      </p:sp>
+      <p:sp>
+        <p:nvSpPr>
+          <p:cNvPr id="3" name="Notes Placeholder 2"/>
+          <p:cNvSpPr>
+            <a:spLocks noGrp="1"/>
+          </p:cNvSpPr>
+          <p:nvPr>
+            <p:ph type="body" idx="1"/>
+          </p:nvPr>
+        </p:nvSpPr>
+        <p:spPr/>
+        <p:txBody>
+          <a:bodyPr/>
+          <a:lstStyle/>
+          <a:p>
+            <a:r>
+              <a:rPr lang="hu-HU" dirty="0"/>
+              <a:t>Most a weboldal bemutatása következik</a:t>
+            </a:r>
+          </a:p>
+        </p:txBody>
+      </p:sp>
+      <p:sp>
+        <p:nvSpPr>
+          <p:cNvPr id="4" name="Slide Number Placeholder 3"/>
+          <p:cNvSpPr>
+            <a:spLocks noGrp="1"/>
+          </p:cNvSpPr>
+          <p:nvPr>
+            <p:ph type="sldNum" sz="quarter" idx="5"/>
+          </p:nvPr>
+        </p:nvSpPr>
+        <p:spPr/>
+        <p:txBody>
+          <a:bodyPr/>
+          <a:lstStyle/>
+          <a:p>
+            <a:fld id="{ABEC351E-E5A4-4D7B-A000-61564A7BE4F6}" type="slidenum">
+              <a:rPr lang="hu-HU" noProof="0" smtClean="0"/>
+              <a:t>14</a:t>
+            </a:fld>
+            <a:endParaRPr lang="hu-HU" noProof="0"/>
+          </a:p>
+        </p:txBody>
+      </p:sp>
+    </p:spTree>
+    <p:extLst>
+      <p:ext uri="{BB962C8B-B14F-4D97-AF65-F5344CB8AC3E}">
+        <p14:creationId xmlns:p14="http://schemas.microsoft.com/office/powerpoint/2010/main" val="1009435577"/>
+      </p:ext>
+    </p:extLst>
+  </p:cSld>
+  <p:clrMapOvr>
+    <a:masterClrMapping/>
+  </p:clrMapOvr>
+</p:notes>
+</file>
+
+<file path=ppt/notesSlides/notesSlide15.xml><?xml version="1.0" encoding="utf-8"?>
+<p:notes xmlns:a="http://schemas.openxmlformats.org/drawingml/2006/main" xmlns:r="http://schemas.openxmlformats.org/officeDocument/2006/relationships" xmlns:p="http://schemas.openxmlformats.org/presentationml/2006/main">
+  <p:cSld>
+    <p:spTree>
+      <p:nvGrpSpPr>
+        <p:cNvPr id="1" name=""/>
+        <p:cNvGrpSpPr/>
+        <p:nvPr/>
+      </p:nvGrpSpPr>
+      <p:grpSpPr>
+        <a:xfrm>
+          <a:off x="0" y="0"/>
+          <a:ext cx="0" cy="0"/>
+          <a:chOff x="0" y="0"/>
+          <a:chExt cx="0" cy="0"/>
+        </a:xfrm>
+      </p:grpSpPr>
+      <p:sp>
+        <p:nvSpPr>
+          <p:cNvPr id="2" name="Diakép helye 1"/>
+          <p:cNvSpPr>
+            <a:spLocks noGrp="1" noRot="1" noChangeAspect="1"/>
+          </p:cNvSpPr>
+          <p:nvPr>
+            <p:ph type="sldImg"/>
+          </p:nvPr>
+        </p:nvSpPr>
+        <p:spPr/>
+      </p:sp>
+      <p:sp>
+        <p:nvSpPr>
+          <p:cNvPr id="3" name="Jegyzetek helye 2"/>
+          <p:cNvSpPr>
+            <a:spLocks noGrp="1"/>
+          </p:cNvSpPr>
+          <p:nvPr>
+            <p:ph type="body" idx="1"/>
+          </p:nvPr>
+        </p:nvSpPr>
+        <p:spPr/>
+        <p:txBody>
+          <a:bodyPr/>
+          <a:lstStyle/>
+          <a:p>
+            <a:endParaRPr lang="hu-HU"/>
+          </a:p>
+        </p:txBody>
+      </p:sp>
+      <p:sp>
+        <p:nvSpPr>
+          <p:cNvPr id="4" name="Dia számának helye 3"/>
+          <p:cNvSpPr>
+            <a:spLocks noGrp="1"/>
+          </p:cNvSpPr>
+          <p:nvPr>
+            <p:ph type="sldNum" sz="quarter" idx="5"/>
+          </p:nvPr>
+        </p:nvSpPr>
+        <p:spPr/>
+        <p:txBody>
+          <a:bodyPr/>
+          <a:lstStyle/>
+          <a:p>
+            <a:fld id="{ABEC351E-E5A4-4D7B-A000-61564A7BE4F6}" type="slidenum">
+              <a:rPr lang="hu-HU" noProof="0" smtClean="0"/>
+              <a:t>15</a:t>
             </a:fld>
             <a:endParaRPr lang="hu-HU" noProof="0"/>
           </a:p>
@@ -4054,7 +5550,7 @@
                 <a:effectLst/>
                 <a:latin typeface="Segoe UI" panose="020B0502040204020203" pitchFamily="34" charset="0"/>
               </a:rPr>
-              <a:t>Az S.O.S. munka egy gyors, egyszerű szakmunkás hirdető és kereső weboldal. A weboldal célja a munkavállaló gyors megtalálása és kapcsolatteremtése</a:t>
+              <a:t>Az S.O.S. munka egy gyors, egyszerű szakmunkás hirdető és kereső weboldal. A weboldal célja a munkavállaló gyors megtalálása és kapcsolatteremtése.</a:t>
             </a:r>
           </a:p>
           <a:p>
@@ -4307,7 +5803,119 @@
                 <a:effectLst/>
                 <a:latin typeface="Arial" panose="020B0604020202020204" pitchFamily="34" charset="0"/>
               </a:rPr>
-              <a:t> keretrendszert </a:t>
+              <a:t> keretrendszert használtunk</a:t>
+            </a:r>
+          </a:p>
+          <a:p>
+            <a:pPr marL="0" marR="0" lvl="0" indent="0" algn="l" defTabSz="914400" rtl="0" eaLnBrk="1" fontAlgn="auto" latinLnBrk="0" hangingPunct="1">
+              <a:lnSpc>
+                <a:spcPct val="100000"/>
+              </a:lnSpc>
+              <a:spcBef>
+                <a:spcPts val="0"/>
+              </a:spcBef>
+              <a:spcAft>
+                <a:spcPts val="0"/>
+              </a:spcAft>
+              <a:buClrTx/>
+              <a:buSzTx/>
+              <a:buFontTx/>
+              <a:buNone/>
+              <a:tabLst/>
+              <a:defRPr/>
+            </a:pPr>
+            <a:endParaRPr lang="hu-HU" sz="1800" dirty="0">
+              <a:effectLst/>
+              <a:latin typeface="Arial" panose="020B0604020202020204" pitchFamily="34" charset="0"/>
+            </a:endParaRPr>
+          </a:p>
+          <a:p>
+            <a:pPr marL="0" marR="0" lvl="0" indent="0" algn="l" defTabSz="914400" rtl="0" eaLnBrk="1" fontAlgn="auto" latinLnBrk="0" hangingPunct="1">
+              <a:lnSpc>
+                <a:spcPct val="100000"/>
+              </a:lnSpc>
+              <a:spcBef>
+                <a:spcPts val="0"/>
+              </a:spcBef>
+              <a:spcAft>
+                <a:spcPts val="0"/>
+              </a:spcAft>
+              <a:buClrTx/>
+              <a:buSzTx/>
+              <a:buFontTx/>
+              <a:buNone/>
+              <a:tabLst/>
+              <a:defRPr/>
+            </a:pPr>
+            <a:r>
+              <a:rPr lang="hu-HU" sz="1800" dirty="0">
+                <a:effectLst/>
+                <a:latin typeface="Arial" panose="020B0604020202020204" pitchFamily="34" charset="0"/>
+              </a:rPr>
+              <a:t>A frontendhez </a:t>
+            </a:r>
+            <a:r>
+              <a:rPr lang="hu-HU" sz="1800" dirty="0" err="1">
+                <a:effectLst/>
+                <a:latin typeface="Arial" panose="020B0604020202020204" pitchFamily="34" charset="0"/>
+              </a:rPr>
+              <a:t>React</a:t>
+            </a:r>
+            <a:r>
+              <a:rPr lang="hu-HU" sz="1800" dirty="0">
+                <a:effectLst/>
+                <a:latin typeface="Arial" panose="020B0604020202020204" pitchFamily="34" charset="0"/>
+              </a:rPr>
+              <a:t> keretrendszert használtunk JavaScript kiegészítősablonnal</a:t>
+            </a:r>
+          </a:p>
+          <a:p>
+            <a:pPr marL="0" marR="0" lvl="0" indent="0" algn="l" defTabSz="914400" rtl="0" eaLnBrk="1" fontAlgn="auto" latinLnBrk="0" hangingPunct="1">
+              <a:lnSpc>
+                <a:spcPct val="100000"/>
+              </a:lnSpc>
+              <a:spcBef>
+                <a:spcPts val="0"/>
+              </a:spcBef>
+              <a:spcAft>
+                <a:spcPts val="0"/>
+              </a:spcAft>
+              <a:buClrTx/>
+              <a:buSzTx/>
+              <a:buFontTx/>
+              <a:buNone/>
+              <a:tabLst/>
+              <a:defRPr/>
+            </a:pPr>
+            <a:endParaRPr lang="hu-HU" sz="1800" dirty="0">
+              <a:effectLst/>
+              <a:latin typeface="Arial" panose="020B0604020202020204" pitchFamily="34" charset="0"/>
+            </a:endParaRPr>
+          </a:p>
+          <a:p>
+            <a:pPr marL="0" marR="0" lvl="0" indent="0" algn="l" defTabSz="914400" rtl="0" eaLnBrk="1" fontAlgn="auto" latinLnBrk="0" hangingPunct="1">
+              <a:lnSpc>
+                <a:spcPct val="100000"/>
+              </a:lnSpc>
+              <a:spcBef>
+                <a:spcPts val="0"/>
+              </a:spcBef>
+              <a:spcAft>
+                <a:spcPts val="0"/>
+              </a:spcAft>
+              <a:buClrTx/>
+              <a:buSzTx/>
+              <a:buFontTx/>
+              <a:buNone/>
+              <a:tabLst/>
+              <a:defRPr/>
+            </a:pPr>
+            <a:r>
+              <a:rPr lang="hu-HU" sz="1800" dirty="0">
+                <a:effectLst/>
+                <a:latin typeface="Arial" panose="020B0604020202020204" pitchFamily="34" charset="0"/>
+              </a:rPr>
+              <a:t>A weboldal frontend és backend részéhez külön mappába szedtük a fájlokat.</a:t>
             </a:r>
           </a:p>
         </p:txBody>
@@ -4437,6 +6045,95 @@
               <a:t> alatt láthatjuk</a:t>
             </a:r>
           </a:p>
+          <a:p>
+            <a:endParaRPr lang="hu-HU" dirty="0"/>
+          </a:p>
+          <a:p>
+            <a:r>
+              <a:rPr lang="hu-HU" dirty="0" err="1"/>
+              <a:t>Axios</a:t>
+            </a:r>
+            <a:r>
+              <a:rPr lang="hu-HU" dirty="0"/>
+              <a:t>-t használtunk a HTTP kérésekhez</a:t>
+            </a:r>
+          </a:p>
+          <a:p>
+            <a:endParaRPr lang="hu-HU" dirty="0"/>
+          </a:p>
+          <a:p>
+            <a:r>
+              <a:rPr lang="hu-HU" dirty="0"/>
+              <a:t>A </a:t>
+            </a:r>
+            <a:r>
+              <a:rPr lang="hu-HU" dirty="0" err="1"/>
+              <a:t>bcrypt</a:t>
+            </a:r>
+            <a:r>
+              <a:rPr lang="hu-HU" dirty="0"/>
+              <a:t> titkosítva menti a jelszavakat az adatbázisba</a:t>
+            </a:r>
+          </a:p>
+          <a:p>
+            <a:endParaRPr lang="hu-HU" dirty="0"/>
+          </a:p>
+          <a:p>
+            <a:r>
+              <a:rPr lang="hu-HU" dirty="0"/>
+              <a:t>A JWT másnéven JSON </a:t>
+            </a:r>
+            <a:r>
+              <a:rPr lang="hu-HU" dirty="0" err="1"/>
+              <a:t>WebToken</a:t>
+            </a:r>
+            <a:r>
+              <a:rPr lang="hu-HU" dirty="0"/>
+              <a:t> generál egy ideiglenes </a:t>
+            </a:r>
+            <a:r>
+              <a:rPr lang="hu-HU" dirty="0" err="1"/>
+              <a:t>tokent</a:t>
+            </a:r>
+            <a:r>
+              <a:rPr lang="hu-HU" dirty="0"/>
+              <a:t>, így menti a jelenleg bejelentkezett felhasználót és annak adatait tudjuk betölteni.</a:t>
+            </a:r>
+          </a:p>
+          <a:p>
+            <a:endParaRPr lang="hu-HU" dirty="0"/>
+          </a:p>
+          <a:p>
+            <a:r>
+              <a:rPr lang="hu-HU" dirty="0"/>
+              <a:t>A </a:t>
+            </a:r>
+            <a:r>
+              <a:rPr lang="hu-HU" dirty="0" err="1"/>
+              <a:t>nodemont</a:t>
+            </a:r>
+            <a:r>
+              <a:rPr lang="hu-HU" dirty="0"/>
+              <a:t> pedig a tesztelés megkönnyebbítéséhez használtuk. Így nem kellett minden változtatáskor újraindítani a szervert.</a:t>
+            </a:r>
+          </a:p>
+          <a:p>
+            <a:endParaRPr lang="hu-HU" dirty="0"/>
+          </a:p>
+          <a:p>
+            <a:r>
+              <a:rPr lang="hu-HU" dirty="0"/>
+              <a:t>A felhasználók által feltöltött képfájlokat az </a:t>
+            </a:r>
+            <a:r>
+              <a:rPr lang="hu-HU" dirty="0" err="1"/>
+              <a:t>uploads</a:t>
+            </a:r>
+            <a:r>
+              <a:rPr lang="hu-HU" dirty="0"/>
+              <a:t> mappában mentjük le</a:t>
+            </a:r>
+          </a:p>
         </p:txBody>
       </p:sp>
       <p:sp>
@@ -4525,7 +6222,74 @@
           <a:bodyPr/>
           <a:lstStyle/>
           <a:p>
-            <a:endParaRPr lang="hu-HU" dirty="0"/>
+            <a:r>
+              <a:rPr lang="hu-HU" dirty="0"/>
+              <a:t>A frontend fájlokat megpróbáltuk minél tisztábban rendszerezni. A képeket az </a:t>
+            </a:r>
+            <a:r>
+              <a:rPr lang="hu-HU" dirty="0" err="1"/>
+              <a:t>assets</a:t>
+            </a:r>
+            <a:r>
+              <a:rPr lang="hu-HU" dirty="0"/>
+              <a:t> mappában, a különböző oldalakhoz létrehozott </a:t>
+            </a:r>
+            <a:r>
+              <a:rPr lang="hu-HU" dirty="0" err="1"/>
+              <a:t>jsx</a:t>
+            </a:r>
+            <a:r>
+              <a:rPr lang="hu-HU" dirty="0"/>
+              <a:t> fájlokat a </a:t>
+            </a:r>
+            <a:r>
+              <a:rPr lang="hu-HU" dirty="0" err="1"/>
+              <a:t>Pages</a:t>
+            </a:r>
+            <a:r>
+              <a:rPr lang="hu-HU" dirty="0"/>
+              <a:t> mappában, az oldalakhoz tartozó </a:t>
+            </a:r>
+            <a:r>
+              <a:rPr lang="hu-HU" dirty="0" err="1"/>
+              <a:t>css</a:t>
+            </a:r>
+            <a:r>
+              <a:rPr lang="hu-HU" dirty="0"/>
+              <a:t> stíluslapokat pedig a </a:t>
+            </a:r>
+            <a:r>
+              <a:rPr lang="hu-HU" dirty="0" err="1"/>
+              <a:t>Stilusok</a:t>
+            </a:r>
+            <a:r>
+              <a:rPr lang="hu-HU" dirty="0"/>
+              <a:t> mappában tároljuk. Az index </a:t>
+            </a:r>
+            <a:r>
+              <a:rPr lang="hu-HU" dirty="0" err="1"/>
+              <a:t>html-t</a:t>
+            </a:r>
+            <a:r>
+              <a:rPr lang="hu-HU" dirty="0"/>
+              <a:t> és a </a:t>
+            </a:r>
+            <a:r>
+              <a:rPr lang="hu-HU" dirty="0" err="1"/>
+              <a:t>navbar</a:t>
+            </a:r>
+            <a:r>
+              <a:rPr lang="hu-HU" dirty="0"/>
+              <a:t> </a:t>
+            </a:r>
+            <a:r>
+              <a:rPr lang="hu-HU" dirty="0" err="1"/>
+              <a:t>jsx-et</a:t>
+            </a:r>
+            <a:r>
+              <a:rPr lang="hu-HU" dirty="0"/>
+              <a:t> pedig ezeken kívül, hiszen mindenhonnan elérési utat kell biztosítani</a:t>
+            </a:r>
           </a:p>
         </p:txBody>
       </p:sp>
@@ -4637,7 +6401,23 @@
             </a:r>
             <a:r>
               <a:rPr lang="hu-HU" dirty="0"/>
-              <a:t> relációs adatbázis kezelő rendszert használtuk.</a:t>
+              <a:t> relációs adatbázis kezelő rendszert használtuk. A táblákat egyed-kapcsolat diagramban megterveztük, majd </a:t>
+            </a:r>
+            <a:r>
+              <a:rPr lang="hu-HU" dirty="0" err="1"/>
+              <a:t>MySQL</a:t>
+            </a:r>
+            <a:r>
+              <a:rPr lang="hu-HU" dirty="0"/>
+              <a:t> </a:t>
+            </a:r>
+            <a:r>
+              <a:rPr lang="hu-HU" dirty="0" err="1"/>
+              <a:t>Workbench</a:t>
+            </a:r>
+            <a:r>
+              <a:rPr lang="hu-HU" dirty="0"/>
+              <a:t> lokális szerveren létrehoztuk. Az mezők elnevezései megfelelnek a tiszta kód elvének</a:t>
             </a:r>
           </a:p>
         </p:txBody>
@@ -4825,6 +6605,15 @@
               <a:t>A naptár táblában a már lefoglalt időpontokat tároljuk. Ennek az a szerepe hogy az új időpontfoglalásnál megvizsgáljuk hogy mi foglalt, és kiveszi a foglaltat a szabadon választható időpontok közül.</a:t>
             </a:r>
           </a:p>
+          <a:p>
+            <a:endParaRPr lang="hu-HU" dirty="0"/>
+          </a:p>
+          <a:p>
+            <a:r>
+              <a:rPr lang="hu-HU" dirty="0"/>
+              <a:t>A képen látható adatok a felhasználói adatok táblánk, itt látható</a:t>
+            </a:r>
+          </a:p>
         </p:txBody>
       </p:sp>
       <p:sp>
@@ -4915,16 +6704,7 @@
           <a:p>
             <a:r>
               <a:rPr lang="hu-HU" dirty="0"/>
-              <a:t>Tesztjeink alapján minden oldalunkat teszteltük különböző eszközök képernyőméretére.</a:t>
-            </a:r>
-          </a:p>
-          <a:p>
-            <a:endParaRPr lang="hu-HU" dirty="0"/>
-          </a:p>
-          <a:p>
-            <a:r>
-              <a:rPr lang="hu-HU" dirty="0"/>
-              <a:t>Így néz ki a weboldalunk nagy felbontású képernyőn</a:t>
+              <a:t>Minden oldalunkat teszteltük különböző eszközök képernyőméretére.</a:t>
             </a:r>
           </a:p>
           <a:p>
@@ -5215,7 +6995,7 @@
             <a:pPr rtl="0"/>
             <a:fld id="{95CA01AC-FE48-43E8-9541-14BE6D4B6216}" type="datetime1">
               <a:rPr lang="hu-HU" smtClean="0"/>
-              <a:t>2025. 04. 18.</a:t>
+              <a:t>2025. 04. 19.</a:t>
             </a:fld>
             <a:endParaRPr lang="hu-HU" dirty="0"/>
           </a:p>
@@ -5390,7 +7170,7 @@
             <a:pPr rtl="0"/>
             <a:fld id="{BA132BAD-A41C-435C-BDF1-B40F5FDD6CBB}" type="datetime1">
               <a:rPr lang="hu-HU" smtClean="0"/>
-              <a:t>2025. 04. 18.</a:t>
+              <a:t>2025. 04. 19.</a:t>
             </a:fld>
             <a:endParaRPr lang="hu-HU" dirty="0"/>
           </a:p>
@@ -5575,7 +7355,7 @@
             <a:pPr rtl="0"/>
             <a:fld id="{511901B3-A2B9-4D78-B569-739B455CDF92}" type="datetime1">
               <a:rPr lang="hu-HU" smtClean="0"/>
-              <a:t>2025. 04. 18.</a:t>
+              <a:t>2025. 04. 19.</a:t>
             </a:fld>
             <a:endParaRPr lang="hu-HU" dirty="0"/>
           </a:p>
@@ -5750,7 +7530,7 @@
             <a:pPr rtl="0"/>
             <a:fld id="{3851FB85-B948-4ACD-8B79-12856967A932}" type="datetime1">
               <a:rPr lang="hu-HU" smtClean="0"/>
-              <a:t>2025. 04. 18.</a:t>
+              <a:t>2025. 04. 19.</a:t>
             </a:fld>
             <a:endParaRPr lang="hu-HU" dirty="0"/>
           </a:p>
@@ -6009,7 +7789,7 @@
             <a:pPr rtl="0"/>
             <a:fld id="{02DEE940-EEB9-4D88-B665-1DF05D9BAE13}" type="datetime1">
               <a:rPr lang="hu-HU" smtClean="0"/>
-              <a:t>2025. 04. 18.</a:t>
+              <a:t>2025. 04. 19.</a:t>
             </a:fld>
             <a:endParaRPr lang="hu-HU" dirty="0"/>
           </a:p>
@@ -6302,7 +8082,7 @@
             <a:pPr rtl="0"/>
             <a:fld id="{A1DCEE0E-6970-4EFC-81F5-D470F37408DE}" type="datetime1">
               <a:rPr lang="hu-HU" smtClean="0"/>
-              <a:t>2025. 04. 18.</a:t>
+              <a:t>2025. 04. 19.</a:t>
             </a:fld>
             <a:endParaRPr lang="hu-HU" dirty="0"/>
           </a:p>
@@ -6749,7 +8529,7 @@
             <a:pPr rtl="0"/>
             <a:fld id="{5722FE6C-7199-4AEC-9102-6BCA289AF93C}" type="datetime1">
               <a:rPr lang="hu-HU" smtClean="0"/>
-              <a:t>2025. 04. 18.</a:t>
+              <a:t>2025. 04. 19.</a:t>
             </a:fld>
             <a:endParaRPr lang="hu-HU" dirty="0"/>
           </a:p>
@@ -6872,7 +8652,7 @@
             <a:pPr rtl="0"/>
             <a:fld id="{03D29D9B-97B7-4810-8AA3-861B7C07DF7C}" type="datetime1">
               <a:rPr lang="hu-HU" smtClean="0"/>
-              <a:t>2025. 04. 18.</a:t>
+              <a:t>2025. 04. 19.</a:t>
             </a:fld>
             <a:endParaRPr lang="hu-HU" dirty="0"/>
           </a:p>
@@ -6971,7 +8751,7 @@
             <a:pPr rtl="0"/>
             <a:fld id="{E0B8E3E5-F330-44D0-86BC-D7273766CF24}" type="datetime1">
               <a:rPr lang="hu-HU" smtClean="0"/>
-              <a:t>2025. 04. 18.</a:t>
+              <a:t>2025. 04. 19.</a:t>
             </a:fld>
             <a:endParaRPr lang="hu-HU" dirty="0"/>
           </a:p>
@@ -7264,7 +9044,7 @@
             <a:pPr rtl="0"/>
             <a:fld id="{03B9D2F3-D2FB-4079-8358-26B647FEDD45}" type="datetime1">
               <a:rPr lang="hu-HU" smtClean="0"/>
-              <a:t>2025. 04. 18.</a:t>
+              <a:t>2025. 04. 19.</a:t>
             </a:fld>
             <a:endParaRPr lang="hu-HU" dirty="0"/>
           </a:p>
@@ -7842,7 +9622,7 @@
             <a:pPr rtl="0"/>
             <a:fld id="{BF34A502-BF6B-45AF-A469-BC8939D6A3FE}" type="datetime1">
               <a:rPr lang="hu-HU" smtClean="0"/>
-              <a:t>2025. 04. 18.</a:t>
+              <a:t>2025. 04. 19.</a:t>
             </a:fld>
             <a:endParaRPr lang="hu-HU" dirty="0"/>
           </a:p>
@@ -8156,7 +9936,7 @@
             <a:pPr rtl="0"/>
             <a:fld id="{D951BFFD-2CCD-4914-9DBD-1533C1ADC8FA}" type="datetime1">
               <a:rPr lang="hu-HU" noProof="0" smtClean="0"/>
-              <a:t>2025. 04. 18.</a:t>
+              <a:t>2025. 04. 19.</a:t>
             </a:fld>
             <a:endParaRPr lang="hu-HU" noProof="0"/>
           </a:p>
@@ -8989,6 +10769,14 @@
 <file path=ppt/slides/slide10.xml><?xml version="1.0" encoding="utf-8"?>
 <p:sld xmlns:a="http://schemas.openxmlformats.org/drawingml/2006/main" xmlns:r="http://schemas.openxmlformats.org/officeDocument/2006/relationships" xmlns:p="http://schemas.openxmlformats.org/presentationml/2006/main">
   <p:cSld>
+    <p:bg>
+      <p:bgPr>
+        <a:solidFill>
+          <a:schemeClr val="bg1"/>
+        </a:solidFill>
+        <a:effectLst/>
+      </p:bgPr>
+    </p:bg>
     <p:spTree>
       <p:nvGrpSpPr>
         <p:cNvPr id="1" name=""/>
@@ -9005,6 +10793,132 @@
       </p:grpSpPr>
       <p:sp>
         <p:nvSpPr>
+          <p:cNvPr id="47" name="Rectangle 46">
+            <a:extLst>
+              <a:ext uri="{FF2B5EF4-FFF2-40B4-BE49-F238E27FC236}">
+                <a16:creationId xmlns:a16="http://schemas.microsoft.com/office/drawing/2014/main" id="{8E1350EA-094E-4564-9B41-FBF8AE4FE73B}"/>
+              </a:ext>
+              <a:ext uri="{C183D7F6-B498-43B3-948B-1728B52AA6E4}">
+                <adec:decorative xmlns:adec="http://schemas.microsoft.com/office/drawing/2017/decorative" val="1"/>
+              </a:ext>
+            </a:extLst>
+          </p:cNvPr>
+          <p:cNvSpPr>
+            <a:spLocks noGrp="1" noRot="1" noChangeAspect="1" noMove="1" noResize="1" noEditPoints="1" noAdjustHandles="1" noChangeArrowheads="1" noChangeShapeType="1" noTextEdit="1"/>
+          </p:cNvSpPr>
+          <p:nvPr>
+            <p:extLst>
+              <p:ext uri="{386F3935-93C4-4BCD-93E2-E3B085C9AB24}">
+                <p16:designElem xmlns:p16="http://schemas.microsoft.com/office/powerpoint/2015/main" val="1"/>
+              </p:ext>
+            </p:extLst>
+          </p:nvPr>
+        </p:nvSpPr>
+        <p:spPr>
+          <a:xfrm>
+            <a:off x="1" y="758952"/>
+            <a:ext cx="3443590" cy="5330952"/>
+          </a:xfrm>
+          <a:prstGeom prst="rect">
+            <a:avLst/>
+          </a:prstGeom>
+          <a:solidFill>
+            <a:schemeClr val="accent1"/>
+          </a:solidFill>
+          <a:ln>
+            <a:noFill/>
+          </a:ln>
+        </p:spPr>
+        <p:style>
+          <a:lnRef idx="2">
+            <a:schemeClr val="accent1">
+              <a:shade val="50000"/>
+            </a:schemeClr>
+          </a:lnRef>
+          <a:fillRef idx="1">
+            <a:schemeClr val="accent1"/>
+          </a:fillRef>
+          <a:effectRef idx="0">
+            <a:schemeClr val="accent1"/>
+          </a:effectRef>
+          <a:fontRef idx="minor">
+            <a:schemeClr val="lt1"/>
+          </a:fontRef>
+        </p:style>
+        <p:txBody>
+          <a:bodyPr/>
+          <a:lstStyle/>
+          <a:p>
+            <a:endParaRPr lang="hu-HU"/>
+          </a:p>
+        </p:txBody>
+      </p:sp>
+      <p:sp>
+        <p:nvSpPr>
+          <p:cNvPr id="49" name="Rectangle 48">
+            <a:extLst>
+              <a:ext uri="{FF2B5EF4-FFF2-40B4-BE49-F238E27FC236}">
+                <a16:creationId xmlns:a16="http://schemas.microsoft.com/office/drawing/2014/main" id="{1CA3EE94-CC36-4281-AB48-71EB8D0C2C4E}"/>
+              </a:ext>
+              <a:ext uri="{C183D7F6-B498-43B3-948B-1728B52AA6E4}">
+                <adec:decorative xmlns:adec="http://schemas.microsoft.com/office/drawing/2017/decorative" val="1"/>
+              </a:ext>
+            </a:extLst>
+          </p:cNvPr>
+          <p:cNvSpPr>
+            <a:spLocks noGrp="1" noRot="1" noChangeAspect="1" noMove="1" noResize="1" noEditPoints="1" noAdjustHandles="1" noChangeArrowheads="1" noChangeShapeType="1" noTextEdit="1"/>
+          </p:cNvSpPr>
+          <p:nvPr>
+            <p:extLst>
+              <p:ext uri="{386F3935-93C4-4BCD-93E2-E3B085C9AB24}">
+                <p16:designElem xmlns:p16="http://schemas.microsoft.com/office/powerpoint/2015/main" val="1"/>
+              </p:ext>
+            </p:extLst>
+          </p:nvPr>
+        </p:nvSpPr>
+        <p:spPr>
+          <a:xfrm>
+            <a:off x="11815864" y="758952"/>
+            <a:ext cx="384048" cy="5330952"/>
+          </a:xfrm>
+          <a:prstGeom prst="rect">
+            <a:avLst/>
+          </a:prstGeom>
+          <a:solidFill>
+            <a:srgbClr val="C8C8C8">
+              <a:alpha val="49804"/>
+            </a:srgbClr>
+          </a:solidFill>
+          <a:ln>
+            <a:noFill/>
+          </a:ln>
+        </p:spPr>
+        <p:style>
+          <a:lnRef idx="2">
+            <a:schemeClr val="accent1">
+              <a:shade val="50000"/>
+            </a:schemeClr>
+          </a:lnRef>
+          <a:fillRef idx="1">
+            <a:schemeClr val="accent1"/>
+          </a:fillRef>
+          <a:effectRef idx="0">
+            <a:schemeClr val="accent1"/>
+          </a:effectRef>
+          <a:fontRef idx="minor">
+            <a:schemeClr val="lt1"/>
+          </a:fontRef>
+        </p:style>
+        <p:txBody>
+          <a:bodyPr/>
+          <a:lstStyle/>
+          <a:p>
+            <a:endParaRPr lang="hu-HU"/>
+          </a:p>
+        </p:txBody>
+      </p:sp>
+      <p:sp>
+        <p:nvSpPr>
           <p:cNvPr id="2" name="Title 1">
             <a:extLst>
               <a:ext uri="{FF2B5EF4-FFF2-40B4-BE49-F238E27FC236}">
@@ -9019,13 +10933,20 @@
             <p:ph type="title"/>
           </p:nvPr>
         </p:nvSpPr>
-        <p:spPr/>
-        <p:txBody>
-          <a:bodyPr/>
+        <p:spPr>
+          <a:xfrm>
+            <a:off x="252919" y="1123837"/>
+            <a:ext cx="2947482" cy="4601183"/>
+          </a:xfrm>
+        </p:spPr>
+        <p:txBody>
+          <a:bodyPr vert="horz" lIns="91440" tIns="45720" rIns="91440" bIns="45720" rtlCol="0" anchor="ctr">
+            <a:normAutofit/>
+          </a:bodyPr>
           <a:lstStyle/>
           <a:p>
             <a:r>
-              <a:rPr lang="hu-HU" dirty="0"/>
+              <a:rPr lang="en-US" sz="3600"/>
               <a:t>Tesztek</a:t>
             </a:r>
           </a:p>
@@ -9033,10 +10954,10 @@
       </p:sp>
       <p:sp>
         <p:nvSpPr>
-          <p:cNvPr id="3" name="Text Placeholder 2">
+          <p:cNvPr id="16" name="Text Placeholder 15">
             <a:extLst>
               <a:ext uri="{FF2B5EF4-FFF2-40B4-BE49-F238E27FC236}">
-                <a16:creationId xmlns:a16="http://schemas.microsoft.com/office/drawing/2014/main" id="{CFBC3F5C-CDFF-0806-9764-2EAC17266385}"/>
+                <a16:creationId xmlns:a16="http://schemas.microsoft.com/office/drawing/2014/main" id="{96063D8F-2BB2-A841-2955-40E92753E414}"/>
               </a:ext>
             </a:extLst>
           </p:cNvPr>
@@ -9044,99 +10965,253 @@
             <a:spLocks noGrp="1"/>
           </p:cNvSpPr>
           <p:nvPr>
-            <p:ph type="body" idx="1"/>
-          </p:nvPr>
-        </p:nvSpPr>
-        <p:spPr/>
-        <p:txBody>
-          <a:bodyPr/>
+            <p:ph type="body" sz="half" idx="2"/>
+          </p:nvPr>
+        </p:nvSpPr>
+        <p:spPr>
+          <a:xfrm>
+            <a:off x="3696509" y="2920729"/>
+            <a:ext cx="3585891" cy="1276170"/>
+          </a:xfrm>
+        </p:spPr>
+        <p:txBody>
+          <a:bodyPr vert="horz" lIns="91440" tIns="45720" rIns="91440" bIns="45720" rtlCol="0" anchor="ctr">
+            <a:normAutofit/>
+          </a:bodyPr>
           <a:lstStyle/>
           <a:p>
-            <a:r>
-              <a:rPr lang="hu-HU" dirty="0"/>
-              <a:t>Néhány fénykép milyen teszteket futtattunk</a:t>
-            </a:r>
-          </a:p>
-        </p:txBody>
-      </p:sp>
-      <p:sp>
-        <p:nvSpPr>
-          <p:cNvPr id="4" name="Content Placeholder 3">
+            <a:pPr indent="-182880">
+              <a:lnSpc>
+                <a:spcPct val="90000"/>
+              </a:lnSpc>
+              <a:buFont typeface="Wingdings 2" pitchFamily="18" charset="2"/>
+              <a:buChar char=""/>
+            </a:pPr>
+            <a:r>
+              <a:rPr lang="hu-HU" dirty="0">
+                <a:solidFill>
+                  <a:schemeClr val="tx1">
+                    <a:lumMod val="75000"/>
+                    <a:lumOff val="25000"/>
+                  </a:schemeClr>
+                </a:solidFill>
+              </a:rPr>
+              <a:t>Böngésző konzolablakos kiírás</a:t>
+            </a:r>
+          </a:p>
+          <a:p>
+            <a:pPr indent="-182880">
+              <a:lnSpc>
+                <a:spcPct val="90000"/>
+              </a:lnSpc>
+              <a:buFont typeface="Wingdings 2" pitchFamily="18" charset="2"/>
+              <a:buChar char=""/>
+            </a:pPr>
+            <a:r>
+              <a:rPr lang="hu-HU" dirty="0">
+                <a:solidFill>
+                  <a:schemeClr val="tx1">
+                    <a:lumMod val="75000"/>
+                    <a:lumOff val="25000"/>
+                  </a:schemeClr>
+                </a:solidFill>
+              </a:rPr>
+              <a:t>Visual </a:t>
+            </a:r>
+            <a:r>
+              <a:rPr lang="hu-HU" dirty="0" err="1">
+                <a:solidFill>
+                  <a:schemeClr val="tx1">
+                    <a:lumMod val="75000"/>
+                    <a:lumOff val="25000"/>
+                  </a:schemeClr>
+                </a:solidFill>
+              </a:rPr>
+              <a:t>Studio</a:t>
+            </a:r>
+            <a:r>
+              <a:rPr lang="hu-HU" dirty="0">
+                <a:solidFill>
+                  <a:schemeClr val="tx1">
+                    <a:lumMod val="75000"/>
+                    <a:lumOff val="25000"/>
+                  </a:schemeClr>
+                </a:solidFill>
+              </a:rPr>
+              <a:t> </a:t>
+            </a:r>
+            <a:r>
+              <a:rPr lang="hu-HU" dirty="0" err="1">
+                <a:solidFill>
+                  <a:schemeClr val="tx1">
+                    <a:lumMod val="75000"/>
+                    <a:lumOff val="25000"/>
+                  </a:schemeClr>
+                </a:solidFill>
+              </a:rPr>
+              <a:t>Code</a:t>
+            </a:r>
+            <a:r>
+              <a:rPr lang="hu-HU" dirty="0">
+                <a:solidFill>
+                  <a:schemeClr val="tx1">
+                    <a:lumMod val="75000"/>
+                    <a:lumOff val="25000"/>
+                  </a:schemeClr>
+                </a:solidFill>
+              </a:rPr>
+              <a:t> terminálablak</a:t>
+            </a:r>
+          </a:p>
+          <a:p>
+            <a:pPr indent="-182880">
+              <a:lnSpc>
+                <a:spcPct val="90000"/>
+              </a:lnSpc>
+              <a:buFont typeface="Wingdings 2" pitchFamily="18" charset="2"/>
+              <a:buChar char=""/>
+            </a:pPr>
+            <a:r>
+              <a:rPr lang="hu-HU" dirty="0">
+                <a:solidFill>
+                  <a:schemeClr val="tx1">
+                    <a:lumMod val="75000"/>
+                    <a:lumOff val="25000"/>
+                  </a:schemeClr>
+                </a:solidFill>
+              </a:rPr>
+              <a:t>Adatbázis ellenőrzés</a:t>
+            </a:r>
+            <a:endParaRPr lang="en-US" dirty="0">
+              <a:solidFill>
+                <a:schemeClr val="tx1">
+                  <a:lumMod val="75000"/>
+                  <a:lumOff val="25000"/>
+                </a:schemeClr>
+              </a:solidFill>
+            </a:endParaRPr>
+          </a:p>
+        </p:txBody>
+      </p:sp>
+      <p:pic>
+        <p:nvPicPr>
+          <p:cNvPr id="8" name="Picture 7">
             <a:extLst>
               <a:ext uri="{FF2B5EF4-FFF2-40B4-BE49-F238E27FC236}">
-                <a16:creationId xmlns:a16="http://schemas.microsoft.com/office/drawing/2014/main" id="{94EE4C6E-2F7D-E25B-00D7-F4FE14A4B037}"/>
+                <a16:creationId xmlns:a16="http://schemas.microsoft.com/office/drawing/2014/main" id="{2E3B438B-014F-F969-0FD2-92919638F0E3}"/>
               </a:ext>
             </a:extLst>
           </p:cNvPr>
-          <p:cNvSpPr>
-            <a:spLocks noGrp="1"/>
-          </p:cNvSpPr>
-          <p:nvPr>
-            <p:ph sz="half" idx="2"/>
-          </p:nvPr>
-        </p:nvSpPr>
-        <p:spPr/>
-        <p:txBody>
-          <a:bodyPr/>
-          <a:lstStyle/>
-          <a:p>
-            <a:endParaRPr lang="hu-HU"/>
-          </a:p>
-        </p:txBody>
-      </p:sp>
-      <p:sp>
-        <p:nvSpPr>
-          <p:cNvPr id="5" name="Text Placeholder 4">
+          <p:cNvPicPr>
+            <a:picLocks noChangeAspect="1"/>
+          </p:cNvPicPr>
+          <p:nvPr/>
+        </p:nvPicPr>
+        <p:blipFill>
+          <a:blip r:embed="rId3"/>
+          <a:srcRect r="4500" b="2"/>
+          <a:stretch/>
+        </p:blipFill>
+        <p:spPr>
+          <a:xfrm>
+            <a:off x="6603818" y="4314825"/>
+            <a:ext cx="4989387" cy="2429338"/>
+          </a:xfrm>
+          <a:prstGeom prst="rect">
+            <a:avLst/>
+          </a:prstGeom>
+        </p:spPr>
+      </p:pic>
+      <p:pic>
+        <p:nvPicPr>
+          <p:cNvPr id="20" name="Picture 19">
             <a:extLst>
               <a:ext uri="{FF2B5EF4-FFF2-40B4-BE49-F238E27FC236}">
-                <a16:creationId xmlns:a16="http://schemas.microsoft.com/office/drawing/2014/main" id="{37B0A28E-77DA-9579-45F4-4F91082BCA81}"/>
+                <a16:creationId xmlns:a16="http://schemas.microsoft.com/office/drawing/2014/main" id="{BC3FFDA8-CC6F-99BB-15A1-F2F4E4F6459E}"/>
               </a:ext>
             </a:extLst>
           </p:cNvPr>
-          <p:cNvSpPr>
-            <a:spLocks noGrp="1"/>
-          </p:cNvSpPr>
-          <p:nvPr>
-            <p:ph type="body" sz="quarter" idx="3"/>
-          </p:nvPr>
-        </p:nvSpPr>
-        <p:spPr/>
-        <p:txBody>
-          <a:bodyPr/>
-          <a:lstStyle/>
-          <a:p>
-            <a:r>
-              <a:rPr lang="hu-HU" dirty="0"/>
-              <a:t>Sikeres tesztek</a:t>
-            </a:r>
-          </a:p>
-        </p:txBody>
-      </p:sp>
-      <p:sp>
-        <p:nvSpPr>
-          <p:cNvPr id="6" name="Content Placeholder 5">
+          <p:cNvPicPr>
+            <a:picLocks noChangeAspect="1"/>
+          </p:cNvPicPr>
+          <p:nvPr/>
+        </p:nvPicPr>
+        <p:blipFill>
+          <a:blip r:embed="rId4"/>
+          <a:stretch>
+            <a:fillRect/>
+          </a:stretch>
+        </p:blipFill>
+        <p:spPr>
+          <a:xfrm>
+            <a:off x="4785134" y="693350"/>
+            <a:ext cx="6808071" cy="1967752"/>
+          </a:xfrm>
+          <a:prstGeom prst="rect">
+            <a:avLst/>
+          </a:prstGeom>
+        </p:spPr>
+      </p:pic>
+      <p:pic>
+        <p:nvPicPr>
+          <p:cNvPr id="24" name="Picture 23">
             <a:extLst>
               <a:ext uri="{FF2B5EF4-FFF2-40B4-BE49-F238E27FC236}">
-                <a16:creationId xmlns:a16="http://schemas.microsoft.com/office/drawing/2014/main" id="{C2C7180B-9E28-20B2-5C72-4FE6AAF7D458}"/>
+                <a16:creationId xmlns:a16="http://schemas.microsoft.com/office/drawing/2014/main" id="{9B9FD8C5-790B-D702-3EB9-13E0C589EA45}"/>
               </a:ext>
             </a:extLst>
           </p:cNvPr>
-          <p:cNvSpPr>
-            <a:spLocks noGrp="1"/>
-          </p:cNvSpPr>
-          <p:nvPr>
-            <p:ph sz="quarter" idx="4"/>
-          </p:nvPr>
-        </p:nvSpPr>
-        <p:spPr/>
-        <p:txBody>
-          <a:bodyPr/>
-          <a:lstStyle/>
-          <a:p>
-            <a:endParaRPr lang="hu-HU"/>
-          </a:p>
-        </p:txBody>
-      </p:sp>
+          <p:cNvPicPr>
+            <a:picLocks noChangeAspect="1"/>
+          </p:cNvPicPr>
+          <p:nvPr/>
+        </p:nvPicPr>
+        <p:blipFill>
+          <a:blip r:embed="rId5"/>
+          <a:stretch>
+            <a:fillRect/>
+          </a:stretch>
+        </p:blipFill>
+        <p:spPr>
+          <a:xfrm>
+            <a:off x="7385785" y="2984545"/>
+            <a:ext cx="4207420" cy="1257295"/>
+          </a:xfrm>
+          <a:prstGeom prst="rect">
+            <a:avLst/>
+          </a:prstGeom>
+        </p:spPr>
+      </p:pic>
+      <p:pic>
+        <p:nvPicPr>
+          <p:cNvPr id="28" name="Picture 27">
+            <a:extLst>
+              <a:ext uri="{FF2B5EF4-FFF2-40B4-BE49-F238E27FC236}">
+                <a16:creationId xmlns:a16="http://schemas.microsoft.com/office/drawing/2014/main" id="{586F8CDF-95D3-0A48-9CBB-3E6F428D2F43}"/>
+              </a:ext>
+            </a:extLst>
+          </p:cNvPr>
+          <p:cNvPicPr>
+            <a:picLocks noChangeAspect="1"/>
+          </p:cNvPicPr>
+          <p:nvPr/>
+        </p:nvPicPr>
+        <p:blipFill>
+          <a:blip r:embed="rId6"/>
+          <a:stretch>
+            <a:fillRect/>
+          </a:stretch>
+        </p:blipFill>
+        <p:spPr>
+          <a:xfrm>
+            <a:off x="338970" y="5354007"/>
+            <a:ext cx="5914590" cy="605885"/>
+          </a:xfrm>
+          <a:prstGeom prst="rect">
+            <a:avLst/>
+          </a:prstGeom>
+        </p:spPr>
+      </p:pic>
     </p:spTree>
     <p:extLst>
       <p:ext uri="{BB962C8B-B14F-4D97-AF65-F5344CB8AC3E}">
@@ -9147,6 +11222,18 @@
   <p:clrMapOvr>
     <a:masterClrMapping/>
   </p:clrMapOvr>
+  <mc:AlternateContent xmlns:mc="http://schemas.openxmlformats.org/markup-compatibility/2006">
+    <mc:Choice xmlns:p14="http://schemas.microsoft.com/office/powerpoint/2010/main" Requires="p14">
+      <p:transition spd="slow" p14:dur="1300">
+        <p14:pan dir="u"/>
+      </p:transition>
+    </mc:Choice>
+    <mc:Fallback>
+      <p:transition spd="slow">
+        <p:fade/>
+      </p:transition>
+    </mc:Fallback>
+  </mc:AlternateContent>
 </p:sld>
 </file>
 
@@ -9189,9 +11276,10 @@
           <a:lstStyle/>
           <a:p>
             <a:r>
-              <a:rPr lang="hu-HU" dirty="0"/>
-              <a:t>Csapatmunka</a:t>
-            </a:r>
+              <a:rPr lang="hu-HU" dirty="0" err="1"/>
+              <a:t>Teamwork</a:t>
+            </a:r>
+            <a:endParaRPr lang="hu-HU" dirty="0"/>
           </a:p>
         </p:txBody>
       </p:sp>
@@ -9232,24 +11320,39 @@
           <a:p>
             <a:r>
               <a:rPr lang="hu-HU" dirty="0"/>
-              <a:t>Frontend-backend felosztás</a:t>
-            </a:r>
-          </a:p>
-          <a:p>
+              <a:t>Frontend-backend </a:t>
+            </a:r>
             <a:r>
               <a:rPr lang="hu-HU" dirty="0" err="1"/>
-              <a:t>Fájlonkénti</a:t>
+              <a:t>separation</a:t>
+            </a:r>
+            <a:endParaRPr lang="hu-HU" dirty="0"/>
+          </a:p>
+          <a:p>
+            <a:r>
+              <a:rPr lang="hu-HU" dirty="0" err="1"/>
+              <a:t>Divided</a:t>
             </a:r>
             <a:r>
               <a:rPr lang="hu-HU" dirty="0"/>
-              <a:t> felosztás</a:t>
-            </a:r>
-          </a:p>
-          <a:p>
+              <a:t> </a:t>
+            </a:r>
+            <a:r>
+              <a:rPr lang="hu-HU" dirty="0" err="1"/>
+              <a:t>by</a:t>
+            </a:r>
             <a:r>
               <a:rPr lang="hu-HU" dirty="0"/>
-              <a:t>Tiszta kód elve</a:t>
-            </a:r>
+              <a:t> </a:t>
+            </a:r>
+            <a:r>
+              <a:rPr lang="hu-HU" dirty="0" err="1"/>
+              <a:t>files</a:t>
+            </a:r>
+            <a:endParaRPr lang="hu-HU" dirty="0"/>
+          </a:p>
+          <a:p>
+            <a:endParaRPr lang="hu-HU" dirty="0"/>
           </a:p>
         </p:txBody>
       </p:sp>
@@ -9274,26 +11377,104 @@
           <a:bodyPr/>
           <a:lstStyle/>
           <a:p>
-            <a:r>
-              <a:rPr lang="hu-HU" dirty="0"/>
-              <a:t>Kép </a:t>
-            </a:r>
-            <a:r>
-              <a:rPr lang="hu-HU" dirty="0" err="1"/>
-              <a:t>githubról</a:t>
-            </a:r>
-            <a:r>
-              <a:rPr lang="hu-HU" dirty="0"/>
-              <a:t> </a:t>
-            </a:r>
-            <a:r>
-              <a:rPr lang="hu-HU" dirty="0" err="1"/>
-              <a:t>discordrol</a:t>
-            </a:r>
             <a:endParaRPr lang="hu-HU" dirty="0"/>
           </a:p>
         </p:txBody>
       </p:sp>
+      <p:pic>
+        <p:nvPicPr>
+          <p:cNvPr id="1026" name="Picture 2" descr="GitHub Desktop Application">
+            <a:extLst>
+              <a:ext uri="{FF2B5EF4-FFF2-40B4-BE49-F238E27FC236}">
+                <a16:creationId xmlns:a16="http://schemas.microsoft.com/office/drawing/2014/main" id="{2B3FF4FF-7468-B11D-6390-2200E242FC1B}"/>
+              </a:ext>
+            </a:extLst>
+          </p:cNvPr>
+          <p:cNvPicPr>
+            <a:picLocks noChangeAspect="1" noChangeArrowheads="1"/>
+          </p:cNvPicPr>
+          <p:nvPr/>
+        </p:nvPicPr>
+        <p:blipFill>
+          <a:blip r:embed="rId3">
+            <a:extLst>
+              <a:ext uri="{28A0092B-C50C-407E-A947-70E740481C1C}">
+                <a14:useLocalDpi xmlns:a14="http://schemas.microsoft.com/office/drawing/2010/main" val="0"/>
+              </a:ext>
+            </a:extLst>
+          </a:blip>
+          <a:srcRect/>
+          <a:stretch>
+            <a:fillRect/>
+          </a:stretch>
+        </p:blipFill>
+        <p:spPr bwMode="auto">
+          <a:xfrm>
+            <a:off x="7221743" y="1496439"/>
+            <a:ext cx="3697365" cy="1545864"/>
+          </a:xfrm>
+          <a:prstGeom prst="rect">
+            <a:avLst/>
+          </a:prstGeom>
+          <a:noFill/>
+          <a:extLst>
+            <a:ext uri="{909E8E84-426E-40DD-AFC4-6F175D3DCCD1}">
+              <a14:hiddenFill xmlns:a14="http://schemas.microsoft.com/office/drawing/2010/main">
+                <a:solidFill>
+                  <a:srgbClr val="FFFFFF"/>
+                </a:solidFill>
+              </a14:hiddenFill>
+            </a:ext>
+          </a:extLst>
+        </p:spPr>
+      </p:pic>
+      <p:pic>
+        <p:nvPicPr>
+          <p:cNvPr id="1030" name="Picture 6" descr="Explained: What is Discord? -">
+            <a:extLst>
+              <a:ext uri="{FF2B5EF4-FFF2-40B4-BE49-F238E27FC236}">
+                <a16:creationId xmlns:a16="http://schemas.microsoft.com/office/drawing/2014/main" id="{A2ABD3B5-32F0-1662-5A32-2AEA9EA93655}"/>
+              </a:ext>
+            </a:extLst>
+          </p:cNvPr>
+          <p:cNvPicPr>
+            <a:picLocks noChangeAspect="1" noChangeArrowheads="1"/>
+          </p:cNvPicPr>
+          <p:nvPr/>
+        </p:nvPicPr>
+        <p:blipFill>
+          <a:blip r:embed="rId4">
+            <a:extLst>
+              <a:ext uri="{28A0092B-C50C-407E-A947-70E740481C1C}">
+                <a14:useLocalDpi xmlns:a14="http://schemas.microsoft.com/office/drawing/2010/main" val="0"/>
+              </a:ext>
+            </a:extLst>
+          </a:blip>
+          <a:srcRect/>
+          <a:stretch>
+            <a:fillRect/>
+          </a:stretch>
+        </p:blipFill>
+        <p:spPr bwMode="auto">
+          <a:xfrm>
+            <a:off x="8478407" y="3042303"/>
+            <a:ext cx="1474594" cy="1474594"/>
+          </a:xfrm>
+          <a:prstGeom prst="rect">
+            <a:avLst/>
+          </a:prstGeom>
+          <a:noFill/>
+          <a:extLst>
+            <a:ext uri="{909E8E84-426E-40DD-AFC4-6F175D3DCCD1}">
+              <a14:hiddenFill xmlns:a14="http://schemas.microsoft.com/office/drawing/2010/main">
+                <a:solidFill>
+                  <a:srgbClr val="FFFFFF"/>
+                </a:solidFill>
+              </a14:hiddenFill>
+            </a:ext>
+          </a:extLst>
+        </p:spPr>
+      </p:pic>
     </p:spTree>
     <p:extLst>
       <p:ext uri="{BB962C8B-B14F-4D97-AF65-F5344CB8AC3E}">
@@ -9304,6 +11485,18 @@
   <p:clrMapOvr>
     <a:masterClrMapping/>
   </p:clrMapOvr>
+  <mc:AlternateContent xmlns:mc="http://schemas.openxmlformats.org/markup-compatibility/2006">
+    <mc:Choice xmlns:p14="http://schemas.microsoft.com/office/powerpoint/2010/main" Requires="p14">
+      <p:transition spd="slow" p14:dur="1300">
+        <p14:pan dir="u"/>
+      </p:transition>
+    </mc:Choice>
+    <mc:Fallback>
+      <p:transition spd="slow">
+        <p:fade/>
+      </p:transition>
+    </mc:Fallback>
+  </mc:AlternateContent>
 </p:sld>
 </file>
 
@@ -9346,9 +11539,10 @@
           <a:lstStyle/>
           <a:p>
             <a:r>
-              <a:rPr lang="hu-HU" dirty="0"/>
-              <a:t>Munka </a:t>
-            </a:r>
+              <a:rPr lang="hu-HU" dirty="0" err="1"/>
+              <a:t>Teamwork</a:t>
+            </a:r>
+            <a:endParaRPr lang="hu-HU" dirty="0"/>
           </a:p>
         </p:txBody>
       </p:sp>
@@ -9368,12 +11562,74 @@
             <p:ph idx="1"/>
           </p:nvPr>
         </p:nvSpPr>
-        <p:spPr/>
-        <p:txBody>
-          <a:bodyPr/>
+        <p:spPr>
+          <a:xfrm>
+            <a:off x="3625420" y="1852121"/>
+            <a:ext cx="2338680" cy="2008678"/>
+          </a:xfrm>
+        </p:spPr>
+        <p:txBody>
+          <a:bodyPr>
+            <a:normAutofit fontScale="92500"/>
+          </a:bodyPr>
           <a:lstStyle/>
           <a:p>
-            <a:endParaRPr lang="hu-HU"/>
+            <a:r>
+              <a:rPr lang="hu-HU" dirty="0"/>
+              <a:t>Backend: server.js</a:t>
+            </a:r>
+          </a:p>
+          <a:p>
+            <a:r>
+              <a:rPr lang="hu-HU" dirty="0" err="1"/>
+              <a:t>Database</a:t>
+            </a:r>
+            <a:r>
+              <a:rPr lang="hu-HU" dirty="0"/>
+              <a:t> </a:t>
+            </a:r>
+            <a:r>
+              <a:rPr lang="hu-HU" dirty="0" err="1"/>
+              <a:t>tables</a:t>
+            </a:r>
+            <a:endParaRPr lang="hu-HU" dirty="0"/>
+          </a:p>
+          <a:p>
+            <a:r>
+              <a:rPr lang="hu-HU" dirty="0" err="1"/>
+              <a:t>Axios</a:t>
+            </a:r>
+            <a:r>
+              <a:rPr lang="hu-HU" dirty="0"/>
+              <a:t> </a:t>
+            </a:r>
+            <a:r>
+              <a:rPr lang="hu-HU" dirty="0" err="1"/>
+              <a:t>requests</a:t>
+            </a:r>
+            <a:endParaRPr lang="hu-HU" dirty="0"/>
+          </a:p>
+          <a:p>
+            <a:r>
+              <a:rPr lang="hu-HU" dirty="0"/>
+              <a:t>Data </a:t>
+            </a:r>
+            <a:r>
+              <a:rPr lang="hu-HU" dirty="0" err="1"/>
+              <a:t>upload</a:t>
+            </a:r>
+            <a:endParaRPr lang="hu-HU" dirty="0"/>
+          </a:p>
+          <a:p>
+            <a:r>
+              <a:rPr lang="hu-HU" dirty="0"/>
+              <a:t>JWT </a:t>
+            </a:r>
+            <a:r>
+              <a:rPr lang="hu-HU" dirty="0" err="1"/>
+              <a:t>authentication</a:t>
+            </a:r>
+            <a:endParaRPr lang="hu-HU" dirty="0"/>
           </a:p>
         </p:txBody>
       </p:sp>
@@ -9418,12 +11674,113 @@
             <p:ph idx="13"/>
           </p:nvPr>
         </p:nvSpPr>
-        <p:spPr/>
-        <p:txBody>
-          <a:bodyPr/>
+        <p:spPr>
+          <a:xfrm>
+            <a:off x="6115395" y="1852121"/>
+            <a:ext cx="2908964" cy="4138481"/>
+          </a:xfrm>
+        </p:spPr>
+        <p:txBody>
+          <a:bodyPr>
+            <a:noAutofit/>
+          </a:bodyPr>
           <a:lstStyle/>
           <a:p>
-            <a:endParaRPr lang="hu-HU"/>
+            <a:pPr marL="0" indent="0">
+              <a:buNone/>
+            </a:pPr>
+            <a:r>
+              <a:rPr lang="hu-HU" dirty="0"/>
+              <a:t>Frontend </a:t>
+            </a:r>
+            <a:r>
+              <a:rPr lang="hu-HU" dirty="0" err="1"/>
+              <a:t>jsx</a:t>
+            </a:r>
+            <a:r>
+              <a:rPr lang="hu-HU" dirty="0"/>
+              <a:t> and </a:t>
+            </a:r>
+            <a:r>
+              <a:rPr lang="hu-HU" dirty="0" err="1"/>
+              <a:t>css</a:t>
+            </a:r>
+            <a:r>
+              <a:rPr lang="hu-HU" dirty="0"/>
+              <a:t> </a:t>
+            </a:r>
+            <a:r>
+              <a:rPr lang="hu-HU" dirty="0" err="1"/>
+              <a:t>files</a:t>
+            </a:r>
+            <a:r>
+              <a:rPr lang="hu-HU" dirty="0"/>
+              <a:t>:</a:t>
+            </a:r>
+          </a:p>
+          <a:p>
+            <a:r>
+              <a:rPr lang="hu-HU" dirty="0"/>
+              <a:t>Home</a:t>
+            </a:r>
+          </a:p>
+          <a:p>
+            <a:r>
+              <a:rPr lang="hu-HU" dirty="0" err="1"/>
+              <a:t>Navbar</a:t>
+            </a:r>
+            <a:endParaRPr lang="hu-HU" dirty="0"/>
+          </a:p>
+          <a:p>
+            <a:r>
+              <a:rPr lang="hu-HU" dirty="0"/>
+              <a:t>Posztok</a:t>
+            </a:r>
+          </a:p>
+          <a:p>
+            <a:r>
+              <a:rPr lang="hu-HU" dirty="0" err="1"/>
+              <a:t>Regisztracio</a:t>
+            </a:r>
+            <a:endParaRPr lang="hu-HU" dirty="0"/>
+          </a:p>
+          <a:p>
+            <a:r>
+              <a:rPr lang="hu-HU" dirty="0" err="1"/>
+              <a:t>Bejelentkezes</a:t>
+            </a:r>
+            <a:endParaRPr lang="hu-HU" dirty="0"/>
+          </a:p>
+          <a:p>
+            <a:r>
+              <a:rPr lang="hu-HU" dirty="0" err="1"/>
+              <a:t>Fiok</a:t>
+            </a:r>
+            <a:endParaRPr lang="hu-HU" dirty="0"/>
+          </a:p>
+          <a:p>
+            <a:r>
+              <a:rPr lang="hu-HU" dirty="0" err="1"/>
+              <a:t>Idopontfoglalas</a:t>
+            </a:r>
+            <a:endParaRPr lang="hu-HU" dirty="0"/>
+          </a:p>
+          <a:p>
+            <a:r>
+              <a:rPr lang="hu-HU" dirty="0" err="1"/>
+              <a:t>Posztotcsinalok</a:t>
+            </a:r>
+            <a:endParaRPr lang="hu-HU" dirty="0"/>
+          </a:p>
+          <a:p>
+            <a:pPr marL="0" indent="0">
+              <a:buNone/>
+            </a:pPr>
+            <a:r>
+              <a:rPr lang="hu-HU" dirty="0" err="1"/>
+              <a:t>Documentation</a:t>
+            </a:r>
+            <a:endParaRPr lang="hu-HU" dirty="0"/>
           </a:p>
         </p:txBody>
       </p:sp>
@@ -9443,12 +11800,85 @@
             <p:ph idx="14"/>
           </p:nvPr>
         </p:nvSpPr>
-        <p:spPr/>
-        <p:txBody>
-          <a:bodyPr/>
+        <p:spPr>
+          <a:xfrm>
+            <a:off x="9101330" y="1849805"/>
+            <a:ext cx="2834638" cy="4140797"/>
+          </a:xfrm>
+        </p:spPr>
+        <p:txBody>
+          <a:bodyPr>
+            <a:normAutofit/>
+          </a:bodyPr>
           <a:lstStyle/>
           <a:p>
-            <a:endParaRPr lang="hu-HU"/>
+            <a:pPr marL="0" indent="0">
+              <a:buNone/>
+            </a:pPr>
+            <a:r>
+              <a:rPr lang="hu-HU" dirty="0"/>
+              <a:t>Frontend and </a:t>
+            </a:r>
+            <a:r>
+              <a:rPr lang="hu-HU" dirty="0" err="1"/>
+              <a:t>Controller</a:t>
+            </a:r>
+            <a:r>
+              <a:rPr lang="hu-HU" dirty="0"/>
+              <a:t>:</a:t>
+            </a:r>
+            <a:endParaRPr lang="hu-HU" sz="2000" dirty="0"/>
+          </a:p>
+          <a:p>
+            <a:r>
+              <a:rPr lang="hu-HU" sz="2000" dirty="0" err="1"/>
+              <a:t>Registration</a:t>
+            </a:r>
+            <a:r>
+              <a:rPr lang="hu-HU" sz="2000" dirty="0"/>
+              <a:t> and login </a:t>
+            </a:r>
+            <a:r>
+              <a:rPr lang="hu-HU" sz="2000" dirty="0" err="1"/>
+              <a:t>authentication</a:t>
+            </a:r>
+            <a:endParaRPr lang="hu-HU" sz="2000" dirty="0"/>
+          </a:p>
+          <a:p>
+            <a:r>
+              <a:rPr lang="hu-HU" sz="2000" dirty="0"/>
+              <a:t>Posztok</a:t>
+            </a:r>
+          </a:p>
+          <a:p>
+            <a:r>
+              <a:rPr lang="hu-HU" sz="2000" dirty="0" err="1"/>
+              <a:t>Sajatposztok</a:t>
+            </a:r>
+            <a:endParaRPr lang="hu-HU" sz="2000" dirty="0"/>
+          </a:p>
+          <a:p>
+            <a:r>
+              <a:rPr lang="hu-HU" dirty="0"/>
+              <a:t>Premium</a:t>
+            </a:r>
+            <a:endParaRPr lang="hu-HU" sz="2000" dirty="0"/>
+          </a:p>
+          <a:p>
+            <a:pPr marL="0" indent="0">
+              <a:buNone/>
+            </a:pPr>
+            <a:r>
+              <a:rPr lang="hu-HU" sz="2000" dirty="0" err="1"/>
+              <a:t>Documentation</a:t>
+            </a:r>
+            <a:r>
+              <a:rPr lang="hu-HU" sz="2000" dirty="0"/>
+              <a:t> </a:t>
+            </a:r>
+          </a:p>
+          <a:p>
+            <a:endParaRPr lang="hu-HU" dirty="0"/>
           </a:p>
         </p:txBody>
       </p:sp>
@@ -9468,12 +11898,24 @@
             <p:ph type="body" sz="quarter" idx="15"/>
           </p:nvPr>
         </p:nvSpPr>
-        <p:spPr/>
+        <p:spPr>
+          <a:xfrm>
+            <a:off x="3625420" y="764875"/>
+            <a:ext cx="2477419" cy="803275"/>
+          </a:xfrm>
+        </p:spPr>
         <p:txBody>
           <a:bodyPr/>
           <a:lstStyle/>
           <a:p>
-            <a:endParaRPr lang="hu-HU"/>
+            <a:r>
+              <a:rPr lang="hu-HU" dirty="0" err="1"/>
+              <a:t>Rámháp</a:t>
+            </a:r>
+            <a:r>
+              <a:rPr lang="hu-HU" dirty="0"/>
+              <a:t> Gergő</a:t>
+            </a:r>
           </a:p>
         </p:txBody>
       </p:sp>
@@ -9493,12 +11935,20 @@
             <p:ph type="body" sz="quarter" idx="16"/>
           </p:nvPr>
         </p:nvSpPr>
-        <p:spPr/>
+        <p:spPr>
+          <a:xfrm>
+            <a:off x="6351024" y="788389"/>
+            <a:ext cx="2477419" cy="803275"/>
+          </a:xfrm>
+        </p:spPr>
         <p:txBody>
           <a:bodyPr/>
           <a:lstStyle/>
           <a:p>
-            <a:endParaRPr lang="hu-HU"/>
+            <a:r>
+              <a:rPr lang="hu-HU" dirty="0"/>
+              <a:t>Wágner János</a:t>
+            </a:r>
           </a:p>
         </p:txBody>
       </p:sp>
@@ -9518,12 +11968,22 @@
             <p:ph type="body" sz="quarter" idx="17"/>
           </p:nvPr>
         </p:nvSpPr>
-        <p:spPr/>
-        <p:txBody>
-          <a:bodyPr/>
+        <p:spPr>
+          <a:xfrm>
+            <a:off x="8950035" y="741362"/>
+            <a:ext cx="2458230" cy="803275"/>
+          </a:xfrm>
+        </p:spPr>
+        <p:txBody>
+          <a:bodyPr>
+            <a:normAutofit/>
+          </a:bodyPr>
           <a:lstStyle/>
           <a:p>
-            <a:endParaRPr lang="hu-HU"/>
+            <a:r>
+              <a:rPr lang="hu-HU" dirty="0"/>
+              <a:t>Fábián Zsolt Ferenc</a:t>
+            </a:r>
           </a:p>
         </p:txBody>
       </p:sp>
@@ -9537,423 +11997,22 @@
   <p:clrMapOvr>
     <a:masterClrMapping/>
   </p:clrMapOvr>
+  <mc:AlternateContent xmlns:mc="http://schemas.openxmlformats.org/markup-compatibility/2006">
+    <mc:Choice xmlns:p14="http://schemas.microsoft.com/office/powerpoint/2010/main" Requires="p14">
+      <p:transition spd="slow" p14:dur="1300">
+        <p14:pan dir="u"/>
+      </p:transition>
+    </mc:Choice>
+    <mc:Fallback>
+      <p:transition spd="slow">
+        <p:fade/>
+      </p:transition>
+    </mc:Fallback>
+  </mc:AlternateContent>
 </p:sld>
 </file>
 
 <file path=ppt/slides/slide13.xml><?xml version="1.0" encoding="utf-8"?>
-<p:sld xmlns:a="http://schemas.openxmlformats.org/drawingml/2006/main" xmlns:r="http://schemas.openxmlformats.org/officeDocument/2006/relationships" xmlns:p="http://schemas.openxmlformats.org/presentationml/2006/main">
-  <p:cSld>
-    <p:bg>
-      <p:bgPr>
-        <a:gradFill>
-          <a:gsLst>
-            <a:gs pos="0">
-              <a:schemeClr val="accent1">
-                <a:lumMod val="5000"/>
-                <a:lumOff val="95000"/>
-              </a:schemeClr>
-            </a:gs>
-            <a:gs pos="74000">
-              <a:schemeClr val="accent1">
-                <a:lumMod val="45000"/>
-                <a:lumOff val="55000"/>
-              </a:schemeClr>
-            </a:gs>
-            <a:gs pos="83000">
-              <a:schemeClr val="accent1">
-                <a:lumMod val="45000"/>
-                <a:lumOff val="55000"/>
-              </a:schemeClr>
-            </a:gs>
-            <a:gs pos="100000">
-              <a:schemeClr val="accent1">
-                <a:lumMod val="30000"/>
-                <a:lumOff val="70000"/>
-              </a:schemeClr>
-            </a:gs>
-          </a:gsLst>
-          <a:lin ang="5400000" scaled="1"/>
-        </a:gradFill>
-        <a:effectLst/>
-      </p:bgPr>
-    </p:bg>
-    <p:spTree>
-      <p:nvGrpSpPr>
-        <p:cNvPr id="1" name=""/>
-        <p:cNvGrpSpPr/>
-        <p:nvPr/>
-      </p:nvGrpSpPr>
-      <p:grpSpPr>
-        <a:xfrm>
-          <a:off x="0" y="0"/>
-          <a:ext cx="0" cy="0"/>
-          <a:chOff x="0" y="0"/>
-          <a:chExt cx="0" cy="0"/>
-        </a:xfrm>
-      </p:grpSpPr>
-      <p:sp>
-        <p:nvSpPr>
-          <p:cNvPr id="2" name="Cím 1">
-            <a:extLst>
-              <a:ext uri="{FF2B5EF4-FFF2-40B4-BE49-F238E27FC236}">
-                <a16:creationId xmlns:a16="http://schemas.microsoft.com/office/drawing/2014/main" id="{F9C4EE20-AC11-427B-A294-6CAC2D0B40CC}"/>
-              </a:ext>
-            </a:extLst>
-          </p:cNvPr>
-          <p:cNvSpPr>
-            <a:spLocks noGrp="1"/>
-          </p:cNvSpPr>
-          <p:nvPr>
-            <p:ph type="title"/>
-          </p:nvPr>
-        </p:nvSpPr>
-        <p:spPr/>
-        <p:txBody>
-          <a:bodyPr/>
-          <a:lstStyle/>
-          <a:p>
-            <a:r>
-              <a:rPr lang="hu-HU" dirty="0" err="1"/>
-              <a:t>Zsolti</a:t>
-            </a:r>
-            <a:r>
-              <a:rPr lang="hu-HU" dirty="0"/>
-              <a:t> része a projektben</a:t>
-            </a:r>
-          </a:p>
-        </p:txBody>
-      </p:sp>
-      <p:sp>
-        <p:nvSpPr>
-          <p:cNvPr id="3" name="Tartalom helye 2">
-            <a:extLst>
-              <a:ext uri="{FF2B5EF4-FFF2-40B4-BE49-F238E27FC236}">
-                <a16:creationId xmlns:a16="http://schemas.microsoft.com/office/drawing/2014/main" id="{F7122EFB-A6F8-4D4B-A610-672B42CC4E52}"/>
-              </a:ext>
-            </a:extLst>
-          </p:cNvPr>
-          <p:cNvSpPr>
-            <a:spLocks noGrp="1"/>
-          </p:cNvSpPr>
-          <p:nvPr>
-            <p:ph idx="1"/>
-          </p:nvPr>
-        </p:nvSpPr>
-        <p:spPr>
-          <a:xfrm>
-            <a:off x="3559945" y="763480"/>
-            <a:ext cx="7535746" cy="5255580"/>
-          </a:xfrm>
-        </p:spPr>
-        <p:txBody>
-          <a:bodyPr>
-            <a:normAutofit/>
-          </a:bodyPr>
-          <a:lstStyle/>
-          <a:p>
-            <a:r>
-              <a:rPr lang="hu-HU" sz="3600" b="1" u="sng" dirty="0"/>
-              <a:t>Frontend</a:t>
-            </a:r>
-            <a:r>
-              <a:rPr lang="hu-HU" sz="3600" dirty="0"/>
-              <a:t>: Posztok, Sajátposztok, Fiókbeállítás, </a:t>
-            </a:r>
-            <a:r>
-              <a:rPr lang="hu-HU" sz="3600" dirty="0" err="1"/>
-              <a:t>Navbár</a:t>
-            </a:r>
-            <a:r>
-              <a:rPr lang="hu-HU" sz="3600" dirty="0"/>
-              <a:t>, </a:t>
-            </a:r>
-            <a:r>
-              <a:rPr lang="hu-HU" sz="3600" dirty="0" err="1"/>
-              <a:t>Időpotfoglalás</a:t>
-            </a:r>
-            <a:r>
-              <a:rPr lang="hu-HU" sz="3600" dirty="0"/>
-              <a:t>, Prémium oldal, Posztot létrehozása, Dokumentáció írása</a:t>
-            </a:r>
-          </a:p>
-        </p:txBody>
-      </p:sp>
-    </p:spTree>
-    <p:extLst>
-      <p:ext uri="{BB962C8B-B14F-4D97-AF65-F5344CB8AC3E}">
-        <p14:creationId xmlns:p14="http://schemas.microsoft.com/office/powerpoint/2010/main" val="3009450887"/>
-      </p:ext>
-    </p:extLst>
-  </p:cSld>
-  <p:clrMapOvr>
-    <a:masterClrMapping/>
-  </p:clrMapOvr>
-</p:sld>
-</file>
-
-<file path=ppt/slides/slide14.xml><?xml version="1.0" encoding="utf-8"?>
-<p:sld xmlns:a="http://schemas.openxmlformats.org/drawingml/2006/main" xmlns:r="http://schemas.openxmlformats.org/officeDocument/2006/relationships" xmlns:p="http://schemas.openxmlformats.org/presentationml/2006/main">
-  <p:cSld>
-    <p:bg>
-      <p:bgPr>
-        <a:gradFill>
-          <a:gsLst>
-            <a:gs pos="0">
-              <a:schemeClr val="accent1">
-                <a:lumMod val="5000"/>
-                <a:lumOff val="95000"/>
-              </a:schemeClr>
-            </a:gs>
-            <a:gs pos="74000">
-              <a:schemeClr val="accent1">
-                <a:lumMod val="45000"/>
-                <a:lumOff val="55000"/>
-              </a:schemeClr>
-            </a:gs>
-            <a:gs pos="83000">
-              <a:schemeClr val="accent1">
-                <a:lumMod val="45000"/>
-                <a:lumOff val="55000"/>
-              </a:schemeClr>
-            </a:gs>
-            <a:gs pos="100000">
-              <a:schemeClr val="accent1">
-                <a:lumMod val="30000"/>
-                <a:lumOff val="70000"/>
-              </a:schemeClr>
-            </a:gs>
-          </a:gsLst>
-          <a:lin ang="5400000" scaled="1"/>
-        </a:gradFill>
-        <a:effectLst/>
-      </p:bgPr>
-    </p:bg>
-    <p:spTree>
-      <p:nvGrpSpPr>
-        <p:cNvPr id="1" name=""/>
-        <p:cNvGrpSpPr/>
-        <p:nvPr/>
-      </p:nvGrpSpPr>
-      <p:grpSpPr>
-        <a:xfrm>
-          <a:off x="0" y="0"/>
-          <a:ext cx="0" cy="0"/>
-          <a:chOff x="0" y="0"/>
-          <a:chExt cx="0" cy="0"/>
-        </a:xfrm>
-      </p:grpSpPr>
-      <p:sp>
-        <p:nvSpPr>
-          <p:cNvPr id="2" name="Cím 1">
-            <a:extLst>
-              <a:ext uri="{FF2B5EF4-FFF2-40B4-BE49-F238E27FC236}">
-                <a16:creationId xmlns:a16="http://schemas.microsoft.com/office/drawing/2014/main" id="{8316B2BF-8803-4A9F-B5D3-84891BB90F24}"/>
-              </a:ext>
-            </a:extLst>
-          </p:cNvPr>
-          <p:cNvSpPr>
-            <a:spLocks noGrp="1"/>
-          </p:cNvSpPr>
-          <p:nvPr>
-            <p:ph type="title"/>
-          </p:nvPr>
-        </p:nvSpPr>
-        <p:spPr/>
-        <p:txBody>
-          <a:bodyPr/>
-          <a:lstStyle/>
-          <a:p>
-            <a:r>
-              <a:rPr lang="hu-HU" dirty="0"/>
-              <a:t>Jani része a projektben </a:t>
-            </a:r>
-          </a:p>
-        </p:txBody>
-      </p:sp>
-      <p:sp>
-        <p:nvSpPr>
-          <p:cNvPr id="3" name="Tartalom helye 2">
-            <a:extLst>
-              <a:ext uri="{FF2B5EF4-FFF2-40B4-BE49-F238E27FC236}">
-                <a16:creationId xmlns:a16="http://schemas.microsoft.com/office/drawing/2014/main" id="{EC93BA92-B57F-4607-8046-F63B40608413}"/>
-              </a:ext>
-            </a:extLst>
-          </p:cNvPr>
-          <p:cNvSpPr>
-            <a:spLocks noGrp="1"/>
-          </p:cNvSpPr>
-          <p:nvPr>
-            <p:ph idx="1"/>
-          </p:nvPr>
-        </p:nvSpPr>
-        <p:spPr/>
-        <p:txBody>
-          <a:bodyPr>
-            <a:normAutofit/>
-          </a:bodyPr>
-          <a:lstStyle/>
-          <a:p>
-            <a:r>
-              <a:rPr lang="hu-HU" sz="3600" b="1" u="sng" dirty="0"/>
-              <a:t>Frontend</a:t>
-            </a:r>
-            <a:r>
-              <a:rPr lang="hu-HU" sz="3600" dirty="0"/>
-              <a:t>: A főoldal designja, Navbár, Posztok, Regisztráció, Bejelentkezés, Fiókbeállítás,  Időpontfoglalás, Poszt létrehozása,  Dokumentáció írása</a:t>
-            </a:r>
-          </a:p>
-        </p:txBody>
-      </p:sp>
-    </p:spTree>
-    <p:extLst>
-      <p:ext uri="{BB962C8B-B14F-4D97-AF65-F5344CB8AC3E}">
-        <p14:creationId xmlns:p14="http://schemas.microsoft.com/office/powerpoint/2010/main" val="1631206192"/>
-      </p:ext>
-    </p:extLst>
-  </p:cSld>
-  <p:clrMapOvr>
-    <a:masterClrMapping/>
-  </p:clrMapOvr>
-</p:sld>
-</file>
-
-<file path=ppt/slides/slide15.xml><?xml version="1.0" encoding="utf-8"?>
-<p:sld xmlns:a="http://schemas.openxmlformats.org/drawingml/2006/main" xmlns:r="http://schemas.openxmlformats.org/officeDocument/2006/relationships" xmlns:p="http://schemas.openxmlformats.org/presentationml/2006/main">
-  <p:cSld>
-    <p:bg>
-      <p:bgPr>
-        <a:gradFill>
-          <a:gsLst>
-            <a:gs pos="0">
-              <a:schemeClr val="accent1">
-                <a:lumMod val="5000"/>
-                <a:lumOff val="95000"/>
-              </a:schemeClr>
-            </a:gs>
-            <a:gs pos="74000">
-              <a:schemeClr val="accent1">
-                <a:lumMod val="45000"/>
-                <a:lumOff val="55000"/>
-              </a:schemeClr>
-            </a:gs>
-            <a:gs pos="83000">
-              <a:schemeClr val="accent1">
-                <a:lumMod val="45000"/>
-                <a:lumOff val="55000"/>
-              </a:schemeClr>
-            </a:gs>
-            <a:gs pos="100000">
-              <a:schemeClr val="accent1">
-                <a:lumMod val="30000"/>
-                <a:lumOff val="70000"/>
-              </a:schemeClr>
-            </a:gs>
-          </a:gsLst>
-          <a:lin ang="5400000" scaled="1"/>
-        </a:gradFill>
-        <a:effectLst/>
-      </p:bgPr>
-    </p:bg>
-    <p:spTree>
-      <p:nvGrpSpPr>
-        <p:cNvPr id="1" name=""/>
-        <p:cNvGrpSpPr/>
-        <p:nvPr/>
-      </p:nvGrpSpPr>
-      <p:grpSpPr>
-        <a:xfrm>
-          <a:off x="0" y="0"/>
-          <a:ext cx="0" cy="0"/>
-          <a:chOff x="0" y="0"/>
-          <a:chExt cx="0" cy="0"/>
-        </a:xfrm>
-      </p:grpSpPr>
-      <p:sp>
-        <p:nvSpPr>
-          <p:cNvPr id="2" name="Cím 1">
-            <a:extLst>
-              <a:ext uri="{FF2B5EF4-FFF2-40B4-BE49-F238E27FC236}">
-                <a16:creationId xmlns:a16="http://schemas.microsoft.com/office/drawing/2014/main" id="{A52CBAFF-020C-4F2F-99AC-3148A3DDEEAD}"/>
-              </a:ext>
-            </a:extLst>
-          </p:cNvPr>
-          <p:cNvSpPr>
-            <a:spLocks noGrp="1"/>
-          </p:cNvSpPr>
-          <p:nvPr>
-            <p:ph type="title"/>
-          </p:nvPr>
-        </p:nvSpPr>
-        <p:spPr/>
-        <p:txBody>
-          <a:bodyPr/>
-          <a:lstStyle/>
-          <a:p>
-            <a:r>
-              <a:rPr lang="hu-HU" dirty="0"/>
-              <a:t>Gergő része a programban</a:t>
-            </a:r>
-          </a:p>
-        </p:txBody>
-      </p:sp>
-      <p:sp>
-        <p:nvSpPr>
-          <p:cNvPr id="3" name="Tartalom helye 2">
-            <a:extLst>
-              <a:ext uri="{FF2B5EF4-FFF2-40B4-BE49-F238E27FC236}">
-                <a16:creationId xmlns:a16="http://schemas.microsoft.com/office/drawing/2014/main" id="{62B0FF1A-916F-4B7F-BC5A-8B6096E72C4C}"/>
-              </a:ext>
-            </a:extLst>
-          </p:cNvPr>
-          <p:cNvSpPr>
-            <a:spLocks noGrp="1"/>
-          </p:cNvSpPr>
-          <p:nvPr>
-            <p:ph idx="1"/>
-          </p:nvPr>
-        </p:nvSpPr>
-        <p:spPr/>
-        <p:txBody>
-          <a:bodyPr>
-            <a:normAutofit/>
-          </a:bodyPr>
-          <a:lstStyle/>
-          <a:p>
-            <a:r>
-              <a:rPr lang="hu-HU" sz="3600" b="1" u="sng" dirty="0"/>
-              <a:t>Frontend</a:t>
-            </a:r>
-            <a:r>
-              <a:rPr lang="hu-HU" sz="3600" dirty="0"/>
-              <a:t>: Regisztráció, Bejelentkezés, Időpontfoglalás, Üzenetek, Jelszó, Profilkép, Képek, Posztok.</a:t>
-            </a:r>
-          </a:p>
-          <a:p>
-            <a:r>
-              <a:rPr lang="hu-HU" sz="3600" b="1" u="sng" dirty="0"/>
-              <a:t>Backend</a:t>
-            </a:r>
-            <a:r>
-              <a:rPr lang="hu-HU" sz="3600" dirty="0"/>
-              <a:t>: ezekhez az oldalakhoz  a lekérdezések és a server.js</a:t>
-            </a:r>
-          </a:p>
-        </p:txBody>
-      </p:sp>
-    </p:spTree>
-    <p:extLst>
-      <p:ext uri="{BB962C8B-B14F-4D97-AF65-F5344CB8AC3E}">
-        <p14:creationId xmlns:p14="http://schemas.microsoft.com/office/powerpoint/2010/main" val="2229165521"/>
-      </p:ext>
-    </p:extLst>
-  </p:cSld>
-  <p:clrMapOvr>
-    <a:masterClrMapping/>
-  </p:clrMapOvr>
-</p:sld>
-</file>
-
-<file path=ppt/slides/slide16.xml><?xml version="1.0" encoding="utf-8"?>
 <p:sld xmlns:a="http://schemas.openxmlformats.org/drawingml/2006/main" xmlns:r="http://schemas.openxmlformats.org/officeDocument/2006/relationships" xmlns:p="http://schemas.openxmlformats.org/presentationml/2006/main">
   <p:cSld>
     <p:spTree>
@@ -9972,10 +12031,10 @@
       </p:grpSpPr>
       <p:sp>
         <p:nvSpPr>
-          <p:cNvPr id="2" name="Cím 1">
+          <p:cNvPr id="2" name="Title 1">
             <a:extLst>
               <a:ext uri="{FF2B5EF4-FFF2-40B4-BE49-F238E27FC236}">
-                <a16:creationId xmlns:a16="http://schemas.microsoft.com/office/drawing/2014/main" id="{39AFD6F5-BAF7-4236-87B8-4CFCFAD1F151}"/>
+                <a16:creationId xmlns:a16="http://schemas.microsoft.com/office/drawing/2014/main" id="{99E41E5B-E1A1-8A6A-1B1B-572CED4B5499}"/>
               </a:ext>
             </a:extLst>
           </p:cNvPr>
@@ -9992,18 +12051,128 @@
           <a:lstStyle/>
           <a:p>
             <a:r>
+              <a:rPr lang="hu-HU" dirty="0" err="1"/>
+              <a:t>Future</a:t>
+            </a:r>
+            <a:r>
               <a:rPr lang="hu-HU" dirty="0"/>
-              <a:t>Pár illusztráció az oldalról</a:t>
-            </a:r>
+              <a:t> </a:t>
+            </a:r>
+            <a:r>
+              <a:rPr lang="hu-HU" dirty="0" err="1"/>
+              <a:t>plans</a:t>
+            </a:r>
+            <a:endParaRPr lang="hu-HU" dirty="0"/>
+          </a:p>
+        </p:txBody>
+      </p:sp>
+      <p:sp>
+        <p:nvSpPr>
+          <p:cNvPr id="3" name="Content Placeholder 2">
+            <a:extLst>
+              <a:ext uri="{FF2B5EF4-FFF2-40B4-BE49-F238E27FC236}">
+                <a16:creationId xmlns:a16="http://schemas.microsoft.com/office/drawing/2014/main" id="{2E8AAC55-8644-7066-0F8C-FC3A2966B6BF}"/>
+              </a:ext>
+            </a:extLst>
+          </p:cNvPr>
+          <p:cNvSpPr>
+            <a:spLocks noGrp="1"/>
+          </p:cNvSpPr>
+          <p:nvPr>
+            <p:ph idx="1"/>
+          </p:nvPr>
+        </p:nvSpPr>
+        <p:spPr>
+          <a:xfrm>
+            <a:off x="3812978" y="1794928"/>
+            <a:ext cx="2458230" cy="1862983"/>
+          </a:xfrm>
+        </p:spPr>
+        <p:txBody>
+          <a:bodyPr/>
+          <a:lstStyle/>
+          <a:p>
+            <a:r>
+              <a:rPr lang="hu-HU" dirty="0" err="1"/>
+              <a:t>User’s</a:t>
+            </a:r>
+            <a:r>
+              <a:rPr lang="hu-HU" dirty="0"/>
+              <a:t> </a:t>
+            </a:r>
+            <a:r>
+              <a:rPr lang="hu-HU" dirty="0" err="1"/>
+              <a:t>posts</a:t>
+            </a:r>
+            <a:endParaRPr lang="hu-HU" dirty="0"/>
+          </a:p>
+          <a:p>
+            <a:r>
+              <a:rPr lang="hu-HU" dirty="0" err="1"/>
+              <a:t>Number</a:t>
+            </a:r>
+            <a:r>
+              <a:rPr lang="hu-HU" dirty="0"/>
+              <a:t> of </a:t>
+            </a:r>
+            <a:r>
+              <a:rPr lang="hu-HU" dirty="0" err="1"/>
+              <a:t>pictures</a:t>
+            </a:r>
+            <a:r>
+              <a:rPr lang="hu-HU" dirty="0"/>
+              <a:t> </a:t>
+            </a:r>
+            <a:r>
+              <a:rPr lang="hu-HU" dirty="0" err="1"/>
+              <a:t>uploaded</a:t>
+            </a:r>
+            <a:endParaRPr lang="hu-HU" dirty="0"/>
+          </a:p>
+          <a:p>
+            <a:r>
+              <a:rPr lang="hu-HU" dirty="0"/>
+              <a:t>Post </a:t>
+            </a:r>
+            <a:r>
+              <a:rPr lang="hu-HU" dirty="0" err="1"/>
+              <a:t>priority</a:t>
+            </a:r>
+            <a:endParaRPr lang="hu-HU" dirty="0"/>
+          </a:p>
+        </p:txBody>
+      </p:sp>
+      <p:sp>
+        <p:nvSpPr>
+          <p:cNvPr id="4" name="Text Placeholder 3">
+            <a:extLst>
+              <a:ext uri="{FF2B5EF4-FFF2-40B4-BE49-F238E27FC236}">
+                <a16:creationId xmlns:a16="http://schemas.microsoft.com/office/drawing/2014/main" id="{3F2CB125-CA16-F949-6439-6638F25DD8E2}"/>
+              </a:ext>
+            </a:extLst>
+          </p:cNvPr>
+          <p:cNvSpPr>
+            <a:spLocks noGrp="1"/>
+          </p:cNvSpPr>
+          <p:nvPr>
+            <p:ph type="body" sz="half" idx="2"/>
+          </p:nvPr>
+        </p:nvSpPr>
+        <p:spPr/>
+        <p:txBody>
+          <a:bodyPr/>
+          <a:lstStyle/>
+          <a:p>
+            <a:endParaRPr lang="hu-HU"/>
           </a:p>
         </p:txBody>
       </p:sp>
       <p:pic>
         <p:nvPicPr>
-          <p:cNvPr id="4" name="Tartalom helye 3">
+          <p:cNvPr id="11" name="Content Placeholder 10">
             <a:extLst>
               <a:ext uri="{FF2B5EF4-FFF2-40B4-BE49-F238E27FC236}">
-                <a16:creationId xmlns:a16="http://schemas.microsoft.com/office/drawing/2014/main" id="{235D8546-D9AC-4F3E-8408-7FE0461BDA98}"/>
+                <a16:creationId xmlns:a16="http://schemas.microsoft.com/office/drawing/2014/main" id="{51DFF25C-DEB1-94D4-BF26-10D72609DC1A}"/>
               </a:ext>
             </a:extLst>
           </p:cNvPr>
@@ -10011,19 +12180,178 @@
             <a:picLocks noGrp="1" noChangeAspect="1"/>
           </p:cNvPicPr>
           <p:nvPr>
-            <p:ph idx="1"/>
+            <p:ph idx="13"/>
           </p:nvPr>
         </p:nvPicPr>
         <p:blipFill>
-          <a:blip r:embed="rId2"/>
+          <a:blip r:embed="rId3"/>
           <a:stretch>
             <a:fillRect/>
           </a:stretch>
         </p:blipFill>
         <p:spPr>
           <a:xfrm>
-            <a:off x="5202706" y="0"/>
-            <a:ext cx="6989294" cy="3354861"/>
+            <a:off x="6776156" y="1794928"/>
+            <a:ext cx="1703616" cy="3398495"/>
+          </a:xfrm>
+        </p:spPr>
+      </p:pic>
+      <p:sp>
+        <p:nvSpPr>
+          <p:cNvPr id="7" name="Text Placeholder 6">
+            <a:extLst>
+              <a:ext uri="{FF2B5EF4-FFF2-40B4-BE49-F238E27FC236}">
+                <a16:creationId xmlns:a16="http://schemas.microsoft.com/office/drawing/2014/main" id="{3B72994D-F233-4326-C9A1-BED78E66DEF6}"/>
+              </a:ext>
+            </a:extLst>
+          </p:cNvPr>
+          <p:cNvSpPr>
+            <a:spLocks noGrp="1"/>
+          </p:cNvSpPr>
+          <p:nvPr>
+            <p:ph type="body" sz="quarter" idx="15"/>
+          </p:nvPr>
+        </p:nvSpPr>
+        <p:spPr>
+          <a:xfrm>
+            <a:off x="3906981" y="818525"/>
+            <a:ext cx="2477419" cy="803275"/>
+          </a:xfrm>
+        </p:spPr>
+        <p:txBody>
+          <a:bodyPr/>
+          <a:lstStyle/>
+          <a:p>
+            <a:r>
+              <a:rPr lang="hu-HU" dirty="0"/>
+              <a:t>Premium </a:t>
+            </a:r>
+            <a:r>
+              <a:rPr lang="hu-HU" dirty="0" err="1"/>
+              <a:t>subscription</a:t>
+            </a:r>
+            <a:endParaRPr lang="hu-HU" dirty="0"/>
+          </a:p>
+        </p:txBody>
+      </p:sp>
+      <p:sp>
+        <p:nvSpPr>
+          <p:cNvPr id="8" name="Text Placeholder 7">
+            <a:extLst>
+              <a:ext uri="{FF2B5EF4-FFF2-40B4-BE49-F238E27FC236}">
+                <a16:creationId xmlns:a16="http://schemas.microsoft.com/office/drawing/2014/main" id="{C77A2253-6D9D-D52C-6183-9384C3478EFC}"/>
+              </a:ext>
+            </a:extLst>
+          </p:cNvPr>
+          <p:cNvSpPr>
+            <a:spLocks noGrp="1"/>
+          </p:cNvSpPr>
+          <p:nvPr>
+            <p:ph type="body" sz="quarter" idx="16"/>
+          </p:nvPr>
+        </p:nvSpPr>
+        <p:spPr>
+          <a:xfrm>
+            <a:off x="6491804" y="818525"/>
+            <a:ext cx="2477419" cy="803275"/>
+          </a:xfrm>
+        </p:spPr>
+        <p:txBody>
+          <a:bodyPr/>
+          <a:lstStyle/>
+          <a:p>
+            <a:r>
+              <a:rPr lang="hu-HU" dirty="0"/>
+              <a:t>Mobil </a:t>
+            </a:r>
+            <a:r>
+              <a:rPr lang="hu-HU" dirty="0" err="1"/>
+              <a:t>application</a:t>
+            </a:r>
+            <a:endParaRPr lang="hu-HU" dirty="0"/>
+          </a:p>
+        </p:txBody>
+      </p:sp>
+      <p:sp>
+        <p:nvSpPr>
+          <p:cNvPr id="9" name="Text Placeholder 8">
+            <a:extLst>
+              <a:ext uri="{FF2B5EF4-FFF2-40B4-BE49-F238E27FC236}">
+                <a16:creationId xmlns:a16="http://schemas.microsoft.com/office/drawing/2014/main" id="{06F92EFD-4527-1665-2FB8-6A3DED452AED}"/>
+              </a:ext>
+            </a:extLst>
+          </p:cNvPr>
+          <p:cNvSpPr>
+            <a:spLocks noGrp="1"/>
+          </p:cNvSpPr>
+          <p:nvPr>
+            <p:ph type="body" sz="quarter" idx="17"/>
+          </p:nvPr>
+        </p:nvSpPr>
+        <p:spPr>
+          <a:xfrm>
+            <a:off x="9086223" y="726393"/>
+            <a:ext cx="2689882" cy="987540"/>
+          </a:xfrm>
+        </p:spPr>
+        <p:txBody>
+          <a:bodyPr>
+            <a:normAutofit/>
+          </a:bodyPr>
+          <a:lstStyle/>
+          <a:p>
+            <a:r>
+              <a:rPr lang="hu-HU" dirty="0"/>
+              <a:t>Design </a:t>
+            </a:r>
+            <a:r>
+              <a:rPr lang="hu-HU" dirty="0" err="1"/>
+              <a:t>change</a:t>
+            </a:r>
+            <a:r>
+              <a:rPr lang="hu-HU" dirty="0"/>
+              <a:t> / </a:t>
+            </a:r>
+            <a:r>
+              <a:rPr lang="hu-HU" dirty="0" err="1"/>
+              <a:t>userfriendly</a:t>
+            </a:r>
+            <a:r>
+              <a:rPr lang="hu-HU" dirty="0"/>
+              <a:t> </a:t>
+            </a:r>
+            <a:r>
+              <a:rPr lang="hu-HU" dirty="0" err="1"/>
+              <a:t>interface</a:t>
+            </a:r>
+            <a:endParaRPr lang="hu-HU" dirty="0"/>
+          </a:p>
+        </p:txBody>
+      </p:sp>
+      <p:pic>
+        <p:nvPicPr>
+          <p:cNvPr id="12" name="Kép 5">
+            <a:extLst>
+              <a:ext uri="{FF2B5EF4-FFF2-40B4-BE49-F238E27FC236}">
+                <a16:creationId xmlns:a16="http://schemas.microsoft.com/office/drawing/2014/main" id="{F3C96771-9AF1-9A7B-4B11-F6F2413C90F3}"/>
+              </a:ext>
+            </a:extLst>
+          </p:cNvPr>
+          <p:cNvPicPr>
+            <a:picLocks noChangeAspect="1"/>
+          </p:cNvPicPr>
+          <p:nvPr/>
+        </p:nvPicPr>
+        <p:blipFill>
+          <a:blip r:embed="rId4"/>
+          <a:stretch>
+            <a:fillRect/>
+          </a:stretch>
+        </p:blipFill>
+        <p:spPr>
+          <a:xfrm>
+            <a:off x="6933000" y="2508871"/>
+            <a:ext cx="1380194" cy="920129"/>
           </a:xfrm>
           <a:prstGeom prst="rect">
             <a:avLst/>
@@ -10032,10 +12360,190 @@
       </p:pic>
       <p:pic>
         <p:nvPicPr>
-          <p:cNvPr id="5" name="Kép 4">
+          <p:cNvPr id="14" name="Picture 13">
             <a:extLst>
               <a:ext uri="{FF2B5EF4-FFF2-40B4-BE49-F238E27FC236}">
-                <a16:creationId xmlns:a16="http://schemas.microsoft.com/office/drawing/2014/main" id="{75310465-F33E-4D9F-8D61-4A62427F326F}"/>
+                <a16:creationId xmlns:a16="http://schemas.microsoft.com/office/drawing/2014/main" id="{DF91EB4D-EB2F-9B34-D720-244F26DA2107}"/>
+              </a:ext>
+            </a:extLst>
+          </p:cNvPr>
+          <p:cNvPicPr>
+            <a:picLocks noChangeAspect="1"/>
+          </p:cNvPicPr>
+          <p:nvPr/>
+        </p:nvPicPr>
+        <p:blipFill>
+          <a:blip r:embed="rId5"/>
+          <a:stretch>
+            <a:fillRect/>
+          </a:stretch>
+        </p:blipFill>
+        <p:spPr>
+          <a:xfrm>
+            <a:off x="3595620" y="3728430"/>
+            <a:ext cx="2912761" cy="2321990"/>
+          </a:xfrm>
+          <a:prstGeom prst="rect">
+            <a:avLst/>
+          </a:prstGeom>
+        </p:spPr>
+      </p:pic>
+      <p:sp>
+        <p:nvSpPr>
+          <p:cNvPr id="15" name="Content Placeholder 14">
+            <a:extLst>
+              <a:ext uri="{FF2B5EF4-FFF2-40B4-BE49-F238E27FC236}">
+                <a16:creationId xmlns:a16="http://schemas.microsoft.com/office/drawing/2014/main" id="{2C18A54D-2226-DF7E-40DB-B6C1829A4E8D}"/>
+              </a:ext>
+            </a:extLst>
+          </p:cNvPr>
+          <p:cNvSpPr>
+            <a:spLocks noGrp="1"/>
+          </p:cNvSpPr>
+          <p:nvPr>
+            <p:ph idx="14"/>
+          </p:nvPr>
+        </p:nvSpPr>
+        <p:spPr/>
+        <p:txBody>
+          <a:bodyPr/>
+          <a:lstStyle/>
+          <a:p>
+            <a:endParaRPr lang="hu-HU"/>
+          </a:p>
+        </p:txBody>
+      </p:sp>
+      <p:pic>
+        <p:nvPicPr>
+          <p:cNvPr id="17" name="Picture 16">
+            <a:extLst>
+              <a:ext uri="{FF2B5EF4-FFF2-40B4-BE49-F238E27FC236}">
+                <a16:creationId xmlns:a16="http://schemas.microsoft.com/office/drawing/2014/main" id="{5AAF58D8-438E-FFF7-B9B5-B31C9015DB6D}"/>
+              </a:ext>
+            </a:extLst>
+          </p:cNvPr>
+          <p:cNvPicPr>
+            <a:picLocks noChangeAspect="1"/>
+          </p:cNvPicPr>
+          <p:nvPr/>
+        </p:nvPicPr>
+        <p:blipFill>
+          <a:blip r:embed="rId6"/>
+          <a:stretch>
+            <a:fillRect/>
+          </a:stretch>
+        </p:blipFill>
+        <p:spPr>
+          <a:xfrm>
+            <a:off x="8683295" y="1792607"/>
+            <a:ext cx="3092810" cy="1527254"/>
+          </a:xfrm>
+          <a:prstGeom prst="rect">
+            <a:avLst/>
+          </a:prstGeom>
+        </p:spPr>
+      </p:pic>
+    </p:spTree>
+    <p:extLst>
+      <p:ext uri="{BB962C8B-B14F-4D97-AF65-F5344CB8AC3E}">
+        <p14:creationId xmlns:p14="http://schemas.microsoft.com/office/powerpoint/2010/main" val="532661682"/>
+      </p:ext>
+    </p:extLst>
+  </p:cSld>
+  <p:clrMapOvr>
+    <a:masterClrMapping/>
+  </p:clrMapOvr>
+  <mc:AlternateContent xmlns:mc="http://schemas.openxmlformats.org/markup-compatibility/2006">
+    <mc:Choice xmlns:p14="http://schemas.microsoft.com/office/powerpoint/2010/main" Requires="p14">
+      <p:transition spd="slow" p14:dur="1300">
+        <p14:pan dir="u"/>
+      </p:transition>
+    </mc:Choice>
+    <mc:Fallback>
+      <p:transition spd="slow">
+        <p:fade/>
+      </p:transition>
+    </mc:Fallback>
+  </mc:AlternateContent>
+</p:sld>
+</file>
+
+<file path=ppt/slides/slide14.xml><?xml version="1.0" encoding="utf-8"?>
+<p:sld xmlns:a="http://schemas.openxmlformats.org/drawingml/2006/main" xmlns:r="http://schemas.openxmlformats.org/officeDocument/2006/relationships" xmlns:p="http://schemas.openxmlformats.org/presentationml/2006/main">
+  <p:cSld>
+    <p:spTree>
+      <p:nvGrpSpPr>
+        <p:cNvPr id="1" name=""/>
+        <p:cNvGrpSpPr/>
+        <p:nvPr/>
+      </p:nvGrpSpPr>
+      <p:grpSpPr>
+        <a:xfrm>
+          <a:off x="0" y="0"/>
+          <a:ext cx="0" cy="0"/>
+          <a:chOff x="0" y="0"/>
+          <a:chExt cx="0" cy="0"/>
+        </a:xfrm>
+      </p:grpSpPr>
+      <p:sp>
+        <p:nvSpPr>
+          <p:cNvPr id="2" name="Title 1">
+            <a:extLst>
+              <a:ext uri="{FF2B5EF4-FFF2-40B4-BE49-F238E27FC236}">
+                <a16:creationId xmlns:a16="http://schemas.microsoft.com/office/drawing/2014/main" id="{4C5DBFE1-679D-7462-F840-8F0806D4A6E0}"/>
+              </a:ext>
+            </a:extLst>
+          </p:cNvPr>
+          <p:cNvSpPr>
+            <a:spLocks noGrp="1"/>
+          </p:cNvSpPr>
+          <p:nvPr>
+            <p:ph type="ctrTitle"/>
+          </p:nvPr>
+        </p:nvSpPr>
+        <p:spPr/>
+        <p:txBody>
+          <a:bodyPr/>
+          <a:lstStyle/>
+          <a:p>
+            <a:r>
+              <a:rPr lang="hu-HU" dirty="0"/>
+              <a:t>Weboldal bemutatása</a:t>
+            </a:r>
+          </a:p>
+        </p:txBody>
+      </p:sp>
+      <p:sp>
+        <p:nvSpPr>
+          <p:cNvPr id="3" name="Subtitle 2">
+            <a:extLst>
+              <a:ext uri="{FF2B5EF4-FFF2-40B4-BE49-F238E27FC236}">
+                <a16:creationId xmlns:a16="http://schemas.microsoft.com/office/drawing/2014/main" id="{E8A497F2-3880-3EAC-2B88-D3BB561F4E8F}"/>
+              </a:ext>
+            </a:extLst>
+          </p:cNvPr>
+          <p:cNvSpPr>
+            <a:spLocks noGrp="1"/>
+          </p:cNvSpPr>
+          <p:nvPr>
+            <p:ph type="subTitle" idx="1"/>
+          </p:nvPr>
+        </p:nvSpPr>
+        <p:spPr/>
+        <p:txBody>
+          <a:bodyPr/>
+          <a:lstStyle/>
+          <a:p>
+            <a:endParaRPr lang="hu-HU"/>
+          </a:p>
+        </p:txBody>
+      </p:sp>
+      <p:pic>
+        <p:nvPicPr>
+          <p:cNvPr id="4" name="Kép 5">
+            <a:extLst>
+              <a:ext uri="{FF2B5EF4-FFF2-40B4-BE49-F238E27FC236}">
+                <a16:creationId xmlns:a16="http://schemas.microsoft.com/office/drawing/2014/main" id="{19EB0715-B0FD-DC37-53EB-D7C1F675E501}"/>
               </a:ext>
             </a:extLst>
           </p:cNvPr>
@@ -10052,427 +12560,40 @@
         </p:blipFill>
         <p:spPr>
           <a:xfrm>
-            <a:off x="5202706" y="3593708"/>
-            <a:ext cx="6989294" cy="3278908"/>
+            <a:off x="9376828" y="2380084"/>
+            <a:ext cx="2747695" cy="1831796"/>
           </a:xfrm>
           <a:prstGeom prst="rect">
             <a:avLst/>
           </a:prstGeom>
         </p:spPr>
       </p:pic>
-      <p:sp>
-        <p:nvSpPr>
-          <p:cNvPr id="6" name="Téglalap 5">
-            <a:extLst>
-              <a:ext uri="{FF2B5EF4-FFF2-40B4-BE49-F238E27FC236}">
-                <a16:creationId xmlns:a16="http://schemas.microsoft.com/office/drawing/2014/main" id="{46F5A972-66CD-487D-88DA-159F10EAC553}"/>
-              </a:ext>
-            </a:extLst>
-          </p:cNvPr>
-          <p:cNvSpPr/>
-          <p:nvPr/>
-        </p:nvSpPr>
-        <p:spPr>
-          <a:xfrm>
-            <a:off x="3590600" y="1600948"/>
-            <a:ext cx="1486225" cy="808120"/>
-          </a:xfrm>
-          <a:prstGeom prst="rect">
-            <a:avLst/>
-          </a:prstGeom>
-        </p:spPr>
-        <p:style>
-          <a:lnRef idx="2">
-            <a:schemeClr val="accent6"/>
-          </a:lnRef>
-          <a:fillRef idx="1">
-            <a:schemeClr val="lt1"/>
-          </a:fillRef>
-          <a:effectRef idx="0">
-            <a:schemeClr val="accent6"/>
-          </a:effectRef>
-          <a:fontRef idx="minor">
-            <a:schemeClr val="dk1"/>
-          </a:fontRef>
-        </p:style>
-        <p:txBody>
-          <a:bodyPr rtlCol="0" anchor="ctr"/>
-          <a:lstStyle/>
-          <a:p>
-            <a:pPr algn="ctr"/>
-            <a:r>
-              <a:rPr lang="hu-HU" dirty="0"/>
-              <a:t>Főoldal</a:t>
-            </a:r>
-          </a:p>
-        </p:txBody>
-      </p:sp>
-      <p:sp>
-        <p:nvSpPr>
-          <p:cNvPr id="7" name="Téglalap 6">
-            <a:extLst>
-              <a:ext uri="{FF2B5EF4-FFF2-40B4-BE49-F238E27FC236}">
-                <a16:creationId xmlns:a16="http://schemas.microsoft.com/office/drawing/2014/main" id="{AD573B09-5144-4C2E-83B2-095175303D29}"/>
-              </a:ext>
-            </a:extLst>
-          </p:cNvPr>
-          <p:cNvSpPr/>
-          <p:nvPr/>
-        </p:nvSpPr>
-        <p:spPr>
-          <a:xfrm>
-            <a:off x="3526386" y="4448932"/>
-            <a:ext cx="1550439" cy="808120"/>
-          </a:xfrm>
-          <a:prstGeom prst="rect">
-            <a:avLst/>
-          </a:prstGeom>
-        </p:spPr>
-        <p:style>
-          <a:lnRef idx="2">
-            <a:schemeClr val="accent6"/>
-          </a:lnRef>
-          <a:fillRef idx="1">
-            <a:schemeClr val="lt1"/>
-          </a:fillRef>
-          <a:effectRef idx="0">
-            <a:schemeClr val="accent6"/>
-          </a:effectRef>
-          <a:fontRef idx="minor">
-            <a:schemeClr val="dk1"/>
-          </a:fontRef>
-        </p:style>
-        <p:txBody>
-          <a:bodyPr rtlCol="0" anchor="ctr"/>
-          <a:lstStyle/>
-          <a:p>
-            <a:pPr algn="ctr"/>
-            <a:r>
-              <a:rPr lang="hu-HU" dirty="0"/>
-              <a:t>Posztok</a:t>
-            </a:r>
-          </a:p>
-        </p:txBody>
-      </p:sp>
     </p:spTree>
     <p:extLst>
       <p:ext uri="{BB962C8B-B14F-4D97-AF65-F5344CB8AC3E}">
-        <p14:creationId xmlns:p14="http://schemas.microsoft.com/office/powerpoint/2010/main" val="2994534977"/>
+        <p14:creationId xmlns:p14="http://schemas.microsoft.com/office/powerpoint/2010/main" val="259879565"/>
       </p:ext>
     </p:extLst>
   </p:cSld>
   <p:clrMapOvr>
     <a:masterClrMapping/>
   </p:clrMapOvr>
+  <mc:AlternateContent xmlns:mc="http://schemas.openxmlformats.org/markup-compatibility/2006">
+    <mc:Choice xmlns:p14="http://schemas.microsoft.com/office/powerpoint/2010/main" Requires="p14">
+      <p:transition spd="slow" p14:dur="1300">
+        <p14:pan dir="u"/>
+      </p:transition>
+    </mc:Choice>
+    <mc:Fallback>
+      <p:transition spd="slow">
+        <p:fade/>
+      </p:transition>
+    </mc:Fallback>
+  </mc:AlternateContent>
 </p:sld>
 </file>
 
-<file path=ppt/slides/slide17.xml><?xml version="1.0" encoding="utf-8"?>
-<p:sld xmlns:a="http://schemas.openxmlformats.org/drawingml/2006/main" xmlns:r="http://schemas.openxmlformats.org/officeDocument/2006/relationships" xmlns:p="http://schemas.openxmlformats.org/presentationml/2006/main">
-  <p:cSld>
-    <p:spTree>
-      <p:nvGrpSpPr>
-        <p:cNvPr id="1" name=""/>
-        <p:cNvGrpSpPr/>
-        <p:nvPr/>
-      </p:nvGrpSpPr>
-      <p:grpSpPr>
-        <a:xfrm>
-          <a:off x="0" y="0"/>
-          <a:ext cx="0" cy="0"/>
-          <a:chOff x="0" y="0"/>
-          <a:chExt cx="0" cy="0"/>
-        </a:xfrm>
-      </p:grpSpPr>
-      <p:sp>
-        <p:nvSpPr>
-          <p:cNvPr id="2" name="Cím 1">
-            <a:extLst>
-              <a:ext uri="{FF2B5EF4-FFF2-40B4-BE49-F238E27FC236}">
-                <a16:creationId xmlns:a16="http://schemas.microsoft.com/office/drawing/2014/main" id="{00774589-C98E-4D21-8491-60A8C21BF26C}"/>
-              </a:ext>
-            </a:extLst>
-          </p:cNvPr>
-          <p:cNvSpPr>
-            <a:spLocks noGrp="1"/>
-          </p:cNvSpPr>
-          <p:nvPr>
-            <p:ph type="title"/>
-          </p:nvPr>
-        </p:nvSpPr>
-        <p:spPr/>
-        <p:txBody>
-          <a:bodyPr/>
-          <a:lstStyle/>
-          <a:p>
-            <a:r>
-              <a:rPr lang="hu-HU" dirty="0"/>
-              <a:t>Pár illusztráció az oldalról</a:t>
-            </a:r>
-          </a:p>
-        </p:txBody>
-      </p:sp>
-      <p:pic>
-        <p:nvPicPr>
-          <p:cNvPr id="4" name="Tartalom helye 3">
-            <a:extLst>
-              <a:ext uri="{FF2B5EF4-FFF2-40B4-BE49-F238E27FC236}">
-                <a16:creationId xmlns:a16="http://schemas.microsoft.com/office/drawing/2014/main" id="{D858D7EF-EEB0-401C-969B-C0186D232F39}"/>
-              </a:ext>
-            </a:extLst>
-          </p:cNvPr>
-          <p:cNvPicPr>
-            <a:picLocks noGrp="1" noChangeAspect="1"/>
-          </p:cNvPicPr>
-          <p:nvPr>
-            <p:ph idx="1"/>
-          </p:nvPr>
-        </p:nvPicPr>
-        <p:blipFill>
-          <a:blip r:embed="rId2"/>
-          <a:stretch>
-            <a:fillRect/>
-          </a:stretch>
-        </p:blipFill>
-        <p:spPr>
-          <a:xfrm>
-            <a:off x="5442858" y="0"/>
-            <a:ext cx="6749142" cy="3248025"/>
-          </a:xfrm>
-          <a:prstGeom prst="rect">
-            <a:avLst/>
-          </a:prstGeom>
-        </p:spPr>
-      </p:pic>
-      <p:pic>
-        <p:nvPicPr>
-          <p:cNvPr id="5" name="Kép 4">
-            <a:extLst>
-              <a:ext uri="{FF2B5EF4-FFF2-40B4-BE49-F238E27FC236}">
-                <a16:creationId xmlns:a16="http://schemas.microsoft.com/office/drawing/2014/main" id="{EAD9ADF1-7E90-4942-9164-B7F1D033419A}"/>
-              </a:ext>
-            </a:extLst>
-          </p:cNvPr>
-          <p:cNvPicPr>
-            <a:picLocks noChangeAspect="1"/>
-          </p:cNvPicPr>
-          <p:nvPr/>
-        </p:nvPicPr>
-        <p:blipFill>
-          <a:blip r:embed="rId3"/>
-          <a:stretch>
-            <a:fillRect/>
-          </a:stretch>
-        </p:blipFill>
-        <p:spPr>
-          <a:xfrm>
-            <a:off x="5442857" y="3702776"/>
-            <a:ext cx="6749142" cy="3155224"/>
-          </a:xfrm>
-          <a:prstGeom prst="rect">
-            <a:avLst/>
-          </a:prstGeom>
-        </p:spPr>
-      </p:pic>
-      <p:sp>
-        <p:nvSpPr>
-          <p:cNvPr id="6" name="Téglalap 5">
-            <a:extLst>
-              <a:ext uri="{FF2B5EF4-FFF2-40B4-BE49-F238E27FC236}">
-                <a16:creationId xmlns:a16="http://schemas.microsoft.com/office/drawing/2014/main" id="{28FCFF44-9464-45D7-B931-2E8494E98ECE}"/>
-              </a:ext>
-            </a:extLst>
-          </p:cNvPr>
-          <p:cNvSpPr/>
-          <p:nvPr/>
-        </p:nvSpPr>
-        <p:spPr>
-          <a:xfrm>
-            <a:off x="3705224" y="1343025"/>
-            <a:ext cx="1514475" cy="914400"/>
-          </a:xfrm>
-          <a:prstGeom prst="rect">
-            <a:avLst/>
-          </a:prstGeom>
-        </p:spPr>
-        <p:style>
-          <a:lnRef idx="2">
-            <a:schemeClr val="accent6"/>
-          </a:lnRef>
-          <a:fillRef idx="1">
-            <a:schemeClr val="lt1"/>
-          </a:fillRef>
-          <a:effectRef idx="0">
-            <a:schemeClr val="accent6"/>
-          </a:effectRef>
-          <a:fontRef idx="minor">
-            <a:schemeClr val="dk1"/>
-          </a:fontRef>
-        </p:style>
-        <p:txBody>
-          <a:bodyPr rtlCol="0" anchor="ctr"/>
-          <a:lstStyle/>
-          <a:p>
-            <a:pPr algn="ctr"/>
-            <a:r>
-              <a:rPr lang="hu-HU" dirty="0"/>
-              <a:t>Regisztráció</a:t>
-            </a:r>
-          </a:p>
-        </p:txBody>
-      </p:sp>
-      <p:sp>
-        <p:nvSpPr>
-          <p:cNvPr id="7" name="Téglalap 6">
-            <a:extLst>
-              <a:ext uri="{FF2B5EF4-FFF2-40B4-BE49-F238E27FC236}">
-                <a16:creationId xmlns:a16="http://schemas.microsoft.com/office/drawing/2014/main" id="{A032BEB4-5EF0-439A-825C-DB05ED7EFFAC}"/>
-              </a:ext>
-            </a:extLst>
-          </p:cNvPr>
-          <p:cNvSpPr/>
-          <p:nvPr/>
-        </p:nvSpPr>
-        <p:spPr>
-          <a:xfrm>
-            <a:off x="3705224" y="4438650"/>
-            <a:ext cx="1514476" cy="914400"/>
-          </a:xfrm>
-          <a:prstGeom prst="rect">
-            <a:avLst/>
-          </a:prstGeom>
-        </p:spPr>
-        <p:style>
-          <a:lnRef idx="2">
-            <a:schemeClr val="accent6"/>
-          </a:lnRef>
-          <a:fillRef idx="1">
-            <a:schemeClr val="lt1"/>
-          </a:fillRef>
-          <a:effectRef idx="0">
-            <a:schemeClr val="accent6"/>
-          </a:effectRef>
-          <a:fontRef idx="minor">
-            <a:schemeClr val="dk1"/>
-          </a:fontRef>
-        </p:style>
-        <p:txBody>
-          <a:bodyPr rtlCol="0" anchor="ctr"/>
-          <a:lstStyle/>
-          <a:p>
-            <a:pPr algn="ctr"/>
-            <a:r>
-              <a:rPr lang="hu-HU" dirty="0"/>
-              <a:t>Bejelentkezés</a:t>
-            </a:r>
-          </a:p>
-        </p:txBody>
-      </p:sp>
-    </p:spTree>
-    <p:extLst>
-      <p:ext uri="{BB962C8B-B14F-4D97-AF65-F5344CB8AC3E}">
-        <p14:creationId xmlns:p14="http://schemas.microsoft.com/office/powerpoint/2010/main" val="2480248420"/>
-      </p:ext>
-    </p:extLst>
-  </p:cSld>
-  <p:clrMapOvr>
-    <a:masterClrMapping/>
-  </p:clrMapOvr>
-</p:sld>
-</file>
-
-<file path=ppt/slides/slide18.xml><?xml version="1.0" encoding="utf-8"?>
-<p:sld xmlns:a="http://schemas.openxmlformats.org/drawingml/2006/main" xmlns:r="http://schemas.openxmlformats.org/officeDocument/2006/relationships" xmlns:p="http://schemas.openxmlformats.org/presentationml/2006/main">
-  <p:cSld>
-    <p:spTree>
-      <p:nvGrpSpPr>
-        <p:cNvPr id="1" name=""/>
-        <p:cNvGrpSpPr/>
-        <p:nvPr/>
-      </p:nvGrpSpPr>
-      <p:grpSpPr>
-        <a:xfrm>
-          <a:off x="0" y="0"/>
-          <a:ext cx="0" cy="0"/>
-          <a:chOff x="0" y="0"/>
-          <a:chExt cx="0" cy="0"/>
-        </a:xfrm>
-      </p:grpSpPr>
-      <p:sp>
-        <p:nvSpPr>
-          <p:cNvPr id="2" name="Cím 1">
-            <a:extLst>
-              <a:ext uri="{FF2B5EF4-FFF2-40B4-BE49-F238E27FC236}">
-                <a16:creationId xmlns:a16="http://schemas.microsoft.com/office/drawing/2014/main" id="{E479C656-882F-4E6F-B8B1-683754F98D58}"/>
-              </a:ext>
-            </a:extLst>
-          </p:cNvPr>
-          <p:cNvSpPr>
-            <a:spLocks noGrp="1"/>
-          </p:cNvSpPr>
-          <p:nvPr>
-            <p:ph type="title"/>
-          </p:nvPr>
-        </p:nvSpPr>
-        <p:spPr/>
-        <p:txBody>
-          <a:bodyPr/>
-          <a:lstStyle/>
-          <a:p>
-            <a:r>
-              <a:rPr lang="hu-HU" dirty="0"/>
-              <a:t>További munkák</a:t>
-            </a:r>
-          </a:p>
-        </p:txBody>
-      </p:sp>
-      <p:sp>
-        <p:nvSpPr>
-          <p:cNvPr id="3" name="Tartalom helye 2">
-            <a:extLst>
-              <a:ext uri="{FF2B5EF4-FFF2-40B4-BE49-F238E27FC236}">
-                <a16:creationId xmlns:a16="http://schemas.microsoft.com/office/drawing/2014/main" id="{7A82D7E5-95E3-45FD-8DED-0D47C5FA76D7}"/>
-              </a:ext>
-            </a:extLst>
-          </p:cNvPr>
-          <p:cNvSpPr>
-            <a:spLocks noGrp="1"/>
-          </p:cNvSpPr>
-          <p:nvPr>
-            <p:ph idx="1"/>
-          </p:nvPr>
-        </p:nvSpPr>
-        <p:spPr/>
-        <p:txBody>
-          <a:bodyPr/>
-          <a:lstStyle/>
-          <a:p>
-            <a:r>
-              <a:rPr lang="hu-HU" dirty="0"/>
-              <a:t>Mivel már nincs időnk a leadásig, ezért már új dologba nem kezdünk, már csak finomítunk az oldalon amíg </a:t>
-            </a:r>
-            <a:r>
-              <a:rPr lang="hu-HU"/>
-              <a:t>szerintünk tökéletes nem lesz.</a:t>
-            </a:r>
-            <a:endParaRPr lang="hu-HU" dirty="0"/>
-          </a:p>
-        </p:txBody>
-      </p:sp>
-    </p:spTree>
-    <p:extLst>
-      <p:ext uri="{BB962C8B-B14F-4D97-AF65-F5344CB8AC3E}">
-        <p14:creationId xmlns:p14="http://schemas.microsoft.com/office/powerpoint/2010/main" val="543351373"/>
-      </p:ext>
-    </p:extLst>
-  </p:cSld>
-  <p:clrMapOvr>
-    <a:masterClrMapping/>
-  </p:clrMapOvr>
-</p:sld>
-</file>
-
-<file path=ppt/slides/slide19.xml><?xml version="1.0" encoding="utf-8"?>
+<file path=ppt/slides/slide15.xml><?xml version="1.0" encoding="utf-8"?>
 <p:sld xmlns:a="http://schemas.openxmlformats.org/drawingml/2006/main" xmlns:r="http://schemas.openxmlformats.org/officeDocument/2006/relationships" xmlns:p="http://schemas.openxmlformats.org/presentationml/2006/main">
   <p:cSld>
     <p:bg>
@@ -10766,6 +12887,18 @@
   <p:clrMapOvr>
     <a:masterClrMapping/>
   </p:clrMapOvr>
+  <mc:AlternateContent xmlns:mc="http://schemas.openxmlformats.org/markup-compatibility/2006">
+    <mc:Choice xmlns:p14="http://schemas.microsoft.com/office/powerpoint/2010/main" Requires="p14">
+      <p:transition spd="slow" p14:dur="1300">
+        <p14:pan dir="u"/>
+      </p:transition>
+    </mc:Choice>
+    <mc:Fallback>
+      <p:transition spd="slow">
+        <p:fade/>
+      </p:transition>
+    </mc:Fallback>
+  </mc:AlternateContent>
 </p:sld>
 </file>
 
@@ -11125,7 +13258,7 @@
             <p:ph idx="1"/>
             <p:extLst>
               <p:ext uri="{D42A27DB-BD31-4B8C-83A1-F6EECF244321}">
-                <p14:modId xmlns:p14="http://schemas.microsoft.com/office/powerpoint/2010/main" val="1527086171"/>
+                <p14:modId xmlns:p14="http://schemas.microsoft.com/office/powerpoint/2010/main" val="3112729679"/>
               </p:ext>
             </p:extLst>
           </p:nvPr>
@@ -11150,6 +13283,18 @@
   <p:clrMapOvr>
     <a:masterClrMapping/>
   </p:clrMapOvr>
+  <mc:AlternateContent xmlns:mc="http://schemas.openxmlformats.org/markup-compatibility/2006">
+    <mc:Choice xmlns:p14="http://schemas.microsoft.com/office/powerpoint/2010/main" Requires="p14">
+      <p:transition spd="slow" p14:dur="1300">
+        <p14:pan dir="u"/>
+      </p:transition>
+    </mc:Choice>
+    <mc:Fallback>
+      <p:transition spd="slow">
+        <p:fade/>
+      </p:transition>
+    </mc:Fallback>
+  </mc:AlternateContent>
 </p:sld>
 </file>
 
@@ -11290,6 +13435,18 @@
   <p:clrMapOvr>
     <a:masterClrMapping/>
   </p:clrMapOvr>
+  <mc:AlternateContent xmlns:mc="http://schemas.openxmlformats.org/markup-compatibility/2006">
+    <mc:Choice xmlns:p14="http://schemas.microsoft.com/office/powerpoint/2010/main" Requires="p14">
+      <p:transition spd="slow" p14:dur="1300">
+        <p14:pan dir="u"/>
+      </p:transition>
+    </mc:Choice>
+    <mc:Fallback>
+      <p:transition spd="slow">
+        <p:fade/>
+      </p:transition>
+    </mc:Fallback>
+  </mc:AlternateContent>
 </p:sld>
 </file>
 
@@ -11573,6 +13730,18 @@
   <p:clrMapOvr>
     <a:masterClrMapping/>
   </p:clrMapOvr>
+  <mc:AlternateContent xmlns:mc="http://schemas.openxmlformats.org/markup-compatibility/2006">
+    <mc:Choice xmlns:p14="http://schemas.microsoft.com/office/powerpoint/2010/main" Requires="p14">
+      <p:transition spd="slow" p14:dur="1300">
+        <p14:pan dir="u"/>
+      </p:transition>
+    </mc:Choice>
+    <mc:Fallback>
+      <p:transition spd="slow">
+        <p:fade/>
+      </p:transition>
+    </mc:Fallback>
+  </mc:AlternateContent>
 </p:sld>
 </file>
 
@@ -11752,6 +13921,18 @@
   <p:clrMapOvr>
     <a:masterClrMapping/>
   </p:clrMapOvr>
+  <mc:AlternateContent xmlns:mc="http://schemas.openxmlformats.org/markup-compatibility/2006">
+    <mc:Choice xmlns:p14="http://schemas.microsoft.com/office/powerpoint/2010/main" Requires="p14">
+      <p:transition spd="slow" p14:dur="1300">
+        <p14:pan dir="u"/>
+      </p:transition>
+    </mc:Choice>
+    <mc:Fallback>
+      <p:transition spd="slow">
+        <p:fade/>
+      </p:transition>
+    </mc:Fallback>
+  </mc:AlternateContent>
 </p:sld>
 </file>
 
@@ -11900,6 +14081,18 @@
   <p:clrMapOvr>
     <a:masterClrMapping/>
   </p:clrMapOvr>
+  <mc:AlternateContent xmlns:mc="http://schemas.openxmlformats.org/markup-compatibility/2006">
+    <mc:Choice xmlns:p14="http://schemas.microsoft.com/office/powerpoint/2010/main" Requires="p14">
+      <p:transition spd="slow" p14:dur="1300">
+        <p14:pan dir="u"/>
+      </p:transition>
+    </mc:Choice>
+    <mc:Fallback>
+      <p:transition spd="slow">
+        <p:fade/>
+      </p:transition>
+    </mc:Fallback>
+  </mc:AlternateContent>
 </p:sld>
 </file>
 
@@ -12051,6 +14244,18 @@
   <p:clrMapOvr>
     <a:masterClrMapping/>
   </p:clrMapOvr>
+  <mc:AlternateContent xmlns:mc="http://schemas.openxmlformats.org/markup-compatibility/2006">
+    <mc:Choice xmlns:p14="http://schemas.microsoft.com/office/powerpoint/2010/main" Requires="p14">
+      <p:transition spd="slow" p14:dur="1300">
+        <p14:pan dir="u"/>
+      </p:transition>
+    </mc:Choice>
+    <mc:Fallback>
+      <p:transition spd="slow">
+        <p:fade/>
+      </p:transition>
+    </mc:Fallback>
+  </mc:AlternateContent>
 </p:sld>
 </file>
 
@@ -12248,6 +14453,18 @@
   <p:clrMapOvr>
     <a:masterClrMapping/>
   </p:clrMapOvr>
+  <mc:AlternateContent xmlns:mc="http://schemas.openxmlformats.org/markup-compatibility/2006">
+    <mc:Choice xmlns:p14="http://schemas.microsoft.com/office/powerpoint/2010/main" Requires="p14">
+      <p:transition spd="slow" p14:dur="1300">
+        <p14:pan dir="u"/>
+      </p:transition>
+    </mc:Choice>
+    <mc:Fallback>
+      <p:transition spd="slow">
+        <p:fade/>
+      </p:transition>
+    </mc:Fallback>
+  </mc:AlternateContent>
 </p:sld>
 </file>
 
@@ -12480,6 +14697,18 @@
   <p:clrMapOvr>
     <a:masterClrMapping/>
   </p:clrMapOvr>
+  <mc:AlternateContent xmlns:mc="http://schemas.openxmlformats.org/markup-compatibility/2006">
+    <mc:Choice xmlns:p14="http://schemas.microsoft.com/office/powerpoint/2010/main" Requires="p14">
+      <p:transition spd="slow" p14:dur="1300">
+        <p14:pan dir="u"/>
+      </p:transition>
+    </mc:Choice>
+    <mc:Fallback>
+      <p:transition spd="slow">
+        <p:fade/>
+      </p:transition>
+    </mc:Fallback>
+  </mc:AlternateContent>
 </p:sld>
 </file>
 
@@ -13305,15 +15534,6 @@
 </file>
 
 <file path=customXml/item1.xml><?xml version="1.0" encoding="utf-8"?>
-<?mso-contentType ?>
-<FormTemplates xmlns="http://schemas.microsoft.com/sharepoint/v3/contenttype/forms">
-  <Display>DocumentLibraryForm</Display>
-  <Edit>DocumentLibraryForm</Edit>
-  <New>DocumentLibraryForm</New>
-</FormTemplates>
-</file>
-
-<file path=customXml/item2.xml><?xml version="1.0" encoding="utf-8"?>
 <ct:contentTypeSchema xmlns:ct="http://schemas.microsoft.com/office/2006/metadata/contentType" xmlns:ma="http://schemas.microsoft.com/office/2006/metadata/properties/metaAttributes" ct:_="" ma:_="" ma:contentTypeName="Document" ma:contentTypeID="0x01010079F111ED35F8CC479449609E8A0923A6" ma:contentTypeVersion="11" ma:contentTypeDescription="Create a new document." ma:contentTypeScope="" ma:versionID="1c2eb7a32e66fb6e4260f3771546a5e2">
   <xsd:schema xmlns:xsd="http://www.w3.org/2001/XMLSchema" xmlns:xs="http://www.w3.org/2001/XMLSchema" xmlns:p="http://schemas.microsoft.com/office/2006/metadata/properties" xmlns:ns2="71af3243-3dd4-4a8d-8c0d-dd76da1f02a5" xmlns:ns3="16c05727-aa75-4e4a-9b5f-8a80a1165891" targetNamespace="http://schemas.microsoft.com/office/2006/metadata/properties" ma:root="true" ma:fieldsID="04e1f6479c48b08974ba73b5ca973489" ns2:_="" ns3:_="">
     <xsd:import namespace="71af3243-3dd4-4a8d-8c0d-dd76da1f02a5"/>
@@ -13524,6 +15744,15 @@
 </ct:contentTypeSchema>
 </file>
 
+<file path=customXml/item2.xml><?xml version="1.0" encoding="utf-8"?>
+<?mso-contentType ?>
+<FormTemplates xmlns="http://schemas.microsoft.com/sharepoint/v3/contenttype/forms">
+  <Display>DocumentLibraryForm</Display>
+  <Edit>DocumentLibraryForm</Edit>
+  <New>DocumentLibraryForm</New>
+</FormTemplates>
+</file>
+
 <file path=customXml/item3.xml><?xml version="1.0" encoding="utf-8"?>
 <p:properties xmlns:p="http://schemas.microsoft.com/office/2006/metadata/properties" xmlns:xsi="http://www.w3.org/2001/XMLSchema-instance" xmlns:pc="http://schemas.microsoft.com/office/infopath/2007/PartnerControls">
   <documentManagement>
@@ -13533,14 +15762,6 @@
 </file>
 
 <file path=customXml/itemProps1.xml><?xml version="1.0" encoding="utf-8"?>
-<ds:datastoreItem xmlns:ds="http://schemas.openxmlformats.org/officeDocument/2006/customXml" ds:itemID="{DFB9BFA2-1FA5-44A1-B975-10D6BF58ECD0}">
-  <ds:schemaRefs>
-    <ds:schemaRef ds:uri="http://schemas.microsoft.com/sharepoint/v3/contenttype/forms"/>
-  </ds:schemaRefs>
-</ds:datastoreItem>
-</file>
-
-<file path=customXml/itemProps2.xml><?xml version="1.0" encoding="utf-8"?>
 <ds:datastoreItem xmlns:ds="http://schemas.openxmlformats.org/officeDocument/2006/customXml" ds:itemID="{E577E783-5AB8-45E6-9E56-AE40075231B2}">
   <ds:schemaRefs>
     <ds:schemaRef ds:uri="http://schemas.microsoft.com/office/2006/metadata/contentType"/>
@@ -13555,6 +15776,14 @@
     <ds:schemaRef ds:uri="http://purl.org/dc/elements/1.1/"/>
     <ds:schemaRef ds:uri="http://purl.org/dc/terms/"/>
     <ds:schemaRef ds:uri="http://schemas.microsoft.com/internal/obd"/>
+  </ds:schemaRefs>
+</ds:datastoreItem>
+</file>
+
+<file path=customXml/itemProps2.xml><?xml version="1.0" encoding="utf-8"?>
+<ds:datastoreItem xmlns:ds="http://schemas.openxmlformats.org/officeDocument/2006/customXml" ds:itemID="{DFB9BFA2-1FA5-44A1-B975-10D6BF58ECD0}">
+  <ds:schemaRefs>
+    <ds:schemaRef ds:uri="http://schemas.microsoft.com/sharepoint/v3/contenttype/forms"/>
   </ds:schemaRefs>
 </ds:datastoreItem>
 </file>

--- a/prezentáció.pptx
+++ b/prezentáció.pptx
@@ -5866,7 +5866,7 @@
                 <a:effectLst/>
                 <a:latin typeface="Arial" panose="020B0604020202020204" pitchFamily="34" charset="0"/>
               </a:rPr>
-              <a:t> keretrendszert használtunk JavaScript kiegészítősablonnal</a:t>
+              <a:t> keretrendszert JavaScripttel telepítettük</a:t>
             </a:r>
           </a:p>
           <a:p>
@@ -11222,13 +11222,13 @@
   <p:clrMapOvr>
     <a:masterClrMapping/>
   </p:clrMapOvr>
-  <mc:AlternateContent xmlns:mc="http://schemas.openxmlformats.org/markup-compatibility/2006">
-    <mc:Choice xmlns:p14="http://schemas.microsoft.com/office/powerpoint/2010/main" Requires="p14">
+  <mc:AlternateContent xmlns:mc="http://schemas.openxmlformats.org/markup-compatibility/2006" xmlns:p14="http://schemas.microsoft.com/office/powerpoint/2010/main">
+    <mc:Choice Requires="p14">
       <p:transition spd="slow" p14:dur="1300">
         <p14:pan dir="u"/>
       </p:transition>
     </mc:Choice>
-    <mc:Fallback>
+    <mc:Fallback xmlns="">
       <p:transition spd="slow">
         <p:fade/>
       </p:transition>
@@ -11485,13 +11485,13 @@
   <p:clrMapOvr>
     <a:masterClrMapping/>
   </p:clrMapOvr>
-  <mc:AlternateContent xmlns:mc="http://schemas.openxmlformats.org/markup-compatibility/2006">
-    <mc:Choice xmlns:p14="http://schemas.microsoft.com/office/powerpoint/2010/main" Requires="p14">
+  <mc:AlternateContent xmlns:mc="http://schemas.openxmlformats.org/markup-compatibility/2006" xmlns:p14="http://schemas.microsoft.com/office/powerpoint/2010/main">
+    <mc:Choice Requires="p14">
       <p:transition spd="slow" p14:dur="1300">
         <p14:pan dir="u"/>
       </p:transition>
     </mc:Choice>
-    <mc:Fallback>
+    <mc:Fallback xmlns="">
       <p:transition spd="slow">
         <p:fade/>
       </p:transition>
@@ -11937,7 +11937,7 @@
         </p:nvSpPr>
         <p:spPr>
           <a:xfrm>
-            <a:off x="6351024" y="788389"/>
+            <a:off x="6395413" y="733880"/>
             <a:ext cx="2477419" cy="803275"/>
           </a:xfrm>
         </p:spPr>
@@ -11997,13 +11997,13 @@
   <p:clrMapOvr>
     <a:masterClrMapping/>
   </p:clrMapOvr>
-  <mc:AlternateContent xmlns:mc="http://schemas.openxmlformats.org/markup-compatibility/2006">
-    <mc:Choice xmlns:p14="http://schemas.microsoft.com/office/powerpoint/2010/main" Requires="p14">
+  <mc:AlternateContent xmlns:mc="http://schemas.openxmlformats.org/markup-compatibility/2006" xmlns:p14="http://schemas.microsoft.com/office/powerpoint/2010/main">
+    <mc:Choice Requires="p14">
       <p:transition spd="slow" p14:dur="1300">
         <p14:pan dir="u"/>
       </p:transition>
     </mc:Choice>
-    <mc:Fallback>
+    <mc:Fallback xmlns="">
       <p:transition spd="slow">
         <p:fade/>
       </p:transition>
@@ -12453,13 +12453,13 @@
   <p:clrMapOvr>
     <a:masterClrMapping/>
   </p:clrMapOvr>
-  <mc:AlternateContent xmlns:mc="http://schemas.openxmlformats.org/markup-compatibility/2006">
-    <mc:Choice xmlns:p14="http://schemas.microsoft.com/office/powerpoint/2010/main" Requires="p14">
+  <mc:AlternateContent xmlns:mc="http://schemas.openxmlformats.org/markup-compatibility/2006" xmlns:p14="http://schemas.microsoft.com/office/powerpoint/2010/main">
+    <mc:Choice Requires="p14">
       <p:transition spd="slow" p14:dur="1300">
         <p14:pan dir="u"/>
       </p:transition>
     </mc:Choice>
-    <mc:Fallback>
+    <mc:Fallback xmlns="">
       <p:transition spd="slow">
         <p:fade/>
       </p:transition>
@@ -12578,13 +12578,13 @@
   <p:clrMapOvr>
     <a:masterClrMapping/>
   </p:clrMapOvr>
-  <mc:AlternateContent xmlns:mc="http://schemas.openxmlformats.org/markup-compatibility/2006">
-    <mc:Choice xmlns:p14="http://schemas.microsoft.com/office/powerpoint/2010/main" Requires="p14">
+  <mc:AlternateContent xmlns:mc="http://schemas.openxmlformats.org/markup-compatibility/2006" xmlns:p14="http://schemas.microsoft.com/office/powerpoint/2010/main">
+    <mc:Choice Requires="p14">
       <p:transition spd="slow" p14:dur="1300">
         <p14:pan dir="u"/>
       </p:transition>
     </mc:Choice>
-    <mc:Fallback>
+    <mc:Fallback xmlns="">
       <p:transition spd="slow">
         <p:fade/>
       </p:transition>
@@ -12887,13 +12887,13 @@
   <p:clrMapOvr>
     <a:masterClrMapping/>
   </p:clrMapOvr>
-  <mc:AlternateContent xmlns:mc="http://schemas.openxmlformats.org/markup-compatibility/2006">
-    <mc:Choice xmlns:p14="http://schemas.microsoft.com/office/powerpoint/2010/main" Requires="p14">
+  <mc:AlternateContent xmlns:mc="http://schemas.openxmlformats.org/markup-compatibility/2006" xmlns:p14="http://schemas.microsoft.com/office/powerpoint/2010/main">
+    <mc:Choice Requires="p14">
       <p:transition spd="slow" p14:dur="1300">
         <p14:pan dir="u"/>
       </p:transition>
     </mc:Choice>
-    <mc:Fallback>
+    <mc:Fallback xmlns="">
       <p:transition spd="slow">
         <p:fade/>
       </p:transition>
@@ -13283,13 +13283,13 @@
   <p:clrMapOvr>
     <a:masterClrMapping/>
   </p:clrMapOvr>
-  <mc:AlternateContent xmlns:mc="http://schemas.openxmlformats.org/markup-compatibility/2006">
-    <mc:Choice xmlns:p14="http://schemas.microsoft.com/office/powerpoint/2010/main" Requires="p14">
+  <mc:AlternateContent xmlns:mc="http://schemas.openxmlformats.org/markup-compatibility/2006" xmlns:p14="http://schemas.microsoft.com/office/powerpoint/2010/main">
+    <mc:Choice Requires="p14">
       <p:transition spd="slow" p14:dur="1300">
         <p14:pan dir="u"/>
       </p:transition>
     </mc:Choice>
-    <mc:Fallback>
+    <mc:Fallback xmlns="">
       <p:transition spd="slow">
         <p:fade/>
       </p:transition>
@@ -13435,13 +13435,13 @@
   <p:clrMapOvr>
     <a:masterClrMapping/>
   </p:clrMapOvr>
-  <mc:AlternateContent xmlns:mc="http://schemas.openxmlformats.org/markup-compatibility/2006">
-    <mc:Choice xmlns:p14="http://schemas.microsoft.com/office/powerpoint/2010/main" Requires="p14">
+  <mc:AlternateContent xmlns:mc="http://schemas.openxmlformats.org/markup-compatibility/2006" xmlns:p14="http://schemas.microsoft.com/office/powerpoint/2010/main">
+    <mc:Choice Requires="p14">
       <p:transition spd="slow" p14:dur="1300">
         <p14:pan dir="u"/>
       </p:transition>
     </mc:Choice>
-    <mc:Fallback>
+    <mc:Fallback xmlns="">
       <p:transition spd="slow">
         <p:fade/>
       </p:transition>
@@ -13527,7 +13527,9 @@
           </a:xfrm>
         </p:spPr>
         <p:txBody>
-          <a:bodyPr/>
+          <a:bodyPr>
+            <a:normAutofit/>
+          </a:bodyPr>
           <a:lstStyle/>
           <a:p>
             <a:r>
@@ -13612,6 +13614,21 @@
             <a:r>
               <a:rPr lang="hu-HU" dirty="0" err="1"/>
               <a:t>Bootstrap</a:t>
+            </a:r>
+            <a:br>
+              <a:rPr lang="hu-HU" dirty="0"/>
+            </a:br>
+            <a:r>
+              <a:rPr lang="hu-HU" dirty="0"/>
+              <a:t>	</a:t>
+            </a:r>
+            <a:r>
+              <a:rPr lang="hu-HU" dirty="0" err="1"/>
+              <a:t>React</a:t>
+            </a:r>
+            <a:r>
+              <a:rPr lang="hu-HU" dirty="0"/>
+              <a:t>-Router</a:t>
             </a:r>
             <a:br>
               <a:rPr lang="hu-HU" dirty="0"/>
@@ -13730,13 +13747,13 @@
   <p:clrMapOvr>
     <a:masterClrMapping/>
   </p:clrMapOvr>
-  <mc:AlternateContent xmlns:mc="http://schemas.openxmlformats.org/markup-compatibility/2006">
-    <mc:Choice xmlns:p14="http://schemas.microsoft.com/office/powerpoint/2010/main" Requires="p14">
+  <mc:AlternateContent xmlns:mc="http://schemas.openxmlformats.org/markup-compatibility/2006" xmlns:p14="http://schemas.microsoft.com/office/powerpoint/2010/main">
+    <mc:Choice Requires="p14">
       <p:transition spd="slow" p14:dur="1300">
         <p14:pan dir="u"/>
       </p:transition>
     </mc:Choice>
-    <mc:Fallback>
+    <mc:Fallback xmlns="">
       <p:transition spd="slow">
         <p:fade/>
       </p:transition>
@@ -13921,13 +13938,13 @@
   <p:clrMapOvr>
     <a:masterClrMapping/>
   </p:clrMapOvr>
-  <mc:AlternateContent xmlns:mc="http://schemas.openxmlformats.org/markup-compatibility/2006">
-    <mc:Choice xmlns:p14="http://schemas.microsoft.com/office/powerpoint/2010/main" Requires="p14">
+  <mc:AlternateContent xmlns:mc="http://schemas.openxmlformats.org/markup-compatibility/2006" xmlns:p14="http://schemas.microsoft.com/office/powerpoint/2010/main">
+    <mc:Choice Requires="p14">
       <p:transition spd="slow" p14:dur="1300">
         <p14:pan dir="u"/>
       </p:transition>
     </mc:Choice>
-    <mc:Fallback>
+    <mc:Fallback xmlns="">
       <p:transition spd="slow">
         <p:fade/>
       </p:transition>
@@ -14081,13 +14098,13 @@
   <p:clrMapOvr>
     <a:masterClrMapping/>
   </p:clrMapOvr>
-  <mc:AlternateContent xmlns:mc="http://schemas.openxmlformats.org/markup-compatibility/2006">
-    <mc:Choice xmlns:p14="http://schemas.microsoft.com/office/powerpoint/2010/main" Requires="p14">
+  <mc:AlternateContent xmlns:mc="http://schemas.openxmlformats.org/markup-compatibility/2006" xmlns:p14="http://schemas.microsoft.com/office/powerpoint/2010/main">
+    <mc:Choice Requires="p14">
       <p:transition spd="slow" p14:dur="1300">
         <p14:pan dir="u"/>
       </p:transition>
     </mc:Choice>
-    <mc:Fallback>
+    <mc:Fallback xmlns="">
       <p:transition spd="slow">
         <p:fade/>
       </p:transition>
@@ -14244,13 +14261,13 @@
   <p:clrMapOvr>
     <a:masterClrMapping/>
   </p:clrMapOvr>
-  <mc:AlternateContent xmlns:mc="http://schemas.openxmlformats.org/markup-compatibility/2006">
-    <mc:Choice xmlns:p14="http://schemas.microsoft.com/office/powerpoint/2010/main" Requires="p14">
+  <mc:AlternateContent xmlns:mc="http://schemas.openxmlformats.org/markup-compatibility/2006" xmlns:p14="http://schemas.microsoft.com/office/powerpoint/2010/main">
+    <mc:Choice Requires="p14">
       <p:transition spd="slow" p14:dur="1300">
         <p14:pan dir="u"/>
       </p:transition>
     </mc:Choice>
-    <mc:Fallback>
+    <mc:Fallback xmlns="">
       <p:transition spd="slow">
         <p:fade/>
       </p:transition>
@@ -14453,13 +14470,13 @@
   <p:clrMapOvr>
     <a:masterClrMapping/>
   </p:clrMapOvr>
-  <mc:AlternateContent xmlns:mc="http://schemas.openxmlformats.org/markup-compatibility/2006">
-    <mc:Choice xmlns:p14="http://schemas.microsoft.com/office/powerpoint/2010/main" Requires="p14">
+  <mc:AlternateContent xmlns:mc="http://schemas.openxmlformats.org/markup-compatibility/2006" xmlns:p14="http://schemas.microsoft.com/office/powerpoint/2010/main">
+    <mc:Choice Requires="p14">
       <p:transition spd="slow" p14:dur="1300">
         <p14:pan dir="u"/>
       </p:transition>
     </mc:Choice>
-    <mc:Fallback>
+    <mc:Fallback xmlns="">
       <p:transition spd="slow">
         <p:fade/>
       </p:transition>
@@ -14697,13 +14714,13 @@
   <p:clrMapOvr>
     <a:masterClrMapping/>
   </p:clrMapOvr>
-  <mc:AlternateContent xmlns:mc="http://schemas.openxmlformats.org/markup-compatibility/2006">
-    <mc:Choice xmlns:p14="http://schemas.microsoft.com/office/powerpoint/2010/main" Requires="p14">
+  <mc:AlternateContent xmlns:mc="http://schemas.openxmlformats.org/markup-compatibility/2006" xmlns:p14="http://schemas.microsoft.com/office/powerpoint/2010/main">
+    <mc:Choice Requires="p14">
       <p:transition spd="slow" p14:dur="1300">
         <p14:pan dir="u"/>
       </p:transition>
     </mc:Choice>
-    <mc:Fallback>
+    <mc:Fallback xmlns="">
       <p:transition spd="slow">
         <p:fade/>
       </p:transition>
@@ -15534,6 +15551,15 @@
 </file>
 
 <file path=customXml/item1.xml><?xml version="1.0" encoding="utf-8"?>
+<?mso-contentType ?>
+<FormTemplates xmlns="http://schemas.microsoft.com/sharepoint/v3/contenttype/forms">
+  <Display>DocumentLibraryForm</Display>
+  <Edit>DocumentLibraryForm</Edit>
+  <New>DocumentLibraryForm</New>
+</FormTemplates>
+</file>
+
+<file path=customXml/item2.xml><?xml version="1.0" encoding="utf-8"?>
 <ct:contentTypeSchema xmlns:ct="http://schemas.microsoft.com/office/2006/metadata/contentType" xmlns:ma="http://schemas.microsoft.com/office/2006/metadata/properties/metaAttributes" ct:_="" ma:_="" ma:contentTypeName="Document" ma:contentTypeID="0x01010079F111ED35F8CC479449609E8A0923A6" ma:contentTypeVersion="11" ma:contentTypeDescription="Create a new document." ma:contentTypeScope="" ma:versionID="1c2eb7a32e66fb6e4260f3771546a5e2">
   <xsd:schema xmlns:xsd="http://www.w3.org/2001/XMLSchema" xmlns:xs="http://www.w3.org/2001/XMLSchema" xmlns:p="http://schemas.microsoft.com/office/2006/metadata/properties" xmlns:ns2="71af3243-3dd4-4a8d-8c0d-dd76da1f02a5" xmlns:ns3="16c05727-aa75-4e4a-9b5f-8a80a1165891" targetNamespace="http://schemas.microsoft.com/office/2006/metadata/properties" ma:root="true" ma:fieldsID="04e1f6479c48b08974ba73b5ca973489" ns2:_="" ns3:_="">
     <xsd:import namespace="71af3243-3dd4-4a8d-8c0d-dd76da1f02a5"/>
@@ -15744,15 +15770,6 @@
 </ct:contentTypeSchema>
 </file>
 
-<file path=customXml/item2.xml><?xml version="1.0" encoding="utf-8"?>
-<?mso-contentType ?>
-<FormTemplates xmlns="http://schemas.microsoft.com/sharepoint/v3/contenttype/forms">
-  <Display>DocumentLibraryForm</Display>
-  <Edit>DocumentLibraryForm</Edit>
-  <New>DocumentLibraryForm</New>
-</FormTemplates>
-</file>
-
 <file path=customXml/item3.xml><?xml version="1.0" encoding="utf-8"?>
 <p:properties xmlns:p="http://schemas.microsoft.com/office/2006/metadata/properties" xmlns:xsi="http://www.w3.org/2001/XMLSchema-instance" xmlns:pc="http://schemas.microsoft.com/office/infopath/2007/PartnerControls">
   <documentManagement>
@@ -15762,6 +15779,14 @@
 </file>
 
 <file path=customXml/itemProps1.xml><?xml version="1.0" encoding="utf-8"?>
+<ds:datastoreItem xmlns:ds="http://schemas.openxmlformats.org/officeDocument/2006/customXml" ds:itemID="{DFB9BFA2-1FA5-44A1-B975-10D6BF58ECD0}">
+  <ds:schemaRefs>
+    <ds:schemaRef ds:uri="http://schemas.microsoft.com/sharepoint/v3/contenttype/forms"/>
+  </ds:schemaRefs>
+</ds:datastoreItem>
+</file>
+
+<file path=customXml/itemProps2.xml><?xml version="1.0" encoding="utf-8"?>
 <ds:datastoreItem xmlns:ds="http://schemas.openxmlformats.org/officeDocument/2006/customXml" ds:itemID="{E577E783-5AB8-45E6-9E56-AE40075231B2}">
   <ds:schemaRefs>
     <ds:schemaRef ds:uri="http://schemas.microsoft.com/office/2006/metadata/contentType"/>
@@ -15776,14 +15801,6 @@
     <ds:schemaRef ds:uri="http://purl.org/dc/elements/1.1/"/>
     <ds:schemaRef ds:uri="http://purl.org/dc/terms/"/>
     <ds:schemaRef ds:uri="http://schemas.microsoft.com/internal/obd"/>
-  </ds:schemaRefs>
-</ds:datastoreItem>
-</file>
-
-<file path=customXml/itemProps2.xml><?xml version="1.0" encoding="utf-8"?>
-<ds:datastoreItem xmlns:ds="http://schemas.openxmlformats.org/officeDocument/2006/customXml" ds:itemID="{DFB9BFA2-1FA5-44A1-B975-10D6BF58ECD0}">
-  <ds:schemaRefs>
-    <ds:schemaRef ds:uri="http://schemas.microsoft.com/sharepoint/v3/contenttype/forms"/>
   </ds:schemaRefs>
 </ds:datastoreItem>
 </file>

--- a/prezentáció.pptx
+++ b/prezentáció.pptx
@@ -3372,7 +3372,7 @@
           <a:p>
             <a:fld id="{739FB2FC-BB9E-49C2-8CC7-6A726ED86D84}" type="datetimeFigureOut">
               <a:rPr lang="hu-HU" smtClean="0"/>
-              <a:t>2025. 04. 19.</a:t>
+              <a:t>2025. 04. 27.</a:t>
             </a:fld>
             <a:endParaRPr lang="hu-HU"/>
           </a:p>
@@ -3550,7 +3550,7 @@
           <a:p>
             <a:fld id="{B9CCC56D-1999-49F7-9BE2-3A3019848181}" type="datetimeFigureOut">
               <a:rPr lang="hu-HU" noProof="0" smtClean="0"/>
-              <a:t>2025. 04. 19.</a:t>
+              <a:t>2025. 04. 27.</a:t>
             </a:fld>
             <a:endParaRPr lang="hu-HU" noProof="0"/>
           </a:p>
@@ -3948,6 +3948,12 @@
           <a:p>
             <a:r>
               <a:rPr lang="hu-HU" dirty="0"/>
+              <a:t>Zsolt</a:t>
+            </a:r>
+          </a:p>
+          <a:p>
+            <a:r>
+              <a:rPr lang="hu-HU" dirty="0"/>
               <a:t>Minden lekérdezésnél, adatfeltöltésnél, indításnál konzolablakos üzenetekkel segítettük munkánkat. Így könnyebb volt ellenőrizni a sikeres / sikertelen tesztlépéseket és könnyebb volt megtalálni a hiba forrását.</a:t>
             </a:r>
           </a:p>
@@ -4061,6 +4067,18 @@
           <a:lstStyle/>
           <a:p>
             <a:r>
+              <a:rPr lang="hu-HU" b="0" i="0" dirty="0">
+                <a:solidFill>
+                  <a:srgbClr val="E8EAED"/>
+                </a:solidFill>
+                <a:effectLst/>
+                <a:latin typeface="Arial" panose="020B0604020202020204" pitchFamily="34" charset="0"/>
+              </a:rPr>
+              <a:t>János</a:t>
+            </a:r>
+          </a:p>
+          <a:p>
+            <a:r>
               <a:rPr lang="en-US" b="0" i="0" dirty="0">
                 <a:solidFill>
                   <a:srgbClr val="E8EAED"/>
@@ -4330,6 +4348,13 @@
           <a:lstStyle/>
           <a:p>
             <a:r>
+              <a:rPr lang="hu-HU" dirty="0"/>
+              <a:t>Gergő</a:t>
+            </a:r>
+            <a:br>
+              <a:rPr lang="hu-HU" dirty="0"/>
+            </a:br>
+            <a:r>
               <a:rPr lang="en-US" dirty="0"/>
               <a:t>The picture shows </a:t>
             </a:r>
@@ -4564,6 +4589,13 @@
           <a:lstStyle/>
           <a:p>
             <a:r>
+              <a:rPr lang="hu-HU" dirty="0"/>
+              <a:t>Zsolt</a:t>
+            </a:r>
+            <a:br>
+              <a:rPr lang="hu-HU" dirty="0"/>
+            </a:br>
+            <a:r>
               <a:rPr lang="hu-HU" dirty="0" err="1"/>
               <a:t>What</a:t>
             </a:r>
@@ -5535,7 +5567,7 @@
                 <a:effectLst/>
                 <a:latin typeface="Segoe UI" panose="020B0502040204020203" pitchFamily="34" charset="0"/>
               </a:rPr>
-              <a:t>Minden szakmunkásnak vagy vállalkozónak más módszere van hogyan hirdeti magát és más platformon kell velük felvenni a kapcsolatot. Ezen kívül csak kapcsolatfelvétel után derül ki hogy az adott munkás tudná-e vállalni. </a:t>
+              <a:t>Gergő</a:t>
             </a:r>
           </a:p>
           <a:p>
@@ -5551,6 +5583,127 @@
                 <a:latin typeface="Segoe UI" panose="020B0502040204020203" pitchFamily="34" charset="0"/>
               </a:rPr>
               <a:t>Az S.O.S. munka egy gyors, egyszerű szakmunkás hirdető és kereső weboldal. A weboldal célja a munkavállaló gyors megtalálása és kapcsolatteremtése.</a:t>
+            </a:r>
+          </a:p>
+          <a:p>
+            <a:endParaRPr lang="hu-HU" sz="1800" dirty="0">
+              <a:effectLst/>
+              <a:latin typeface="Segoe UI" panose="020B0502040204020203" pitchFamily="34" charset="0"/>
+            </a:endParaRPr>
+          </a:p>
+          <a:p>
+            <a:r>
+              <a:rPr lang="hu-HU" sz="1800" dirty="0">
+                <a:effectLst/>
+                <a:latin typeface="Segoe UI" panose="020B0502040204020203" pitchFamily="34" charset="0"/>
+              </a:rPr>
+              <a:t>A való </a:t>
+            </a:r>
+            <a:r>
+              <a:rPr lang="hu-HU" sz="1800" dirty="0" err="1">
+                <a:effectLst/>
+                <a:latin typeface="Segoe UI" panose="020B0502040204020203" pitchFamily="34" charset="0"/>
+              </a:rPr>
+              <a:t>életbeli</a:t>
+            </a:r>
+            <a:r>
+              <a:rPr lang="hu-HU" sz="1800" dirty="0">
+                <a:effectLst/>
+                <a:latin typeface="Segoe UI" panose="020B0502040204020203" pitchFamily="34" charset="0"/>
+              </a:rPr>
+              <a:t> </a:t>
+            </a:r>
+            <a:r>
+              <a:rPr lang="hu-HU" sz="1800" dirty="0" err="1">
+                <a:effectLst/>
+                <a:latin typeface="Segoe UI" panose="020B0502040204020203" pitchFamily="34" charset="0"/>
+              </a:rPr>
+              <a:t>probláma</a:t>
+            </a:r>
+            <a:r>
+              <a:rPr lang="hu-HU" sz="1800" dirty="0">
+                <a:effectLst/>
+                <a:latin typeface="Segoe UI" panose="020B0502040204020203" pitchFamily="34" charset="0"/>
+              </a:rPr>
+              <a:t> az hogy</a:t>
+            </a:r>
+          </a:p>
+          <a:p>
+            <a:pPr marL="0" marR="0" lvl="0" indent="0" algn="l" defTabSz="914400" rtl="0" eaLnBrk="1" fontAlgn="auto" latinLnBrk="0" hangingPunct="1">
+              <a:lnSpc>
+                <a:spcPct val="100000"/>
+              </a:lnSpc>
+              <a:spcBef>
+                <a:spcPts val="0"/>
+              </a:spcBef>
+              <a:spcAft>
+                <a:spcPts val="0"/>
+              </a:spcAft>
+              <a:buClrTx/>
+              <a:buSzTx/>
+              <a:buFontTx/>
+              <a:buNone/>
+              <a:tabLst/>
+              <a:defRPr/>
+            </a:pPr>
+            <a:r>
+              <a:rPr lang="hu-HU" sz="1800" dirty="0">
+                <a:effectLst/>
+                <a:latin typeface="Segoe UI" panose="020B0502040204020203" pitchFamily="34" charset="0"/>
+              </a:rPr>
+              <a:t>Minden szakmunkásnak vagy vállalkozónak más módszere van hogyan hirdeti magát.</a:t>
+            </a:r>
+          </a:p>
+          <a:p>
+            <a:pPr marL="0" marR="0" lvl="0" indent="0" algn="l" defTabSz="914400" rtl="0" eaLnBrk="1" fontAlgn="auto" latinLnBrk="0" hangingPunct="1">
+              <a:lnSpc>
+                <a:spcPct val="100000"/>
+              </a:lnSpc>
+              <a:spcBef>
+                <a:spcPts val="0"/>
+              </a:spcBef>
+              <a:spcAft>
+                <a:spcPts val="0"/>
+              </a:spcAft>
+              <a:buClrTx/>
+              <a:buSzTx/>
+              <a:buFontTx/>
+              <a:buNone/>
+              <a:tabLst/>
+              <a:defRPr/>
+            </a:pPr>
+            <a:r>
+              <a:rPr lang="hu-HU" sz="1800" dirty="0">
+                <a:effectLst/>
+                <a:latin typeface="Segoe UI" panose="020B0502040204020203" pitchFamily="34" charset="0"/>
+              </a:rPr>
+              <a:t>A másik probléma hogy más platformon kell velük felvenni a kapcsolatot. </a:t>
+            </a:r>
+          </a:p>
+          <a:p>
+            <a:pPr marL="0" marR="0" lvl="0" indent="0" algn="l" defTabSz="914400" rtl="0" eaLnBrk="1" fontAlgn="auto" latinLnBrk="0" hangingPunct="1">
+              <a:lnSpc>
+                <a:spcPct val="100000"/>
+              </a:lnSpc>
+              <a:spcBef>
+                <a:spcPts val="0"/>
+              </a:spcBef>
+              <a:spcAft>
+                <a:spcPts val="0"/>
+              </a:spcAft>
+              <a:buClrTx/>
+              <a:buSzTx/>
+              <a:buFontTx/>
+              <a:buNone/>
+              <a:tabLst/>
+              <a:defRPr/>
+            </a:pPr>
+            <a:r>
+              <a:rPr lang="hu-HU" sz="1800" dirty="0">
+                <a:effectLst/>
+                <a:latin typeface="Segoe UI" panose="020B0502040204020203" pitchFamily="34" charset="0"/>
+              </a:rPr>
+              <a:t>Ezen kívül csak kapcsolatfelvétel után derül ki hogy az adott munkás tudná-e vállalni. </a:t>
             </a:r>
           </a:p>
           <a:p>
@@ -5655,6 +5808,19 @@
               <a:tabLst/>
               <a:defRPr/>
             </a:pPr>
+            <a:r>
+              <a:rPr lang="hu-HU" sz="1800" dirty="0">
+                <a:effectLst/>
+                <a:latin typeface="Segoe UI" panose="020B0502040204020203" pitchFamily="34" charset="0"/>
+              </a:rPr>
+              <a:t>Gergő</a:t>
+            </a:r>
+            <a:br>
+              <a:rPr lang="hu-HU" sz="1800" dirty="0">
+                <a:effectLst/>
+                <a:latin typeface="Segoe UI" panose="020B0502040204020203" pitchFamily="34" charset="0"/>
+              </a:rPr>
+            </a:br>
             <a:r>
               <a:rPr lang="hu-HU" sz="1800" dirty="0">
                 <a:effectLst/>
@@ -5789,6 +5955,32 @@
                 <a:effectLst/>
                 <a:latin typeface="Arial" panose="020B0604020202020204" pitchFamily="34" charset="0"/>
               </a:rPr>
+              <a:t>Gergő</a:t>
+            </a:r>
+          </a:p>
+          <a:p>
+            <a:pPr marL="0" marR="0" lvl="0" indent="0" algn="l" defTabSz="914400" rtl="0" eaLnBrk="1" fontAlgn="auto" latinLnBrk="0" hangingPunct="1">
+              <a:lnSpc>
+                <a:spcPct val="100000"/>
+              </a:lnSpc>
+              <a:spcBef>
+                <a:spcPts val="0"/>
+              </a:spcBef>
+              <a:spcAft>
+                <a:spcPts val="0"/>
+              </a:spcAft>
+              <a:buClrTx/>
+              <a:buSzTx/>
+              <a:buFontTx/>
+              <a:buNone/>
+              <a:tabLst/>
+              <a:defRPr/>
+            </a:pPr>
+            <a:r>
+              <a:rPr lang="hu-HU" sz="1800" dirty="0">
+                <a:effectLst/>
+                <a:latin typeface="Arial" panose="020B0604020202020204" pitchFamily="34" charset="0"/>
+              </a:rPr>
               <a:t>A backendhez </a:t>
             </a:r>
             <a:r>
@@ -6026,7 +6218,13 @@
           <a:p>
             <a:r>
               <a:rPr lang="hu-HU" dirty="0"/>
-              <a:t>A backendhez telepített segédmodulokat a </a:t>
+              <a:t>János</a:t>
+            </a:r>
+          </a:p>
+          <a:p>
+            <a:r>
+              <a:rPr lang="hu-HU" dirty="0"/>
+              <a:t>A backendhez telepített segédmodulok teljes listáját a </a:t>
             </a:r>
             <a:r>
               <a:rPr lang="hu-HU" dirty="0" err="1"/>
@@ -6221,6 +6419,12 @@
         <p:txBody>
           <a:bodyPr/>
           <a:lstStyle/>
+          <a:p>
+            <a:r>
+              <a:rPr lang="hu-HU" dirty="0"/>
+              <a:t>János</a:t>
+            </a:r>
+          </a:p>
           <a:p>
             <a:r>
               <a:rPr lang="hu-HU" dirty="0"/>
@@ -6393,6 +6597,12 @@
           <a:p>
             <a:r>
               <a:rPr lang="hu-HU" dirty="0"/>
+              <a:t>János</a:t>
+            </a:r>
+          </a:p>
+          <a:p>
+            <a:r>
+              <a:rPr lang="hu-HU" dirty="0"/>
               <a:t>Az adatbázishoz a </a:t>
             </a:r>
             <a:r>
@@ -6528,6 +6738,12 @@
           <a:p>
             <a:r>
               <a:rPr lang="hu-HU" dirty="0"/>
+              <a:t>Zsolt</a:t>
+            </a:r>
+          </a:p>
+          <a:p>
+            <a:r>
+              <a:rPr lang="hu-HU" dirty="0"/>
               <a:t>Felhasználói adatokba tároljuk a regisztrációnál megadott adatokat, valamint néhány háttérbeli egyedi azonosítót amit automatikusan legenerálunk nekik.</a:t>
             </a:r>
           </a:p>
@@ -6701,6 +6917,12 @@
         <p:txBody>
           <a:bodyPr/>
           <a:lstStyle/>
+          <a:p>
+            <a:r>
+              <a:rPr lang="hu-HU" dirty="0"/>
+              <a:t>Zsolt</a:t>
+            </a:r>
+          </a:p>
           <a:p>
             <a:r>
               <a:rPr lang="hu-HU" dirty="0"/>
@@ -6995,7 +7217,7 @@
             <a:pPr rtl="0"/>
             <a:fld id="{95CA01AC-FE48-43E8-9541-14BE6D4B6216}" type="datetime1">
               <a:rPr lang="hu-HU" smtClean="0"/>
-              <a:t>2025. 04. 19.</a:t>
+              <a:t>2025. 04. 27.</a:t>
             </a:fld>
             <a:endParaRPr lang="hu-HU" dirty="0"/>
           </a:p>
@@ -7170,7 +7392,7 @@
             <a:pPr rtl="0"/>
             <a:fld id="{BA132BAD-A41C-435C-BDF1-B40F5FDD6CBB}" type="datetime1">
               <a:rPr lang="hu-HU" smtClean="0"/>
-              <a:t>2025. 04. 19.</a:t>
+              <a:t>2025. 04. 27.</a:t>
             </a:fld>
             <a:endParaRPr lang="hu-HU" dirty="0"/>
           </a:p>
@@ -7355,7 +7577,7 @@
             <a:pPr rtl="0"/>
             <a:fld id="{511901B3-A2B9-4D78-B569-739B455CDF92}" type="datetime1">
               <a:rPr lang="hu-HU" smtClean="0"/>
-              <a:t>2025. 04. 19.</a:t>
+              <a:t>2025. 04. 27.</a:t>
             </a:fld>
             <a:endParaRPr lang="hu-HU" dirty="0"/>
           </a:p>
@@ -7530,7 +7752,7 @@
             <a:pPr rtl="0"/>
             <a:fld id="{3851FB85-B948-4ACD-8B79-12856967A932}" type="datetime1">
               <a:rPr lang="hu-HU" smtClean="0"/>
-              <a:t>2025. 04. 19.</a:t>
+              <a:t>2025. 04. 27.</a:t>
             </a:fld>
             <a:endParaRPr lang="hu-HU" dirty="0"/>
           </a:p>
@@ -7789,7 +8011,7 @@
             <a:pPr rtl="0"/>
             <a:fld id="{02DEE940-EEB9-4D88-B665-1DF05D9BAE13}" type="datetime1">
               <a:rPr lang="hu-HU" smtClean="0"/>
-              <a:t>2025. 04. 19.</a:t>
+              <a:t>2025. 04. 27.</a:t>
             </a:fld>
             <a:endParaRPr lang="hu-HU" dirty="0"/>
           </a:p>
@@ -8082,7 +8304,7 @@
             <a:pPr rtl="0"/>
             <a:fld id="{A1DCEE0E-6970-4EFC-81F5-D470F37408DE}" type="datetime1">
               <a:rPr lang="hu-HU" smtClean="0"/>
-              <a:t>2025. 04. 19.</a:t>
+              <a:t>2025. 04. 27.</a:t>
             </a:fld>
             <a:endParaRPr lang="hu-HU" dirty="0"/>
           </a:p>
@@ -8529,7 +8751,7 @@
             <a:pPr rtl="0"/>
             <a:fld id="{5722FE6C-7199-4AEC-9102-6BCA289AF93C}" type="datetime1">
               <a:rPr lang="hu-HU" smtClean="0"/>
-              <a:t>2025. 04. 19.</a:t>
+              <a:t>2025. 04. 27.</a:t>
             </a:fld>
             <a:endParaRPr lang="hu-HU" dirty="0"/>
           </a:p>
@@ -8652,7 +8874,7 @@
             <a:pPr rtl="0"/>
             <a:fld id="{03D29D9B-97B7-4810-8AA3-861B7C07DF7C}" type="datetime1">
               <a:rPr lang="hu-HU" smtClean="0"/>
-              <a:t>2025. 04. 19.</a:t>
+              <a:t>2025. 04. 27.</a:t>
             </a:fld>
             <a:endParaRPr lang="hu-HU" dirty="0"/>
           </a:p>
@@ -8751,7 +8973,7 @@
             <a:pPr rtl="0"/>
             <a:fld id="{E0B8E3E5-F330-44D0-86BC-D7273766CF24}" type="datetime1">
               <a:rPr lang="hu-HU" smtClean="0"/>
-              <a:t>2025. 04. 19.</a:t>
+              <a:t>2025. 04. 27.</a:t>
             </a:fld>
             <a:endParaRPr lang="hu-HU" dirty="0"/>
           </a:p>
@@ -9044,7 +9266,7 @@
             <a:pPr rtl="0"/>
             <a:fld id="{03B9D2F3-D2FB-4079-8358-26B647FEDD45}" type="datetime1">
               <a:rPr lang="hu-HU" smtClean="0"/>
-              <a:t>2025. 04. 19.</a:t>
+              <a:t>2025. 04. 27.</a:t>
             </a:fld>
             <a:endParaRPr lang="hu-HU" dirty="0"/>
           </a:p>
@@ -9622,7 +9844,7 @@
             <a:pPr rtl="0"/>
             <a:fld id="{BF34A502-BF6B-45AF-A469-BC8939D6A3FE}" type="datetime1">
               <a:rPr lang="hu-HU" smtClean="0"/>
-              <a:t>2025. 04. 19.</a:t>
+              <a:t>2025. 04. 27.</a:t>
             </a:fld>
             <a:endParaRPr lang="hu-HU" dirty="0"/>
           </a:p>
@@ -9936,7 +10158,7 @@
             <a:pPr rtl="0"/>
             <a:fld id="{D951BFFD-2CCD-4914-9DBD-1533C1ADC8FA}" type="datetime1">
               <a:rPr lang="hu-HU" noProof="0" smtClean="0"/>
-              <a:t>2025. 04. 19.</a:t>
+              <a:t>2025. 04. 27.</a:t>
             </a:fld>
             <a:endParaRPr lang="hu-HU" noProof="0"/>
           </a:p>

--- a/prezentáció.pptx
+++ b/prezentáció.pptx
@@ -3372,7 +3372,7 @@
           <a:p>
             <a:fld id="{739FB2FC-BB9E-49C2-8CC7-6A726ED86D84}" type="datetimeFigureOut">
               <a:rPr lang="hu-HU" smtClean="0"/>
-              <a:t>2025. 04. 27.</a:t>
+              <a:t>2025. 05. 25.</a:t>
             </a:fld>
             <a:endParaRPr lang="hu-HU"/>
           </a:p>
@@ -3550,7 +3550,7 @@
           <a:p>
             <a:fld id="{B9CCC56D-1999-49F7-9BE2-3A3019848181}" type="datetimeFigureOut">
               <a:rPr lang="hu-HU" noProof="0" smtClean="0"/>
-              <a:t>2025. 04. 27.</a:t>
+              <a:t>2025. 05. 25.</a:t>
             </a:fld>
             <a:endParaRPr lang="hu-HU" noProof="0"/>
           </a:p>
@@ -3954,35 +3954,41 @@
           <a:p>
             <a:r>
               <a:rPr lang="hu-HU" dirty="0"/>
+              <a:t>A projekt során folyamatosan teszteltünk.</a:t>
+            </a:r>
+          </a:p>
+          <a:p>
+            <a:endParaRPr lang="hu-HU" dirty="0"/>
+          </a:p>
+          <a:p>
+            <a:r>
+              <a:rPr lang="hu-HU" dirty="0"/>
               <a:t>Minden lekérdezésnél, adatfeltöltésnél, indításnál konzolablakos üzenetekkel segítettük munkánkat. Így könnyebb volt ellenőrizni a sikeres / sikertelen tesztlépéseket és könnyebb volt megtalálni a hiba forrását.</a:t>
             </a:r>
           </a:p>
           <a:p>
+            <a:r>
+              <a:rPr lang="hu-HU" dirty="0"/>
+              <a:t>A backend szerver fejlesztése során pedig </a:t>
+            </a:r>
+            <a:r>
+              <a:rPr lang="hu-HU" dirty="0" err="1"/>
+              <a:t>Nodemon</a:t>
+            </a:r>
+            <a:r>
+              <a:rPr lang="hu-HU" dirty="0"/>
+              <a:t> segítette a munkánkat a tesztelésben</a:t>
+            </a:r>
+            <a:endParaRPr lang="hu-HU" b="0" i="0" dirty="0">
+              <a:solidFill>
+                <a:srgbClr val="CCCCCC"/>
+              </a:solidFill>
+              <a:effectLst/>
+              <a:latin typeface="Segoe WPC"/>
+            </a:endParaRPr>
+          </a:p>
+          <a:p>
             <a:endParaRPr lang="hu-HU" dirty="0"/>
-          </a:p>
-          <a:p>
-            <a:r>
-              <a:rPr lang="hu-HU" dirty="0"/>
-              <a:t>A felső képen a böngésző konzolablakán látható regisztráció utáni üzenet, majd bejelentkező, és kijelentkező üzenet látható</a:t>
-            </a:r>
-          </a:p>
-          <a:p>
-            <a:endParaRPr lang="hu-HU" dirty="0"/>
-          </a:p>
-          <a:p>
-            <a:r>
-              <a:rPr lang="hu-HU" dirty="0"/>
-              <a:t>Középső képen a backend server indítása</a:t>
-            </a:r>
-          </a:p>
-          <a:p>
-            <a:endParaRPr lang="hu-HU" dirty="0"/>
-          </a:p>
-          <a:p>
-            <a:r>
-              <a:rPr lang="hu-HU" dirty="0"/>
-              <a:t>Az alsó képen az adatbázist létrehozó script futtatása</a:t>
-            </a:r>
           </a:p>
         </p:txBody>
       </p:sp>
@@ -4079,15 +4085,37 @@
           </a:p>
           <a:p>
             <a:r>
-              <a:rPr lang="en-US" b="0" i="0" dirty="0">
+              <a:rPr lang="hu-HU" b="0" i="0" dirty="0">
                 <a:solidFill>
                   <a:srgbClr val="E8EAED"/>
                 </a:solidFill>
                 <a:effectLst/>
                 <a:latin typeface="Arial" panose="020B0604020202020204" pitchFamily="34" charset="0"/>
               </a:rPr>
-              <a:t>We mainly used GitHub for teamwork. With GitHub Desktop, we could easily clone the latest changes and implement version control.</a:t>
-            </a:r>
+              <a:t>A csapatmunkához leginkább a GitHubot használtuk. A GitHub </a:t>
+            </a:r>
+            <a:r>
+              <a:rPr lang="hu-HU" b="0" i="0" dirty="0" err="1">
+                <a:solidFill>
+                  <a:srgbClr val="E8EAED"/>
+                </a:solidFill>
+                <a:effectLst/>
+                <a:latin typeface="Arial" panose="020B0604020202020204" pitchFamily="34" charset="0"/>
+              </a:rPr>
+              <a:t>Desktoppal</a:t>
+            </a:r>
+            <a:r>
+              <a:rPr lang="hu-HU" b="0" i="0" dirty="0">
+                <a:solidFill>
+                  <a:srgbClr val="E8EAED"/>
+                </a:solidFill>
+                <a:effectLst/>
+                <a:latin typeface="Arial" panose="020B0604020202020204" pitchFamily="34" charset="0"/>
+              </a:rPr>
+              <a:t> könnyen tudtuk letölteni a projekt legfrissebb verzióját és megvalósítani a verziókezelést</a:t>
+            </a:r>
+          </a:p>
+          <a:p>
             <a:endParaRPr lang="hu-HU" b="0" i="0" dirty="0">
               <a:solidFill>
                 <a:srgbClr val="E8EAED"/>
@@ -4097,35 +4125,6 @@
             </a:endParaRPr>
           </a:p>
           <a:p>
-            <a:endParaRPr lang="hu-HU" b="0" i="0" dirty="0">
-              <a:solidFill>
-                <a:srgbClr val="E8EAED"/>
-              </a:solidFill>
-              <a:effectLst/>
-              <a:latin typeface="Arial" panose="020B0604020202020204" pitchFamily="34" charset="0"/>
-            </a:endParaRPr>
-          </a:p>
-          <a:p>
-            <a:r>
-              <a:rPr lang="en-US" b="0" i="0" dirty="0">
-                <a:solidFill>
-                  <a:srgbClr val="E8EAED"/>
-                </a:solidFill>
-                <a:effectLst/>
-                <a:latin typeface="Arial" panose="020B0604020202020204" pitchFamily="34" charset="0"/>
-              </a:rPr>
-              <a:t>At home, we could </a:t>
-            </a:r>
-            <a:r>
-              <a:rPr lang="hu-HU" b="0" i="0" dirty="0" err="1">
-                <a:solidFill>
-                  <a:srgbClr val="E8EAED"/>
-                </a:solidFill>
-                <a:effectLst/>
-                <a:latin typeface="Arial" panose="020B0604020202020204" pitchFamily="34" charset="0"/>
-              </a:rPr>
-              <a:t>continue</a:t>
-            </a:r>
             <a:r>
               <a:rPr lang="hu-HU" b="0" i="0" dirty="0">
                 <a:solidFill>
@@ -4134,47 +4133,7 @@
                 <a:effectLst/>
                 <a:latin typeface="Arial" panose="020B0604020202020204" pitchFamily="34" charset="0"/>
               </a:rPr>
-              <a:t> </a:t>
-            </a:r>
-            <a:r>
-              <a:rPr lang="hu-HU" b="0" i="0" dirty="0" err="1">
-                <a:solidFill>
-                  <a:srgbClr val="E8EAED"/>
-                </a:solidFill>
-                <a:effectLst/>
-                <a:latin typeface="Arial" panose="020B0604020202020204" pitchFamily="34" charset="0"/>
-              </a:rPr>
-              <a:t>working</a:t>
-            </a:r>
-            <a:r>
-              <a:rPr lang="hu-HU" b="0" i="0" dirty="0">
-                <a:solidFill>
-                  <a:srgbClr val="E8EAED"/>
-                </a:solidFill>
-                <a:effectLst/>
-                <a:latin typeface="Arial" panose="020B0604020202020204" pitchFamily="34" charset="0"/>
-              </a:rPr>
-              <a:t> </a:t>
-            </a:r>
-            <a:r>
-              <a:rPr lang="hu-HU" b="0" i="0" dirty="0" err="1">
-                <a:solidFill>
-                  <a:srgbClr val="E8EAED"/>
-                </a:solidFill>
-                <a:effectLst/>
-                <a:latin typeface="Arial" panose="020B0604020202020204" pitchFamily="34" charset="0"/>
-              </a:rPr>
-              <a:t>with</a:t>
-            </a:r>
-            <a:r>
-              <a:rPr lang="en-US" b="0" i="0" dirty="0">
-                <a:solidFill>
-                  <a:srgbClr val="E8EAED"/>
-                </a:solidFill>
-                <a:effectLst/>
-                <a:latin typeface="Arial" panose="020B0604020202020204" pitchFamily="34" charset="0"/>
-              </a:rPr>
-              <a:t> </a:t>
+              <a:t>Otthon </a:t>
             </a:r>
             <a:r>
               <a:rPr lang="hu-HU" b="0" i="0" dirty="0" err="1">
@@ -4194,18 +4153,19 @@
                 <a:effectLst/>
                 <a:latin typeface="Arial" panose="020B0604020202020204" pitchFamily="34" charset="0"/>
               </a:rPr>
-              <a:t> </a:t>
-            </a:r>
-            <a:r>
-              <a:rPr lang="hu-HU" b="0" i="0" dirty="0" err="1">
-                <a:solidFill>
-                  <a:srgbClr val="E8EAED"/>
-                </a:solidFill>
-                <a:effectLst/>
-                <a:latin typeface="Arial" panose="020B0604020202020204" pitchFamily="34" charset="0"/>
-              </a:rPr>
-              <a:t>screen</a:t>
-            </a:r>
+              <a:t> képernyőmegosztással tudtunk tovább programozni</a:t>
+            </a:r>
+          </a:p>
+          <a:p>
+            <a:endParaRPr lang="hu-HU" b="0" i="0" dirty="0">
+              <a:solidFill>
+                <a:srgbClr val="E8EAED"/>
+              </a:solidFill>
+              <a:effectLst/>
+              <a:latin typeface="Arial" panose="020B0604020202020204" pitchFamily="34" charset="0"/>
+            </a:endParaRPr>
+          </a:p>
+          <a:p>
             <a:r>
               <a:rPr lang="hu-HU" b="0" i="0" dirty="0">
                 <a:solidFill>
@@ -4214,56 +4174,8 @@
                 <a:effectLst/>
                 <a:latin typeface="Arial" panose="020B0604020202020204" pitchFamily="34" charset="0"/>
               </a:rPr>
-              <a:t> </a:t>
-            </a:r>
-            <a:r>
-              <a:rPr lang="hu-HU" b="0" i="0" dirty="0" err="1">
-                <a:solidFill>
-                  <a:srgbClr val="E8EAED"/>
-                </a:solidFill>
-                <a:effectLst/>
-                <a:latin typeface="Arial" panose="020B0604020202020204" pitchFamily="34" charset="0"/>
-              </a:rPr>
-              <a:t>sharing</a:t>
-            </a:r>
-            <a:r>
-              <a:rPr lang="hu-HU" b="0" i="0" dirty="0">
-                <a:solidFill>
-                  <a:srgbClr val="E8EAED"/>
-                </a:solidFill>
-                <a:effectLst/>
-                <a:latin typeface="Arial" panose="020B0604020202020204" pitchFamily="34" charset="0"/>
-              </a:rPr>
-              <a:t>.</a:t>
-            </a:r>
-          </a:p>
-          <a:p>
-            <a:endParaRPr lang="hu-HU" b="0" i="0" dirty="0">
-              <a:solidFill>
-                <a:srgbClr val="E8EAED"/>
-              </a:solidFill>
-              <a:effectLst/>
-              <a:latin typeface="Arial" panose="020B0604020202020204" pitchFamily="34" charset="0"/>
-            </a:endParaRPr>
-          </a:p>
-          <a:p>
-            <a:r>
-              <a:rPr lang="en-US" b="0" i="0" dirty="0">
-                <a:solidFill>
-                  <a:srgbClr val="E8EAED"/>
-                </a:solidFill>
-                <a:effectLst/>
-                <a:latin typeface="Arial" panose="020B0604020202020204" pitchFamily="34" charset="0"/>
-              </a:rPr>
-              <a:t>We divided the frontend and backend tasks based on knowledge.</a:t>
-            </a:r>
-            <a:endParaRPr lang="hu-HU" b="0" i="0" dirty="0">
-              <a:solidFill>
-                <a:srgbClr val="E8EAED"/>
-              </a:solidFill>
-              <a:effectLst/>
-              <a:latin typeface="Arial" panose="020B0604020202020204" pitchFamily="34" charset="0"/>
-            </a:endParaRPr>
+              <a:t>A frontend és backend feladatokat tudás alapján osztottuk szét</a:t>
+            </a:r>
           </a:p>
         </p:txBody>
       </p:sp>
@@ -4350,6 +4262,12 @@
             <a:r>
               <a:rPr lang="hu-HU" dirty="0"/>
               <a:t>Gergő</a:t>
+            </a:r>
+          </a:p>
+          <a:p>
+            <a:r>
+              <a:rPr lang="hu-HU" dirty="0"/>
+              <a:t>A képernyőn</a:t>
             </a:r>
             <a:br>
               <a:rPr lang="hu-HU" dirty="0"/>
@@ -7217,7 +7135,7 @@
             <a:pPr rtl="0"/>
             <a:fld id="{95CA01AC-FE48-43E8-9541-14BE6D4B6216}" type="datetime1">
               <a:rPr lang="hu-HU" smtClean="0"/>
-              <a:t>2025. 04. 27.</a:t>
+              <a:t>2025. 05. 25.</a:t>
             </a:fld>
             <a:endParaRPr lang="hu-HU" dirty="0"/>
           </a:p>
@@ -7392,7 +7310,7 @@
             <a:pPr rtl="0"/>
             <a:fld id="{BA132BAD-A41C-435C-BDF1-B40F5FDD6CBB}" type="datetime1">
               <a:rPr lang="hu-HU" smtClean="0"/>
-              <a:t>2025. 04. 27.</a:t>
+              <a:t>2025. 05. 25.</a:t>
             </a:fld>
             <a:endParaRPr lang="hu-HU" dirty="0"/>
           </a:p>
@@ -7577,7 +7495,7 @@
             <a:pPr rtl="0"/>
             <a:fld id="{511901B3-A2B9-4D78-B569-739B455CDF92}" type="datetime1">
               <a:rPr lang="hu-HU" smtClean="0"/>
-              <a:t>2025. 04. 27.</a:t>
+              <a:t>2025. 05. 25.</a:t>
             </a:fld>
             <a:endParaRPr lang="hu-HU" dirty="0"/>
           </a:p>
@@ -7752,7 +7670,7 @@
             <a:pPr rtl="0"/>
             <a:fld id="{3851FB85-B948-4ACD-8B79-12856967A932}" type="datetime1">
               <a:rPr lang="hu-HU" smtClean="0"/>
-              <a:t>2025. 04. 27.</a:t>
+              <a:t>2025. 05. 25.</a:t>
             </a:fld>
             <a:endParaRPr lang="hu-HU" dirty="0"/>
           </a:p>
@@ -8011,7 +7929,7 @@
             <a:pPr rtl="0"/>
             <a:fld id="{02DEE940-EEB9-4D88-B665-1DF05D9BAE13}" type="datetime1">
               <a:rPr lang="hu-HU" smtClean="0"/>
-              <a:t>2025. 04. 27.</a:t>
+              <a:t>2025. 05. 25.</a:t>
             </a:fld>
             <a:endParaRPr lang="hu-HU" dirty="0"/>
           </a:p>
@@ -8304,7 +8222,7 @@
             <a:pPr rtl="0"/>
             <a:fld id="{A1DCEE0E-6970-4EFC-81F5-D470F37408DE}" type="datetime1">
               <a:rPr lang="hu-HU" smtClean="0"/>
-              <a:t>2025. 04. 27.</a:t>
+              <a:t>2025. 05. 25.</a:t>
             </a:fld>
             <a:endParaRPr lang="hu-HU" dirty="0"/>
           </a:p>
@@ -8751,7 +8669,7 @@
             <a:pPr rtl="0"/>
             <a:fld id="{5722FE6C-7199-4AEC-9102-6BCA289AF93C}" type="datetime1">
               <a:rPr lang="hu-HU" smtClean="0"/>
-              <a:t>2025. 04. 27.</a:t>
+              <a:t>2025. 05. 25.</a:t>
             </a:fld>
             <a:endParaRPr lang="hu-HU" dirty="0"/>
           </a:p>
@@ -8874,7 +8792,7 @@
             <a:pPr rtl="0"/>
             <a:fld id="{03D29D9B-97B7-4810-8AA3-861B7C07DF7C}" type="datetime1">
               <a:rPr lang="hu-HU" smtClean="0"/>
-              <a:t>2025. 04. 27.</a:t>
+              <a:t>2025. 05. 25.</a:t>
             </a:fld>
             <a:endParaRPr lang="hu-HU" dirty="0"/>
           </a:p>
@@ -8973,7 +8891,7 @@
             <a:pPr rtl="0"/>
             <a:fld id="{E0B8E3E5-F330-44D0-86BC-D7273766CF24}" type="datetime1">
               <a:rPr lang="hu-HU" smtClean="0"/>
-              <a:t>2025. 04. 27.</a:t>
+              <a:t>2025. 05. 25.</a:t>
             </a:fld>
             <a:endParaRPr lang="hu-HU" dirty="0"/>
           </a:p>
@@ -9266,7 +9184,7 @@
             <a:pPr rtl="0"/>
             <a:fld id="{03B9D2F3-D2FB-4079-8358-26B647FEDD45}" type="datetime1">
               <a:rPr lang="hu-HU" smtClean="0"/>
-              <a:t>2025. 04. 27.</a:t>
+              <a:t>2025. 05. 25.</a:t>
             </a:fld>
             <a:endParaRPr lang="hu-HU" dirty="0"/>
           </a:p>
@@ -9844,7 +9762,7 @@
             <a:pPr rtl="0"/>
             <a:fld id="{BF34A502-BF6B-45AF-A469-BC8939D6A3FE}" type="datetime1">
               <a:rPr lang="hu-HU" smtClean="0"/>
-              <a:t>2025. 04. 27.</a:t>
+              <a:t>2025. 05. 25.</a:t>
             </a:fld>
             <a:endParaRPr lang="hu-HU" dirty="0"/>
           </a:p>
@@ -10158,7 +10076,7 @@
             <a:pPr rtl="0"/>
             <a:fld id="{D951BFFD-2CCD-4914-9DBD-1533C1ADC8FA}" type="datetime1">
               <a:rPr lang="hu-HU" noProof="0" smtClean="0"/>
-              <a:t>2025. 04. 27.</a:t>
+              <a:t>2025. 05. 25.</a:t>
             </a:fld>
             <a:endParaRPr lang="hu-HU" noProof="0"/>
           </a:p>
@@ -11192,8 +11110,8 @@
         </p:nvSpPr>
         <p:spPr>
           <a:xfrm>
-            <a:off x="3696509" y="2920729"/>
-            <a:ext cx="3585891" cy="1276170"/>
+            <a:off x="3696509" y="923278"/>
+            <a:ext cx="6601588" cy="5166626"/>
           </a:xfrm>
         </p:spPr>
         <p:txBody>
@@ -11202,15 +11120,13 @@
           </a:bodyPr>
           <a:lstStyle/>
           <a:p>
-            <a:pPr indent="-182880">
+            <a:pPr>
               <a:lnSpc>
                 <a:spcPct val="90000"/>
               </a:lnSpc>
-              <a:buFont typeface="Wingdings 2" pitchFamily="18" charset="2"/>
-              <a:buChar char=""/>
             </a:pPr>
             <a:r>
-              <a:rPr lang="hu-HU" dirty="0">
+              <a:rPr lang="hu-HU" sz="1800" dirty="0">
                 <a:solidFill>
                   <a:schemeClr val="tx1">
                     <a:lumMod val="75000"/>
@@ -11218,19 +11134,19 @@
                   </a:schemeClr>
                 </a:solidFill>
               </a:rPr>
-              <a:t>Böngésző konzolablakos kiírás</a:t>
-            </a:r>
-          </a:p>
-          <a:p>
-            <a:pPr indent="-182880">
+              <a:t>Funkcionális tesztek:</a:t>
+            </a:r>
+          </a:p>
+          <a:p>
+            <a:pPr marL="285750" indent="-285750">
               <a:lnSpc>
                 <a:spcPct val="90000"/>
               </a:lnSpc>
-              <a:buFont typeface="Wingdings 2" pitchFamily="18" charset="2"/>
-              <a:buChar char=""/>
+              <a:buFont typeface="Arial" panose="020B0604020202020204" pitchFamily="34" charset="0"/>
+              <a:buChar char="•"/>
             </a:pPr>
             <a:r>
-              <a:rPr lang="hu-HU" dirty="0">
+              <a:rPr lang="hu-HU" sz="1800" dirty="0">
                 <a:solidFill>
                   <a:schemeClr val="tx1">
                     <a:lumMod val="75000"/>
@@ -11238,10 +11154,10 @@
                   </a:schemeClr>
                 </a:solidFill>
               </a:rPr>
-              <a:t>Visual </a:t>
-            </a:r>
-            <a:r>
-              <a:rPr lang="hu-HU" dirty="0" err="1">
+              <a:t>Regisztráció, Bejelentkezés, Poszt létrehozás stb.</a:t>
+            </a:r>
+            <a:br>
+              <a:rPr lang="hu-HU" sz="1800" dirty="0">
                 <a:solidFill>
                   <a:schemeClr val="tx1">
                     <a:lumMod val="75000"/>
@@ -11249,10 +11165,24 @@
                   </a:schemeClr>
                 </a:solidFill>
               </a:rPr>
-              <a:t>Studio</a:t>
-            </a:r>
-            <a:r>
-              <a:rPr lang="hu-HU" dirty="0">
+            </a:br>
+            <a:endParaRPr lang="hu-HU" sz="1800" dirty="0">
+              <a:solidFill>
+                <a:schemeClr val="tx1">
+                  <a:lumMod val="75000"/>
+                  <a:lumOff val="25000"/>
+                </a:schemeClr>
+              </a:solidFill>
+            </a:endParaRPr>
+          </a:p>
+          <a:p>
+            <a:pPr>
+              <a:lnSpc>
+                <a:spcPct val="90000"/>
+              </a:lnSpc>
+            </a:pPr>
+            <a:r>
+              <a:rPr lang="hu-HU" sz="1800" dirty="0">
                 <a:solidFill>
                   <a:schemeClr val="tx1">
                     <a:lumMod val="75000"/>
@@ -11260,10 +11190,19 @@
                   </a:schemeClr>
                 </a:solidFill>
               </a:rPr>
-              <a:t> </a:t>
-            </a:r>
-            <a:r>
-              <a:rPr lang="hu-HU" dirty="0" err="1">
+              <a:t>Felhasználói tesztek:</a:t>
+            </a:r>
+          </a:p>
+          <a:p>
+            <a:pPr marL="285750" indent="-285750">
+              <a:lnSpc>
+                <a:spcPct val="90000"/>
+              </a:lnSpc>
+              <a:buFont typeface="Arial" panose="020B0604020202020204" pitchFamily="34" charset="0"/>
+              <a:buChar char="•"/>
+            </a:pPr>
+            <a:r>
+              <a:rPr lang="hu-HU" sz="1800" dirty="0">
                 <a:solidFill>
                   <a:schemeClr val="tx1">
                     <a:lumMod val="75000"/>
@@ -11271,10 +11210,10 @@
                   </a:schemeClr>
                 </a:solidFill>
               </a:rPr>
-              <a:t>Code</a:t>
-            </a:r>
-            <a:r>
-              <a:rPr lang="hu-HU" dirty="0">
+              <a:t>Felhasználói felület tesztelése</a:t>
+            </a:r>
+            <a:br>
+              <a:rPr lang="hu-HU" sz="1800" dirty="0">
                 <a:solidFill>
                   <a:schemeClr val="tx1">
                     <a:lumMod val="75000"/>
@@ -11282,19 +11221,24 @@
                   </a:schemeClr>
                 </a:solidFill>
               </a:rPr>
-              <a:t> terminálablak</a:t>
-            </a:r>
-          </a:p>
-          <a:p>
-            <a:pPr indent="-182880">
+            </a:br>
+            <a:endParaRPr lang="hu-HU" sz="1800" dirty="0">
+              <a:solidFill>
+                <a:schemeClr val="tx1">
+                  <a:lumMod val="75000"/>
+                  <a:lumOff val="25000"/>
+                </a:schemeClr>
+              </a:solidFill>
+            </a:endParaRPr>
+          </a:p>
+          <a:p>
+            <a:pPr>
               <a:lnSpc>
                 <a:spcPct val="90000"/>
               </a:lnSpc>
-              <a:buFont typeface="Wingdings 2" pitchFamily="18" charset="2"/>
-              <a:buChar char=""/>
             </a:pPr>
             <a:r>
-              <a:rPr lang="hu-HU" dirty="0">
+              <a:rPr lang="hu-HU" sz="1800" dirty="0">
                 <a:solidFill>
                   <a:schemeClr val="tx1">
                     <a:lumMod val="75000"/>
@@ -11302,9 +11246,39 @@
                   </a:schemeClr>
                 </a:solidFill>
               </a:rPr>
-              <a:t>Adatbázis ellenőrzés</a:t>
-            </a:r>
-            <a:endParaRPr lang="en-US" dirty="0">
+              <a:t>Hibakezelés tesztelése:</a:t>
+            </a:r>
+          </a:p>
+          <a:p>
+            <a:pPr marL="285750" indent="-285750">
+              <a:lnSpc>
+                <a:spcPct val="90000"/>
+              </a:lnSpc>
+              <a:buFont typeface="Arial" panose="020B0604020202020204" pitchFamily="34" charset="0"/>
+              <a:buChar char="•"/>
+            </a:pPr>
+            <a:r>
+              <a:rPr lang="hu-HU" sz="1800" dirty="0">
+                <a:solidFill>
+                  <a:schemeClr val="tx1">
+                    <a:lumMod val="75000"/>
+                    <a:lumOff val="25000"/>
+                  </a:schemeClr>
+                </a:solidFill>
+              </a:rPr>
+              <a:t>Tesztelés szándékosan hibás adatokkal</a:t>
+            </a:r>
+            <a:br>
+              <a:rPr lang="hu-HU" sz="1800" dirty="0">
+                <a:solidFill>
+                  <a:schemeClr val="tx1">
+                    <a:lumMod val="75000"/>
+                    <a:lumOff val="25000"/>
+                  </a:schemeClr>
+                </a:solidFill>
+              </a:rPr>
+            </a:br>
+            <a:endParaRPr lang="hu-HU" sz="1800" dirty="0">
               <a:solidFill>
                 <a:schemeClr val="tx1">
                   <a:lumMod val="75000"/>
@@ -11313,127 +11287,146 @@
               </a:solidFill>
             </a:endParaRPr>
           </a:p>
-        </p:txBody>
-      </p:sp>
-      <p:pic>
-        <p:nvPicPr>
-          <p:cNvPr id="8" name="Picture 7">
-            <a:extLst>
-              <a:ext uri="{FF2B5EF4-FFF2-40B4-BE49-F238E27FC236}">
-                <a16:creationId xmlns:a16="http://schemas.microsoft.com/office/drawing/2014/main" id="{2E3B438B-014F-F969-0FD2-92919638F0E3}"/>
-              </a:ext>
-            </a:extLst>
-          </p:cNvPr>
-          <p:cNvPicPr>
-            <a:picLocks noChangeAspect="1"/>
-          </p:cNvPicPr>
-          <p:nvPr/>
-        </p:nvPicPr>
-        <p:blipFill>
-          <a:blip r:embed="rId3"/>
-          <a:srcRect r="4500" b="2"/>
-          <a:stretch/>
-        </p:blipFill>
-        <p:spPr>
-          <a:xfrm>
-            <a:off x="6603818" y="4314825"/>
-            <a:ext cx="4989387" cy="2429338"/>
-          </a:xfrm>
-          <a:prstGeom prst="rect">
-            <a:avLst/>
-          </a:prstGeom>
-        </p:spPr>
-      </p:pic>
-      <p:pic>
-        <p:nvPicPr>
-          <p:cNvPr id="20" name="Picture 19">
-            <a:extLst>
-              <a:ext uri="{FF2B5EF4-FFF2-40B4-BE49-F238E27FC236}">
-                <a16:creationId xmlns:a16="http://schemas.microsoft.com/office/drawing/2014/main" id="{BC3FFDA8-CC6F-99BB-15A1-F2F4E4F6459E}"/>
-              </a:ext>
-            </a:extLst>
-          </p:cNvPr>
-          <p:cNvPicPr>
-            <a:picLocks noChangeAspect="1"/>
-          </p:cNvPicPr>
-          <p:nvPr/>
-        </p:nvPicPr>
-        <p:blipFill>
-          <a:blip r:embed="rId4"/>
-          <a:stretch>
-            <a:fillRect/>
-          </a:stretch>
-        </p:blipFill>
-        <p:spPr>
-          <a:xfrm>
-            <a:off x="4785134" y="693350"/>
-            <a:ext cx="6808071" cy="1967752"/>
-          </a:xfrm>
-          <a:prstGeom prst="rect">
-            <a:avLst/>
-          </a:prstGeom>
-        </p:spPr>
-      </p:pic>
-      <p:pic>
-        <p:nvPicPr>
-          <p:cNvPr id="24" name="Picture 23">
-            <a:extLst>
-              <a:ext uri="{FF2B5EF4-FFF2-40B4-BE49-F238E27FC236}">
-                <a16:creationId xmlns:a16="http://schemas.microsoft.com/office/drawing/2014/main" id="{9B9FD8C5-790B-D702-3EB9-13E0C589EA45}"/>
-              </a:ext>
-            </a:extLst>
-          </p:cNvPr>
-          <p:cNvPicPr>
-            <a:picLocks noChangeAspect="1"/>
-          </p:cNvPicPr>
-          <p:nvPr/>
-        </p:nvPicPr>
-        <p:blipFill>
-          <a:blip r:embed="rId5"/>
-          <a:stretch>
-            <a:fillRect/>
-          </a:stretch>
-        </p:blipFill>
-        <p:spPr>
-          <a:xfrm>
-            <a:off x="7385785" y="2984545"/>
-            <a:ext cx="4207420" cy="1257295"/>
-          </a:xfrm>
-          <a:prstGeom prst="rect">
-            <a:avLst/>
-          </a:prstGeom>
-        </p:spPr>
-      </p:pic>
-      <p:pic>
-        <p:nvPicPr>
-          <p:cNvPr id="28" name="Picture 27">
-            <a:extLst>
-              <a:ext uri="{FF2B5EF4-FFF2-40B4-BE49-F238E27FC236}">
-                <a16:creationId xmlns:a16="http://schemas.microsoft.com/office/drawing/2014/main" id="{586F8CDF-95D3-0A48-9CBB-3E6F428D2F43}"/>
-              </a:ext>
-            </a:extLst>
-          </p:cNvPr>
-          <p:cNvPicPr>
-            <a:picLocks noChangeAspect="1"/>
-          </p:cNvPicPr>
-          <p:nvPr/>
-        </p:nvPicPr>
-        <p:blipFill>
-          <a:blip r:embed="rId6"/>
-          <a:stretch>
-            <a:fillRect/>
-          </a:stretch>
-        </p:blipFill>
-        <p:spPr>
-          <a:xfrm>
-            <a:off x="338970" y="5354007"/>
-            <a:ext cx="5914590" cy="605885"/>
-          </a:xfrm>
-          <a:prstGeom prst="rect">
-            <a:avLst/>
-          </a:prstGeom>
-        </p:spPr>
-      </p:pic>
+          <a:p>
+            <a:pPr>
+              <a:lnSpc>
+                <a:spcPct val="90000"/>
+              </a:lnSpc>
+            </a:pPr>
+            <a:r>
+              <a:rPr lang="hu-HU" sz="1800" dirty="0" err="1">
+                <a:solidFill>
+                  <a:schemeClr val="tx1">
+                    <a:lumMod val="75000"/>
+                    <a:lumOff val="25000"/>
+                  </a:schemeClr>
+                </a:solidFill>
+              </a:rPr>
+              <a:t>Reszponzivitás</a:t>
+            </a:r>
+            <a:r>
+              <a:rPr lang="hu-HU" sz="1800" dirty="0">
+                <a:solidFill>
+                  <a:schemeClr val="tx1">
+                    <a:lumMod val="75000"/>
+                    <a:lumOff val="25000"/>
+                  </a:schemeClr>
+                </a:solidFill>
+              </a:rPr>
+              <a:t> tesztelése:</a:t>
+            </a:r>
+          </a:p>
+          <a:p>
+            <a:pPr marL="285750" indent="-285750">
+              <a:lnSpc>
+                <a:spcPct val="90000"/>
+              </a:lnSpc>
+              <a:buFont typeface="Arial" panose="020B0604020202020204" pitchFamily="34" charset="0"/>
+              <a:buChar char="•"/>
+            </a:pPr>
+            <a:r>
+              <a:rPr lang="hu-HU" sz="1800" dirty="0">
+                <a:solidFill>
+                  <a:schemeClr val="tx1">
+                    <a:lumMod val="75000"/>
+                    <a:lumOff val="25000"/>
+                  </a:schemeClr>
+                </a:solidFill>
+              </a:rPr>
+              <a:t>Különböző képernyőméreteken is használható, jól néz ki</a:t>
+            </a:r>
+            <a:br>
+              <a:rPr lang="hu-HU" sz="1800" dirty="0">
+                <a:solidFill>
+                  <a:schemeClr val="tx1">
+                    <a:lumMod val="75000"/>
+                    <a:lumOff val="25000"/>
+                  </a:schemeClr>
+                </a:solidFill>
+              </a:rPr>
+            </a:br>
+            <a:endParaRPr lang="hu-HU" sz="1800" dirty="0">
+              <a:solidFill>
+                <a:schemeClr val="tx1">
+                  <a:lumMod val="75000"/>
+                  <a:lumOff val="25000"/>
+                </a:schemeClr>
+              </a:solidFill>
+            </a:endParaRPr>
+          </a:p>
+          <a:p>
+            <a:pPr>
+              <a:lnSpc>
+                <a:spcPct val="90000"/>
+              </a:lnSpc>
+            </a:pPr>
+            <a:r>
+              <a:rPr lang="hu-HU" sz="1800" dirty="0">
+                <a:solidFill>
+                  <a:schemeClr val="tx1">
+                    <a:lumMod val="75000"/>
+                    <a:lumOff val="25000"/>
+                  </a:schemeClr>
+                </a:solidFill>
+              </a:rPr>
+              <a:t>Biztonsági tesztek:</a:t>
+            </a:r>
+          </a:p>
+          <a:p>
+            <a:pPr marL="285750" indent="-285750">
+              <a:lnSpc>
+                <a:spcPct val="90000"/>
+              </a:lnSpc>
+              <a:buFont typeface="Arial" panose="020B0604020202020204" pitchFamily="34" charset="0"/>
+              <a:buChar char="•"/>
+            </a:pPr>
+            <a:r>
+              <a:rPr lang="hu-HU" sz="1800" dirty="0" err="1">
+                <a:solidFill>
+                  <a:schemeClr val="tx1">
+                    <a:lumMod val="75000"/>
+                    <a:lumOff val="25000"/>
+                  </a:schemeClr>
+                </a:solidFill>
+              </a:rPr>
+              <a:t>Bcrypt</a:t>
+            </a:r>
+            <a:r>
+              <a:rPr lang="hu-HU" sz="1800" dirty="0">
+                <a:solidFill>
+                  <a:schemeClr val="tx1">
+                    <a:lumMod val="75000"/>
+                    <a:lumOff val="25000"/>
+                  </a:schemeClr>
+                </a:solidFill>
+              </a:rPr>
+              <a:t> titkosítás és JWT </a:t>
+            </a:r>
+            <a:r>
+              <a:rPr lang="hu-HU" sz="1800" dirty="0" err="1">
+                <a:solidFill>
+                  <a:schemeClr val="tx1">
+                    <a:lumMod val="75000"/>
+                    <a:lumOff val="25000"/>
+                  </a:schemeClr>
+                </a:solidFill>
+              </a:rPr>
+              <a:t>autentikáció</a:t>
+            </a:r>
+            <a:r>
+              <a:rPr lang="hu-HU" sz="1800" dirty="0">
+                <a:solidFill>
+                  <a:schemeClr val="tx1">
+                    <a:lumMod val="75000"/>
+                    <a:lumOff val="25000"/>
+                  </a:schemeClr>
+                </a:solidFill>
+              </a:rPr>
+              <a:t> tényleg működik-e</a:t>
+            </a:r>
+          </a:p>
+        </p:txBody>
+      </p:sp>
     </p:spTree>
     <p:extLst>
       <p:ext uri="{BB962C8B-B14F-4D97-AF65-F5344CB8AC3E}">
@@ -11498,10 +11491,9 @@
           <a:lstStyle/>
           <a:p>
             <a:r>
-              <a:rPr lang="hu-HU" dirty="0" err="1"/>
-              <a:t>Teamwork</a:t>
-            </a:r>
-            <a:endParaRPr lang="hu-HU" dirty="0"/>
+              <a:rPr lang="hu-HU" dirty="0"/>
+              <a:t>Csapatmunka</a:t>
+            </a:r>
           </a:p>
         </p:txBody>
       </p:sp>
@@ -11542,36 +11534,14 @@
           <a:p>
             <a:r>
               <a:rPr lang="hu-HU" dirty="0"/>
-              <a:t>Frontend-backend </a:t>
-            </a:r>
-            <a:r>
-              <a:rPr lang="hu-HU" dirty="0" err="1"/>
-              <a:t>separation</a:t>
-            </a:r>
-            <a:endParaRPr lang="hu-HU" dirty="0"/>
-          </a:p>
-          <a:p>
-            <a:r>
-              <a:rPr lang="hu-HU" dirty="0" err="1"/>
-              <a:t>Divided</a:t>
-            </a:r>
+              <a:t>Frontend-backend külön választva</a:t>
+            </a:r>
+          </a:p>
+          <a:p>
             <a:r>
               <a:rPr lang="hu-HU" dirty="0"/>
-              <a:t> </a:t>
-            </a:r>
-            <a:r>
-              <a:rPr lang="hu-HU" dirty="0" err="1"/>
-              <a:t>by</a:t>
-            </a:r>
-            <a:r>
-              <a:rPr lang="hu-HU" dirty="0"/>
-              <a:t> </a:t>
-            </a:r>
-            <a:r>
-              <a:rPr lang="hu-HU" dirty="0" err="1"/>
-              <a:t>files</a:t>
-            </a:r>
-            <a:endParaRPr lang="hu-HU" dirty="0"/>
+              <a:t>Fájlok szerinti felosztás</a:t>
+            </a:r>
           </a:p>
           <a:p>
             <a:endParaRPr lang="hu-HU" dirty="0"/>
@@ -11761,10 +11731,9 @@
           <a:lstStyle/>
           <a:p>
             <a:r>
-              <a:rPr lang="hu-HU" dirty="0" err="1"/>
-              <a:t>Teamwork</a:t>
-            </a:r>
-            <a:endParaRPr lang="hu-HU" dirty="0"/>
+              <a:rPr lang="hu-HU" dirty="0"/>
+              <a:t>Csapatmunka</a:t>
+            </a:r>
           </a:p>
         </p:txBody>
       </p:sp>
@@ -11786,35 +11755,32 @@
         </p:nvSpPr>
         <p:spPr>
           <a:xfrm>
-            <a:off x="3625420" y="1852121"/>
-            <a:ext cx="2338680" cy="2008678"/>
+            <a:off x="3625420" y="1531527"/>
+            <a:ext cx="2338680" cy="2516690"/>
           </a:xfrm>
         </p:spPr>
         <p:txBody>
           <a:bodyPr>
-            <a:normAutofit fontScale="92500"/>
+            <a:normAutofit/>
           </a:bodyPr>
           <a:lstStyle/>
           <a:p>
             <a:r>
               <a:rPr lang="hu-HU" dirty="0"/>
-              <a:t>Backend: server.js</a:t>
-            </a:r>
-          </a:p>
-          <a:p>
-            <a:r>
-              <a:rPr lang="hu-HU" dirty="0" err="1"/>
-              <a:t>Database</a:t>
-            </a:r>
+              <a:t>Backend szerver</a:t>
+            </a:r>
+          </a:p>
+          <a:p>
             <a:r>
               <a:rPr lang="hu-HU" dirty="0"/>
-              <a:t> </a:t>
-            </a:r>
-            <a:r>
-              <a:rPr lang="hu-HU" dirty="0" err="1"/>
-              <a:t>tables</a:t>
-            </a:r>
-            <a:endParaRPr lang="hu-HU" dirty="0"/>
+              <a:t>Adatbázis táblák</a:t>
+            </a:r>
+          </a:p>
+          <a:p>
+            <a:r>
+              <a:rPr lang="hu-HU" dirty="0"/>
+              <a:t>Adatfeltöltés</a:t>
+            </a:r>
           </a:p>
           <a:p>
             <a:r>
@@ -11823,24 +11789,8 @@
             </a:r>
             <a:r>
               <a:rPr lang="hu-HU" dirty="0"/>
-              <a:t> </a:t>
-            </a:r>
-            <a:r>
-              <a:rPr lang="hu-HU" dirty="0" err="1"/>
-              <a:t>requests</a:t>
-            </a:r>
-            <a:endParaRPr lang="hu-HU" dirty="0"/>
-          </a:p>
-          <a:p>
-            <a:r>
-              <a:rPr lang="hu-HU" dirty="0"/>
-              <a:t>Data </a:t>
-            </a:r>
-            <a:r>
-              <a:rPr lang="hu-HU" dirty="0" err="1"/>
-              <a:t>upload</a:t>
-            </a:r>
-            <a:endParaRPr lang="hu-HU" dirty="0"/>
+              <a:t> kérések</a:t>
+            </a:r>
           </a:p>
           <a:p>
             <a:r>
@@ -11849,7 +11799,7 @@
             </a:r>
             <a:r>
               <a:rPr lang="hu-HU" dirty="0" err="1"/>
-              <a:t>authentication</a:t>
+              <a:t>autentikáció</a:t>
             </a:r>
             <a:endParaRPr lang="hu-HU" dirty="0"/>
           </a:p>
@@ -11898,8 +11848,8 @@
         </p:nvSpPr>
         <p:spPr>
           <a:xfrm>
-            <a:off x="6115395" y="1852121"/>
-            <a:ext cx="2908964" cy="4138481"/>
+            <a:off x="6395413" y="1680935"/>
+            <a:ext cx="2105342" cy="4138481"/>
           </a:xfrm>
         </p:spPr>
         <p:txBody>
@@ -11913,31 +11863,7 @@
             </a:pPr>
             <a:r>
               <a:rPr lang="hu-HU" dirty="0"/>
-              <a:t>Frontend </a:t>
-            </a:r>
-            <a:r>
-              <a:rPr lang="hu-HU" dirty="0" err="1"/>
-              <a:t>jsx</a:t>
-            </a:r>
-            <a:r>
-              <a:rPr lang="hu-HU" dirty="0"/>
-              <a:t> and </a:t>
-            </a:r>
-            <a:r>
-              <a:rPr lang="hu-HU" dirty="0" err="1"/>
-              <a:t>css</a:t>
-            </a:r>
-            <a:r>
-              <a:rPr lang="hu-HU" dirty="0"/>
-              <a:t> </a:t>
-            </a:r>
-            <a:r>
-              <a:rPr lang="hu-HU" dirty="0" err="1"/>
-              <a:t>files</a:t>
-            </a:r>
-            <a:r>
-              <a:rPr lang="hu-HU" dirty="0"/>
-              <a:t>:</a:t>
+              <a:t>Frontend oldalak és formázásaik:</a:t>
             </a:r>
           </a:p>
           <a:p>
@@ -11999,10 +11925,9 @@
               <a:buNone/>
             </a:pPr>
             <a:r>
-              <a:rPr lang="hu-HU" dirty="0" err="1"/>
-              <a:t>Documentation</a:t>
-            </a:r>
-            <a:endParaRPr lang="hu-HU" dirty="0"/>
+              <a:rPr lang="hu-HU" dirty="0"/>
+              <a:t>Dokumentáció</a:t>
+            </a:r>
           </a:p>
         </p:txBody>
       </p:sp>
@@ -12024,8 +11949,8 @@
         </p:nvSpPr>
         <p:spPr>
           <a:xfrm>
-            <a:off x="9101330" y="1849805"/>
-            <a:ext cx="2834638" cy="4140797"/>
+            <a:off x="8872832" y="1349406"/>
+            <a:ext cx="2834640" cy="3531487"/>
           </a:xfrm>
         </p:spPr>
         <p:txBody>
@@ -12039,7 +11964,7 @@
             </a:pPr>
             <a:r>
               <a:rPr lang="hu-HU" dirty="0"/>
-              <a:t>Frontend and </a:t>
+              <a:t>Frontend és </a:t>
             </a:r>
             <a:r>
               <a:rPr lang="hu-HU" dirty="0" err="1"/>
@@ -12053,16 +11978,12 @@
           </a:p>
           <a:p>
             <a:r>
+              <a:rPr lang="hu-HU" sz="2000" dirty="0"/>
+              <a:t>Regisztráció, bejelentkezés, </a:t>
+            </a:r>
+            <a:r>
               <a:rPr lang="hu-HU" sz="2000" dirty="0" err="1"/>
-              <a:t>Registration</a:t>
-            </a:r>
-            <a:r>
-              <a:rPr lang="hu-HU" sz="2000" dirty="0"/>
-              <a:t> and login </a:t>
-            </a:r>
-            <a:r>
-              <a:rPr lang="hu-HU" sz="2000" dirty="0" err="1"/>
-              <a:t>authentication</a:t>
+              <a:t>autentikáció</a:t>
             </a:r>
             <a:endParaRPr lang="hu-HU" sz="2000" dirty="0"/>
           </a:p>
@@ -12091,12 +12012,8 @@
               <a:buNone/>
             </a:pPr>
             <a:r>
-              <a:rPr lang="hu-HU" sz="2000" dirty="0" err="1"/>
-              <a:t>Documentation</a:t>
-            </a:r>
-            <a:r>
               <a:rPr lang="hu-HU" sz="2000" dirty="0"/>
-              <a:t> </a:t>
+              <a:t>Dokumentáció</a:t>
             </a:r>
           </a:p>
           <a:p>
@@ -12273,18 +12190,9 @@
           <a:lstStyle/>
           <a:p>
             <a:r>
-              <a:rPr lang="hu-HU" dirty="0" err="1"/>
-              <a:t>Future</a:t>
-            </a:r>
-            <a:r>
               <a:rPr lang="hu-HU" dirty="0"/>
-              <a:t> </a:t>
-            </a:r>
-            <a:r>
-              <a:rPr lang="hu-HU" dirty="0" err="1"/>
-              <a:t>plans</a:t>
-            </a:r>
-            <a:endParaRPr lang="hu-HU" dirty="0"/>
+              <a:t>Tervek a jövőre</a:t>
+            </a:r>
           </a:p>
         </p:txBody>
       </p:sp>
@@ -12311,56 +12219,33 @@
           </a:xfrm>
         </p:spPr>
         <p:txBody>
-          <a:bodyPr/>
+          <a:bodyPr>
+            <a:normAutofit fontScale="92500"/>
+          </a:bodyPr>
           <a:lstStyle/>
           <a:p>
-            <a:r>
-              <a:rPr lang="hu-HU" dirty="0" err="1"/>
-              <a:t>User’s</a:t>
-            </a:r>
+            <a:pPr marL="0" indent="0">
+              <a:buNone/>
+            </a:pPr>
+            <a:endParaRPr lang="hu-HU" dirty="0"/>
+          </a:p>
+          <a:p>
             <a:r>
               <a:rPr lang="hu-HU" dirty="0"/>
-              <a:t> </a:t>
-            </a:r>
-            <a:r>
-              <a:rPr lang="hu-HU" dirty="0" err="1"/>
-              <a:t>posts</a:t>
-            </a:r>
-            <a:endParaRPr lang="hu-HU" dirty="0"/>
-          </a:p>
-          <a:p>
-            <a:r>
-              <a:rPr lang="hu-HU" dirty="0" err="1"/>
-              <a:t>Number</a:t>
-            </a:r>
+              <a:t>Posztok száma</a:t>
+            </a:r>
+          </a:p>
+          <a:p>
             <a:r>
               <a:rPr lang="hu-HU" dirty="0"/>
-              <a:t> of </a:t>
-            </a:r>
-            <a:r>
-              <a:rPr lang="hu-HU" dirty="0" err="1"/>
-              <a:t>pictures</a:t>
-            </a:r>
+              <a:t>Poszthoz feltölthető képek száma</a:t>
+            </a:r>
+          </a:p>
+          <a:p>
             <a:r>
               <a:rPr lang="hu-HU" dirty="0"/>
-              <a:t> </a:t>
-            </a:r>
-            <a:r>
-              <a:rPr lang="hu-HU" dirty="0" err="1"/>
-              <a:t>uploaded</a:t>
-            </a:r>
-            <a:endParaRPr lang="hu-HU" dirty="0"/>
-          </a:p>
-          <a:p>
-            <a:r>
-              <a:rPr lang="hu-HU" dirty="0"/>
-              <a:t>Post </a:t>
-            </a:r>
-            <a:r>
-              <a:rPr lang="hu-HU" dirty="0" err="1"/>
-              <a:t>priority</a:t>
-            </a:r>
-            <a:endParaRPr lang="hu-HU" dirty="0"/>
+              <a:t>Elsőbbség / kiemelés</a:t>
+            </a:r>
           </a:p>
         </p:txBody>
       </p:sp>
@@ -12446,13 +12331,8 @@
           <a:p>
             <a:r>
               <a:rPr lang="hu-HU" dirty="0"/>
-              <a:t>Premium </a:t>
-            </a:r>
-            <a:r>
-              <a:rPr lang="hu-HU" dirty="0" err="1"/>
-              <a:t>subscription</a:t>
-            </a:r>
-            <a:endParaRPr lang="hu-HU" dirty="0"/>
+              <a:t>Premium feliratkozás</a:t>
+            </a:r>
           </a:p>
         </p:txBody>
       </p:sp>
@@ -12484,13 +12364,8 @@
           <a:p>
             <a:r>
               <a:rPr lang="hu-HU" dirty="0"/>
-              <a:t>Mobil </a:t>
-            </a:r>
-            <a:r>
-              <a:rPr lang="hu-HU" dirty="0" err="1"/>
-              <a:t>application</a:t>
-            </a:r>
-            <a:endParaRPr lang="hu-HU" dirty="0"/>
+              <a:t>Mobilalkalmazás</a:t>
+            </a:r>
           </a:p>
         </p:txBody>
       </p:sp>
@@ -12524,29 +12399,8 @@
           <a:p>
             <a:r>
               <a:rPr lang="hu-HU" dirty="0"/>
-              <a:t>Design </a:t>
-            </a:r>
-            <a:r>
-              <a:rPr lang="hu-HU" dirty="0" err="1"/>
-              <a:t>change</a:t>
-            </a:r>
-            <a:r>
-              <a:rPr lang="hu-HU" dirty="0"/>
-              <a:t> / </a:t>
-            </a:r>
-            <a:r>
-              <a:rPr lang="hu-HU" dirty="0" err="1"/>
-              <a:t>userfriendly</a:t>
-            </a:r>
-            <a:r>
-              <a:rPr lang="hu-HU" dirty="0"/>
-              <a:t> </a:t>
-            </a:r>
-            <a:r>
-              <a:rPr lang="hu-HU" dirty="0" err="1"/>
-              <a:t>interface</a:t>
-            </a:r>
-            <a:endParaRPr lang="hu-HU" dirty="0"/>
+              <a:t>Letisztultabb felület</a:t>
+            </a:r>
           </a:p>
         </p:txBody>
       </p:sp>

--- a/prezentáció.pptx
+++ b/prezentáció.pptx
@@ -3372,7 +3372,7 @@
           <a:p>
             <a:fld id="{739FB2FC-BB9E-49C2-8CC7-6A726ED86D84}" type="datetimeFigureOut">
               <a:rPr lang="hu-HU" smtClean="0"/>
-              <a:t>2025. 05. 25.</a:t>
+              <a:t>2025. 05. 26.</a:t>
             </a:fld>
             <a:endParaRPr lang="hu-HU"/>
           </a:p>
@@ -3550,7 +3550,7 @@
           <a:p>
             <a:fld id="{B9CCC56D-1999-49F7-9BE2-3A3019848181}" type="datetimeFigureOut">
               <a:rPr lang="hu-HU" noProof="0" smtClean="0"/>
-              <a:t>2025. 05. 25.</a:t>
+              <a:t>2025. 05. 26.</a:t>
             </a:fld>
             <a:endParaRPr lang="hu-HU" noProof="0"/>
           </a:p>
@@ -4267,56 +4267,8 @@
           <a:p>
             <a:r>
               <a:rPr lang="hu-HU" dirty="0"/>
-              <a:t>A képernyőn</a:t>
-            </a:r>
-            <a:br>
-              <a:rPr lang="hu-HU" dirty="0"/>
-            </a:br>
-            <a:r>
-              <a:rPr lang="en-US" dirty="0"/>
-              <a:t>The picture shows </a:t>
-            </a:r>
-            <a:r>
-              <a:rPr lang="hu-HU" dirty="0" err="1"/>
-              <a:t>how</a:t>
-            </a:r>
-            <a:r>
-              <a:rPr lang="hu-HU" dirty="0"/>
-              <a:t> </a:t>
-            </a:r>
-            <a:r>
-              <a:rPr lang="hu-HU" dirty="0" err="1"/>
-              <a:t>we</a:t>
-            </a:r>
-            <a:r>
-              <a:rPr lang="hu-HU" dirty="0"/>
-              <a:t> </a:t>
-            </a:r>
-            <a:r>
-              <a:rPr lang="hu-HU" dirty="0" err="1"/>
-              <a:t>divided</a:t>
-            </a:r>
-            <a:r>
-              <a:rPr lang="hu-HU" dirty="0"/>
-              <a:t> </a:t>
-            </a:r>
-            <a:r>
-              <a:rPr lang="hu-HU" dirty="0" err="1"/>
-              <a:t>the</a:t>
-            </a:r>
-            <a:r>
-              <a:rPr lang="hu-HU" dirty="0"/>
-              <a:t> </a:t>
-            </a:r>
-            <a:r>
-              <a:rPr lang="hu-HU" dirty="0" err="1"/>
-              <a:t>tasks</a:t>
-            </a:r>
-            <a:r>
-              <a:rPr lang="en-US" dirty="0"/>
-              <a:t>. This was not defined at the beginning of the project, as we worked on the website, the roles developed.</a:t>
-            </a:r>
-            <a:endParaRPr lang="hu-HU" dirty="0"/>
+              <a:t>A képernyőn a feladatok felosztása látható.</a:t>
+            </a:r>
           </a:p>
           <a:p>
             <a:endParaRPr lang="hu-HU" dirty="0"/>
@@ -4328,17 +4280,16 @@
             </a:r>
             <a:r>
               <a:rPr lang="hu-HU" dirty="0"/>
-              <a:t>I </a:t>
+              <a:t>Én írtam meg az </a:t>
             </a:r>
             <a:r>
               <a:rPr lang="hu-HU" dirty="0" err="1"/>
-              <a:t>wrote</a:t>
-            </a:r>
-            <a:r>
-              <a:rPr lang="en-US" dirty="0"/>
-              <a:t> the Axios requests for most pages, created the database tables and columns, and uploaded data when creating posts</a:t>
-            </a:r>
-            <a:endParaRPr lang="hu-HU" dirty="0"/>
+              <a:t>Axios</a:t>
+            </a:r>
+            <a:r>
+              <a:rPr lang="hu-HU" dirty="0"/>
+              <a:t> kéréseket, én hoztam létre az adatbázis táblákat, valamint az adatfeltöltéssel dolgoztam</a:t>
+            </a:r>
           </a:p>
           <a:p>
             <a:endParaRPr lang="hu-HU" dirty="0"/>
@@ -4350,13 +4301,8 @@
             </a:r>
             <a:r>
               <a:rPr lang="hu-HU" dirty="0"/>
-              <a:t> I</a:t>
-            </a:r>
-            <a:r>
-              <a:rPr lang="en-US" dirty="0"/>
-              <a:t> wrote and designed the frontend pages, and also helped with the documentation</a:t>
-            </a:r>
-            <a:endParaRPr lang="hu-HU" dirty="0"/>
+              <a:t> Én csináltam a legtöbb frontend oldalt és a hozzátartozó formázásokat, ezenkívül segítettem a dokumentáció megírásában</a:t>
+            </a:r>
           </a:p>
           <a:p>
             <a:endParaRPr lang="hu-HU" dirty="0"/>
@@ -4368,61 +4314,8 @@
             </a:r>
             <a:r>
               <a:rPr lang="hu-HU" dirty="0"/>
-              <a:t> I</a:t>
-            </a:r>
-            <a:r>
-              <a:rPr lang="en-US" dirty="0"/>
-              <a:t> wrote the </a:t>
-            </a:r>
-            <a:r>
-              <a:rPr lang="en-US" dirty="0" err="1"/>
-              <a:t>jsx</a:t>
-            </a:r>
-            <a:r>
-              <a:rPr lang="en-US" dirty="0"/>
-              <a:t> code and </a:t>
-            </a:r>
-            <a:r>
-              <a:rPr lang="en-US" dirty="0" err="1"/>
-              <a:t>css</a:t>
-            </a:r>
-            <a:r>
-              <a:rPr lang="en-US" dirty="0"/>
-              <a:t> style </a:t>
-            </a:r>
-            <a:r>
-              <a:rPr lang="hu-HU" dirty="0" err="1"/>
-              <a:t>for</a:t>
-            </a:r>
-            <a:r>
-              <a:rPr lang="hu-HU" dirty="0"/>
-              <a:t> </a:t>
-            </a:r>
-            <a:r>
-              <a:rPr lang="hu-HU" dirty="0" err="1"/>
-              <a:t>the</a:t>
-            </a:r>
-            <a:r>
-              <a:rPr lang="hu-HU" dirty="0"/>
-              <a:t> </a:t>
-            </a:r>
-            <a:r>
-              <a:rPr lang="hu-HU" dirty="0" err="1"/>
-              <a:t>remaining</a:t>
-            </a:r>
-            <a:r>
-              <a:rPr lang="en-US" dirty="0"/>
-              <a:t> pages,</a:t>
-            </a:r>
-            <a:r>
-              <a:rPr lang="hu-HU" dirty="0"/>
-              <a:t> </a:t>
-            </a:r>
-            <a:r>
-              <a:rPr lang="en-US" dirty="0"/>
-              <a:t> and wrote test cases in the documentation</a:t>
-            </a:r>
-            <a:endParaRPr lang="hu-HU" dirty="0"/>
+              <a:t> Én írtam meg a hátralévő frontend oldalakat és formázásaikat, valamint a dokumentációba írtam teszteseteket, telepítési lépéseket és a felhasznált irodalmat</a:t>
+            </a:r>
           </a:p>
         </p:txBody>
       </p:sp>
@@ -4514,178 +4407,29 @@
               <a:rPr lang="hu-HU" dirty="0"/>
             </a:br>
             <a:r>
-              <a:rPr lang="hu-HU" dirty="0" err="1"/>
-              <a:t>What</a:t>
-            </a:r>
-            <a:r>
               <a:rPr lang="hu-HU" dirty="0"/>
-              <a:t> </a:t>
-            </a:r>
-            <a:r>
-              <a:rPr lang="hu-HU" dirty="0" err="1"/>
-              <a:t>are</a:t>
-            </a:r>
+              <a:t>Mik a jövőbeli terveink?</a:t>
+            </a:r>
+          </a:p>
+          <a:p>
+            <a:endParaRPr lang="hu-HU" dirty="0"/>
+          </a:p>
+          <a:p>
             <a:r>
               <a:rPr lang="hu-HU" dirty="0"/>
-              <a:t> </a:t>
-            </a:r>
-            <a:r>
-              <a:rPr lang="hu-HU" dirty="0" err="1"/>
-              <a:t>our</a:t>
-            </a:r>
-            <a:r>
-              <a:rPr lang="hu-HU" dirty="0"/>
-              <a:t> </a:t>
-            </a:r>
-            <a:r>
-              <a:rPr lang="hu-HU" dirty="0" err="1"/>
-              <a:t>future</a:t>
-            </a:r>
-            <a:r>
-              <a:rPr lang="hu-HU" dirty="0"/>
-              <a:t> </a:t>
-            </a:r>
-            <a:r>
-              <a:rPr lang="hu-HU" dirty="0" err="1"/>
-              <a:t>plans</a:t>
-            </a:r>
-            <a:r>
-              <a:rPr lang="hu-HU" dirty="0"/>
-              <a:t>?</a:t>
-            </a:r>
-          </a:p>
-          <a:p>
-            <a:endParaRPr lang="hu-HU" dirty="0"/>
-          </a:p>
-          <a:p>
-            <a:r>
-              <a:rPr lang="hu-HU" dirty="0"/>
-              <a:t>The </a:t>
-            </a:r>
-            <a:r>
-              <a:rPr lang="hu-HU" dirty="0" err="1"/>
-              <a:t>premium</a:t>
-            </a:r>
-            <a:r>
-              <a:rPr lang="hu-HU" dirty="0"/>
-              <a:t> </a:t>
-            </a:r>
-            <a:r>
-              <a:rPr lang="hu-HU" dirty="0" err="1"/>
-              <a:t>subscription</a:t>
-            </a:r>
-            <a:r>
-              <a:rPr lang="hu-HU" dirty="0"/>
-              <a:t> </a:t>
-            </a:r>
-            <a:r>
-              <a:rPr lang="hu-HU" dirty="0" err="1"/>
-              <a:t>will</a:t>
-            </a:r>
-            <a:r>
-              <a:rPr lang="hu-HU" dirty="0"/>
-              <a:t> </a:t>
-            </a:r>
-            <a:r>
-              <a:rPr lang="hu-HU" dirty="0" err="1"/>
-              <a:t>allow</a:t>
-            </a:r>
-            <a:r>
-              <a:rPr lang="hu-HU" dirty="0"/>
-              <a:t> </a:t>
-            </a:r>
-            <a:r>
-              <a:rPr lang="hu-HU" dirty="0" err="1"/>
-              <a:t>the</a:t>
-            </a:r>
-            <a:r>
-              <a:rPr lang="hu-HU" dirty="0"/>
-              <a:t> </a:t>
-            </a:r>
-            <a:r>
-              <a:rPr lang="hu-HU" dirty="0" err="1"/>
-              <a:t>user</a:t>
-            </a:r>
-            <a:r>
-              <a:rPr lang="hu-HU" dirty="0"/>
-              <a:t> </a:t>
-            </a:r>
-            <a:r>
-              <a:rPr lang="hu-HU" dirty="0" err="1"/>
-              <a:t>to</a:t>
-            </a:r>
-            <a:r>
-              <a:rPr lang="hu-HU" dirty="0"/>
-              <a:t> </a:t>
-            </a:r>
-            <a:r>
-              <a:rPr lang="hu-HU" dirty="0" err="1"/>
-              <a:t>upload</a:t>
-            </a:r>
-            <a:r>
-              <a:rPr lang="hu-HU" dirty="0"/>
-              <a:t> more </a:t>
-            </a:r>
-            <a:r>
-              <a:rPr lang="hu-HU" dirty="0" err="1"/>
-              <a:t>posts</a:t>
-            </a:r>
-            <a:r>
-              <a:rPr lang="hu-HU" dirty="0"/>
-              <a:t>, </a:t>
-            </a:r>
-            <a:r>
-              <a:rPr lang="hu-HU" dirty="0" err="1"/>
-              <a:t>upload</a:t>
-            </a:r>
-            <a:r>
-              <a:rPr lang="hu-HU" dirty="0"/>
-              <a:t> more </a:t>
-            </a:r>
-            <a:r>
-              <a:rPr lang="hu-HU" dirty="0" err="1"/>
-              <a:t>pictures</a:t>
-            </a:r>
-            <a:r>
-              <a:rPr lang="hu-HU" dirty="0"/>
-              <a:t> </a:t>
-            </a:r>
-            <a:r>
-              <a:rPr lang="hu-HU" dirty="0" err="1"/>
-              <a:t>to</a:t>
-            </a:r>
-            <a:r>
-              <a:rPr lang="hu-HU" dirty="0"/>
-              <a:t> a post, and </a:t>
-            </a:r>
-            <a:r>
-              <a:rPr lang="hu-HU" dirty="0" err="1"/>
-              <a:t>highlight</a:t>
-            </a:r>
-            <a:r>
-              <a:rPr lang="hu-HU" dirty="0"/>
-              <a:t> </a:t>
-            </a:r>
-            <a:r>
-              <a:rPr lang="en-US" b="0" i="0" dirty="0">
-                <a:solidFill>
-                  <a:srgbClr val="E8EAED"/>
-                </a:solidFill>
-                <a:effectLst/>
-                <a:latin typeface="Arial" panose="020B0604020202020204" pitchFamily="34" charset="0"/>
-              </a:rPr>
-              <a:t>your post </a:t>
-            </a:r>
-            <a:r>
-              <a:rPr lang="hu-HU" b="0" i="0" dirty="0" err="1">
-                <a:solidFill>
-                  <a:srgbClr val="E8EAED"/>
-                </a:solidFill>
-                <a:effectLst/>
-                <a:latin typeface="Arial" panose="020B0604020202020204" pitchFamily="34" charset="0"/>
-              </a:rPr>
-              <a:t>to</a:t>
-            </a:r>
+              <a:t>A prémium előfizetéssel a felhasználó több posztot tud készíteni, több fényképet tud feltölteni, és a posztja elsőbbséget/kiemelést kap a többi közül</a:t>
+            </a:r>
+          </a:p>
+          <a:p>
+            <a:endParaRPr lang="hu-HU" b="0" i="0" dirty="0">
+              <a:solidFill>
+                <a:srgbClr val="E8EAED"/>
+              </a:solidFill>
+              <a:effectLst/>
+              <a:latin typeface="Arial" panose="020B0604020202020204" pitchFamily="34" charset="0"/>
+            </a:endParaRPr>
+          </a:p>
+          <a:p>
             <a:r>
               <a:rPr lang="hu-HU" b="0" i="0" dirty="0">
                 <a:solidFill>
@@ -4694,18 +4438,19 @@
                 <a:effectLst/>
                 <a:latin typeface="Arial" panose="020B0604020202020204" pitchFamily="34" charset="0"/>
               </a:rPr>
-              <a:t> </a:t>
-            </a:r>
-            <a:r>
-              <a:rPr lang="en-US" b="0" i="0" dirty="0">
-                <a:solidFill>
-                  <a:srgbClr val="E8EAED"/>
-                </a:solidFill>
-                <a:effectLst/>
-                <a:latin typeface="Arial" panose="020B0604020202020204" pitchFamily="34" charset="0"/>
-              </a:rPr>
-              <a:t>stand out from others' posts</a:t>
-            </a:r>
+              <a:t>Attól függetlenül hogy a weboldal teljesen reszponzív, szeretnénk mobilalkalmazást készíteni</a:t>
+            </a:r>
+          </a:p>
+          <a:p>
+            <a:endParaRPr lang="hu-HU" b="0" i="0" dirty="0">
+              <a:solidFill>
+                <a:srgbClr val="E8EAED"/>
+              </a:solidFill>
+              <a:effectLst/>
+              <a:latin typeface="Arial" panose="020B0604020202020204" pitchFamily="34" charset="0"/>
+            </a:endParaRPr>
+          </a:p>
+          <a:p>
             <a:r>
               <a:rPr lang="hu-HU" b="0" i="0" dirty="0">
                 <a:solidFill>
@@ -4714,516 +4459,7 @@
                 <a:effectLst/>
                 <a:latin typeface="Arial" panose="020B0604020202020204" pitchFamily="34" charset="0"/>
               </a:rPr>
-              <a:t>.</a:t>
-            </a:r>
-          </a:p>
-          <a:p>
-            <a:endParaRPr lang="hu-HU" b="0" i="0" dirty="0">
-              <a:solidFill>
-                <a:srgbClr val="E8EAED"/>
-              </a:solidFill>
-              <a:effectLst/>
-              <a:latin typeface="Arial" panose="020B0604020202020204" pitchFamily="34" charset="0"/>
-            </a:endParaRPr>
-          </a:p>
-          <a:p>
-            <a:r>
-              <a:rPr lang="hu-HU" b="0" i="0" dirty="0" err="1">
-                <a:solidFill>
-                  <a:srgbClr val="E8EAED"/>
-                </a:solidFill>
-                <a:effectLst/>
-                <a:latin typeface="Arial" panose="020B0604020202020204" pitchFamily="34" charset="0"/>
-              </a:rPr>
-              <a:t>Although</a:t>
-            </a:r>
-            <a:r>
-              <a:rPr lang="hu-HU" b="0" i="0" dirty="0">
-                <a:solidFill>
-                  <a:srgbClr val="E8EAED"/>
-                </a:solidFill>
-                <a:effectLst/>
-                <a:latin typeface="Arial" panose="020B0604020202020204" pitchFamily="34" charset="0"/>
-              </a:rPr>
-              <a:t> </a:t>
-            </a:r>
-            <a:r>
-              <a:rPr lang="hu-HU" b="0" i="0" dirty="0" err="1">
-                <a:solidFill>
-                  <a:srgbClr val="E8EAED"/>
-                </a:solidFill>
-                <a:effectLst/>
-                <a:latin typeface="Arial" panose="020B0604020202020204" pitchFamily="34" charset="0"/>
-              </a:rPr>
-              <a:t>our</a:t>
-            </a:r>
-            <a:r>
-              <a:rPr lang="hu-HU" b="0" i="0" dirty="0">
-                <a:solidFill>
-                  <a:srgbClr val="E8EAED"/>
-                </a:solidFill>
-                <a:effectLst/>
-                <a:latin typeface="Arial" panose="020B0604020202020204" pitchFamily="34" charset="0"/>
-              </a:rPr>
-              <a:t> website is </a:t>
-            </a:r>
-            <a:r>
-              <a:rPr lang="hu-HU" b="0" i="0" dirty="0" err="1">
-                <a:solidFill>
-                  <a:srgbClr val="E8EAED"/>
-                </a:solidFill>
-                <a:effectLst/>
-                <a:latin typeface="Arial" panose="020B0604020202020204" pitchFamily="34" charset="0"/>
-              </a:rPr>
-              <a:t>fully</a:t>
-            </a:r>
-            <a:r>
-              <a:rPr lang="hu-HU" b="0" i="0" dirty="0">
-                <a:solidFill>
-                  <a:srgbClr val="E8EAED"/>
-                </a:solidFill>
-                <a:effectLst/>
-                <a:latin typeface="Arial" panose="020B0604020202020204" pitchFamily="34" charset="0"/>
-              </a:rPr>
-              <a:t> </a:t>
-            </a:r>
-            <a:r>
-              <a:rPr lang="hu-HU" b="0" i="0" dirty="0" err="1">
-                <a:solidFill>
-                  <a:srgbClr val="E8EAED"/>
-                </a:solidFill>
-                <a:effectLst/>
-                <a:latin typeface="Arial" panose="020B0604020202020204" pitchFamily="34" charset="0"/>
-              </a:rPr>
-              <a:t>responsive</a:t>
-            </a:r>
-            <a:r>
-              <a:rPr lang="hu-HU" b="0" i="0" dirty="0">
-                <a:solidFill>
-                  <a:srgbClr val="E8EAED"/>
-                </a:solidFill>
-                <a:effectLst/>
-                <a:latin typeface="Arial" panose="020B0604020202020204" pitchFamily="34" charset="0"/>
-              </a:rPr>
-              <a:t>, </a:t>
-            </a:r>
-            <a:r>
-              <a:rPr lang="hu-HU" b="0" i="0" dirty="0" err="1">
-                <a:solidFill>
-                  <a:srgbClr val="E8EAED"/>
-                </a:solidFill>
-                <a:effectLst/>
-                <a:latin typeface="Arial" panose="020B0604020202020204" pitchFamily="34" charset="0"/>
-              </a:rPr>
-              <a:t>we</a:t>
-            </a:r>
-            <a:r>
-              <a:rPr lang="hu-HU" b="0" i="0" dirty="0">
-                <a:solidFill>
-                  <a:srgbClr val="E8EAED"/>
-                </a:solidFill>
-                <a:effectLst/>
-                <a:latin typeface="Arial" panose="020B0604020202020204" pitchFamily="34" charset="0"/>
-              </a:rPr>
-              <a:t> </a:t>
-            </a:r>
-            <a:r>
-              <a:rPr lang="hu-HU" b="0" i="0" dirty="0" err="1">
-                <a:solidFill>
-                  <a:srgbClr val="E8EAED"/>
-                </a:solidFill>
-                <a:effectLst/>
-                <a:latin typeface="Arial" panose="020B0604020202020204" pitchFamily="34" charset="0"/>
-              </a:rPr>
-              <a:t>would</a:t>
-            </a:r>
-            <a:r>
-              <a:rPr lang="hu-HU" b="0" i="0" dirty="0">
-                <a:solidFill>
-                  <a:srgbClr val="E8EAED"/>
-                </a:solidFill>
-                <a:effectLst/>
-                <a:latin typeface="Arial" panose="020B0604020202020204" pitchFamily="34" charset="0"/>
-              </a:rPr>
-              <a:t> </a:t>
-            </a:r>
-            <a:r>
-              <a:rPr lang="hu-HU" b="0" i="0" dirty="0" err="1">
-                <a:solidFill>
-                  <a:srgbClr val="E8EAED"/>
-                </a:solidFill>
-                <a:effectLst/>
-                <a:latin typeface="Arial" panose="020B0604020202020204" pitchFamily="34" charset="0"/>
-              </a:rPr>
-              <a:t>also</a:t>
-            </a:r>
-            <a:r>
-              <a:rPr lang="hu-HU" b="0" i="0" dirty="0">
-                <a:solidFill>
-                  <a:srgbClr val="E8EAED"/>
-                </a:solidFill>
-                <a:effectLst/>
-                <a:latin typeface="Arial" panose="020B0604020202020204" pitchFamily="34" charset="0"/>
-              </a:rPr>
-              <a:t> like </a:t>
-            </a:r>
-            <a:r>
-              <a:rPr lang="hu-HU" b="0" i="0" dirty="0" err="1">
-                <a:solidFill>
-                  <a:srgbClr val="E8EAED"/>
-                </a:solidFill>
-                <a:effectLst/>
-                <a:latin typeface="Arial" panose="020B0604020202020204" pitchFamily="34" charset="0"/>
-              </a:rPr>
-              <a:t>to</a:t>
-            </a:r>
-            <a:r>
-              <a:rPr lang="hu-HU" b="0" i="0" dirty="0">
-                <a:solidFill>
-                  <a:srgbClr val="E8EAED"/>
-                </a:solidFill>
-                <a:effectLst/>
-                <a:latin typeface="Arial" panose="020B0604020202020204" pitchFamily="34" charset="0"/>
-              </a:rPr>
-              <a:t> </a:t>
-            </a:r>
-            <a:r>
-              <a:rPr lang="hu-HU" b="0" i="0" dirty="0" err="1">
-                <a:solidFill>
-                  <a:srgbClr val="E8EAED"/>
-                </a:solidFill>
-                <a:effectLst/>
-                <a:latin typeface="Arial" panose="020B0604020202020204" pitchFamily="34" charset="0"/>
-              </a:rPr>
-              <a:t>make</a:t>
-            </a:r>
-            <a:r>
-              <a:rPr lang="hu-HU" b="0" i="0" dirty="0">
-                <a:solidFill>
-                  <a:srgbClr val="E8EAED"/>
-                </a:solidFill>
-                <a:effectLst/>
-                <a:latin typeface="Arial" panose="020B0604020202020204" pitchFamily="34" charset="0"/>
-              </a:rPr>
-              <a:t> </a:t>
-            </a:r>
-            <a:r>
-              <a:rPr lang="hu-HU" b="0" i="0" dirty="0" err="1">
-                <a:solidFill>
-                  <a:srgbClr val="E8EAED"/>
-                </a:solidFill>
-                <a:effectLst/>
-                <a:latin typeface="Arial" panose="020B0604020202020204" pitchFamily="34" charset="0"/>
-              </a:rPr>
-              <a:t>it</a:t>
-            </a:r>
-            <a:r>
-              <a:rPr lang="hu-HU" b="0" i="0" dirty="0">
-                <a:solidFill>
-                  <a:srgbClr val="E8EAED"/>
-                </a:solidFill>
-                <a:effectLst/>
-                <a:latin typeface="Arial" panose="020B0604020202020204" pitchFamily="34" charset="0"/>
-              </a:rPr>
-              <a:t> a mobile </a:t>
-            </a:r>
-            <a:r>
-              <a:rPr lang="hu-HU" b="0" i="0" dirty="0" err="1">
-                <a:solidFill>
-                  <a:srgbClr val="E8EAED"/>
-                </a:solidFill>
-                <a:effectLst/>
-                <a:latin typeface="Arial" panose="020B0604020202020204" pitchFamily="34" charset="0"/>
-              </a:rPr>
-              <a:t>application</a:t>
-            </a:r>
-            <a:endParaRPr lang="hu-HU" b="0" i="0" dirty="0">
-              <a:solidFill>
-                <a:srgbClr val="E8EAED"/>
-              </a:solidFill>
-              <a:effectLst/>
-              <a:latin typeface="Arial" panose="020B0604020202020204" pitchFamily="34" charset="0"/>
-            </a:endParaRPr>
-          </a:p>
-          <a:p>
-            <a:endParaRPr lang="hu-HU" b="0" i="0" dirty="0">
-              <a:solidFill>
-                <a:srgbClr val="E8EAED"/>
-              </a:solidFill>
-              <a:effectLst/>
-              <a:latin typeface="Arial" panose="020B0604020202020204" pitchFamily="34" charset="0"/>
-            </a:endParaRPr>
-          </a:p>
-          <a:p>
-            <a:r>
-              <a:rPr lang="hu-HU" b="0" i="0" dirty="0" err="1">
-                <a:solidFill>
-                  <a:srgbClr val="E8EAED"/>
-                </a:solidFill>
-                <a:effectLst/>
-                <a:latin typeface="Arial" panose="020B0604020202020204" pitchFamily="34" charset="0"/>
-              </a:rPr>
-              <a:t>We</a:t>
-            </a:r>
-            <a:r>
-              <a:rPr lang="hu-HU" b="0" i="0" dirty="0">
-                <a:solidFill>
-                  <a:srgbClr val="E8EAED"/>
-                </a:solidFill>
-                <a:effectLst/>
-                <a:latin typeface="Arial" panose="020B0604020202020204" pitchFamily="34" charset="0"/>
-              </a:rPr>
-              <a:t> </a:t>
-            </a:r>
-            <a:r>
-              <a:rPr lang="hu-HU" b="0" i="0" dirty="0" err="1">
-                <a:solidFill>
-                  <a:srgbClr val="E8EAED"/>
-                </a:solidFill>
-                <a:effectLst/>
-                <a:latin typeface="Arial" panose="020B0604020202020204" pitchFamily="34" charset="0"/>
-              </a:rPr>
-              <a:t>also</a:t>
-            </a:r>
-            <a:r>
-              <a:rPr lang="hu-HU" b="0" i="0" dirty="0">
-                <a:solidFill>
-                  <a:srgbClr val="E8EAED"/>
-                </a:solidFill>
-                <a:effectLst/>
-                <a:latin typeface="Arial" panose="020B0604020202020204" pitchFamily="34" charset="0"/>
-              </a:rPr>
-              <a:t> </a:t>
-            </a:r>
-            <a:r>
-              <a:rPr lang="hu-HU" b="0" i="0" dirty="0" err="1">
-                <a:solidFill>
-                  <a:srgbClr val="E8EAED"/>
-                </a:solidFill>
-                <a:effectLst/>
-                <a:latin typeface="Arial" panose="020B0604020202020204" pitchFamily="34" charset="0"/>
-              </a:rPr>
-              <a:t>plan</a:t>
-            </a:r>
-            <a:r>
-              <a:rPr lang="hu-HU" b="0" i="0" dirty="0">
-                <a:solidFill>
-                  <a:srgbClr val="E8EAED"/>
-                </a:solidFill>
-                <a:effectLst/>
-                <a:latin typeface="Arial" panose="020B0604020202020204" pitchFamily="34" charset="0"/>
-              </a:rPr>
-              <a:t> </a:t>
-            </a:r>
-            <a:r>
-              <a:rPr lang="hu-HU" b="0" i="0" dirty="0" err="1">
-                <a:solidFill>
-                  <a:srgbClr val="E8EAED"/>
-                </a:solidFill>
-                <a:effectLst/>
-                <a:latin typeface="Arial" panose="020B0604020202020204" pitchFamily="34" charset="0"/>
-              </a:rPr>
-              <a:t>on</a:t>
-            </a:r>
-            <a:r>
-              <a:rPr lang="hu-HU" b="0" i="0" dirty="0">
-                <a:solidFill>
-                  <a:srgbClr val="E8EAED"/>
-                </a:solidFill>
-                <a:effectLst/>
-                <a:latin typeface="Arial" panose="020B0604020202020204" pitchFamily="34" charset="0"/>
-              </a:rPr>
-              <a:t> </a:t>
-            </a:r>
-            <a:r>
-              <a:rPr lang="hu-HU" b="0" i="0" dirty="0" err="1">
-                <a:solidFill>
-                  <a:srgbClr val="E8EAED"/>
-                </a:solidFill>
-                <a:effectLst/>
-                <a:latin typeface="Arial" panose="020B0604020202020204" pitchFamily="34" charset="0"/>
-              </a:rPr>
-              <a:t>making</a:t>
-            </a:r>
-            <a:r>
-              <a:rPr lang="hu-HU" b="0" i="0" dirty="0">
-                <a:solidFill>
-                  <a:srgbClr val="E8EAED"/>
-                </a:solidFill>
-                <a:effectLst/>
-                <a:latin typeface="Arial" panose="020B0604020202020204" pitchFamily="34" charset="0"/>
-              </a:rPr>
-              <a:t> </a:t>
-            </a:r>
-            <a:r>
-              <a:rPr lang="hu-HU" b="0" i="0" dirty="0" err="1">
-                <a:solidFill>
-                  <a:srgbClr val="E8EAED"/>
-                </a:solidFill>
-                <a:effectLst/>
-                <a:latin typeface="Arial" panose="020B0604020202020204" pitchFamily="34" charset="0"/>
-              </a:rPr>
-              <a:t>the</a:t>
-            </a:r>
-            <a:r>
-              <a:rPr lang="hu-HU" b="0" i="0" dirty="0">
-                <a:solidFill>
-                  <a:srgbClr val="E8EAED"/>
-                </a:solidFill>
-                <a:effectLst/>
-                <a:latin typeface="Arial" panose="020B0604020202020204" pitchFamily="34" charset="0"/>
-              </a:rPr>
-              <a:t> website more </a:t>
-            </a:r>
-            <a:r>
-              <a:rPr lang="hu-HU" b="0" i="0" dirty="0" err="1">
-                <a:solidFill>
-                  <a:srgbClr val="E8EAED"/>
-                </a:solidFill>
-                <a:effectLst/>
-                <a:latin typeface="Arial" panose="020B0604020202020204" pitchFamily="34" charset="0"/>
-              </a:rPr>
-              <a:t>user</a:t>
-            </a:r>
-            <a:r>
-              <a:rPr lang="hu-HU" b="0" i="0" dirty="0">
-                <a:solidFill>
-                  <a:srgbClr val="E8EAED"/>
-                </a:solidFill>
-                <a:effectLst/>
-                <a:latin typeface="Arial" panose="020B0604020202020204" pitchFamily="34" charset="0"/>
-              </a:rPr>
-              <a:t> </a:t>
-            </a:r>
-            <a:r>
-              <a:rPr lang="hu-HU" b="0" i="0" dirty="0" err="1">
-                <a:solidFill>
-                  <a:srgbClr val="E8EAED"/>
-                </a:solidFill>
-                <a:effectLst/>
-                <a:latin typeface="Arial" panose="020B0604020202020204" pitchFamily="34" charset="0"/>
-              </a:rPr>
-              <a:t>friendly</a:t>
-            </a:r>
-            <a:r>
-              <a:rPr lang="hu-HU" b="0" i="0" dirty="0">
-                <a:solidFill>
-                  <a:srgbClr val="E8EAED"/>
-                </a:solidFill>
-                <a:effectLst/>
-                <a:latin typeface="Arial" panose="020B0604020202020204" pitchFamily="34" charset="0"/>
-              </a:rPr>
-              <a:t> and </a:t>
-            </a:r>
-            <a:r>
-              <a:rPr lang="hu-HU" b="0" i="0" dirty="0" err="1">
-                <a:solidFill>
-                  <a:srgbClr val="E8EAED"/>
-                </a:solidFill>
-                <a:effectLst/>
-                <a:latin typeface="Arial" panose="020B0604020202020204" pitchFamily="34" charset="0"/>
-              </a:rPr>
-              <a:t>create</a:t>
-            </a:r>
-            <a:r>
-              <a:rPr lang="hu-HU" b="0" i="0" dirty="0">
-                <a:solidFill>
-                  <a:srgbClr val="E8EAED"/>
-                </a:solidFill>
-                <a:effectLst/>
-                <a:latin typeface="Arial" panose="020B0604020202020204" pitchFamily="34" charset="0"/>
-              </a:rPr>
-              <a:t> a </a:t>
-            </a:r>
-            <a:r>
-              <a:rPr lang="hu-HU" b="0" i="0" dirty="0" err="1">
-                <a:solidFill>
-                  <a:srgbClr val="E8EAED"/>
-                </a:solidFill>
-                <a:effectLst/>
-                <a:latin typeface="Arial" panose="020B0604020202020204" pitchFamily="34" charset="0"/>
-              </a:rPr>
-              <a:t>positive</a:t>
-            </a:r>
-            <a:r>
-              <a:rPr lang="hu-HU" b="0" i="0" dirty="0">
-                <a:solidFill>
-                  <a:srgbClr val="E8EAED"/>
-                </a:solidFill>
-                <a:effectLst/>
-                <a:latin typeface="Arial" panose="020B0604020202020204" pitchFamily="34" charset="0"/>
-              </a:rPr>
-              <a:t> </a:t>
-            </a:r>
-            <a:r>
-              <a:rPr lang="hu-HU" b="0" i="0" dirty="0" err="1">
-                <a:solidFill>
-                  <a:srgbClr val="E8EAED"/>
-                </a:solidFill>
-                <a:effectLst/>
-                <a:latin typeface="Arial" panose="020B0604020202020204" pitchFamily="34" charset="0"/>
-              </a:rPr>
-              <a:t>experience</a:t>
-            </a:r>
-            <a:r>
-              <a:rPr lang="hu-HU" b="0" i="0" dirty="0">
-                <a:solidFill>
-                  <a:srgbClr val="E8EAED"/>
-                </a:solidFill>
-                <a:effectLst/>
-                <a:latin typeface="Arial" panose="020B0604020202020204" pitchFamily="34" charset="0"/>
-              </a:rPr>
-              <a:t> </a:t>
-            </a:r>
-            <a:r>
-              <a:rPr lang="hu-HU" b="0" i="0" dirty="0" err="1">
-                <a:solidFill>
-                  <a:srgbClr val="E8EAED"/>
-                </a:solidFill>
-                <a:effectLst/>
-                <a:latin typeface="Arial" panose="020B0604020202020204" pitchFamily="34" charset="0"/>
-              </a:rPr>
-              <a:t>for</a:t>
-            </a:r>
-            <a:r>
-              <a:rPr lang="hu-HU" b="0" i="0" dirty="0">
-                <a:solidFill>
-                  <a:srgbClr val="E8EAED"/>
-                </a:solidFill>
-                <a:effectLst/>
-                <a:latin typeface="Arial" panose="020B0604020202020204" pitchFamily="34" charset="0"/>
-              </a:rPr>
-              <a:t> </a:t>
-            </a:r>
-            <a:r>
-              <a:rPr lang="hu-HU" b="0" i="0" dirty="0" err="1">
-                <a:solidFill>
-                  <a:srgbClr val="E8EAED"/>
-                </a:solidFill>
-                <a:effectLst/>
-                <a:latin typeface="Arial" panose="020B0604020202020204" pitchFamily="34" charset="0"/>
-              </a:rPr>
-              <a:t>any</a:t>
-            </a:r>
-            <a:r>
-              <a:rPr lang="hu-HU" b="0" i="0" dirty="0">
-                <a:solidFill>
-                  <a:srgbClr val="E8EAED"/>
-                </a:solidFill>
-                <a:effectLst/>
-                <a:latin typeface="Arial" panose="020B0604020202020204" pitchFamily="34" charset="0"/>
-              </a:rPr>
-              <a:t> </a:t>
-            </a:r>
-            <a:r>
-              <a:rPr lang="hu-HU" b="0" i="0" dirty="0" err="1">
-                <a:solidFill>
-                  <a:srgbClr val="E8EAED"/>
-                </a:solidFill>
-                <a:effectLst/>
-                <a:latin typeface="Arial" panose="020B0604020202020204" pitchFamily="34" charset="0"/>
-              </a:rPr>
-              <a:t>user</a:t>
+              <a:t>Ezenkívül esetleg a felhasználói felületen változtatnánk a jobb felhasználói élményért</a:t>
             </a:r>
             <a:endParaRPr lang="hu-HU" dirty="0"/>
           </a:p>
@@ -6671,15 +5907,6 @@
           <a:p>
             <a:r>
               <a:rPr lang="hu-HU" dirty="0"/>
-              <a:t>A posztok táblában a sikeresen létrehozott posztokat tároljuk</a:t>
-            </a:r>
-          </a:p>
-          <a:p>
-            <a:endParaRPr lang="hu-HU" dirty="0"/>
-          </a:p>
-          <a:p>
-            <a:r>
-              <a:rPr lang="hu-HU" dirty="0"/>
               <a:t>A vélemények táblában a posztokra írt szöveges véleményeket tároljuk.</a:t>
             </a:r>
           </a:p>
@@ -6701,15 +5928,6 @@
           <a:p>
             <a:r>
               <a:rPr lang="hu-HU" dirty="0"/>
-              <a:t>A kedvencek táblában a kedvencként lementett posztokat tároljuk</a:t>
-            </a:r>
-          </a:p>
-          <a:p>
-            <a:endParaRPr lang="hu-HU" dirty="0"/>
-          </a:p>
-          <a:p>
-            <a:r>
-              <a:rPr lang="hu-HU" dirty="0"/>
               <a:t>A beszélgetések táblában a felhasználók közötti üzeneteket tároljuk</a:t>
             </a:r>
           </a:p>
@@ -6728,15 +5946,6 @@
             <a:r>
               <a:rPr lang="hu-HU" dirty="0"/>
               <a:t> és a módosítás sok problémát okozott volna</a:t>
-            </a:r>
-          </a:p>
-          <a:p>
-            <a:endParaRPr lang="hu-HU" dirty="0"/>
-          </a:p>
-          <a:p>
-            <a:r>
-              <a:rPr lang="hu-HU" dirty="0"/>
-              <a:t>A naptár táblában a már lefoglalt időpontokat tároljuk. Ennek az a szerepe hogy az új időpontfoglalásnál megvizsgáljuk hogy mi foglalt, és kiveszi a foglaltat a szabadon választható időpontok közül.</a:t>
             </a:r>
           </a:p>
           <a:p>
@@ -7135,7 +6344,7 @@
             <a:pPr rtl="0"/>
             <a:fld id="{95CA01AC-FE48-43E8-9541-14BE6D4B6216}" type="datetime1">
               <a:rPr lang="hu-HU" smtClean="0"/>
-              <a:t>2025. 05. 25.</a:t>
+              <a:t>2025. 05. 26.</a:t>
             </a:fld>
             <a:endParaRPr lang="hu-HU" dirty="0"/>
           </a:p>
@@ -7310,7 +6519,7 @@
             <a:pPr rtl="0"/>
             <a:fld id="{BA132BAD-A41C-435C-BDF1-B40F5FDD6CBB}" type="datetime1">
               <a:rPr lang="hu-HU" smtClean="0"/>
-              <a:t>2025. 05. 25.</a:t>
+              <a:t>2025. 05. 26.</a:t>
             </a:fld>
             <a:endParaRPr lang="hu-HU" dirty="0"/>
           </a:p>
@@ -7495,7 +6704,7 @@
             <a:pPr rtl="0"/>
             <a:fld id="{511901B3-A2B9-4D78-B569-739B455CDF92}" type="datetime1">
               <a:rPr lang="hu-HU" smtClean="0"/>
-              <a:t>2025. 05. 25.</a:t>
+              <a:t>2025. 05. 26.</a:t>
             </a:fld>
             <a:endParaRPr lang="hu-HU" dirty="0"/>
           </a:p>
@@ -7670,7 +6879,7 @@
             <a:pPr rtl="0"/>
             <a:fld id="{3851FB85-B948-4ACD-8B79-12856967A932}" type="datetime1">
               <a:rPr lang="hu-HU" smtClean="0"/>
-              <a:t>2025. 05. 25.</a:t>
+              <a:t>2025. 05. 26.</a:t>
             </a:fld>
             <a:endParaRPr lang="hu-HU" dirty="0"/>
           </a:p>
@@ -7929,7 +7138,7 @@
             <a:pPr rtl="0"/>
             <a:fld id="{02DEE940-EEB9-4D88-B665-1DF05D9BAE13}" type="datetime1">
               <a:rPr lang="hu-HU" smtClean="0"/>
-              <a:t>2025. 05. 25.</a:t>
+              <a:t>2025. 05. 26.</a:t>
             </a:fld>
             <a:endParaRPr lang="hu-HU" dirty="0"/>
           </a:p>
@@ -8222,7 +7431,7 @@
             <a:pPr rtl="0"/>
             <a:fld id="{A1DCEE0E-6970-4EFC-81F5-D470F37408DE}" type="datetime1">
               <a:rPr lang="hu-HU" smtClean="0"/>
-              <a:t>2025. 05. 25.</a:t>
+              <a:t>2025. 05. 26.</a:t>
             </a:fld>
             <a:endParaRPr lang="hu-HU" dirty="0"/>
           </a:p>
@@ -8669,7 +7878,7 @@
             <a:pPr rtl="0"/>
             <a:fld id="{5722FE6C-7199-4AEC-9102-6BCA289AF93C}" type="datetime1">
               <a:rPr lang="hu-HU" smtClean="0"/>
-              <a:t>2025. 05. 25.</a:t>
+              <a:t>2025. 05. 26.</a:t>
             </a:fld>
             <a:endParaRPr lang="hu-HU" dirty="0"/>
           </a:p>
@@ -8792,7 +8001,7 @@
             <a:pPr rtl="0"/>
             <a:fld id="{03D29D9B-97B7-4810-8AA3-861B7C07DF7C}" type="datetime1">
               <a:rPr lang="hu-HU" smtClean="0"/>
-              <a:t>2025. 05. 25.</a:t>
+              <a:t>2025. 05. 26.</a:t>
             </a:fld>
             <a:endParaRPr lang="hu-HU" dirty="0"/>
           </a:p>
@@ -8891,7 +8100,7 @@
             <a:pPr rtl="0"/>
             <a:fld id="{E0B8E3E5-F330-44D0-86BC-D7273766CF24}" type="datetime1">
               <a:rPr lang="hu-HU" smtClean="0"/>
-              <a:t>2025. 05. 25.</a:t>
+              <a:t>2025. 05. 26.</a:t>
             </a:fld>
             <a:endParaRPr lang="hu-HU" dirty="0"/>
           </a:p>
@@ -9184,7 +8393,7 @@
             <a:pPr rtl="0"/>
             <a:fld id="{03B9D2F3-D2FB-4079-8358-26B647FEDD45}" type="datetime1">
               <a:rPr lang="hu-HU" smtClean="0"/>
-              <a:t>2025. 05. 25.</a:t>
+              <a:t>2025. 05. 26.</a:t>
             </a:fld>
             <a:endParaRPr lang="hu-HU" dirty="0"/>
           </a:p>
@@ -9762,7 +8971,7 @@
             <a:pPr rtl="0"/>
             <a:fld id="{BF34A502-BF6B-45AF-A469-BC8939D6A3FE}" type="datetime1">
               <a:rPr lang="hu-HU" smtClean="0"/>
-              <a:t>2025. 05. 25.</a:t>
+              <a:t>2025. 05. 26.</a:t>
             </a:fld>
             <a:endParaRPr lang="hu-HU" dirty="0"/>
           </a:p>
@@ -10076,7 +9285,7 @@
             <a:pPr rtl="0"/>
             <a:fld id="{D951BFFD-2CCD-4914-9DBD-1533C1ADC8FA}" type="datetime1">
               <a:rPr lang="hu-HU" noProof="0" smtClean="0"/>
-              <a:t>2025. 05. 25.</a:t>
+              <a:t>2025. 05. 26.</a:t>
             </a:fld>
             <a:endParaRPr lang="hu-HU" noProof="0"/>
           </a:p>
@@ -15627,15 +14836,6 @@
 </file>
 
 <file path=customXml/item1.xml><?xml version="1.0" encoding="utf-8"?>
-<?mso-contentType ?>
-<FormTemplates xmlns="http://schemas.microsoft.com/sharepoint/v3/contenttype/forms">
-  <Display>DocumentLibraryForm</Display>
-  <Edit>DocumentLibraryForm</Edit>
-  <New>DocumentLibraryForm</New>
-</FormTemplates>
-</file>
-
-<file path=customXml/item2.xml><?xml version="1.0" encoding="utf-8"?>
 <ct:contentTypeSchema xmlns:ct="http://schemas.microsoft.com/office/2006/metadata/contentType" xmlns:ma="http://schemas.microsoft.com/office/2006/metadata/properties/metaAttributes" ct:_="" ma:_="" ma:contentTypeName="Document" ma:contentTypeID="0x01010079F111ED35F8CC479449609E8A0923A6" ma:contentTypeVersion="11" ma:contentTypeDescription="Create a new document." ma:contentTypeScope="" ma:versionID="1c2eb7a32e66fb6e4260f3771546a5e2">
   <xsd:schema xmlns:xsd="http://www.w3.org/2001/XMLSchema" xmlns:xs="http://www.w3.org/2001/XMLSchema" xmlns:p="http://schemas.microsoft.com/office/2006/metadata/properties" xmlns:ns2="71af3243-3dd4-4a8d-8c0d-dd76da1f02a5" xmlns:ns3="16c05727-aa75-4e4a-9b5f-8a80a1165891" targetNamespace="http://schemas.microsoft.com/office/2006/metadata/properties" ma:root="true" ma:fieldsID="04e1f6479c48b08974ba73b5ca973489" ns2:_="" ns3:_="">
     <xsd:import namespace="71af3243-3dd4-4a8d-8c0d-dd76da1f02a5"/>
@@ -15846,6 +15046,15 @@
 </ct:contentTypeSchema>
 </file>
 
+<file path=customXml/item2.xml><?xml version="1.0" encoding="utf-8"?>
+<?mso-contentType ?>
+<FormTemplates xmlns="http://schemas.microsoft.com/sharepoint/v3/contenttype/forms">
+  <Display>DocumentLibraryForm</Display>
+  <Edit>DocumentLibraryForm</Edit>
+  <New>DocumentLibraryForm</New>
+</FormTemplates>
+</file>
+
 <file path=customXml/item3.xml><?xml version="1.0" encoding="utf-8"?>
 <p:properties xmlns:p="http://schemas.microsoft.com/office/2006/metadata/properties" xmlns:xsi="http://www.w3.org/2001/XMLSchema-instance" xmlns:pc="http://schemas.microsoft.com/office/infopath/2007/PartnerControls">
   <documentManagement>
@@ -15855,14 +15064,6 @@
 </file>
 
 <file path=customXml/itemProps1.xml><?xml version="1.0" encoding="utf-8"?>
-<ds:datastoreItem xmlns:ds="http://schemas.openxmlformats.org/officeDocument/2006/customXml" ds:itemID="{DFB9BFA2-1FA5-44A1-B975-10D6BF58ECD0}">
-  <ds:schemaRefs>
-    <ds:schemaRef ds:uri="http://schemas.microsoft.com/sharepoint/v3/contenttype/forms"/>
-  </ds:schemaRefs>
-</ds:datastoreItem>
-</file>
-
-<file path=customXml/itemProps2.xml><?xml version="1.0" encoding="utf-8"?>
 <ds:datastoreItem xmlns:ds="http://schemas.openxmlformats.org/officeDocument/2006/customXml" ds:itemID="{E577E783-5AB8-45E6-9E56-AE40075231B2}">
   <ds:schemaRefs>
     <ds:schemaRef ds:uri="http://schemas.microsoft.com/office/2006/metadata/contentType"/>
@@ -15877,6 +15078,14 @@
     <ds:schemaRef ds:uri="http://purl.org/dc/elements/1.1/"/>
     <ds:schemaRef ds:uri="http://purl.org/dc/terms/"/>
     <ds:schemaRef ds:uri="http://schemas.microsoft.com/internal/obd"/>
+  </ds:schemaRefs>
+</ds:datastoreItem>
+</file>
+
+<file path=customXml/itemProps2.xml><?xml version="1.0" encoding="utf-8"?>
+<ds:datastoreItem xmlns:ds="http://schemas.openxmlformats.org/officeDocument/2006/customXml" ds:itemID="{DFB9BFA2-1FA5-44A1-B975-10D6BF58ECD0}">
+  <ds:schemaRefs>
+    <ds:schemaRef ds:uri="http://schemas.microsoft.com/sharepoint/v3/contenttype/forms"/>
   </ds:schemaRefs>
 </ds:datastoreItem>
 </file>

--- a/prezentáció.pptx
+++ b/prezentáció.pptx
@@ -5376,28 +5376,6 @@
             </a:r>
           </a:p>
           <a:p>
-            <a:r>
-              <a:rPr lang="hu-HU" dirty="0"/>
-              <a:t>A backendhez telepített segédmodulok teljes listáját a </a:t>
-            </a:r>
-            <a:r>
-              <a:rPr lang="hu-HU" dirty="0" err="1"/>
-              <a:t>package.json</a:t>
-            </a:r>
-            <a:r>
-              <a:rPr lang="hu-HU" dirty="0"/>
-              <a:t> fájlban a </a:t>
-            </a:r>
-            <a:r>
-              <a:rPr lang="hu-HU" dirty="0" err="1"/>
-              <a:t>dependencies</a:t>
-            </a:r>
-            <a:r>
-              <a:rPr lang="hu-HU" dirty="0"/>
-              <a:t> alatt láthatjuk</a:t>
-            </a:r>
-          </a:p>
-          <a:p>
             <a:endParaRPr lang="hu-HU" dirty="0"/>
           </a:p>
           <a:p>
@@ -5622,31 +5600,7 @@
             </a:r>
             <a:r>
               <a:rPr lang="hu-HU" dirty="0"/>
-              <a:t> mappában tároljuk. Az index </a:t>
-            </a:r>
-            <a:r>
-              <a:rPr lang="hu-HU" dirty="0" err="1"/>
-              <a:t>html-t</a:t>
-            </a:r>
-            <a:r>
-              <a:rPr lang="hu-HU" dirty="0"/>
-              <a:t> és a </a:t>
-            </a:r>
-            <a:r>
-              <a:rPr lang="hu-HU" dirty="0" err="1"/>
-              <a:t>navbar</a:t>
-            </a:r>
-            <a:r>
-              <a:rPr lang="hu-HU" dirty="0"/>
-              <a:t> </a:t>
-            </a:r>
-            <a:r>
-              <a:rPr lang="hu-HU" dirty="0" err="1"/>
-              <a:t>jsx-et</a:t>
-            </a:r>
-            <a:r>
-              <a:rPr lang="hu-HU" dirty="0"/>
-              <a:t> pedig ezeken kívül, hiszen mindenhonnan elérési utat kell biztosítani</a:t>
+              <a:t> mappában tároljuk. </a:t>
             </a:r>
           </a:p>
         </p:txBody>
@@ -14836,6 +14790,15 @@
 </file>
 
 <file path=customXml/item1.xml><?xml version="1.0" encoding="utf-8"?>
+<?mso-contentType ?>
+<FormTemplates xmlns="http://schemas.microsoft.com/sharepoint/v3/contenttype/forms">
+  <Display>DocumentLibraryForm</Display>
+  <Edit>DocumentLibraryForm</Edit>
+  <New>DocumentLibraryForm</New>
+</FormTemplates>
+</file>
+
+<file path=customXml/item2.xml><?xml version="1.0" encoding="utf-8"?>
 <ct:contentTypeSchema xmlns:ct="http://schemas.microsoft.com/office/2006/metadata/contentType" xmlns:ma="http://schemas.microsoft.com/office/2006/metadata/properties/metaAttributes" ct:_="" ma:_="" ma:contentTypeName="Document" ma:contentTypeID="0x01010079F111ED35F8CC479449609E8A0923A6" ma:contentTypeVersion="11" ma:contentTypeDescription="Create a new document." ma:contentTypeScope="" ma:versionID="1c2eb7a32e66fb6e4260f3771546a5e2">
   <xsd:schema xmlns:xsd="http://www.w3.org/2001/XMLSchema" xmlns:xs="http://www.w3.org/2001/XMLSchema" xmlns:p="http://schemas.microsoft.com/office/2006/metadata/properties" xmlns:ns2="71af3243-3dd4-4a8d-8c0d-dd76da1f02a5" xmlns:ns3="16c05727-aa75-4e4a-9b5f-8a80a1165891" targetNamespace="http://schemas.microsoft.com/office/2006/metadata/properties" ma:root="true" ma:fieldsID="04e1f6479c48b08974ba73b5ca973489" ns2:_="" ns3:_="">
     <xsd:import namespace="71af3243-3dd4-4a8d-8c0d-dd76da1f02a5"/>
@@ -15046,15 +15009,6 @@
 </ct:contentTypeSchema>
 </file>
 
-<file path=customXml/item2.xml><?xml version="1.0" encoding="utf-8"?>
-<?mso-contentType ?>
-<FormTemplates xmlns="http://schemas.microsoft.com/sharepoint/v3/contenttype/forms">
-  <Display>DocumentLibraryForm</Display>
-  <Edit>DocumentLibraryForm</Edit>
-  <New>DocumentLibraryForm</New>
-</FormTemplates>
-</file>
-
 <file path=customXml/item3.xml><?xml version="1.0" encoding="utf-8"?>
 <p:properties xmlns:p="http://schemas.microsoft.com/office/2006/metadata/properties" xmlns:xsi="http://www.w3.org/2001/XMLSchema-instance" xmlns:pc="http://schemas.microsoft.com/office/infopath/2007/PartnerControls">
   <documentManagement>
@@ -15064,6 +15018,14 @@
 </file>
 
 <file path=customXml/itemProps1.xml><?xml version="1.0" encoding="utf-8"?>
+<ds:datastoreItem xmlns:ds="http://schemas.openxmlformats.org/officeDocument/2006/customXml" ds:itemID="{DFB9BFA2-1FA5-44A1-B975-10D6BF58ECD0}">
+  <ds:schemaRefs>
+    <ds:schemaRef ds:uri="http://schemas.microsoft.com/sharepoint/v3/contenttype/forms"/>
+  </ds:schemaRefs>
+</ds:datastoreItem>
+</file>
+
+<file path=customXml/itemProps2.xml><?xml version="1.0" encoding="utf-8"?>
 <ds:datastoreItem xmlns:ds="http://schemas.openxmlformats.org/officeDocument/2006/customXml" ds:itemID="{E577E783-5AB8-45E6-9E56-AE40075231B2}">
   <ds:schemaRefs>
     <ds:schemaRef ds:uri="http://schemas.microsoft.com/office/2006/metadata/contentType"/>
@@ -15078,14 +15040,6 @@
     <ds:schemaRef ds:uri="http://purl.org/dc/elements/1.1/"/>
     <ds:schemaRef ds:uri="http://purl.org/dc/terms/"/>
     <ds:schemaRef ds:uri="http://schemas.microsoft.com/internal/obd"/>
-  </ds:schemaRefs>
-</ds:datastoreItem>
-</file>
-
-<file path=customXml/itemProps2.xml><?xml version="1.0" encoding="utf-8"?>
-<ds:datastoreItem xmlns:ds="http://schemas.openxmlformats.org/officeDocument/2006/customXml" ds:itemID="{DFB9BFA2-1FA5-44A1-B975-10D6BF58ECD0}">
-  <ds:schemaRefs>
-    <ds:schemaRef ds:uri="http://schemas.microsoft.com/sharepoint/v3/contenttype/forms"/>
   </ds:schemaRefs>
 </ds:datastoreItem>
 </file>
